--- a/documentation/HeuristicLab 4.0.pptx
+++ b/documentation/HeuristicLab 4.0.pptx
@@ -14,9 +14,11 @@
     <p:sldId id="257" r:id="rId8"/>
     <p:sldId id="260" r:id="rId9"/>
     <p:sldId id="263" r:id="rId10"/>
-    <p:sldId id="264" r:id="rId11"/>
-    <p:sldId id="266" r:id="rId12"/>
-    <p:sldId id="265" r:id="rId13"/>
+    <p:sldId id="271" r:id="rId11"/>
+    <p:sldId id="272" r:id="rId12"/>
+    <p:sldId id="264" r:id="rId13"/>
+    <p:sldId id="266" r:id="rId14"/>
+    <p:sldId id="265" r:id="rId15"/>
   </p:sldIdLst>
   <p:sldSz cx="12192000" cy="6858000"/>
   <p:notesSz cx="6858000" cy="9144000"/>
@@ -254,7 +256,7 @@
           <a:p>
             <a:fld id="{04FFA9E9-5461-4D3B-90F8-43CB1CC1C3BF}" type="datetimeFigureOut">
               <a:rPr lang="de-DE" smtClean="0"/>
-              <a:t>04.02.2016</a:t>
+              <a:t>05.02.2016</a:t>
             </a:fld>
             <a:endParaRPr lang="de-DE"/>
           </a:p>
@@ -424,7 +426,7 @@
           <a:p>
             <a:fld id="{04FFA9E9-5461-4D3B-90F8-43CB1CC1C3BF}" type="datetimeFigureOut">
               <a:rPr lang="de-DE" smtClean="0"/>
-              <a:t>04.02.2016</a:t>
+              <a:t>05.02.2016</a:t>
             </a:fld>
             <a:endParaRPr lang="de-DE"/>
           </a:p>
@@ -604,7 +606,7 @@
           <a:p>
             <a:fld id="{04FFA9E9-5461-4D3B-90F8-43CB1CC1C3BF}" type="datetimeFigureOut">
               <a:rPr lang="de-DE" smtClean="0"/>
-              <a:t>04.02.2016</a:t>
+              <a:t>05.02.2016</a:t>
             </a:fld>
             <a:endParaRPr lang="de-DE"/>
           </a:p>
@@ -774,7 +776,7 @@
           <a:p>
             <a:fld id="{04FFA9E9-5461-4D3B-90F8-43CB1CC1C3BF}" type="datetimeFigureOut">
               <a:rPr lang="de-DE" smtClean="0"/>
-              <a:t>04.02.2016</a:t>
+              <a:t>05.02.2016</a:t>
             </a:fld>
             <a:endParaRPr lang="de-DE"/>
           </a:p>
@@ -1020,7 +1022,7 @@
           <a:p>
             <a:fld id="{04FFA9E9-5461-4D3B-90F8-43CB1CC1C3BF}" type="datetimeFigureOut">
               <a:rPr lang="de-DE" smtClean="0"/>
-              <a:t>04.02.2016</a:t>
+              <a:t>05.02.2016</a:t>
             </a:fld>
             <a:endParaRPr lang="de-DE"/>
           </a:p>
@@ -1252,7 +1254,7 @@
           <a:p>
             <a:fld id="{04FFA9E9-5461-4D3B-90F8-43CB1CC1C3BF}" type="datetimeFigureOut">
               <a:rPr lang="de-DE" smtClean="0"/>
-              <a:t>04.02.2016</a:t>
+              <a:t>05.02.2016</a:t>
             </a:fld>
             <a:endParaRPr lang="de-DE"/>
           </a:p>
@@ -1619,7 +1621,7 @@
           <a:p>
             <a:fld id="{04FFA9E9-5461-4D3B-90F8-43CB1CC1C3BF}" type="datetimeFigureOut">
               <a:rPr lang="de-DE" smtClean="0"/>
-              <a:t>04.02.2016</a:t>
+              <a:t>05.02.2016</a:t>
             </a:fld>
             <a:endParaRPr lang="de-DE"/>
           </a:p>
@@ -1737,7 +1739,7 @@
           <a:p>
             <a:fld id="{04FFA9E9-5461-4D3B-90F8-43CB1CC1C3BF}" type="datetimeFigureOut">
               <a:rPr lang="de-DE" smtClean="0"/>
-              <a:t>04.02.2016</a:t>
+              <a:t>05.02.2016</a:t>
             </a:fld>
             <a:endParaRPr lang="de-DE"/>
           </a:p>
@@ -1832,7 +1834,7 @@
           <a:p>
             <a:fld id="{04FFA9E9-5461-4D3B-90F8-43CB1CC1C3BF}" type="datetimeFigureOut">
               <a:rPr lang="de-DE" smtClean="0"/>
-              <a:t>04.02.2016</a:t>
+              <a:t>05.02.2016</a:t>
             </a:fld>
             <a:endParaRPr lang="de-DE"/>
           </a:p>
@@ -2109,7 +2111,7 @@
           <a:p>
             <a:fld id="{04FFA9E9-5461-4D3B-90F8-43CB1CC1C3BF}" type="datetimeFigureOut">
               <a:rPr lang="de-DE" smtClean="0"/>
-              <a:t>04.02.2016</a:t>
+              <a:t>05.02.2016</a:t>
             </a:fld>
             <a:endParaRPr lang="de-DE"/>
           </a:p>
@@ -2362,7 +2364,7 @@
           <a:p>
             <a:fld id="{04FFA9E9-5461-4D3B-90F8-43CB1CC1C3BF}" type="datetimeFigureOut">
               <a:rPr lang="de-DE" smtClean="0"/>
-              <a:t>04.02.2016</a:t>
+              <a:t>05.02.2016</a:t>
             </a:fld>
             <a:endParaRPr lang="de-DE"/>
           </a:p>
@@ -2575,7 +2577,7 @@
           <a:p>
             <a:fld id="{04FFA9E9-5461-4D3B-90F8-43CB1CC1C3BF}" type="datetimeFigureOut">
               <a:rPr lang="de-DE" smtClean="0"/>
-              <a:t>04.02.2016</a:t>
+              <a:t>05.02.2016</a:t>
             </a:fld>
             <a:endParaRPr lang="de-DE"/>
           </a:p>
@@ -3083,6 +3085,969 @@
           <a:lstStyle/>
           <a:p>
             <a:r>
+              <a:rPr lang="de-DE" dirty="0" smtClean="0"/>
+              <a:t>Async </a:t>
+            </a:r>
+            <a:r>
+              <a:rPr lang="de-DE" dirty="0"/>
+              <a:t>Start/Stop f</a:t>
+            </a:r>
+            <a:r>
+              <a:rPr lang="de-DE" dirty="0" smtClean="0"/>
+              <a:t>or Algorithms</a:t>
+            </a:r>
+            <a:r>
+              <a:rPr lang="en-US" dirty="0" smtClean="0"/>
+              <a:t> (</a:t>
+            </a:r>
+            <a:r>
+              <a:rPr lang="en-US" dirty="0" err="1" smtClean="0"/>
+              <a:t>JKarder</a:t>
+            </a:r>
+            <a:r>
+              <a:rPr lang="en-US" dirty="0" smtClean="0"/>
+              <a:t>)</a:t>
+            </a:r>
+            <a:endParaRPr lang="en-US" dirty="0"/>
+          </a:p>
+        </p:txBody>
+      </p:sp>
+      <p:sp>
+        <p:nvSpPr>
+          <p:cNvPr id="3" name="Content Placeholder 2"/>
+          <p:cNvSpPr>
+            <a:spLocks noGrp="1"/>
+          </p:cNvSpPr>
+          <p:nvPr>
+            <p:ph idx="1"/>
+          </p:nvPr>
+        </p:nvSpPr>
+        <p:spPr/>
+        <p:txBody>
+          <a:bodyPr>
+            <a:normAutofit/>
+          </a:bodyPr>
+          <a:lstStyle/>
+          <a:p>
+            <a:r>
+              <a:rPr lang="de-DE" dirty="0" smtClean="0"/>
+              <a:t>We </a:t>
+            </a:r>
+            <a:r>
+              <a:rPr lang="de-DE" dirty="0"/>
+              <a:t>should better reflect the style of async/wait programming in C#</a:t>
+            </a:r>
+          </a:p>
+          <a:p>
+            <a:pPr lvl="1"/>
+            <a:r>
+              <a:rPr lang="de-DE" dirty="0"/>
+              <a:t>IExecutable.Start is actually an asynchronous operation and should be named StartAsync</a:t>
+            </a:r>
+          </a:p>
+          <a:p>
+            <a:r>
+              <a:rPr lang="de-DE" dirty="0"/>
+              <a:t>Sample tests (and e.g. scripts) must use helper functions to wait for algorithm results</a:t>
+            </a:r>
+          </a:p>
+          <a:p>
+            <a:pPr lvl="1"/>
+            <a:r>
+              <a:rPr lang="de-DE" dirty="0"/>
+              <a:t>We could just call Start synchronously</a:t>
+            </a:r>
+          </a:p>
+          <a:p>
+            <a:r>
+              <a:rPr lang="de-DE" dirty="0"/>
+              <a:t>We </a:t>
+            </a:r>
+            <a:r>
+              <a:rPr lang="de-DE" dirty="0" smtClean="0"/>
+              <a:t>added/implemented </a:t>
+            </a:r>
+            <a:r>
+              <a:rPr lang="de-DE" dirty="0"/>
+              <a:t>IExecutable.Start and IExecutable.StartAsync</a:t>
+            </a:r>
+            <a:endParaRPr lang="en-US" dirty="0"/>
+          </a:p>
+        </p:txBody>
+      </p:sp>
+      <p:sp>
+        <p:nvSpPr>
+          <p:cNvPr id="4" name="Inhaltsplatzhalter 7"/>
+          <p:cNvSpPr txBox="1">
+            <a:spLocks/>
+          </p:cNvSpPr>
+          <p:nvPr/>
+        </p:nvSpPr>
+        <p:spPr>
+          <a:xfrm>
+            <a:off x="1831571" y="4563687"/>
+            <a:ext cx="4535978" cy="1396538"/>
+          </a:xfrm>
+          <a:prstGeom prst="rect">
+            <a:avLst/>
+          </a:prstGeom>
+        </p:spPr>
+        <p:txBody>
+          <a:bodyPr>
+            <a:noAutofit/>
+          </a:bodyPr>
+          <a:lstStyle>
+            <a:lvl1pPr marL="228600" indent="-228600" algn="l" defTabSz="914400" rtl="0" eaLnBrk="1" latinLnBrk="0" hangingPunct="1">
+              <a:lnSpc>
+                <a:spcPct val="90000"/>
+              </a:lnSpc>
+              <a:spcBef>
+                <a:spcPts val="1000"/>
+              </a:spcBef>
+              <a:buFont typeface="Arial" panose="020B0604020202020204" pitchFamily="34" charset="0"/>
+              <a:buChar char="•"/>
+              <a:defRPr sz="2800" kern="1200">
+                <a:solidFill>
+                  <a:schemeClr val="tx1"/>
+                </a:solidFill>
+                <a:latin typeface="+mn-lt"/>
+                <a:ea typeface="+mn-ea"/>
+                <a:cs typeface="+mn-cs"/>
+              </a:defRPr>
+            </a:lvl1pPr>
+            <a:lvl2pPr marL="685800" indent="-228600" algn="l" defTabSz="914400" rtl="0" eaLnBrk="1" latinLnBrk="0" hangingPunct="1">
+              <a:lnSpc>
+                <a:spcPct val="90000"/>
+              </a:lnSpc>
+              <a:spcBef>
+                <a:spcPts val="500"/>
+              </a:spcBef>
+              <a:buFont typeface="Arial" panose="020B0604020202020204" pitchFamily="34" charset="0"/>
+              <a:buChar char="•"/>
+              <a:defRPr sz="2400" kern="1200">
+                <a:solidFill>
+                  <a:schemeClr val="tx1"/>
+                </a:solidFill>
+                <a:latin typeface="+mn-lt"/>
+                <a:ea typeface="+mn-ea"/>
+                <a:cs typeface="+mn-cs"/>
+              </a:defRPr>
+            </a:lvl2pPr>
+            <a:lvl3pPr marL="1143000" indent="-228600" algn="l" defTabSz="914400" rtl="0" eaLnBrk="1" latinLnBrk="0" hangingPunct="1">
+              <a:lnSpc>
+                <a:spcPct val="90000"/>
+              </a:lnSpc>
+              <a:spcBef>
+                <a:spcPts val="500"/>
+              </a:spcBef>
+              <a:buFont typeface="Arial" panose="020B0604020202020204" pitchFamily="34" charset="0"/>
+              <a:buChar char="•"/>
+              <a:defRPr sz="2000" kern="1200">
+                <a:solidFill>
+                  <a:schemeClr val="tx1"/>
+                </a:solidFill>
+                <a:latin typeface="+mn-lt"/>
+                <a:ea typeface="+mn-ea"/>
+                <a:cs typeface="+mn-cs"/>
+              </a:defRPr>
+            </a:lvl3pPr>
+            <a:lvl4pPr marL="1600200" indent="-228600" algn="l" defTabSz="914400" rtl="0" eaLnBrk="1" latinLnBrk="0" hangingPunct="1">
+              <a:lnSpc>
+                <a:spcPct val="90000"/>
+              </a:lnSpc>
+              <a:spcBef>
+                <a:spcPts val="500"/>
+              </a:spcBef>
+              <a:buFont typeface="Arial" panose="020B0604020202020204" pitchFamily="34" charset="0"/>
+              <a:buChar char="•"/>
+              <a:defRPr sz="1800" kern="1200">
+                <a:solidFill>
+                  <a:schemeClr val="tx1"/>
+                </a:solidFill>
+                <a:latin typeface="+mn-lt"/>
+                <a:ea typeface="+mn-ea"/>
+                <a:cs typeface="+mn-cs"/>
+              </a:defRPr>
+            </a:lvl4pPr>
+            <a:lvl5pPr marL="2057400" indent="-228600" algn="l" defTabSz="914400" rtl="0" eaLnBrk="1" latinLnBrk="0" hangingPunct="1">
+              <a:lnSpc>
+                <a:spcPct val="90000"/>
+              </a:lnSpc>
+              <a:spcBef>
+                <a:spcPts val="500"/>
+              </a:spcBef>
+              <a:buFont typeface="Arial" panose="020B0604020202020204" pitchFamily="34" charset="0"/>
+              <a:buChar char="•"/>
+              <a:defRPr sz="1800" kern="1200">
+                <a:solidFill>
+                  <a:schemeClr val="tx1"/>
+                </a:solidFill>
+                <a:latin typeface="+mn-lt"/>
+                <a:ea typeface="+mn-ea"/>
+                <a:cs typeface="+mn-cs"/>
+              </a:defRPr>
+            </a:lvl5pPr>
+            <a:lvl6pPr marL="2514600" indent="-228600" algn="l" defTabSz="914400" rtl="0" eaLnBrk="1" latinLnBrk="0" hangingPunct="1">
+              <a:lnSpc>
+                <a:spcPct val="90000"/>
+              </a:lnSpc>
+              <a:spcBef>
+                <a:spcPts val="500"/>
+              </a:spcBef>
+              <a:buFont typeface="Arial" panose="020B0604020202020204" pitchFamily="34" charset="0"/>
+              <a:buChar char="•"/>
+              <a:defRPr sz="1800" kern="1200">
+                <a:solidFill>
+                  <a:schemeClr val="tx1"/>
+                </a:solidFill>
+                <a:latin typeface="+mn-lt"/>
+                <a:ea typeface="+mn-ea"/>
+                <a:cs typeface="+mn-cs"/>
+              </a:defRPr>
+            </a:lvl6pPr>
+            <a:lvl7pPr marL="2971800" indent="-228600" algn="l" defTabSz="914400" rtl="0" eaLnBrk="1" latinLnBrk="0" hangingPunct="1">
+              <a:lnSpc>
+                <a:spcPct val="90000"/>
+              </a:lnSpc>
+              <a:spcBef>
+                <a:spcPts val="500"/>
+              </a:spcBef>
+              <a:buFont typeface="Arial" panose="020B0604020202020204" pitchFamily="34" charset="0"/>
+              <a:buChar char="•"/>
+              <a:defRPr sz="1800" kern="1200">
+                <a:solidFill>
+                  <a:schemeClr val="tx1"/>
+                </a:solidFill>
+                <a:latin typeface="+mn-lt"/>
+                <a:ea typeface="+mn-ea"/>
+                <a:cs typeface="+mn-cs"/>
+              </a:defRPr>
+            </a:lvl7pPr>
+            <a:lvl8pPr marL="3429000" indent="-228600" algn="l" defTabSz="914400" rtl="0" eaLnBrk="1" latinLnBrk="0" hangingPunct="1">
+              <a:lnSpc>
+                <a:spcPct val="90000"/>
+              </a:lnSpc>
+              <a:spcBef>
+                <a:spcPts val="500"/>
+              </a:spcBef>
+              <a:buFont typeface="Arial" panose="020B0604020202020204" pitchFamily="34" charset="0"/>
+              <a:buChar char="•"/>
+              <a:defRPr sz="1800" kern="1200">
+                <a:solidFill>
+                  <a:schemeClr val="tx1"/>
+                </a:solidFill>
+                <a:latin typeface="+mn-lt"/>
+                <a:ea typeface="+mn-ea"/>
+                <a:cs typeface="+mn-cs"/>
+              </a:defRPr>
+            </a:lvl8pPr>
+            <a:lvl9pPr marL="3886200" indent="-228600" algn="l" defTabSz="914400" rtl="0" eaLnBrk="1" latinLnBrk="0" hangingPunct="1">
+              <a:lnSpc>
+                <a:spcPct val="90000"/>
+              </a:lnSpc>
+              <a:spcBef>
+                <a:spcPts val="500"/>
+              </a:spcBef>
+              <a:buFont typeface="Arial" panose="020B0604020202020204" pitchFamily="34" charset="0"/>
+              <a:buChar char="•"/>
+              <a:defRPr sz="1800" kern="1200">
+                <a:solidFill>
+                  <a:schemeClr val="tx1"/>
+                </a:solidFill>
+                <a:latin typeface="+mn-lt"/>
+                <a:ea typeface="+mn-ea"/>
+                <a:cs typeface="+mn-cs"/>
+              </a:defRPr>
+            </a:lvl9pPr>
+          </a:lstStyle>
+          <a:p>
+            <a:pPr marL="0" indent="0">
+              <a:lnSpc>
+                <a:spcPct val="100000"/>
+              </a:lnSpc>
+              <a:buFont typeface="Arial" panose="020B0604020202020204" pitchFamily="34" charset="0"/>
+              <a:buNone/>
+            </a:pPr>
+            <a:endParaRPr lang="de-DE" sz="1200" dirty="0" smtClean="0"/>
+          </a:p>
+        </p:txBody>
+      </p:sp>
+      <p:sp>
+        <p:nvSpPr>
+          <p:cNvPr id="6" name="Inhaltsplatzhalter 7"/>
+          <p:cNvSpPr txBox="1">
+            <a:spLocks/>
+          </p:cNvSpPr>
+          <p:nvPr/>
+        </p:nvSpPr>
+        <p:spPr>
+          <a:xfrm>
+            <a:off x="3944358" y="4912822"/>
+            <a:ext cx="4303285" cy="1047403"/>
+          </a:xfrm>
+          <a:prstGeom prst="rect">
+            <a:avLst/>
+          </a:prstGeom>
+        </p:spPr>
+        <p:txBody>
+          <a:bodyPr anchor="ctr">
+            <a:noAutofit/>
+          </a:bodyPr>
+          <a:lstStyle>
+            <a:lvl1pPr marL="228600" indent="-228600" algn="l" defTabSz="914400" rtl="0" eaLnBrk="1" latinLnBrk="0" hangingPunct="1">
+              <a:lnSpc>
+                <a:spcPct val="90000"/>
+              </a:lnSpc>
+              <a:spcBef>
+                <a:spcPts val="1000"/>
+              </a:spcBef>
+              <a:buFont typeface="Arial" panose="020B0604020202020204" pitchFamily="34" charset="0"/>
+              <a:buChar char="•"/>
+              <a:defRPr sz="2800" kern="1200">
+                <a:solidFill>
+                  <a:schemeClr val="tx1"/>
+                </a:solidFill>
+                <a:latin typeface="+mn-lt"/>
+                <a:ea typeface="+mn-ea"/>
+                <a:cs typeface="+mn-cs"/>
+              </a:defRPr>
+            </a:lvl1pPr>
+            <a:lvl2pPr marL="685800" indent="-228600" algn="l" defTabSz="914400" rtl="0" eaLnBrk="1" latinLnBrk="0" hangingPunct="1">
+              <a:lnSpc>
+                <a:spcPct val="90000"/>
+              </a:lnSpc>
+              <a:spcBef>
+                <a:spcPts val="500"/>
+              </a:spcBef>
+              <a:buFont typeface="Arial" panose="020B0604020202020204" pitchFamily="34" charset="0"/>
+              <a:buChar char="•"/>
+              <a:defRPr sz="2400" kern="1200">
+                <a:solidFill>
+                  <a:schemeClr val="tx1"/>
+                </a:solidFill>
+                <a:latin typeface="+mn-lt"/>
+                <a:ea typeface="+mn-ea"/>
+                <a:cs typeface="+mn-cs"/>
+              </a:defRPr>
+            </a:lvl2pPr>
+            <a:lvl3pPr marL="1143000" indent="-228600" algn="l" defTabSz="914400" rtl="0" eaLnBrk="1" latinLnBrk="0" hangingPunct="1">
+              <a:lnSpc>
+                <a:spcPct val="90000"/>
+              </a:lnSpc>
+              <a:spcBef>
+                <a:spcPts val="500"/>
+              </a:spcBef>
+              <a:buFont typeface="Arial" panose="020B0604020202020204" pitchFamily="34" charset="0"/>
+              <a:buChar char="•"/>
+              <a:defRPr sz="2000" kern="1200">
+                <a:solidFill>
+                  <a:schemeClr val="tx1"/>
+                </a:solidFill>
+                <a:latin typeface="+mn-lt"/>
+                <a:ea typeface="+mn-ea"/>
+                <a:cs typeface="+mn-cs"/>
+              </a:defRPr>
+            </a:lvl3pPr>
+            <a:lvl4pPr marL="1600200" indent="-228600" algn="l" defTabSz="914400" rtl="0" eaLnBrk="1" latinLnBrk="0" hangingPunct="1">
+              <a:lnSpc>
+                <a:spcPct val="90000"/>
+              </a:lnSpc>
+              <a:spcBef>
+                <a:spcPts val="500"/>
+              </a:spcBef>
+              <a:buFont typeface="Arial" panose="020B0604020202020204" pitchFamily="34" charset="0"/>
+              <a:buChar char="•"/>
+              <a:defRPr sz="1800" kern="1200">
+                <a:solidFill>
+                  <a:schemeClr val="tx1"/>
+                </a:solidFill>
+                <a:latin typeface="+mn-lt"/>
+                <a:ea typeface="+mn-ea"/>
+                <a:cs typeface="+mn-cs"/>
+              </a:defRPr>
+            </a:lvl4pPr>
+            <a:lvl5pPr marL="2057400" indent="-228600" algn="l" defTabSz="914400" rtl="0" eaLnBrk="1" latinLnBrk="0" hangingPunct="1">
+              <a:lnSpc>
+                <a:spcPct val="90000"/>
+              </a:lnSpc>
+              <a:spcBef>
+                <a:spcPts val="500"/>
+              </a:spcBef>
+              <a:buFont typeface="Arial" panose="020B0604020202020204" pitchFamily="34" charset="0"/>
+              <a:buChar char="•"/>
+              <a:defRPr sz="1800" kern="1200">
+                <a:solidFill>
+                  <a:schemeClr val="tx1"/>
+                </a:solidFill>
+                <a:latin typeface="+mn-lt"/>
+                <a:ea typeface="+mn-ea"/>
+                <a:cs typeface="+mn-cs"/>
+              </a:defRPr>
+            </a:lvl5pPr>
+            <a:lvl6pPr marL="2514600" indent="-228600" algn="l" defTabSz="914400" rtl="0" eaLnBrk="1" latinLnBrk="0" hangingPunct="1">
+              <a:lnSpc>
+                <a:spcPct val="90000"/>
+              </a:lnSpc>
+              <a:spcBef>
+                <a:spcPts val="500"/>
+              </a:spcBef>
+              <a:buFont typeface="Arial" panose="020B0604020202020204" pitchFamily="34" charset="0"/>
+              <a:buChar char="•"/>
+              <a:defRPr sz="1800" kern="1200">
+                <a:solidFill>
+                  <a:schemeClr val="tx1"/>
+                </a:solidFill>
+                <a:latin typeface="+mn-lt"/>
+                <a:ea typeface="+mn-ea"/>
+                <a:cs typeface="+mn-cs"/>
+              </a:defRPr>
+            </a:lvl6pPr>
+            <a:lvl7pPr marL="2971800" indent="-228600" algn="l" defTabSz="914400" rtl="0" eaLnBrk="1" latinLnBrk="0" hangingPunct="1">
+              <a:lnSpc>
+                <a:spcPct val="90000"/>
+              </a:lnSpc>
+              <a:spcBef>
+                <a:spcPts val="500"/>
+              </a:spcBef>
+              <a:buFont typeface="Arial" panose="020B0604020202020204" pitchFamily="34" charset="0"/>
+              <a:buChar char="•"/>
+              <a:defRPr sz="1800" kern="1200">
+                <a:solidFill>
+                  <a:schemeClr val="tx1"/>
+                </a:solidFill>
+                <a:latin typeface="+mn-lt"/>
+                <a:ea typeface="+mn-ea"/>
+                <a:cs typeface="+mn-cs"/>
+              </a:defRPr>
+            </a:lvl7pPr>
+            <a:lvl8pPr marL="3429000" indent="-228600" algn="l" defTabSz="914400" rtl="0" eaLnBrk="1" latinLnBrk="0" hangingPunct="1">
+              <a:lnSpc>
+                <a:spcPct val="90000"/>
+              </a:lnSpc>
+              <a:spcBef>
+                <a:spcPts val="500"/>
+              </a:spcBef>
+              <a:buFont typeface="Arial" panose="020B0604020202020204" pitchFamily="34" charset="0"/>
+              <a:buChar char="•"/>
+              <a:defRPr sz="1800" kern="1200">
+                <a:solidFill>
+                  <a:schemeClr val="tx1"/>
+                </a:solidFill>
+                <a:latin typeface="+mn-lt"/>
+                <a:ea typeface="+mn-ea"/>
+                <a:cs typeface="+mn-cs"/>
+              </a:defRPr>
+            </a:lvl8pPr>
+            <a:lvl9pPr marL="3886200" indent="-228600" algn="l" defTabSz="914400" rtl="0" eaLnBrk="1" latinLnBrk="0" hangingPunct="1">
+              <a:lnSpc>
+                <a:spcPct val="90000"/>
+              </a:lnSpc>
+              <a:spcBef>
+                <a:spcPts val="500"/>
+              </a:spcBef>
+              <a:buFont typeface="Arial" panose="020B0604020202020204" pitchFamily="34" charset="0"/>
+              <a:buChar char="•"/>
+              <a:defRPr sz="1800" kern="1200">
+                <a:solidFill>
+                  <a:schemeClr val="tx1"/>
+                </a:solidFill>
+                <a:latin typeface="+mn-lt"/>
+                <a:ea typeface="+mn-ea"/>
+                <a:cs typeface="+mn-cs"/>
+              </a:defRPr>
+            </a:lvl9pPr>
+          </a:lstStyle>
+          <a:p>
+            <a:pPr marL="0" indent="0">
+              <a:lnSpc>
+                <a:spcPct val="100000"/>
+              </a:lnSpc>
+              <a:buNone/>
+            </a:pPr>
+            <a:r>
+              <a:rPr lang="de-AT" sz="1200" dirty="0">
+                <a:solidFill>
+                  <a:srgbClr val="000080"/>
+                </a:solidFill>
+              </a:rPr>
+              <a:t>var</a:t>
+            </a:r>
+            <a:r>
+              <a:rPr lang="de-AT" sz="1200" dirty="0"/>
+              <a:t> ga = </a:t>
+            </a:r>
+            <a:r>
+              <a:rPr lang="de-AT" sz="1200" dirty="0">
+                <a:solidFill>
+                  <a:srgbClr val="008B8B"/>
+                </a:solidFill>
+              </a:rPr>
+              <a:t>new</a:t>
+            </a:r>
+            <a:r>
+              <a:rPr lang="de-AT" sz="1200" dirty="0"/>
+              <a:t> </a:t>
+            </a:r>
+            <a:r>
+              <a:rPr lang="de-AT" sz="1200" dirty="0">
+                <a:solidFill>
+                  <a:srgbClr val="191970"/>
+                </a:solidFill>
+              </a:rPr>
+              <a:t>GeneticAlgorithm</a:t>
+            </a:r>
+            <a:r>
+              <a:rPr lang="de-AT" sz="1200" dirty="0"/>
+              <a:t>()</a:t>
+            </a:r>
+            <a:br>
+              <a:rPr lang="de-AT" sz="1200" dirty="0"/>
+            </a:br>
+            <a:r>
+              <a:rPr lang="de-AT" sz="1200" dirty="0">
+                <a:solidFill>
+                  <a:srgbClr val="008000"/>
+                </a:solidFill>
+              </a:rPr>
+              <a:t>// configure algorithm ...</a:t>
+            </a:r>
+            <a:r>
+              <a:rPr lang="de-AT" sz="1200" dirty="0"/>
+              <a:t/>
+            </a:r>
+            <a:br>
+              <a:rPr lang="de-AT" sz="1200" dirty="0"/>
+            </a:br>
+            <a:r>
+              <a:rPr lang="de-AT" sz="1200" dirty="0"/>
+              <a:t/>
+            </a:r>
+            <a:br>
+              <a:rPr lang="de-AT" sz="1200" dirty="0"/>
+            </a:br>
+            <a:r>
+              <a:rPr lang="de-AT" sz="1200" dirty="0"/>
+              <a:t>ga.</a:t>
+            </a:r>
+            <a:r>
+              <a:rPr lang="de-AT" sz="1200" dirty="0">
+                <a:solidFill>
+                  <a:srgbClr val="191970"/>
+                </a:solidFill>
+              </a:rPr>
+              <a:t>Start</a:t>
+            </a:r>
+            <a:r>
+              <a:rPr lang="de-AT" sz="1200" dirty="0"/>
+              <a:t>() </a:t>
+            </a:r>
+            <a:r>
+              <a:rPr lang="de-AT" sz="1200" dirty="0">
+                <a:solidFill>
+                  <a:srgbClr val="008000"/>
+                </a:solidFill>
+              </a:rPr>
+              <a:t>// start "synchronously" (calls StartAsync().Wait())</a:t>
+            </a:r>
+            <a:r>
+              <a:rPr lang="de-AT" sz="1200" dirty="0"/>
+              <a:t/>
+            </a:r>
+            <a:br>
+              <a:rPr lang="de-AT" sz="1200" dirty="0"/>
+            </a:br>
+            <a:r>
+              <a:rPr lang="de-AT" sz="1200" dirty="0"/>
+              <a:t>ga.</a:t>
+            </a:r>
+            <a:r>
+              <a:rPr lang="de-AT" sz="1200" dirty="0">
+                <a:solidFill>
+                  <a:srgbClr val="191970"/>
+                </a:solidFill>
+              </a:rPr>
+              <a:t>StartAsync</a:t>
+            </a:r>
+            <a:r>
+              <a:rPr lang="de-AT" sz="1200" dirty="0"/>
+              <a:t>() </a:t>
+            </a:r>
+            <a:r>
+              <a:rPr lang="de-AT" sz="1200" dirty="0">
+                <a:solidFill>
+                  <a:srgbClr val="008000"/>
+                </a:solidFill>
+              </a:rPr>
+              <a:t>// start asynchronously</a:t>
+            </a:r>
+            <a:r>
+              <a:rPr lang="de-AT" sz="1200" dirty="0"/>
+              <a:t/>
+            </a:r>
+            <a:br>
+              <a:rPr lang="de-AT" sz="1200" dirty="0"/>
+            </a:br>
+            <a:r>
+              <a:rPr lang="de-AT" sz="1200" dirty="0"/>
+              <a:t>ga.</a:t>
+            </a:r>
+            <a:r>
+              <a:rPr lang="de-AT" sz="1200" dirty="0">
+                <a:solidFill>
+                  <a:srgbClr val="191970"/>
+                </a:solidFill>
+              </a:rPr>
+              <a:t>StartAsync</a:t>
+            </a:r>
+            <a:r>
+              <a:rPr lang="de-AT" sz="1200" dirty="0"/>
+              <a:t>().</a:t>
+            </a:r>
+            <a:r>
+              <a:rPr lang="de-AT" sz="1200" dirty="0">
+                <a:solidFill>
+                  <a:srgbClr val="191970"/>
+                </a:solidFill>
+              </a:rPr>
+              <a:t>Wait</a:t>
+            </a:r>
+            <a:r>
+              <a:rPr lang="de-AT" sz="1200" dirty="0"/>
+              <a:t>() </a:t>
+            </a:r>
+            <a:r>
+              <a:rPr lang="de-AT" sz="1200" dirty="0">
+                <a:solidFill>
+                  <a:srgbClr val="008000"/>
+                </a:solidFill>
+              </a:rPr>
+              <a:t>// start asynchronously and wait</a:t>
+            </a:r>
+            <a:endParaRPr lang="de-DE" sz="1200" dirty="0"/>
+          </a:p>
+        </p:txBody>
+      </p:sp>
+    </p:spTree>
+    <p:extLst>
+      <p:ext uri="{BB962C8B-B14F-4D97-AF65-F5344CB8AC3E}">
+        <p14:creationId xmlns:p14="http://schemas.microsoft.com/office/powerpoint/2010/main" val="1822671034"/>
+      </p:ext>
+    </p:extLst>
+  </p:cSld>
+  <p:clrMapOvr>
+    <a:masterClrMapping/>
+  </p:clrMapOvr>
+  <p:timing>
+    <p:tnLst>
+      <p:par>
+        <p:cTn id="1" dur="indefinite" restart="never" nodeType="tmRoot"/>
+      </p:par>
+    </p:tnLst>
+  </p:timing>
+</p:sld>
+</file>
+
+<file path=ppt/slides/slide11.xml><?xml version="1.0" encoding="utf-8"?>
+<p:sld xmlns:a="http://schemas.openxmlformats.org/drawingml/2006/main" xmlns:r="http://schemas.openxmlformats.org/officeDocument/2006/relationships" xmlns:p="http://schemas.openxmlformats.org/presentationml/2006/main">
+  <p:cSld>
+    <p:spTree>
+      <p:nvGrpSpPr>
+        <p:cNvPr id="1" name=""/>
+        <p:cNvGrpSpPr/>
+        <p:nvPr/>
+      </p:nvGrpSpPr>
+      <p:grpSpPr>
+        <a:xfrm>
+          <a:off x="0" y="0"/>
+          <a:ext cx="0" cy="0"/>
+          <a:chOff x="0" y="0"/>
+          <a:chExt cx="0" cy="0"/>
+        </a:xfrm>
+      </p:grpSpPr>
+      <p:sp>
+        <p:nvSpPr>
+          <p:cNvPr id="2" name="Title 1"/>
+          <p:cNvSpPr>
+            <a:spLocks noGrp="1"/>
+          </p:cNvSpPr>
+          <p:nvPr>
+            <p:ph type="title"/>
+          </p:nvPr>
+        </p:nvSpPr>
+        <p:spPr/>
+        <p:txBody>
+          <a:bodyPr/>
+          <a:lstStyle/>
+          <a:p>
+            <a:r>
+              <a:rPr lang="de-DE" dirty="0"/>
+              <a:t>New Termination Criteria</a:t>
+            </a:r>
+            <a:r>
+              <a:rPr lang="en-US" dirty="0" smtClean="0"/>
+              <a:t> (</a:t>
+            </a:r>
+            <a:r>
+              <a:rPr lang="en-US" dirty="0" err="1" smtClean="0"/>
+              <a:t>PFleck</a:t>
+            </a:r>
+            <a:r>
+              <a:rPr lang="en-US" dirty="0" smtClean="0"/>
+              <a:t>/</a:t>
+            </a:r>
+            <a:r>
+              <a:rPr lang="en-US" dirty="0" err="1" smtClean="0"/>
+              <a:t>MKommend</a:t>
+            </a:r>
+            <a:r>
+              <a:rPr lang="en-US" dirty="0" smtClean="0"/>
+              <a:t>)</a:t>
+            </a:r>
+            <a:endParaRPr lang="en-US" dirty="0"/>
+          </a:p>
+        </p:txBody>
+      </p:sp>
+      <p:sp>
+        <p:nvSpPr>
+          <p:cNvPr id="3" name="Content Placeholder 2"/>
+          <p:cNvSpPr>
+            <a:spLocks noGrp="1"/>
+          </p:cNvSpPr>
+          <p:nvPr>
+            <p:ph idx="1"/>
+          </p:nvPr>
+        </p:nvSpPr>
+        <p:spPr/>
+        <p:txBody>
+          <a:bodyPr>
+            <a:normAutofit/>
+          </a:bodyPr>
+          <a:lstStyle/>
+          <a:p>
+            <a:r>
+              <a:rPr lang="en-US" dirty="0" smtClean="0"/>
+              <a:t>ALPS supports new termination criteria</a:t>
+            </a:r>
+          </a:p>
+          <a:p>
+            <a:pPr lvl="1"/>
+            <a:r>
+              <a:rPr lang="en-US" dirty="0" err="1" smtClean="0"/>
+              <a:t>TerminationOperator</a:t>
+            </a:r>
+            <a:r>
+              <a:rPr lang="en-US" dirty="0" smtClean="0"/>
+              <a:t> uses </a:t>
+            </a:r>
+            <a:r>
+              <a:rPr lang="en-US" dirty="0" err="1" smtClean="0"/>
+              <a:t>MultiTerminator</a:t>
+            </a:r>
+            <a:r>
+              <a:rPr lang="en-US" dirty="0" smtClean="0"/>
+              <a:t> and cancels the algorithm if any of the active termination criteria is not met</a:t>
+            </a:r>
+            <a:endParaRPr lang="en-US" dirty="0"/>
+          </a:p>
+          <a:p>
+            <a:endParaRPr lang="en-US" dirty="0" smtClean="0"/>
+          </a:p>
+          <a:p>
+            <a:endParaRPr lang="en-US" dirty="0"/>
+          </a:p>
+          <a:p>
+            <a:endParaRPr lang="en-US" dirty="0" smtClean="0"/>
+          </a:p>
+          <a:p>
+            <a:endParaRPr lang="en-US" dirty="0" smtClean="0"/>
+          </a:p>
+          <a:p>
+            <a:endParaRPr lang="en-US" dirty="0"/>
+          </a:p>
+          <a:p>
+            <a:r>
+              <a:rPr lang="en-US" dirty="0" smtClean="0"/>
+              <a:t>…</a:t>
+            </a:r>
+            <a:endParaRPr lang="en-US" dirty="0"/>
+          </a:p>
+        </p:txBody>
+      </p:sp>
+      <p:pic>
+        <p:nvPicPr>
+          <p:cNvPr id="11" name="Picture 10"/>
+          <p:cNvPicPr>
+            <a:picLocks noChangeAspect="1"/>
+          </p:cNvPicPr>
+          <p:nvPr/>
+        </p:nvPicPr>
+        <p:blipFill>
+          <a:blip r:embed="rId2"/>
+          <a:stretch>
+            <a:fillRect/>
+          </a:stretch>
+        </p:blipFill>
+        <p:spPr>
+          <a:xfrm>
+            <a:off x="2196291" y="3123362"/>
+            <a:ext cx="8048625" cy="2009775"/>
+          </a:xfrm>
+          <a:prstGeom prst="rect">
+            <a:avLst/>
+          </a:prstGeom>
+          <a:ln>
+            <a:noFill/>
+          </a:ln>
+          <a:effectLst>
+            <a:outerShdw blurRad="190500" algn="tl" rotWithShape="0">
+              <a:srgbClr val="000000">
+                <a:alpha val="70000"/>
+              </a:srgbClr>
+            </a:outerShdw>
+          </a:effectLst>
+        </p:spPr>
+      </p:pic>
+      <p:sp>
+        <p:nvSpPr>
+          <p:cNvPr id="7" name="Rectangle 6"/>
+          <p:cNvSpPr/>
+          <p:nvPr/>
+        </p:nvSpPr>
+        <p:spPr>
+          <a:xfrm>
+            <a:off x="2221230" y="3441472"/>
+            <a:ext cx="1419743" cy="207817"/>
+          </a:xfrm>
+          <a:prstGeom prst="rect">
+            <a:avLst/>
+          </a:prstGeom>
+          <a:noFill/>
+          <a:ln>
+            <a:solidFill>
+              <a:srgbClr val="FF0000"/>
+            </a:solidFill>
+          </a:ln>
+        </p:spPr>
+        <p:style>
+          <a:lnRef idx="2">
+            <a:schemeClr val="accent2"/>
+          </a:lnRef>
+          <a:fillRef idx="1">
+            <a:schemeClr val="lt1"/>
+          </a:fillRef>
+          <a:effectRef idx="0">
+            <a:schemeClr val="accent2"/>
+          </a:effectRef>
+          <a:fontRef idx="minor">
+            <a:schemeClr val="dk1"/>
+          </a:fontRef>
+        </p:style>
+        <p:txBody>
+          <a:bodyPr rtlCol="0" anchor="ctr"/>
+          <a:lstStyle/>
+          <a:p>
+            <a:pPr algn="ctr"/>
+            <a:endParaRPr lang="de-AT"/>
+          </a:p>
+        </p:txBody>
+      </p:sp>
+      <p:sp>
+        <p:nvSpPr>
+          <p:cNvPr id="9" name="Rectangle 8"/>
+          <p:cNvSpPr/>
+          <p:nvPr/>
+        </p:nvSpPr>
+        <p:spPr>
+          <a:xfrm>
+            <a:off x="4867449" y="3426780"/>
+            <a:ext cx="1275656" cy="207817"/>
+          </a:xfrm>
+          <a:prstGeom prst="rect">
+            <a:avLst/>
+          </a:prstGeom>
+          <a:noFill/>
+          <a:ln>
+            <a:solidFill>
+              <a:srgbClr val="FF0000"/>
+            </a:solidFill>
+          </a:ln>
+        </p:spPr>
+        <p:style>
+          <a:lnRef idx="2">
+            <a:schemeClr val="accent2"/>
+          </a:lnRef>
+          <a:fillRef idx="1">
+            <a:schemeClr val="lt1"/>
+          </a:fillRef>
+          <a:effectRef idx="0">
+            <a:schemeClr val="accent2"/>
+          </a:effectRef>
+          <a:fontRef idx="minor">
+            <a:schemeClr val="dk1"/>
+          </a:fontRef>
+        </p:style>
+        <p:txBody>
+          <a:bodyPr rtlCol="0" anchor="ctr"/>
+          <a:lstStyle/>
+          <a:p>
+            <a:pPr algn="ctr"/>
+            <a:endParaRPr lang="de-AT"/>
+          </a:p>
+        </p:txBody>
+      </p:sp>
+    </p:spTree>
+    <p:extLst>
+      <p:ext uri="{BB962C8B-B14F-4D97-AF65-F5344CB8AC3E}">
+        <p14:creationId xmlns:p14="http://schemas.microsoft.com/office/powerpoint/2010/main" val="4092597754"/>
+      </p:ext>
+    </p:extLst>
+  </p:cSld>
+  <p:clrMapOvr>
+    <a:masterClrMapping/>
+  </p:clrMapOvr>
+  <p:timing>
+    <p:tnLst>
+      <p:par>
+        <p:cTn id="1" dur="indefinite" restart="never" nodeType="tmRoot"/>
+      </p:par>
+    </p:tnLst>
+  </p:timing>
+</p:sld>
+</file>
+
+<file path=ppt/slides/slide12.xml><?xml version="1.0" encoding="utf-8"?>
+<p:sld xmlns:a="http://schemas.openxmlformats.org/drawingml/2006/main" xmlns:r="http://schemas.openxmlformats.org/officeDocument/2006/relationships" xmlns:p="http://schemas.openxmlformats.org/presentationml/2006/main">
+  <p:cSld>
+    <p:spTree>
+      <p:nvGrpSpPr>
+        <p:cNvPr id="1" name=""/>
+        <p:cNvGrpSpPr/>
+        <p:nvPr/>
+      </p:nvGrpSpPr>
+      <p:grpSpPr>
+        <a:xfrm>
+          <a:off x="0" y="0"/>
+          <a:ext cx="0" cy="0"/>
+          <a:chOff x="0" y="0"/>
+          <a:chExt cx="0" cy="0"/>
+        </a:xfrm>
+      </p:grpSpPr>
+      <p:sp>
+        <p:nvSpPr>
+          <p:cNvPr id="2" name="Title 1"/>
+          <p:cNvSpPr>
+            <a:spLocks noGrp="1"/>
+          </p:cNvSpPr>
+          <p:nvPr>
+            <p:ph type="title"/>
+          </p:nvPr>
+        </p:nvSpPr>
+        <p:spPr/>
+        <p:txBody>
+          <a:bodyPr/>
+          <a:lstStyle/>
+          <a:p>
+            <a:r>
               <a:rPr lang="en-US" dirty="0" smtClean="0"/>
               <a:t>Plugin Infrastructure changes (</a:t>
             </a:r>
@@ -3094,7 +4059,6 @@
               <a:rPr lang="en-US" dirty="0"/>
               <a:t>)</a:t>
             </a:r>
-            <a:endParaRPr lang="en-US" dirty="0"/>
           </a:p>
         </p:txBody>
       </p:sp>
@@ -3137,7 +4101,7 @@
 </p:sld>
 </file>
 
-<file path=ppt/slides/slide11.xml><?xml version="1.0" encoding="utf-8"?>
+<file path=ppt/slides/slide13.xml><?xml version="1.0" encoding="utf-8"?>
 <p:sld xmlns:a="http://schemas.openxmlformats.org/drawingml/2006/main" xmlns:r="http://schemas.openxmlformats.org/officeDocument/2006/relationships" xmlns:p="http://schemas.openxmlformats.org/presentationml/2006/main">
   <p:cSld>
     <p:spTree>
@@ -3365,7 +4329,7 @@
 </p:sld>
 </file>
 
-<file path=ppt/slides/slide12.xml><?xml version="1.0" encoding="utf-8"?>
+<file path=ppt/slides/slide14.xml><?xml version="1.0" encoding="utf-8"?>
 <p:sld xmlns:a="http://schemas.openxmlformats.org/drawingml/2006/main" xmlns:r="http://schemas.openxmlformats.org/officeDocument/2006/relationships" xmlns:p="http://schemas.openxmlformats.org/presentationml/2006/main">
   <p:cSld>
     <p:spTree>
@@ -7237,11 +8201,7 @@
           <a:p>
             <a:r>
               <a:rPr lang="de-DE" dirty="0" smtClean="0"/>
-              <a:t>Open </a:t>
-            </a:r>
-            <a:r>
-              <a:rPr lang="de-DE" dirty="0" smtClean="0"/>
-              <a:t>Points</a:t>
+              <a:t>Open Points</a:t>
             </a:r>
             <a:endParaRPr lang="de-DE" dirty="0"/>
           </a:p>
@@ -7413,8 +8373,20 @@
           <a:lstStyle/>
           <a:p>
             <a:r>
+              <a:rPr lang="en-US" dirty="0"/>
+              <a:t>Pause for </a:t>
+            </a:r>
+            <a:r>
+              <a:rPr lang="en-US" dirty="0" err="1"/>
+              <a:t>BasicAlgorithms</a:t>
+            </a:r>
+            <a:r>
+              <a:rPr lang="en-US" dirty="0"/>
+              <a:t> </a:t>
+            </a:r>
+            <a:r>
               <a:rPr lang="en-US" dirty="0" smtClean="0"/>
-              <a:t>Algorithm Development(</a:t>
+              <a:t>(</a:t>
             </a:r>
             <a:r>
               <a:rPr lang="en-US" dirty="0" err="1" smtClean="0"/>
@@ -7440,64 +8412,637 @@
         </p:nvSpPr>
         <p:spPr/>
         <p:txBody>
-          <a:bodyPr/>
+          <a:bodyPr>
+            <a:normAutofit/>
+          </a:bodyPr>
           <a:lstStyle/>
           <a:p>
             <a:r>
               <a:rPr lang="en-US" dirty="0" smtClean="0"/>
-              <a:t>Pause for </a:t>
+              <a:t>Up to now, </a:t>
             </a:r>
             <a:r>
               <a:rPr lang="en-US" dirty="0" err="1" smtClean="0"/>
               <a:t>BasicAlgorithms</a:t>
             </a:r>
-            <a:endParaRPr lang="en-US" dirty="0" smtClean="0"/>
-          </a:p>
-          <a:p>
-            <a:r>
-              <a:rPr lang="de-DE" dirty="0" err="1"/>
-              <a:t>Async</a:t>
-            </a:r>
-            <a:r>
-              <a:rPr lang="de-DE" dirty="0"/>
-              <a:t> Start/</a:t>
-            </a:r>
-            <a:r>
-              <a:rPr lang="de-DE" dirty="0" err="1"/>
-              <a:t>Stop</a:t>
-            </a:r>
-            <a:r>
-              <a:rPr lang="de-DE" dirty="0"/>
-              <a:t> </a:t>
-            </a:r>
-            <a:r>
-              <a:rPr lang="de-DE" dirty="0" err="1"/>
-              <a:t>for</a:t>
-            </a:r>
-            <a:r>
-              <a:rPr lang="de-DE" dirty="0"/>
-              <a:t> </a:t>
-            </a:r>
-            <a:r>
-              <a:rPr lang="de-DE" dirty="0" err="1"/>
-              <a:t>algorithms</a:t>
-            </a:r>
-            <a:r>
-              <a:rPr lang="de-DE" dirty="0"/>
-              <a:t> </a:t>
-            </a:r>
-            <a:endParaRPr lang="de-DE" dirty="0" smtClean="0"/>
-          </a:p>
-          <a:p>
-            <a:r>
-              <a:rPr lang="de-DE" dirty="0" smtClean="0"/>
-              <a:t>New Termination </a:t>
-            </a:r>
-            <a:r>
-              <a:rPr lang="de-DE" dirty="0" err="1" smtClean="0"/>
-              <a:t>Criteria</a:t>
-            </a:r>
-            <a:endParaRPr lang="en-US" dirty="0"/>
+            <a:r>
+              <a:rPr lang="en-US" dirty="0" smtClean="0"/>
+              <a:t> could not be paused</a:t>
+            </a:r>
+          </a:p>
+          <a:p>
+            <a:r>
+              <a:rPr lang="en-US" dirty="0" err="1" smtClean="0"/>
+              <a:t>BasicAlgorithms.Pausable</a:t>
+            </a:r>
+            <a:r>
+              <a:rPr lang="en-US" dirty="0" smtClean="0"/>
+              <a:t> has been added</a:t>
+            </a:r>
+          </a:p>
+          <a:p>
+            <a:pPr lvl="1"/>
+            <a:r>
+              <a:rPr lang="en-US" dirty="0" smtClean="0"/>
+              <a:t>If true, cancelling</a:t>
+            </a:r>
+            <a:r>
+              <a:rPr lang="en-US" dirty="0" smtClean="0"/>
+              <a:t> the </a:t>
+            </a:r>
+            <a:r>
+              <a:rPr lang="en-US" dirty="0" err="1" smtClean="0"/>
+              <a:t>CancellationToken</a:t>
+            </a:r>
+            <a:r>
+              <a:rPr lang="en-US" dirty="0" smtClean="0"/>
+              <a:t> can pause the algorithm</a:t>
+            </a:r>
+          </a:p>
+          <a:p>
+            <a:pPr lvl="1"/>
+            <a:r>
+              <a:rPr lang="en-US" dirty="0" smtClean="0"/>
+              <a:t>Specific algorithm is responsible for supporting pause/resume</a:t>
+            </a:r>
+          </a:p>
+        </p:txBody>
+      </p:sp>
+      <p:sp>
+        <p:nvSpPr>
+          <p:cNvPr id="5" name="Inhaltsplatzhalter 7"/>
+          <p:cNvSpPr txBox="1">
+            <a:spLocks/>
+          </p:cNvSpPr>
+          <p:nvPr/>
+        </p:nvSpPr>
+        <p:spPr>
+          <a:xfrm>
+            <a:off x="2468754" y="3674227"/>
+            <a:ext cx="7254493" cy="2818015"/>
+          </a:xfrm>
+          <a:prstGeom prst="rect">
+            <a:avLst/>
+          </a:prstGeom>
+        </p:spPr>
+        <p:txBody>
+          <a:bodyPr anchor="ctr">
+            <a:noAutofit/>
+          </a:bodyPr>
+          <a:lstStyle>
+            <a:lvl1pPr marL="228600" indent="-228600" algn="l" defTabSz="914400" rtl="0" eaLnBrk="1" latinLnBrk="0" hangingPunct="1">
+              <a:lnSpc>
+                <a:spcPct val="90000"/>
+              </a:lnSpc>
+              <a:spcBef>
+                <a:spcPts val="1000"/>
+              </a:spcBef>
+              <a:buFont typeface="Arial" panose="020B0604020202020204" pitchFamily="34" charset="0"/>
+              <a:buChar char="•"/>
+              <a:defRPr sz="2800" kern="1200">
+                <a:solidFill>
+                  <a:schemeClr val="tx1"/>
+                </a:solidFill>
+                <a:latin typeface="+mn-lt"/>
+                <a:ea typeface="+mn-ea"/>
+                <a:cs typeface="+mn-cs"/>
+              </a:defRPr>
+            </a:lvl1pPr>
+            <a:lvl2pPr marL="685800" indent="-228600" algn="l" defTabSz="914400" rtl="0" eaLnBrk="1" latinLnBrk="0" hangingPunct="1">
+              <a:lnSpc>
+                <a:spcPct val="90000"/>
+              </a:lnSpc>
+              <a:spcBef>
+                <a:spcPts val="500"/>
+              </a:spcBef>
+              <a:buFont typeface="Arial" panose="020B0604020202020204" pitchFamily="34" charset="0"/>
+              <a:buChar char="•"/>
+              <a:defRPr sz="2400" kern="1200">
+                <a:solidFill>
+                  <a:schemeClr val="tx1"/>
+                </a:solidFill>
+                <a:latin typeface="+mn-lt"/>
+                <a:ea typeface="+mn-ea"/>
+                <a:cs typeface="+mn-cs"/>
+              </a:defRPr>
+            </a:lvl2pPr>
+            <a:lvl3pPr marL="1143000" indent="-228600" algn="l" defTabSz="914400" rtl="0" eaLnBrk="1" latinLnBrk="0" hangingPunct="1">
+              <a:lnSpc>
+                <a:spcPct val="90000"/>
+              </a:lnSpc>
+              <a:spcBef>
+                <a:spcPts val="500"/>
+              </a:spcBef>
+              <a:buFont typeface="Arial" panose="020B0604020202020204" pitchFamily="34" charset="0"/>
+              <a:buChar char="•"/>
+              <a:defRPr sz="2000" kern="1200">
+                <a:solidFill>
+                  <a:schemeClr val="tx1"/>
+                </a:solidFill>
+                <a:latin typeface="+mn-lt"/>
+                <a:ea typeface="+mn-ea"/>
+                <a:cs typeface="+mn-cs"/>
+              </a:defRPr>
+            </a:lvl3pPr>
+            <a:lvl4pPr marL="1600200" indent="-228600" algn="l" defTabSz="914400" rtl="0" eaLnBrk="1" latinLnBrk="0" hangingPunct="1">
+              <a:lnSpc>
+                <a:spcPct val="90000"/>
+              </a:lnSpc>
+              <a:spcBef>
+                <a:spcPts val="500"/>
+              </a:spcBef>
+              <a:buFont typeface="Arial" panose="020B0604020202020204" pitchFamily="34" charset="0"/>
+              <a:buChar char="•"/>
+              <a:defRPr sz="1800" kern="1200">
+                <a:solidFill>
+                  <a:schemeClr val="tx1"/>
+                </a:solidFill>
+                <a:latin typeface="+mn-lt"/>
+                <a:ea typeface="+mn-ea"/>
+                <a:cs typeface="+mn-cs"/>
+              </a:defRPr>
+            </a:lvl4pPr>
+            <a:lvl5pPr marL="2057400" indent="-228600" algn="l" defTabSz="914400" rtl="0" eaLnBrk="1" latinLnBrk="0" hangingPunct="1">
+              <a:lnSpc>
+                <a:spcPct val="90000"/>
+              </a:lnSpc>
+              <a:spcBef>
+                <a:spcPts val="500"/>
+              </a:spcBef>
+              <a:buFont typeface="Arial" panose="020B0604020202020204" pitchFamily="34" charset="0"/>
+              <a:buChar char="•"/>
+              <a:defRPr sz="1800" kern="1200">
+                <a:solidFill>
+                  <a:schemeClr val="tx1"/>
+                </a:solidFill>
+                <a:latin typeface="+mn-lt"/>
+                <a:ea typeface="+mn-ea"/>
+                <a:cs typeface="+mn-cs"/>
+              </a:defRPr>
+            </a:lvl5pPr>
+            <a:lvl6pPr marL="2514600" indent="-228600" algn="l" defTabSz="914400" rtl="0" eaLnBrk="1" latinLnBrk="0" hangingPunct="1">
+              <a:lnSpc>
+                <a:spcPct val="90000"/>
+              </a:lnSpc>
+              <a:spcBef>
+                <a:spcPts val="500"/>
+              </a:spcBef>
+              <a:buFont typeface="Arial" panose="020B0604020202020204" pitchFamily="34" charset="0"/>
+              <a:buChar char="•"/>
+              <a:defRPr sz="1800" kern="1200">
+                <a:solidFill>
+                  <a:schemeClr val="tx1"/>
+                </a:solidFill>
+                <a:latin typeface="+mn-lt"/>
+                <a:ea typeface="+mn-ea"/>
+                <a:cs typeface="+mn-cs"/>
+              </a:defRPr>
+            </a:lvl6pPr>
+            <a:lvl7pPr marL="2971800" indent="-228600" algn="l" defTabSz="914400" rtl="0" eaLnBrk="1" latinLnBrk="0" hangingPunct="1">
+              <a:lnSpc>
+                <a:spcPct val="90000"/>
+              </a:lnSpc>
+              <a:spcBef>
+                <a:spcPts val="500"/>
+              </a:spcBef>
+              <a:buFont typeface="Arial" panose="020B0604020202020204" pitchFamily="34" charset="0"/>
+              <a:buChar char="•"/>
+              <a:defRPr sz="1800" kern="1200">
+                <a:solidFill>
+                  <a:schemeClr val="tx1"/>
+                </a:solidFill>
+                <a:latin typeface="+mn-lt"/>
+                <a:ea typeface="+mn-ea"/>
+                <a:cs typeface="+mn-cs"/>
+              </a:defRPr>
+            </a:lvl7pPr>
+            <a:lvl8pPr marL="3429000" indent="-228600" algn="l" defTabSz="914400" rtl="0" eaLnBrk="1" latinLnBrk="0" hangingPunct="1">
+              <a:lnSpc>
+                <a:spcPct val="90000"/>
+              </a:lnSpc>
+              <a:spcBef>
+                <a:spcPts val="500"/>
+              </a:spcBef>
+              <a:buFont typeface="Arial" panose="020B0604020202020204" pitchFamily="34" charset="0"/>
+              <a:buChar char="•"/>
+              <a:defRPr sz="1800" kern="1200">
+                <a:solidFill>
+                  <a:schemeClr val="tx1"/>
+                </a:solidFill>
+                <a:latin typeface="+mn-lt"/>
+                <a:ea typeface="+mn-ea"/>
+                <a:cs typeface="+mn-cs"/>
+              </a:defRPr>
+            </a:lvl8pPr>
+            <a:lvl9pPr marL="3886200" indent="-228600" algn="l" defTabSz="914400" rtl="0" eaLnBrk="1" latinLnBrk="0" hangingPunct="1">
+              <a:lnSpc>
+                <a:spcPct val="90000"/>
+              </a:lnSpc>
+              <a:spcBef>
+                <a:spcPts val="500"/>
+              </a:spcBef>
+              <a:buFont typeface="Arial" panose="020B0604020202020204" pitchFamily="34" charset="0"/>
+              <a:buChar char="•"/>
+              <a:defRPr sz="1800" kern="1200">
+                <a:solidFill>
+                  <a:schemeClr val="tx1"/>
+                </a:solidFill>
+                <a:latin typeface="+mn-lt"/>
+                <a:ea typeface="+mn-ea"/>
+                <a:cs typeface="+mn-cs"/>
+              </a:defRPr>
+            </a:lvl9pPr>
+          </a:lstStyle>
+          <a:p>
+            <a:pPr marL="0" indent="0">
+              <a:lnSpc>
+                <a:spcPct val="100000"/>
+              </a:lnSpc>
+              <a:buNone/>
+            </a:pPr>
+            <a:r>
+              <a:rPr lang="de-AT" sz="1200" dirty="0">
+                <a:solidFill>
+                  <a:srgbClr val="0000FF"/>
+                </a:solidFill>
+              </a:rPr>
+              <a:t>protected</a:t>
+            </a:r>
+            <a:r>
+              <a:rPr lang="de-AT" sz="1200" dirty="0"/>
+              <a:t> </a:t>
+            </a:r>
+            <a:r>
+              <a:rPr lang="de-AT" sz="1200" dirty="0">
+                <a:solidFill>
+                  <a:srgbClr val="A52A2A"/>
+                </a:solidFill>
+              </a:rPr>
+              <a:t>override</a:t>
+            </a:r>
+            <a:r>
+              <a:rPr lang="de-AT" sz="1200" dirty="0"/>
+              <a:t> </a:t>
+            </a:r>
+            <a:r>
+              <a:rPr lang="de-AT" sz="1200" dirty="0">
+                <a:solidFill>
+                  <a:srgbClr val="FF0000"/>
+                </a:solidFill>
+              </a:rPr>
+              <a:t>void</a:t>
+            </a:r>
+            <a:r>
+              <a:rPr lang="de-AT" sz="1200" dirty="0"/>
+              <a:t> </a:t>
+            </a:r>
+            <a:r>
+              <a:rPr lang="de-AT" sz="1200" dirty="0">
+                <a:solidFill>
+                  <a:srgbClr val="191970"/>
+                </a:solidFill>
+              </a:rPr>
+              <a:t>Initialize</a:t>
+            </a:r>
+            <a:r>
+              <a:rPr lang="de-AT" sz="1200" dirty="0"/>
+              <a:t>(CancellationToken cancellationToken) {</a:t>
+            </a:r>
+            <a:br>
+              <a:rPr lang="de-AT" sz="1200" dirty="0"/>
+            </a:br>
+            <a:r>
+              <a:rPr lang="de-AT" sz="1200" dirty="0"/>
+              <a:t>  Results.</a:t>
+            </a:r>
+            <a:r>
+              <a:rPr lang="de-AT" sz="1200" dirty="0">
+                <a:solidFill>
+                  <a:srgbClr val="191970"/>
+                </a:solidFill>
+              </a:rPr>
+              <a:t>Add</a:t>
+            </a:r>
+            <a:r>
+              <a:rPr lang="de-AT" sz="1200" dirty="0"/>
+              <a:t>(</a:t>
+            </a:r>
+            <a:r>
+              <a:rPr lang="de-AT" sz="1200" dirty="0">
+                <a:solidFill>
+                  <a:srgbClr val="008B8B"/>
+                </a:solidFill>
+              </a:rPr>
+              <a:t>new</a:t>
+            </a:r>
+            <a:r>
+              <a:rPr lang="de-AT" sz="1200" dirty="0"/>
+              <a:t> </a:t>
+            </a:r>
+            <a:r>
+              <a:rPr lang="de-AT" sz="1200" dirty="0">
+                <a:solidFill>
+                  <a:srgbClr val="191970"/>
+                </a:solidFill>
+              </a:rPr>
+              <a:t>Result</a:t>
+            </a:r>
+            <a:r>
+              <a:rPr lang="de-AT" sz="1200" dirty="0"/>
+              <a:t>(BestQualityResultName, </a:t>
+            </a:r>
+            <a:r>
+              <a:rPr lang="de-AT" sz="1200" dirty="0">
+                <a:solidFill>
+                  <a:srgbClr val="008B8B"/>
+                </a:solidFill>
+              </a:rPr>
+              <a:t>new</a:t>
+            </a:r>
+            <a:r>
+              <a:rPr lang="de-AT" sz="1200" dirty="0"/>
+              <a:t> </a:t>
+            </a:r>
+            <a:r>
+              <a:rPr lang="de-AT" sz="1200" dirty="0">
+                <a:solidFill>
+                  <a:srgbClr val="191970"/>
+                </a:solidFill>
+              </a:rPr>
+              <a:t>DoubleValue</a:t>
+            </a:r>
+            <a:r>
+              <a:rPr lang="de-AT" sz="1200" dirty="0"/>
+              <a:t>(</a:t>
+            </a:r>
+            <a:r>
+              <a:rPr lang="de-AT" sz="1200" dirty="0">
+                <a:solidFill>
+                  <a:srgbClr val="FF0000"/>
+                </a:solidFill>
+              </a:rPr>
+              <a:t>double</a:t>
+            </a:r>
+            <a:r>
+              <a:rPr lang="de-AT" sz="1200" dirty="0"/>
+              <a:t>.NaN)));</a:t>
+            </a:r>
+            <a:br>
+              <a:rPr lang="de-AT" sz="1200" dirty="0"/>
+            </a:br>
+            <a:r>
+              <a:rPr lang="de-AT" sz="1200" dirty="0"/>
+              <a:t>  Results.</a:t>
+            </a:r>
+            <a:r>
+              <a:rPr lang="de-AT" sz="1200" dirty="0">
+                <a:solidFill>
+                  <a:srgbClr val="191970"/>
+                </a:solidFill>
+              </a:rPr>
+              <a:t>Add</a:t>
+            </a:r>
+            <a:r>
+              <a:rPr lang="de-AT" sz="1200" dirty="0"/>
+              <a:t>(</a:t>
+            </a:r>
+            <a:r>
+              <a:rPr lang="de-AT" sz="1200" dirty="0">
+                <a:solidFill>
+                  <a:srgbClr val="008B8B"/>
+                </a:solidFill>
+              </a:rPr>
+              <a:t>new</a:t>
+            </a:r>
+            <a:r>
+              <a:rPr lang="de-AT" sz="1200" dirty="0"/>
+              <a:t> </a:t>
+            </a:r>
+            <a:r>
+              <a:rPr lang="de-AT" sz="1200" dirty="0">
+                <a:solidFill>
+                  <a:srgbClr val="191970"/>
+                </a:solidFill>
+              </a:rPr>
+              <a:t>Result</a:t>
+            </a:r>
+            <a:r>
+              <a:rPr lang="de-AT" sz="1200" dirty="0"/>
+              <a:t>(IterationsResultName, </a:t>
+            </a:r>
+            <a:r>
+              <a:rPr lang="de-AT" sz="1200" dirty="0">
+                <a:solidFill>
+                  <a:srgbClr val="008B8B"/>
+                </a:solidFill>
+              </a:rPr>
+              <a:t>new</a:t>
+            </a:r>
+            <a:r>
+              <a:rPr lang="de-AT" sz="1200" dirty="0"/>
+              <a:t> </a:t>
+            </a:r>
+            <a:r>
+              <a:rPr lang="de-AT" sz="1200" dirty="0">
+                <a:solidFill>
+                  <a:srgbClr val="191970"/>
+                </a:solidFill>
+              </a:rPr>
+              <a:t>IntValue</a:t>
+            </a:r>
+            <a:r>
+              <a:rPr lang="de-AT" sz="1200" dirty="0"/>
+              <a:t>(</a:t>
+            </a:r>
+            <a:r>
+              <a:rPr lang="de-AT" sz="1200" dirty="0">
+                <a:solidFill>
+                  <a:srgbClr val="00008B"/>
+                </a:solidFill>
+              </a:rPr>
+              <a:t>0</a:t>
+            </a:r>
+            <a:r>
+              <a:rPr lang="de-AT" sz="1200" dirty="0"/>
+              <a:t>)));</a:t>
+            </a:r>
+            <a:br>
+              <a:rPr lang="de-AT" sz="1200" dirty="0"/>
+            </a:br>
+            <a:r>
+              <a:rPr lang="de-AT" sz="1200" dirty="0"/>
+              <a:t>  base.</a:t>
+            </a:r>
+            <a:r>
+              <a:rPr lang="de-AT" sz="1200" dirty="0">
+                <a:solidFill>
+                  <a:srgbClr val="191970"/>
+                </a:solidFill>
+              </a:rPr>
+              <a:t>Initialize</a:t>
+            </a:r>
+            <a:r>
+              <a:rPr lang="de-AT" sz="1200" dirty="0"/>
+              <a:t>(cancellationToken);</a:t>
+            </a:r>
+            <a:br>
+              <a:rPr lang="de-AT" sz="1200" dirty="0"/>
+            </a:br>
+            <a:r>
+              <a:rPr lang="de-AT" sz="1200" dirty="0"/>
+              <a:t>}</a:t>
+            </a:r>
+            <a:br>
+              <a:rPr lang="de-AT" sz="1200" dirty="0"/>
+            </a:br>
+            <a:r>
+              <a:rPr lang="de-AT" sz="1200" dirty="0"/>
+              <a:t/>
+            </a:r>
+            <a:br>
+              <a:rPr lang="de-AT" sz="1200" dirty="0"/>
+            </a:br>
+            <a:r>
+              <a:rPr lang="de-AT" sz="1200" dirty="0">
+                <a:solidFill>
+                  <a:srgbClr val="0000FF"/>
+                </a:solidFill>
+              </a:rPr>
+              <a:t>protected</a:t>
+            </a:r>
+            <a:r>
+              <a:rPr lang="de-AT" sz="1200" dirty="0"/>
+              <a:t> </a:t>
+            </a:r>
+            <a:r>
+              <a:rPr lang="de-AT" sz="1200" dirty="0">
+                <a:solidFill>
+                  <a:srgbClr val="A52A2A"/>
+                </a:solidFill>
+              </a:rPr>
+              <a:t>override</a:t>
+            </a:r>
+            <a:r>
+              <a:rPr lang="de-AT" sz="1200" dirty="0"/>
+              <a:t> </a:t>
+            </a:r>
+            <a:r>
+              <a:rPr lang="de-AT" sz="1200" dirty="0">
+                <a:solidFill>
+                  <a:srgbClr val="FF0000"/>
+                </a:solidFill>
+              </a:rPr>
+              <a:t>void</a:t>
+            </a:r>
+            <a:r>
+              <a:rPr lang="de-AT" sz="1200" dirty="0"/>
+              <a:t> </a:t>
+            </a:r>
+            <a:r>
+              <a:rPr lang="de-AT" sz="1200" dirty="0">
+                <a:solidFill>
+                  <a:srgbClr val="191970"/>
+                </a:solidFill>
+              </a:rPr>
+              <a:t>Run</a:t>
+            </a:r>
+            <a:r>
+              <a:rPr lang="de-AT" sz="1200" dirty="0"/>
+              <a:t>(CancellationToken cancellationToken) {</a:t>
+            </a:r>
+            <a:br>
+              <a:rPr lang="de-AT" sz="1200" dirty="0"/>
+            </a:br>
+            <a:r>
+              <a:rPr lang="de-AT" sz="1200" dirty="0"/>
+              <a:t>  </a:t>
+            </a:r>
+            <a:r>
+              <a:rPr lang="de-AT" sz="1200" dirty="0">
+                <a:solidFill>
+                  <a:srgbClr val="0000FF"/>
+                </a:solidFill>
+              </a:rPr>
+              <a:t>while</a:t>
+            </a:r>
+            <a:r>
+              <a:rPr lang="de-AT" sz="1200" dirty="0"/>
+              <a:t> (ResultsIterations &lt; Iterations) {</a:t>
+            </a:r>
+            <a:br>
+              <a:rPr lang="de-AT" sz="1200" dirty="0"/>
+            </a:br>
+            <a:r>
+              <a:rPr lang="de-AT" sz="1200" dirty="0"/>
+              <a:t>    cancellationToken.</a:t>
+            </a:r>
+            <a:r>
+              <a:rPr lang="de-AT" sz="1200" dirty="0">
+                <a:solidFill>
+                  <a:srgbClr val="191970"/>
+                </a:solidFill>
+              </a:rPr>
+              <a:t>ThrowIfCancellationRequested</a:t>
+            </a:r>
+            <a:r>
+              <a:rPr lang="de-AT" sz="1200" dirty="0"/>
+              <a:t>();</a:t>
+            </a:r>
+            <a:br>
+              <a:rPr lang="de-AT" sz="1200" dirty="0"/>
+            </a:br>
+            <a:r>
+              <a:rPr lang="de-AT" sz="1200" dirty="0"/>
+              <a:t/>
+            </a:r>
+            <a:br>
+              <a:rPr lang="de-AT" sz="1200" dirty="0"/>
+            </a:br>
+            <a:r>
+              <a:rPr lang="de-AT" sz="1200" dirty="0"/>
+              <a:t>    </a:t>
+            </a:r>
+            <a:r>
+              <a:rPr lang="de-AT" sz="1200" dirty="0">
+                <a:solidFill>
+                  <a:srgbClr val="008000"/>
+                </a:solidFill>
+              </a:rPr>
+              <a:t>// execute one iteration</a:t>
+            </a:r>
+            <a:r>
+              <a:rPr lang="de-AT" sz="1200" dirty="0"/>
+              <a:t/>
+            </a:r>
+            <a:br>
+              <a:rPr lang="de-AT" sz="1200" dirty="0"/>
+            </a:br>
+            <a:r>
+              <a:rPr lang="de-AT" sz="1200" dirty="0"/>
+              <a:t/>
+            </a:r>
+            <a:br>
+              <a:rPr lang="de-AT" sz="1200" dirty="0"/>
+            </a:br>
+            <a:r>
+              <a:rPr lang="de-AT" sz="1200" dirty="0"/>
+              <a:t>    ResultsIterations++;</a:t>
+            </a:r>
+            <a:br>
+              <a:rPr lang="de-AT" sz="1200" dirty="0"/>
+            </a:br>
+            <a:r>
+              <a:rPr lang="de-AT" sz="1200" dirty="0"/>
+              <a:t>  }</a:t>
+            </a:r>
+            <a:br>
+              <a:rPr lang="de-AT" sz="1200" dirty="0"/>
+            </a:br>
+            <a:r>
+              <a:rPr lang="de-AT" sz="1200" dirty="0"/>
+              <a:t>}</a:t>
+            </a:r>
+            <a:endParaRPr lang="de-DE" sz="1200" dirty="0"/>
           </a:p>
         </p:txBody>
       </p:sp>

--- a/documentation/HeuristicLab 4.0.pptx
+++ b/documentation/HeuristicLab 4.0.pptx
@@ -6,7 +6,7 @@
   </p:sldMasterIdLst>
   <p:sldIdLst>
     <p:sldId id="256" r:id="rId2"/>
-    <p:sldId id="267" r:id="rId3"/>
+    <p:sldId id="273" r:id="rId3"/>
     <p:sldId id="269" r:id="rId4"/>
     <p:sldId id="270" r:id="rId5"/>
     <p:sldId id="258" r:id="rId6"/>
@@ -4496,15 +4496,7 @@
           <a:p>
             <a:r>
               <a:rPr lang="en-US" dirty="0" smtClean="0"/>
-              <a:t>Roadmap (</a:t>
-            </a:r>
-            <a:r>
-              <a:rPr lang="en-US" dirty="0" err="1" smtClean="0"/>
-              <a:t>Ascheibe</a:t>
-            </a:r>
-            <a:r>
-              <a:rPr lang="en-US" dirty="0" smtClean="0"/>
-              <a:t>)</a:t>
+              <a:t>Roadmap</a:t>
             </a:r>
             <a:endParaRPr lang="en-US" dirty="0"/>
           </a:p>
@@ -4522,9 +4514,111 @@
         </p:nvSpPr>
         <p:spPr/>
         <p:txBody>
-          <a:bodyPr/>
+          <a:bodyPr>
+            <a:normAutofit fontScale="92500" lnSpcReduction="10000"/>
+          </a:bodyPr>
           <a:lstStyle/>
           <a:p>
+            <a:r>
+              <a:rPr lang="en-US" dirty="0" smtClean="0"/>
+              <a:t>2 releases until HL 4.0</a:t>
+            </a:r>
+          </a:p>
+          <a:p>
+            <a:pPr lvl="1"/>
+            <a:r>
+              <a:rPr lang="en-US" dirty="0" smtClean="0"/>
+              <a:t>HL 3.3.14 “Unnamed”: begin of March 2016</a:t>
+            </a:r>
+          </a:p>
+          <a:p>
+            <a:pPr lvl="1"/>
+            <a:r>
+              <a:rPr lang="en-US" dirty="0" smtClean="0"/>
+              <a:t>HL 3.3.15 “Denver”: begin of July 2016</a:t>
+            </a:r>
+          </a:p>
+          <a:p>
+            <a:r>
+              <a:rPr lang="en-US" dirty="0" smtClean="0"/>
+              <a:t>HL 4.0</a:t>
+            </a:r>
+          </a:p>
+          <a:p>
+            <a:pPr lvl="1"/>
+            <a:r>
+              <a:rPr lang="en-US" dirty="0" smtClean="0"/>
+              <a:t>Use summer for finishing 4.0</a:t>
+            </a:r>
+          </a:p>
+          <a:p>
+            <a:pPr lvl="1"/>
+            <a:r>
+              <a:rPr lang="en-US" dirty="0" smtClean="0"/>
+              <a:t>Release end of September 2016</a:t>
+            </a:r>
+          </a:p>
+          <a:p>
+            <a:r>
+              <a:rPr lang="en-US" dirty="0" smtClean="0"/>
+              <a:t>Between 3.3.15 and 4.0</a:t>
+            </a:r>
+          </a:p>
+          <a:p>
+            <a:pPr lvl="1"/>
+            <a:r>
+              <a:rPr lang="en-US" dirty="0"/>
+              <a:t>Integration of </a:t>
+            </a:r>
+            <a:r>
+              <a:rPr lang="en-US" dirty="0" smtClean="0"/>
+              <a:t>new features </a:t>
+            </a:r>
+            <a:r>
+              <a:rPr lang="en-US" dirty="0"/>
+              <a:t>into </a:t>
+            </a:r>
+            <a:r>
+              <a:rPr lang="en-US" dirty="0" smtClean="0"/>
+              <a:t>trunk</a:t>
+            </a:r>
+            <a:endParaRPr lang="en-US" dirty="0"/>
+          </a:p>
+          <a:p>
+            <a:pPr lvl="1"/>
+            <a:r>
+              <a:rPr lang="en-US" dirty="0" smtClean="0"/>
+              <a:t>HL3legacy branch</a:t>
+            </a:r>
+          </a:p>
+          <a:p>
+            <a:pPr lvl="2"/>
+            <a:r>
+              <a:rPr lang="en-US" dirty="0" smtClean="0"/>
+              <a:t>Last version of trunk before integration</a:t>
+            </a:r>
+          </a:p>
+          <a:p>
+            <a:pPr lvl="2"/>
+            <a:r>
+              <a:rPr lang="en-US" dirty="0" smtClean="0"/>
+              <a:t>Will only get </a:t>
+            </a:r>
+            <a:r>
+              <a:rPr lang="en-US" dirty="0" err="1" smtClean="0"/>
+              <a:t>bugfixes</a:t>
+            </a:r>
+            <a:endParaRPr lang="en-US" dirty="0" smtClean="0"/>
+          </a:p>
+          <a:p>
+            <a:pPr lvl="2"/>
+            <a:r>
+              <a:rPr lang="en-US" dirty="0" smtClean="0"/>
+              <a:t>Can be used until trunk settles</a:t>
+            </a:r>
+          </a:p>
+          <a:p>
+            <a:pPr lvl="1"/>
             <a:endParaRPr lang="en-US" dirty="0"/>
           </a:p>
         </p:txBody>
@@ -4532,7 +4626,7 @@
     </p:spTree>
     <p:extLst>
       <p:ext uri="{BB962C8B-B14F-4D97-AF65-F5344CB8AC3E}">
-        <p14:creationId xmlns:p14="http://schemas.microsoft.com/office/powerpoint/2010/main" val="3537438304"/>
+        <p14:creationId xmlns:p14="http://schemas.microsoft.com/office/powerpoint/2010/main" val="3840491458"/>
       </p:ext>
     </p:extLst>
   </p:cSld>
@@ -8444,11 +8538,7 @@
             <a:pPr lvl="1"/>
             <a:r>
               <a:rPr lang="en-US" dirty="0" smtClean="0"/>
-              <a:t>If true, cancelling</a:t>
-            </a:r>
-            <a:r>
-              <a:rPr lang="en-US" dirty="0" smtClean="0"/>
-              <a:t> the </a:t>
+              <a:t>If true, cancelling the </a:t>
             </a:r>
             <a:r>
               <a:rPr lang="en-US" dirty="0" err="1" smtClean="0"/>

--- a/documentation/HeuristicLab 4.0.pptx
+++ b/documentation/HeuristicLab 4.0.pptx
@@ -3094,19 +3094,11 @@
             </a:r>
             <a:r>
               <a:rPr lang="de-DE" dirty="0" smtClean="0"/>
-              <a:t>or Algorithms</a:t>
-            </a:r>
-            <a:r>
-              <a:rPr lang="en-US" dirty="0" smtClean="0"/>
-              <a:t> (</a:t>
-            </a:r>
-            <a:r>
-              <a:rPr lang="en-US" dirty="0" err="1" smtClean="0"/>
-              <a:t>JKarder</a:t>
-            </a:r>
-            <a:r>
-              <a:rPr lang="en-US" dirty="0" smtClean="0"/>
-              <a:t>)</a:t>
+              <a:t>or </a:t>
+            </a:r>
+            <a:r>
+              <a:rPr lang="de-DE" dirty="0" smtClean="0"/>
+              <a:t>Algorithms</a:t>
             </a:r>
             <a:endParaRPr lang="en-US" dirty="0"/>
           </a:p>
@@ -3785,22 +3777,34 @@
             </a:r>
             <a:r>
               <a:rPr lang="en-US" dirty="0" smtClean="0"/>
-              <a:t> (</a:t>
+              <a:t> </a:t>
+            </a:r>
+            <a:r>
+              <a:rPr lang="en-US" dirty="0"/>
+              <a:t>(</a:t>
+            </a:r>
+            <a:r>
+              <a:rPr lang="en-US" dirty="0" err="1" smtClean="0"/>
+              <a:t>JKarder</a:t>
+            </a:r>
+            <a:r>
+              <a:rPr lang="en-US" dirty="0" smtClean="0"/>
+              <a:t>/</a:t>
+            </a:r>
+            <a:r>
+              <a:rPr lang="en-US" dirty="0" err="1" smtClean="0"/>
+              <a:t>MKommend</a:t>
+            </a:r>
+            <a:r>
+              <a:rPr lang="en-US" dirty="0" smtClean="0"/>
+              <a:t>/</a:t>
             </a:r>
             <a:r>
               <a:rPr lang="en-US" dirty="0" err="1" smtClean="0"/>
               <a:t>PFleck</a:t>
             </a:r>
             <a:r>
-              <a:rPr lang="en-US" dirty="0" smtClean="0"/>
-              <a:t>/</a:t>
-            </a:r>
-            <a:r>
-              <a:rPr lang="en-US" dirty="0" err="1" smtClean="0"/>
-              <a:t>MKommend</a:t>
-            </a:r>
-            <a:r>
-              <a:rPr lang="en-US" dirty="0" smtClean="0"/>
+              <a:rPr lang="en-US" dirty="0"/>
               <a:t>)</a:t>
             </a:r>
             <a:endParaRPr lang="en-US" dirty="0"/>
@@ -3820,24 +3824,56 @@
         <p:spPr/>
         <p:txBody>
           <a:bodyPr>
-            <a:normAutofit/>
+            <a:normAutofit fontScale="85000" lnSpcReduction="20000"/>
           </a:bodyPr>
           <a:lstStyle/>
           <a:p>
             <a:r>
               <a:rPr lang="en-US" dirty="0" smtClean="0"/>
-              <a:t>ALPS supports new termination criteria</a:t>
-            </a:r>
+              <a:t>Allows consistent termination in all </a:t>
+            </a:r>
+            <a:r>
+              <a:rPr lang="en-US" dirty="0" err="1" smtClean="0"/>
+              <a:t>EngineAlgorithms</a:t>
+            </a:r>
+            <a:endParaRPr lang="en-US" dirty="0" smtClean="0"/>
           </a:p>
           <a:p>
             <a:pPr lvl="1"/>
+            <a:r>
+              <a:rPr lang="en-US" dirty="0" smtClean="0"/>
+              <a:t>Additional concept to better compare algorithm performances, e</a:t>
+            </a:r>
+            <a:r>
+              <a:rPr lang="en-US" dirty="0" smtClean="0"/>
+              <a:t>.g. only allow 10</a:t>
+            </a:r>
+            <a:r>
+              <a:rPr lang="en-US" baseline="30000" dirty="0" smtClean="0"/>
+              <a:t>6</a:t>
+            </a:r>
+            <a:r>
+              <a:rPr lang="en-US" dirty="0"/>
+              <a:t> </a:t>
+            </a:r>
+            <a:r>
+              <a:rPr lang="en-US" dirty="0" smtClean="0"/>
+              <a:t>evaluations for each algorithm</a:t>
+            </a:r>
+            <a:endParaRPr lang="en-US" baseline="30000" dirty="0" smtClean="0"/>
+          </a:p>
+          <a:p>
             <a:r>
               <a:rPr lang="en-US" dirty="0" err="1" smtClean="0"/>
               <a:t>TerminationOperator</a:t>
             </a:r>
             <a:r>
               <a:rPr lang="en-US" dirty="0" smtClean="0"/>
-              <a:t> uses </a:t>
+              <a:t> </a:t>
+            </a:r>
+            <a:r>
+              <a:rPr lang="en-US" dirty="0" smtClean="0"/>
+              <a:t>uses </a:t>
             </a:r>
             <a:r>
               <a:rPr lang="en-US" dirty="0" err="1" smtClean="0"/>
@@ -3853,6 +3889,9 @@
             <a:endParaRPr lang="en-US" dirty="0" smtClean="0"/>
           </a:p>
           <a:p>
+            <a:endParaRPr lang="en-US" dirty="0" smtClean="0"/>
+          </a:p>
+          <a:p>
             <a:endParaRPr lang="en-US" dirty="0"/>
           </a:p>
           <a:p>
@@ -3862,7 +3901,7 @@
             <a:endParaRPr lang="en-US" dirty="0" smtClean="0"/>
           </a:p>
           <a:p>
-            <a:endParaRPr lang="en-US" dirty="0"/>
+            <a:endParaRPr lang="en-US" dirty="0" smtClean="0"/>
           </a:p>
           <a:p>
             <a:r>
@@ -3889,7 +3928,7 @@
         </p:blipFill>
         <p:spPr>
           <a:xfrm>
-            <a:off x="2196291" y="3123362"/>
+            <a:off x="2196291" y="3497438"/>
             <a:ext cx="8048625" cy="2009775"/>
           </a:xfrm>
           <a:prstGeom prst="rect">
@@ -3915,7 +3954,7 @@
         </p:nvSpPr>
         <p:spPr>
           <a:xfrm>
-            <a:off x="2221230" y="3441472"/>
+            <a:off x="2221230" y="3815548"/>
             <a:ext cx="1419743" cy="207817"/>
           </a:xfrm>
           <a:prstGeom prst="rect">
@@ -3959,7 +3998,7 @@
         </p:nvSpPr>
         <p:spPr>
           <a:xfrm>
-            <a:off x="4867449" y="3426780"/>
+            <a:off x="4867449" y="3800856"/>
             <a:ext cx="1275656" cy="207817"/>
           </a:xfrm>
           <a:prstGeom prst="rect">
@@ -8471,24 +8510,8 @@
               <a:t>Pause for </a:t>
             </a:r>
             <a:r>
-              <a:rPr lang="en-US" dirty="0" err="1"/>
+              <a:rPr lang="en-US" dirty="0" err="1" smtClean="0"/>
               <a:t>BasicAlgorithms</a:t>
-            </a:r>
-            <a:r>
-              <a:rPr lang="en-US" dirty="0"/>
-              <a:t> </a:t>
-            </a:r>
-            <a:r>
-              <a:rPr lang="en-US" dirty="0" smtClean="0"/>
-              <a:t>(</a:t>
-            </a:r>
-            <a:r>
-              <a:rPr lang="en-US" dirty="0" err="1" smtClean="0"/>
-              <a:t>JKarder</a:t>
-            </a:r>
-            <a:r>
-              <a:rPr lang="en-US" dirty="0" smtClean="0"/>
-              <a:t>)</a:t>
             </a:r>
             <a:endParaRPr lang="en-US" dirty="0"/>
           </a:p>

--- a/documentation/HeuristicLab 4.0.pptx
+++ b/documentation/HeuristicLab 4.0.pptx
@@ -13,7 +13,7 @@
     <p:sldId id="262" r:id="rId7"/>
     <p:sldId id="257" r:id="rId8"/>
     <p:sldId id="260" r:id="rId9"/>
-    <p:sldId id="263" r:id="rId10"/>
+    <p:sldId id="274" r:id="rId10"/>
     <p:sldId id="271" r:id="rId11"/>
     <p:sldId id="272" r:id="rId12"/>
     <p:sldId id="264" r:id="rId13"/>
@@ -3094,11 +3094,7 @@
             </a:r>
             <a:r>
               <a:rPr lang="de-DE" dirty="0" smtClean="0"/>
-              <a:t>or </a:t>
-            </a:r>
-            <a:r>
-              <a:rPr lang="de-DE" dirty="0" smtClean="0"/>
-              <a:t>Algorithms</a:t>
+              <a:t>or Algorithms</a:t>
             </a:r>
             <a:endParaRPr lang="en-US" dirty="0"/>
           </a:p>
@@ -3807,7 +3803,6 @@
               <a:rPr lang="en-US" dirty="0"/>
               <a:t>)</a:t>
             </a:r>
-            <a:endParaRPr lang="en-US" dirty="0"/>
           </a:p>
         </p:txBody>
       </p:sp>
@@ -3824,7 +3819,7 @@
         <p:spPr/>
         <p:txBody>
           <a:bodyPr>
-            <a:normAutofit fontScale="85000" lnSpcReduction="20000"/>
+            <a:normAutofit/>
           </a:bodyPr>
           <a:lstStyle/>
           <a:p>
@@ -3842,11 +3837,22 @@
             <a:pPr lvl="1"/>
             <a:r>
               <a:rPr lang="en-US" dirty="0" smtClean="0"/>
-              <a:t>Additional concept to better compare algorithm performances, e</a:t>
+              <a:t>Additional concept to better compare algorithm </a:t>
             </a:r>
             <a:r>
               <a:rPr lang="en-US" dirty="0" smtClean="0"/>
-              <a:t>.g. only allow 10</a:t>
+              <a:t>performances</a:t>
+            </a:r>
+          </a:p>
+          <a:p>
+            <a:pPr lvl="1"/>
+            <a:r>
+              <a:rPr lang="en-US" dirty="0" smtClean="0"/>
+              <a:t>e.g</a:t>
+            </a:r>
+            <a:r>
+              <a:rPr lang="en-US" dirty="0" smtClean="0"/>
+              <a:t>. only allow 10</a:t>
             </a:r>
             <a:r>
               <a:rPr lang="en-US" baseline="30000" dirty="0" smtClean="0"/>
@@ -3869,11 +3875,7 @@
             </a:r>
             <a:r>
               <a:rPr lang="en-US" dirty="0" smtClean="0"/>
-              <a:t> </a:t>
-            </a:r>
-            <a:r>
-              <a:rPr lang="en-US" dirty="0" smtClean="0"/>
-              <a:t>uses </a:t>
+              <a:t> uses </a:t>
             </a:r>
             <a:r>
               <a:rPr lang="en-US" dirty="0" err="1" smtClean="0"/>
@@ -3881,32 +3883,11 @@
             </a:r>
             <a:r>
               <a:rPr lang="en-US" dirty="0" smtClean="0"/>
-              <a:t> and cancels the algorithm if any of the active termination criteria is not met</a:t>
-            </a:r>
-            <a:endParaRPr lang="en-US" dirty="0"/>
-          </a:p>
-          <a:p>
-            <a:endParaRPr lang="en-US" dirty="0" smtClean="0"/>
-          </a:p>
-          <a:p>
-            <a:endParaRPr lang="en-US" dirty="0" smtClean="0"/>
-          </a:p>
-          <a:p>
-            <a:endParaRPr lang="en-US" dirty="0"/>
-          </a:p>
-          <a:p>
-            <a:endParaRPr lang="en-US" dirty="0" smtClean="0"/>
-          </a:p>
-          <a:p>
-            <a:endParaRPr lang="en-US" dirty="0" smtClean="0"/>
-          </a:p>
-          <a:p>
-            <a:endParaRPr lang="en-US" dirty="0" smtClean="0"/>
-          </a:p>
-          <a:p>
+              <a:t> and cancels the algorithm if any of the active termination criteria is not </a:t>
+            </a:r>
             <a:r>
               <a:rPr lang="en-US" dirty="0" smtClean="0"/>
-              <a:t>…</a:t>
+              <a:t>met</a:t>
             </a:r>
             <a:endParaRPr lang="en-US" dirty="0"/>
           </a:p>
@@ -3928,7 +3909,7 @@
         </p:blipFill>
         <p:spPr>
           <a:xfrm>
-            <a:off x="2196291" y="3497438"/>
+            <a:off x="2196291" y="4071017"/>
             <a:ext cx="8048625" cy="2009775"/>
           </a:xfrm>
           <a:prstGeom prst="rect">
@@ -3954,7 +3935,7 @@
         </p:nvSpPr>
         <p:spPr>
           <a:xfrm>
-            <a:off x="2221230" y="3815548"/>
+            <a:off x="2221230" y="4389127"/>
             <a:ext cx="1419743" cy="207817"/>
           </a:xfrm>
           <a:prstGeom prst="rect">
@@ -3998,7 +3979,7 @@
         </p:nvSpPr>
         <p:spPr>
           <a:xfrm>
-            <a:off x="4867449" y="3800856"/>
+            <a:off x="4867449" y="4374435"/>
             <a:ext cx="1275656" cy="207817"/>
           </a:xfrm>
           <a:prstGeom prst="rect">
@@ -8527,16 +8508,73 @@
             <p:ph idx="1"/>
           </p:nvPr>
         </p:nvSpPr>
-        <p:spPr/>
+        <p:spPr>
+          <a:xfrm>
+            <a:off x="838200" y="1825625"/>
+            <a:ext cx="10515600" cy="2297487"/>
+          </a:xfrm>
+        </p:spPr>
         <p:txBody>
           <a:bodyPr>
-            <a:normAutofit/>
+            <a:normAutofit fontScale="70000" lnSpcReduction="20000"/>
           </a:bodyPr>
           <a:lstStyle/>
           <a:p>
             <a:r>
+              <a:rPr lang="en-US" dirty="0" err="1"/>
+              <a:t>BasicAlgorithms</a:t>
+            </a:r>
+            <a:r>
+              <a:rPr lang="en-US" dirty="0"/>
+              <a:t> allow to easily create new </a:t>
+            </a:r>
+            <a:r>
               <a:rPr lang="en-US" dirty="0" smtClean="0"/>
-              <a:t>Up to now, </a:t>
+              <a:t>algorithms</a:t>
+            </a:r>
+          </a:p>
+          <a:p>
+            <a:pPr lvl="1"/>
+            <a:r>
+              <a:rPr lang="en-US" dirty="0"/>
+              <a:t>P3 (Parameter-less Population Pyramid) was implemented within one week</a:t>
+            </a:r>
+          </a:p>
+          <a:p>
+            <a:pPr lvl="1"/>
+            <a:r>
+              <a:rPr lang="en-US" dirty="0"/>
+              <a:t>Override </a:t>
+            </a:r>
+            <a:r>
+              <a:rPr lang="en-US" dirty="0" smtClean="0"/>
+              <a:t>Initialize(…) </a:t>
+            </a:r>
+            <a:r>
+              <a:rPr lang="en-US" dirty="0"/>
+              <a:t>to initialize the algorithm</a:t>
+            </a:r>
+          </a:p>
+          <a:p>
+            <a:pPr lvl="1"/>
+            <a:r>
+              <a:rPr lang="en-US" dirty="0"/>
+              <a:t>Implement </a:t>
+            </a:r>
+            <a:r>
+              <a:rPr lang="en-US" dirty="0" smtClean="0"/>
+              <a:t>Run(…) so that it supports pause/resume</a:t>
+            </a:r>
+            <a:endParaRPr lang="en-US" dirty="0"/>
+          </a:p>
+          <a:p>
+            <a:r>
+              <a:rPr lang="en-US" dirty="0" smtClean="0"/>
+              <a:t>Up </a:t>
+            </a:r>
+            <a:r>
+              <a:rPr lang="en-US" dirty="0" smtClean="0"/>
+              <a:t>to now, </a:t>
             </a:r>
             <a:r>
               <a:rPr lang="en-US" dirty="0" err="1" smtClean="0"/>
@@ -8591,8 +8629,8 @@
         </p:nvSpPr>
         <p:spPr>
           <a:xfrm>
-            <a:off x="2468754" y="3674227"/>
-            <a:ext cx="7254493" cy="2818015"/>
+            <a:off x="2122454" y="4139739"/>
+            <a:ext cx="7947093" cy="2369129"/>
           </a:xfrm>
           <a:prstGeom prst="rect">
             <a:avLst/>
@@ -8774,7 +8812,7 @@
               <a:buNone/>
             </a:pPr>
             <a:r>
-              <a:rPr lang="de-AT" sz="1200" dirty="0">
+              <a:rPr lang="de-AT" sz="1000" dirty="0">
                 <a:solidFill>
                   <a:srgbClr val="0000FF"/>
                 </a:solidFill>
@@ -8782,11 +8820,11 @@
               <a:t>protected</a:t>
             </a:r>
             <a:r>
-              <a:rPr lang="de-AT" sz="1200" dirty="0"/>
-              <a:t> </a:t>
-            </a:r>
-            <a:r>
-              <a:rPr lang="de-AT" sz="1200" dirty="0">
+              <a:rPr lang="de-AT" sz="1000" dirty="0"/>
+              <a:t> </a:t>
+            </a:r>
+            <a:r>
+              <a:rPr lang="de-AT" sz="1000" dirty="0">
                 <a:solidFill>
                   <a:srgbClr val="A52A2A"/>
                 </a:solidFill>
@@ -8794,11 +8832,11 @@
               <a:t>override</a:t>
             </a:r>
             <a:r>
-              <a:rPr lang="de-AT" sz="1200" dirty="0"/>
-              <a:t> </a:t>
-            </a:r>
-            <a:r>
-              <a:rPr lang="de-AT" sz="1200" dirty="0">
+              <a:rPr lang="de-AT" sz="1000" dirty="0"/>
+              <a:t> </a:t>
+            </a:r>
+            <a:r>
+              <a:rPr lang="de-AT" sz="1000" dirty="0">
                 <a:solidFill>
                   <a:srgbClr val="FF0000"/>
                 </a:solidFill>
@@ -8806,11 +8844,11 @@
               <a:t>void</a:t>
             </a:r>
             <a:r>
-              <a:rPr lang="de-AT" sz="1200" dirty="0"/>
-              <a:t> </a:t>
-            </a:r>
-            <a:r>
-              <a:rPr lang="de-AT" sz="1200" dirty="0">
+              <a:rPr lang="de-AT" sz="1000" dirty="0"/>
+              <a:t> </a:t>
+            </a:r>
+            <a:r>
+              <a:rPr lang="de-AT" sz="1000" dirty="0">
                 <a:solidFill>
                   <a:srgbClr val="191970"/>
                 </a:solidFill>
@@ -8818,18 +8856,18 @@
               <a:t>Initialize</a:t>
             </a:r>
             <a:r>
-              <a:rPr lang="de-AT" sz="1200" dirty="0"/>
+              <a:rPr lang="de-AT" sz="1000" dirty="0"/>
               <a:t>(CancellationToken cancellationToken) {</a:t>
             </a:r>
             <a:br>
-              <a:rPr lang="de-AT" sz="1200" dirty="0"/>
+              <a:rPr lang="de-AT" sz="1000" dirty="0"/>
             </a:br>
             <a:r>
-              <a:rPr lang="de-AT" sz="1200" dirty="0"/>
+              <a:rPr lang="de-AT" sz="1000" dirty="0"/>
               <a:t>  Results.</a:t>
             </a:r>
             <a:r>
-              <a:rPr lang="de-AT" sz="1200" dirty="0">
+              <a:rPr lang="de-AT" sz="1000" dirty="0">
                 <a:solidFill>
                   <a:srgbClr val="191970"/>
                 </a:solidFill>
@@ -8837,11 +8875,11 @@
               <a:t>Add</a:t>
             </a:r>
             <a:r>
-              <a:rPr lang="de-AT" sz="1200" dirty="0"/>
+              <a:rPr lang="de-AT" sz="1000" dirty="0"/>
               <a:t>(</a:t>
             </a:r>
             <a:r>
-              <a:rPr lang="de-AT" sz="1200" dirty="0">
+              <a:rPr lang="de-AT" sz="1000" dirty="0">
                 <a:solidFill>
                   <a:srgbClr val="008B8B"/>
                 </a:solidFill>
@@ -8849,11 +8887,11 @@
               <a:t>new</a:t>
             </a:r>
             <a:r>
-              <a:rPr lang="de-AT" sz="1200" dirty="0"/>
-              <a:t> </a:t>
-            </a:r>
-            <a:r>
-              <a:rPr lang="de-AT" sz="1200" dirty="0">
+              <a:rPr lang="de-AT" sz="1000" dirty="0"/>
+              <a:t> </a:t>
+            </a:r>
+            <a:r>
+              <a:rPr lang="de-AT" sz="1000" dirty="0">
                 <a:solidFill>
                   <a:srgbClr val="191970"/>
                 </a:solidFill>
@@ -8861,11 +8899,11 @@
               <a:t>Result</a:t>
             </a:r>
             <a:r>
-              <a:rPr lang="de-AT" sz="1200" dirty="0"/>
+              <a:rPr lang="de-AT" sz="1000" dirty="0"/>
               <a:t>(BestQualityResultName, </a:t>
             </a:r>
             <a:r>
-              <a:rPr lang="de-AT" sz="1200" dirty="0">
+              <a:rPr lang="de-AT" sz="1000" dirty="0">
                 <a:solidFill>
                   <a:srgbClr val="008B8B"/>
                 </a:solidFill>
@@ -8873,11 +8911,11 @@
               <a:t>new</a:t>
             </a:r>
             <a:r>
-              <a:rPr lang="de-AT" sz="1200" dirty="0"/>
-              <a:t> </a:t>
-            </a:r>
-            <a:r>
-              <a:rPr lang="de-AT" sz="1200" dirty="0">
+              <a:rPr lang="de-AT" sz="1000" dirty="0"/>
+              <a:t> </a:t>
+            </a:r>
+            <a:r>
+              <a:rPr lang="de-AT" sz="1000" dirty="0">
                 <a:solidFill>
                   <a:srgbClr val="191970"/>
                 </a:solidFill>
@@ -8885,11 +8923,11 @@
               <a:t>DoubleValue</a:t>
             </a:r>
             <a:r>
-              <a:rPr lang="de-AT" sz="1200" dirty="0"/>
+              <a:rPr lang="de-AT" sz="1000" dirty="0"/>
               <a:t>(</a:t>
             </a:r>
             <a:r>
-              <a:rPr lang="de-AT" sz="1200" dirty="0">
+              <a:rPr lang="de-AT" sz="1000" dirty="0">
                 <a:solidFill>
                   <a:srgbClr val="FF0000"/>
                 </a:solidFill>
@@ -8897,18 +8935,18 @@
               <a:t>double</a:t>
             </a:r>
             <a:r>
-              <a:rPr lang="de-AT" sz="1200" dirty="0"/>
+              <a:rPr lang="de-AT" sz="1000" dirty="0"/>
               <a:t>.NaN)));</a:t>
             </a:r>
             <a:br>
-              <a:rPr lang="de-AT" sz="1200" dirty="0"/>
+              <a:rPr lang="de-AT" sz="1000" dirty="0"/>
             </a:br>
             <a:r>
-              <a:rPr lang="de-AT" sz="1200" dirty="0"/>
+              <a:rPr lang="de-AT" sz="1000" dirty="0"/>
               <a:t>  Results.</a:t>
             </a:r>
             <a:r>
-              <a:rPr lang="de-AT" sz="1200" dirty="0">
+              <a:rPr lang="de-AT" sz="1000" dirty="0">
                 <a:solidFill>
                   <a:srgbClr val="191970"/>
                 </a:solidFill>
@@ -8916,11 +8954,11 @@
               <a:t>Add</a:t>
             </a:r>
             <a:r>
-              <a:rPr lang="de-AT" sz="1200" dirty="0"/>
+              <a:rPr lang="de-AT" sz="1000" dirty="0"/>
               <a:t>(</a:t>
             </a:r>
             <a:r>
-              <a:rPr lang="de-AT" sz="1200" dirty="0">
+              <a:rPr lang="de-AT" sz="1000" dirty="0">
                 <a:solidFill>
                   <a:srgbClr val="008B8B"/>
                 </a:solidFill>
@@ -8928,11 +8966,11 @@
               <a:t>new</a:t>
             </a:r>
             <a:r>
-              <a:rPr lang="de-AT" sz="1200" dirty="0"/>
-              <a:t> </a:t>
-            </a:r>
-            <a:r>
-              <a:rPr lang="de-AT" sz="1200" dirty="0">
+              <a:rPr lang="de-AT" sz="1000" dirty="0"/>
+              <a:t> </a:t>
+            </a:r>
+            <a:r>
+              <a:rPr lang="de-AT" sz="1000" dirty="0">
                 <a:solidFill>
                   <a:srgbClr val="191970"/>
                 </a:solidFill>
@@ -8940,11 +8978,11 @@
               <a:t>Result</a:t>
             </a:r>
             <a:r>
-              <a:rPr lang="de-AT" sz="1200" dirty="0"/>
+              <a:rPr lang="de-AT" sz="1000" dirty="0"/>
               <a:t>(IterationsResultName, </a:t>
             </a:r>
             <a:r>
-              <a:rPr lang="de-AT" sz="1200" dirty="0">
+              <a:rPr lang="de-AT" sz="1000" dirty="0">
                 <a:solidFill>
                   <a:srgbClr val="008B8B"/>
                 </a:solidFill>
@@ -8952,11 +8990,11 @@
               <a:t>new</a:t>
             </a:r>
             <a:r>
-              <a:rPr lang="de-AT" sz="1200" dirty="0"/>
-              <a:t> </a:t>
-            </a:r>
-            <a:r>
-              <a:rPr lang="de-AT" sz="1200" dirty="0">
+              <a:rPr lang="de-AT" sz="1000" dirty="0"/>
+              <a:t> </a:t>
+            </a:r>
+            <a:r>
+              <a:rPr lang="de-AT" sz="1000" dirty="0">
                 <a:solidFill>
                   <a:srgbClr val="191970"/>
                 </a:solidFill>
@@ -8964,11 +9002,11 @@
               <a:t>IntValue</a:t>
             </a:r>
             <a:r>
-              <a:rPr lang="de-AT" sz="1200" dirty="0"/>
+              <a:rPr lang="de-AT" sz="1000" dirty="0"/>
               <a:t>(</a:t>
             </a:r>
             <a:r>
-              <a:rPr lang="de-AT" sz="1200" dirty="0">
+              <a:rPr lang="de-AT" sz="1000" dirty="0">
                 <a:solidFill>
                   <a:srgbClr val="00008B"/>
                 </a:solidFill>
@@ -8976,18 +9014,18 @@
               <a:t>0</a:t>
             </a:r>
             <a:r>
-              <a:rPr lang="de-AT" sz="1200" dirty="0"/>
+              <a:rPr lang="de-AT" sz="1000" dirty="0"/>
               <a:t>)));</a:t>
             </a:r>
             <a:br>
-              <a:rPr lang="de-AT" sz="1200" dirty="0"/>
+              <a:rPr lang="de-AT" sz="1000" dirty="0"/>
             </a:br>
             <a:r>
-              <a:rPr lang="de-AT" sz="1200" dirty="0"/>
+              <a:rPr lang="de-AT" sz="1000" dirty="0"/>
               <a:t>  base.</a:t>
             </a:r>
             <a:r>
-              <a:rPr lang="de-AT" sz="1200" dirty="0">
+              <a:rPr lang="de-AT" sz="1000" dirty="0">
                 <a:solidFill>
                   <a:srgbClr val="191970"/>
                 </a:solidFill>
@@ -8995,28 +9033,28 @@
               <a:t>Initialize</a:t>
             </a:r>
             <a:r>
-              <a:rPr lang="de-AT" sz="1200" dirty="0"/>
+              <a:rPr lang="de-AT" sz="1000" dirty="0"/>
               <a:t>(cancellationToken);</a:t>
             </a:r>
             <a:br>
-              <a:rPr lang="de-AT" sz="1200" dirty="0"/>
+              <a:rPr lang="de-AT" sz="1000" dirty="0"/>
             </a:br>
             <a:r>
-              <a:rPr lang="de-AT" sz="1200" dirty="0"/>
+              <a:rPr lang="de-AT" sz="1000" dirty="0"/>
               <a:t>}</a:t>
             </a:r>
             <a:br>
-              <a:rPr lang="de-AT" sz="1200" dirty="0"/>
+              <a:rPr lang="de-AT" sz="1000" dirty="0"/>
             </a:br>
             <a:r>
-              <a:rPr lang="de-AT" sz="1200" dirty="0"/>
+              <a:rPr lang="de-AT" sz="1000" dirty="0"/>
               <a:t/>
             </a:r>
             <a:br>
-              <a:rPr lang="de-AT" sz="1200" dirty="0"/>
+              <a:rPr lang="de-AT" sz="1000" dirty="0"/>
             </a:br>
             <a:r>
-              <a:rPr lang="de-AT" sz="1200" dirty="0">
+              <a:rPr lang="de-AT" sz="1000" dirty="0">
                 <a:solidFill>
                   <a:srgbClr val="0000FF"/>
                 </a:solidFill>
@@ -9024,11 +9062,11 @@
               <a:t>protected</a:t>
             </a:r>
             <a:r>
-              <a:rPr lang="de-AT" sz="1200" dirty="0"/>
-              <a:t> </a:t>
-            </a:r>
-            <a:r>
-              <a:rPr lang="de-AT" sz="1200" dirty="0">
+              <a:rPr lang="de-AT" sz="1000" dirty="0"/>
+              <a:t> </a:t>
+            </a:r>
+            <a:r>
+              <a:rPr lang="de-AT" sz="1000" dirty="0">
                 <a:solidFill>
                   <a:srgbClr val="A52A2A"/>
                 </a:solidFill>
@@ -9036,11 +9074,11 @@
               <a:t>override</a:t>
             </a:r>
             <a:r>
-              <a:rPr lang="de-AT" sz="1200" dirty="0"/>
-              <a:t> </a:t>
-            </a:r>
-            <a:r>
-              <a:rPr lang="de-AT" sz="1200" dirty="0">
+              <a:rPr lang="de-AT" sz="1000" dirty="0"/>
+              <a:t> </a:t>
+            </a:r>
+            <a:r>
+              <a:rPr lang="de-AT" sz="1000" dirty="0">
                 <a:solidFill>
                   <a:srgbClr val="FF0000"/>
                 </a:solidFill>
@@ -9048,11 +9086,11 @@
               <a:t>void</a:t>
             </a:r>
             <a:r>
-              <a:rPr lang="de-AT" sz="1200" dirty="0"/>
-              <a:t> </a:t>
-            </a:r>
-            <a:r>
-              <a:rPr lang="de-AT" sz="1200" dirty="0">
+              <a:rPr lang="de-AT" sz="1000" dirty="0"/>
+              <a:t> </a:t>
+            </a:r>
+            <a:r>
+              <a:rPr lang="de-AT" sz="1000" dirty="0">
                 <a:solidFill>
                   <a:srgbClr val="191970"/>
                 </a:solidFill>
@@ -9060,18 +9098,18 @@
               <a:t>Run</a:t>
             </a:r>
             <a:r>
-              <a:rPr lang="de-AT" sz="1200" dirty="0"/>
+              <a:rPr lang="de-AT" sz="1000" dirty="0"/>
               <a:t>(CancellationToken cancellationToken) {</a:t>
             </a:r>
             <a:br>
-              <a:rPr lang="de-AT" sz="1200" dirty="0"/>
+              <a:rPr lang="de-AT" sz="1000" dirty="0"/>
             </a:br>
             <a:r>
-              <a:rPr lang="de-AT" sz="1200" dirty="0"/>
+              <a:rPr lang="de-AT" sz="1000" dirty="0"/>
               <a:t>  </a:t>
             </a:r>
             <a:r>
-              <a:rPr lang="de-AT" sz="1200" dirty="0">
+              <a:rPr lang="de-AT" sz="1000" dirty="0">
                 <a:solidFill>
                   <a:srgbClr val="0000FF"/>
                 </a:solidFill>
@@ -9079,18 +9117,18 @@
               <a:t>while</a:t>
             </a:r>
             <a:r>
-              <a:rPr lang="de-AT" sz="1200" dirty="0"/>
+              <a:rPr lang="de-AT" sz="1000" dirty="0"/>
               <a:t> (ResultsIterations &lt; Iterations) {</a:t>
             </a:r>
             <a:br>
-              <a:rPr lang="de-AT" sz="1200" dirty="0"/>
+              <a:rPr lang="de-AT" sz="1000" dirty="0"/>
             </a:br>
             <a:r>
-              <a:rPr lang="de-AT" sz="1200" dirty="0"/>
+              <a:rPr lang="de-AT" sz="1000" dirty="0"/>
               <a:t>    cancellationToken.</a:t>
             </a:r>
             <a:r>
-              <a:rPr lang="de-AT" sz="1200" dirty="0">
+              <a:rPr lang="de-AT" sz="1000" dirty="0">
                 <a:solidFill>
                   <a:srgbClr val="191970"/>
                 </a:solidFill>
@@ -9098,25 +9136,25 @@
               <a:t>ThrowIfCancellationRequested</a:t>
             </a:r>
             <a:r>
-              <a:rPr lang="de-AT" sz="1200" dirty="0"/>
+              <a:rPr lang="de-AT" sz="1000" dirty="0"/>
               <a:t>();</a:t>
             </a:r>
             <a:br>
-              <a:rPr lang="de-AT" sz="1200" dirty="0"/>
+              <a:rPr lang="de-AT" sz="1000" dirty="0"/>
             </a:br>
             <a:r>
-              <a:rPr lang="de-AT" sz="1200" dirty="0"/>
+              <a:rPr lang="de-AT" sz="1000" dirty="0"/>
               <a:t/>
             </a:r>
             <a:br>
-              <a:rPr lang="de-AT" sz="1200" dirty="0"/>
+              <a:rPr lang="de-AT" sz="1000" dirty="0"/>
             </a:br>
             <a:r>
-              <a:rPr lang="de-AT" sz="1200" dirty="0"/>
+              <a:rPr lang="de-AT" sz="1000" dirty="0"/>
               <a:t>    </a:t>
             </a:r>
             <a:r>
-              <a:rPr lang="de-AT" sz="1200" dirty="0">
+              <a:rPr lang="de-AT" sz="1000" dirty="0">
                 <a:solidFill>
                   <a:srgbClr val="008000"/>
                 </a:solidFill>
@@ -9124,45 +9162,45 @@
               <a:t>// execute one iteration</a:t>
             </a:r>
             <a:r>
-              <a:rPr lang="de-AT" sz="1200" dirty="0"/>
+              <a:rPr lang="de-AT" sz="1000" dirty="0"/>
               <a:t/>
             </a:r>
             <a:br>
-              <a:rPr lang="de-AT" sz="1200" dirty="0"/>
+              <a:rPr lang="de-AT" sz="1000" dirty="0"/>
             </a:br>
             <a:r>
-              <a:rPr lang="de-AT" sz="1200" dirty="0"/>
+              <a:rPr lang="de-AT" sz="1000" dirty="0"/>
               <a:t/>
             </a:r>
             <a:br>
-              <a:rPr lang="de-AT" sz="1200" dirty="0"/>
+              <a:rPr lang="de-AT" sz="1000" dirty="0"/>
             </a:br>
             <a:r>
-              <a:rPr lang="de-AT" sz="1200" dirty="0"/>
+              <a:rPr lang="de-AT" sz="1000" dirty="0"/>
               <a:t>    ResultsIterations++;</a:t>
             </a:r>
             <a:br>
-              <a:rPr lang="de-AT" sz="1200" dirty="0"/>
+              <a:rPr lang="de-AT" sz="1000" dirty="0"/>
             </a:br>
             <a:r>
-              <a:rPr lang="de-AT" sz="1200" dirty="0"/>
+              <a:rPr lang="de-AT" sz="1000" dirty="0"/>
               <a:t>  }</a:t>
             </a:r>
             <a:br>
-              <a:rPr lang="de-AT" sz="1200" dirty="0"/>
+              <a:rPr lang="de-AT" sz="1000" dirty="0"/>
             </a:br>
             <a:r>
-              <a:rPr lang="de-AT" sz="1200" dirty="0"/>
+              <a:rPr lang="de-AT" sz="1000" dirty="0"/>
               <a:t>}</a:t>
             </a:r>
-            <a:endParaRPr lang="de-DE" sz="1200" dirty="0"/>
+            <a:endParaRPr lang="de-DE" sz="1000" dirty="0"/>
           </a:p>
         </p:txBody>
       </p:sp>
     </p:spTree>
     <p:extLst>
       <p:ext uri="{BB962C8B-B14F-4D97-AF65-F5344CB8AC3E}">
-        <p14:creationId xmlns:p14="http://schemas.microsoft.com/office/powerpoint/2010/main" val="1660487860"/>
+        <p14:creationId xmlns:p14="http://schemas.microsoft.com/office/powerpoint/2010/main" val="2419751290"/>
       </p:ext>
     </p:extLst>
   </p:cSld>

--- a/documentation/HeuristicLab 4.0.pptx
+++ b/documentation/HeuristicLab 4.0.pptx
@@ -256,7 +256,7 @@
           <a:p>
             <a:fld id="{04FFA9E9-5461-4D3B-90F8-43CB1CC1C3BF}" type="datetimeFigureOut">
               <a:rPr lang="de-DE" smtClean="0"/>
-              <a:t>05.02.2016</a:t>
+              <a:t>08.02.2016</a:t>
             </a:fld>
             <a:endParaRPr lang="de-DE"/>
           </a:p>
@@ -426,7 +426,7 @@
           <a:p>
             <a:fld id="{04FFA9E9-5461-4D3B-90F8-43CB1CC1C3BF}" type="datetimeFigureOut">
               <a:rPr lang="de-DE" smtClean="0"/>
-              <a:t>05.02.2016</a:t>
+              <a:t>08.02.2016</a:t>
             </a:fld>
             <a:endParaRPr lang="de-DE"/>
           </a:p>
@@ -606,7 +606,7 @@
           <a:p>
             <a:fld id="{04FFA9E9-5461-4D3B-90F8-43CB1CC1C3BF}" type="datetimeFigureOut">
               <a:rPr lang="de-DE" smtClean="0"/>
-              <a:t>05.02.2016</a:t>
+              <a:t>08.02.2016</a:t>
             </a:fld>
             <a:endParaRPr lang="de-DE"/>
           </a:p>
@@ -776,7 +776,7 @@
           <a:p>
             <a:fld id="{04FFA9E9-5461-4D3B-90F8-43CB1CC1C3BF}" type="datetimeFigureOut">
               <a:rPr lang="de-DE" smtClean="0"/>
-              <a:t>05.02.2016</a:t>
+              <a:t>08.02.2016</a:t>
             </a:fld>
             <a:endParaRPr lang="de-DE"/>
           </a:p>
@@ -1022,7 +1022,7 @@
           <a:p>
             <a:fld id="{04FFA9E9-5461-4D3B-90F8-43CB1CC1C3BF}" type="datetimeFigureOut">
               <a:rPr lang="de-DE" smtClean="0"/>
-              <a:t>05.02.2016</a:t>
+              <a:t>08.02.2016</a:t>
             </a:fld>
             <a:endParaRPr lang="de-DE"/>
           </a:p>
@@ -1254,7 +1254,7 @@
           <a:p>
             <a:fld id="{04FFA9E9-5461-4D3B-90F8-43CB1CC1C3BF}" type="datetimeFigureOut">
               <a:rPr lang="de-DE" smtClean="0"/>
-              <a:t>05.02.2016</a:t>
+              <a:t>08.02.2016</a:t>
             </a:fld>
             <a:endParaRPr lang="de-DE"/>
           </a:p>
@@ -1621,7 +1621,7 @@
           <a:p>
             <a:fld id="{04FFA9E9-5461-4D3B-90F8-43CB1CC1C3BF}" type="datetimeFigureOut">
               <a:rPr lang="de-DE" smtClean="0"/>
-              <a:t>05.02.2016</a:t>
+              <a:t>08.02.2016</a:t>
             </a:fld>
             <a:endParaRPr lang="de-DE"/>
           </a:p>
@@ -1739,7 +1739,7 @@
           <a:p>
             <a:fld id="{04FFA9E9-5461-4D3B-90F8-43CB1CC1C3BF}" type="datetimeFigureOut">
               <a:rPr lang="de-DE" smtClean="0"/>
-              <a:t>05.02.2016</a:t>
+              <a:t>08.02.2016</a:t>
             </a:fld>
             <a:endParaRPr lang="de-DE"/>
           </a:p>
@@ -1834,7 +1834,7 @@
           <a:p>
             <a:fld id="{04FFA9E9-5461-4D3B-90F8-43CB1CC1C3BF}" type="datetimeFigureOut">
               <a:rPr lang="de-DE" smtClean="0"/>
-              <a:t>05.02.2016</a:t>
+              <a:t>08.02.2016</a:t>
             </a:fld>
             <a:endParaRPr lang="de-DE"/>
           </a:p>
@@ -2111,7 +2111,7 @@
           <a:p>
             <a:fld id="{04FFA9E9-5461-4D3B-90F8-43CB1CC1C3BF}" type="datetimeFigureOut">
               <a:rPr lang="de-DE" smtClean="0"/>
-              <a:t>05.02.2016</a:t>
+              <a:t>08.02.2016</a:t>
             </a:fld>
             <a:endParaRPr lang="de-DE"/>
           </a:p>
@@ -2364,7 +2364,7 @@
           <a:p>
             <a:fld id="{04FFA9E9-5461-4D3B-90F8-43CB1CC1C3BF}" type="datetimeFigureOut">
               <a:rPr lang="de-DE" smtClean="0"/>
-              <a:t>05.02.2016</a:t>
+              <a:t>08.02.2016</a:t>
             </a:fld>
             <a:endParaRPr lang="de-DE"/>
           </a:p>
@@ -2577,7 +2577,7 @@
           <a:p>
             <a:fld id="{04FFA9E9-5461-4D3B-90F8-43CB1CC1C3BF}" type="datetimeFigureOut">
               <a:rPr lang="de-DE" smtClean="0"/>
-              <a:t>05.02.2016</a:t>
+              <a:t>08.02.2016</a:t>
             </a:fld>
             <a:endParaRPr lang="de-DE"/>
           </a:p>
@@ -3022,7 +3022,11 @@
           <a:p>
             <a:r>
               <a:rPr lang="de-DE" dirty="0" smtClean="0"/>
-              <a:t>Roadmap – Features - </a:t>
+              <a:t>Roadmap – Features </a:t>
+            </a:r>
+            <a:r>
+              <a:rPr lang="de-DE" dirty="0" smtClean="0"/>
+              <a:t>– </a:t>
             </a:r>
             <a:r>
               <a:rPr lang="de-DE" dirty="0" err="1" smtClean="0"/>
@@ -3837,22 +3841,14 @@
             <a:pPr lvl="1"/>
             <a:r>
               <a:rPr lang="en-US" dirty="0" smtClean="0"/>
-              <a:t>Additional concept to better compare algorithm </a:t>
-            </a:r>
+              <a:t>Additional concept to better compare algorithm performances</a:t>
+            </a:r>
+          </a:p>
+          <a:p>
+            <a:pPr lvl="1"/>
             <a:r>
               <a:rPr lang="en-US" dirty="0" smtClean="0"/>
-              <a:t>performances</a:t>
-            </a:r>
-          </a:p>
-          <a:p>
-            <a:pPr lvl="1"/>
-            <a:r>
-              <a:rPr lang="en-US" dirty="0" smtClean="0"/>
-              <a:t>e.g</a:t>
-            </a:r>
-            <a:r>
-              <a:rPr lang="en-US" dirty="0" smtClean="0"/>
-              <a:t>. only allow 10</a:t>
+              <a:t>e.g. only allow 10</a:t>
             </a:r>
             <a:r>
               <a:rPr lang="en-US" baseline="30000" dirty="0" smtClean="0"/>
@@ -3883,11 +3879,7 @@
             </a:r>
             <a:r>
               <a:rPr lang="en-US" dirty="0" smtClean="0"/>
-              <a:t> and cancels the algorithm if any of the active termination criteria is not </a:t>
-            </a:r>
-            <a:r>
-              <a:rPr lang="en-US" dirty="0" smtClean="0"/>
-              <a:t>met</a:t>
+              <a:t> and cancels the algorithm if any of the active termination criteria is not met</a:t>
             </a:r>
             <a:endParaRPr lang="en-US" dirty="0"/>
           </a:p>
@@ -4535,7 +4527,7 @@
         <p:spPr/>
         <p:txBody>
           <a:bodyPr>
-            <a:normAutofit fontScale="92500" lnSpcReduction="10000"/>
+            <a:normAutofit fontScale="92500" lnSpcReduction="20000"/>
           </a:bodyPr>
           <a:lstStyle/>
           <a:p>
@@ -4548,15 +4540,28 @@
             <a:pPr lvl="1"/>
             <a:r>
               <a:rPr lang="en-US" dirty="0" smtClean="0"/>
-              <a:t>HL 3.3.14 “Unnamed”: begin of March 2016</a:t>
+              <a:t>HL 3.3.14 “Unnamed”: </a:t>
+            </a:r>
+            <a:r>
+              <a:rPr lang="en-US" dirty="0" smtClean="0"/>
+              <a:t>March </a:t>
+            </a:r>
+            <a:r>
+              <a:rPr lang="en-US" dirty="0" smtClean="0"/>
+              <a:t>2016</a:t>
             </a:r>
           </a:p>
           <a:p>
             <a:pPr lvl="1"/>
             <a:r>
               <a:rPr lang="en-US" dirty="0" smtClean="0"/>
-              <a:t>HL 3.3.15 “Denver”: begin of July 2016</a:t>
-            </a:r>
+              <a:t>HL 3.3.15 “Denver”: </a:t>
+            </a:r>
+            <a:r>
+              <a:rPr lang="en-US" dirty="0" smtClean="0"/>
+              <a:t>July 2016 (before/at GECCO 2016)</a:t>
+            </a:r>
+            <a:endParaRPr lang="en-US" dirty="0" smtClean="0"/>
           </a:p>
           <a:p>
             <a:r>
@@ -4568,31 +4573,63 @@
             <a:pPr lvl="1"/>
             <a:r>
               <a:rPr lang="en-US" dirty="0" smtClean="0"/>
-              <a:t>Use summer for finishing 4.0</a:t>
+              <a:t>use </a:t>
+            </a:r>
+            <a:r>
+              <a:rPr lang="en-US" dirty="0" smtClean="0"/>
+              <a:t>summer for finishing 4.0</a:t>
             </a:r>
           </a:p>
           <a:p>
             <a:pPr lvl="1"/>
             <a:r>
               <a:rPr lang="en-US" dirty="0" smtClean="0"/>
-              <a:t>Release end of September 2016</a:t>
-            </a:r>
-          </a:p>
-          <a:p>
+              <a:t>release in </a:t>
+            </a:r>
             <a:r>
               <a:rPr lang="en-US" dirty="0" smtClean="0"/>
-              <a:t>Between 3.3.15 and 4.0</a:t>
+              <a:t>September </a:t>
+            </a:r>
+            <a:r>
+              <a:rPr lang="en-US" dirty="0" smtClean="0"/>
+              <a:t>2016</a:t>
             </a:r>
           </a:p>
           <a:p>
             <a:pPr lvl="1"/>
             <a:r>
+              <a:rPr lang="en-US" dirty="0" smtClean="0"/>
+              <a:t>present HL 4.0 at APCASE 2016 (?)</a:t>
+            </a:r>
+            <a:endParaRPr lang="en-US" dirty="0" smtClean="0"/>
+          </a:p>
+          <a:p>
+            <a:r>
+              <a:rPr lang="en-US" dirty="0" smtClean="0"/>
+              <a:t>Between </a:t>
+            </a:r>
+            <a:r>
+              <a:rPr lang="en-US" dirty="0" smtClean="0"/>
+              <a:t>3.3.15 and 4.0</a:t>
+            </a:r>
+          </a:p>
+          <a:p>
+            <a:pPr lvl="1"/>
+            <a:r>
+              <a:rPr lang="en-US" dirty="0" smtClean="0"/>
+              <a:t>integration </a:t>
+            </a:r>
+            <a:r>
               <a:rPr lang="en-US" dirty="0"/>
-              <a:t>Integration of </a:t>
+              <a:t>of </a:t>
             </a:r>
             <a:r>
               <a:rPr lang="en-US" dirty="0" smtClean="0"/>
-              <a:t>new features </a:t>
+              <a:t>new </a:t>
+            </a:r>
+            <a:r>
+              <a:rPr lang="en-US" dirty="0" smtClean="0"/>
+              <a:t>HL 4.0 features </a:t>
             </a:r>
             <a:r>
               <a:rPr lang="en-US" dirty="0"/>
@@ -4615,14 +4652,22 @@
             <a:pPr lvl="2"/>
             <a:r>
               <a:rPr lang="en-US" dirty="0" smtClean="0"/>
-              <a:t>Last version of trunk before integration</a:t>
+              <a:t>last </a:t>
+            </a:r>
+            <a:r>
+              <a:rPr lang="en-US" dirty="0" smtClean="0"/>
+              <a:t>version of trunk before integration</a:t>
             </a:r>
           </a:p>
           <a:p>
             <a:pPr lvl="2"/>
             <a:r>
               <a:rPr lang="en-US" dirty="0" smtClean="0"/>
-              <a:t>Will only get </a:t>
+              <a:t>will </a:t>
+            </a:r>
+            <a:r>
+              <a:rPr lang="en-US" dirty="0" smtClean="0"/>
+              <a:t>only get </a:t>
             </a:r>
             <a:r>
               <a:rPr lang="en-US" dirty="0" err="1" smtClean="0"/>
@@ -4634,12 +4679,17 @@
             <a:pPr lvl="2"/>
             <a:r>
               <a:rPr lang="en-US" dirty="0" smtClean="0"/>
-              <a:t>Can be used until trunk settles</a:t>
-            </a:r>
-          </a:p>
-          <a:p>
-            <a:pPr lvl="1"/>
-            <a:endParaRPr lang="en-US" dirty="0"/>
+              <a:t>can </a:t>
+            </a:r>
+            <a:r>
+              <a:rPr lang="en-US" dirty="0" smtClean="0"/>
+              <a:t>be used until trunk </a:t>
+            </a:r>
+            <a:r>
+              <a:rPr lang="en-US" dirty="0" smtClean="0"/>
+              <a:t>settles</a:t>
+            </a:r>
+            <a:endParaRPr lang="en-US" dirty="0" smtClean="0"/>
           </a:p>
         </p:txBody>
       </p:sp>
@@ -4744,14 +4794,24 @@
           <a:p>
             <a:r>
               <a:rPr lang="en-US" dirty="0" smtClean="0"/>
-              <a:t>Plugin Infrastructure changes</a:t>
-            </a:r>
-          </a:p>
-          <a:p>
+              <a:t>Plugin Infrastructure </a:t>
+            </a:r>
             <a:r>
               <a:rPr lang="en-US" dirty="0" smtClean="0"/>
-              <a:t>Minor changes</a:t>
-            </a:r>
+              <a:t>Changes</a:t>
+            </a:r>
+            <a:endParaRPr lang="en-US" dirty="0" smtClean="0"/>
+          </a:p>
+          <a:p>
+            <a:r>
+              <a:rPr lang="en-US" dirty="0" smtClean="0"/>
+              <a:t>Minor </a:t>
+            </a:r>
+            <a:r>
+              <a:rPr lang="en-US" dirty="0" smtClean="0"/>
+              <a:t>Changes</a:t>
+            </a:r>
+            <a:endParaRPr lang="en-US" dirty="0" smtClean="0"/>
           </a:p>
           <a:p>
             <a:endParaRPr lang="en-US" dirty="0"/>
@@ -8570,11 +8630,7 @@
           <a:p>
             <a:r>
               <a:rPr lang="en-US" dirty="0" smtClean="0"/>
-              <a:t>Up </a:t>
-            </a:r>
-            <a:r>
-              <a:rPr lang="en-US" dirty="0" smtClean="0"/>
-              <a:t>to now, </a:t>
+              <a:t>Up to now, </a:t>
             </a:r>
             <a:r>
               <a:rPr lang="en-US" dirty="0" err="1" smtClean="0"/>

--- a/documentation/HeuristicLab 4.0.pptx
+++ b/documentation/HeuristicLab 4.0.pptx
@@ -11,19 +11,18 @@
     <p:sldId id="258" r:id="rId5"/>
     <p:sldId id="262" r:id="rId6"/>
     <p:sldId id="257" r:id="rId7"/>
-    <p:sldId id="260" r:id="rId8"/>
-    <p:sldId id="274" r:id="rId9"/>
-    <p:sldId id="271" r:id="rId10"/>
-    <p:sldId id="272" r:id="rId11"/>
-    <p:sldId id="270" r:id="rId12"/>
-    <p:sldId id="275" r:id="rId13"/>
-    <p:sldId id="276" r:id="rId14"/>
-    <p:sldId id="277" r:id="rId15"/>
-    <p:sldId id="278" r:id="rId16"/>
-    <p:sldId id="279" r:id="rId17"/>
-    <p:sldId id="280" r:id="rId18"/>
-    <p:sldId id="266" r:id="rId19"/>
-    <p:sldId id="265" r:id="rId20"/>
+    <p:sldId id="274" r:id="rId8"/>
+    <p:sldId id="271" r:id="rId9"/>
+    <p:sldId id="272" r:id="rId10"/>
+    <p:sldId id="270" r:id="rId11"/>
+    <p:sldId id="275" r:id="rId12"/>
+    <p:sldId id="276" r:id="rId13"/>
+    <p:sldId id="277" r:id="rId14"/>
+    <p:sldId id="278" r:id="rId15"/>
+    <p:sldId id="279" r:id="rId16"/>
+    <p:sldId id="280" r:id="rId17"/>
+    <p:sldId id="266" r:id="rId18"/>
+    <p:sldId id="265" r:id="rId19"/>
   </p:sldIdLst>
   <p:sldSz cx="12192000" cy="6858000"/>
   <p:notesSz cx="6858000" cy="9144000"/>
@@ -3090,294 +3089,6 @@
           <a:lstStyle/>
           <a:p>
             <a:r>
-              <a:rPr lang="de-DE" dirty="0"/>
-              <a:t>New Termination Criteria</a:t>
-            </a:r>
-            <a:r>
-              <a:rPr lang="en-US" dirty="0" smtClean="0"/>
-              <a:t> </a:t>
-            </a:r>
-            <a:r>
-              <a:rPr lang="en-US" dirty="0"/>
-              <a:t>(</a:t>
-            </a:r>
-            <a:r>
-              <a:rPr lang="en-US" dirty="0" err="1" smtClean="0"/>
-              <a:t>JKarder</a:t>
-            </a:r>
-            <a:r>
-              <a:rPr lang="en-US" dirty="0" smtClean="0"/>
-              <a:t>/</a:t>
-            </a:r>
-            <a:r>
-              <a:rPr lang="en-US" dirty="0" err="1" smtClean="0"/>
-              <a:t>MKommend</a:t>
-            </a:r>
-            <a:r>
-              <a:rPr lang="en-US" dirty="0" smtClean="0"/>
-              <a:t>/</a:t>
-            </a:r>
-            <a:r>
-              <a:rPr lang="en-US" dirty="0" err="1" smtClean="0"/>
-              <a:t>PFleck</a:t>
-            </a:r>
-            <a:r>
-              <a:rPr lang="en-US" dirty="0"/>
-              <a:t>)</a:t>
-            </a:r>
-          </a:p>
-        </p:txBody>
-      </p:sp>
-      <p:sp>
-        <p:nvSpPr>
-          <p:cNvPr id="3" name="Content Placeholder 2"/>
-          <p:cNvSpPr>
-            <a:spLocks noGrp="1"/>
-          </p:cNvSpPr>
-          <p:nvPr>
-            <p:ph idx="1"/>
-          </p:nvPr>
-        </p:nvSpPr>
-        <p:spPr/>
-        <p:txBody>
-          <a:bodyPr>
-            <a:normAutofit/>
-          </a:bodyPr>
-          <a:lstStyle/>
-          <a:p>
-            <a:r>
-              <a:rPr lang="en-US" dirty="0" smtClean="0"/>
-              <a:t>Allows consistent termination in all </a:t>
-            </a:r>
-            <a:r>
-              <a:rPr lang="en-US" dirty="0" err="1" smtClean="0"/>
-              <a:t>EngineAlgorithms</a:t>
-            </a:r>
-            <a:endParaRPr lang="en-US" dirty="0" smtClean="0"/>
-          </a:p>
-          <a:p>
-            <a:pPr lvl="1"/>
-            <a:r>
-              <a:rPr lang="en-US" dirty="0" smtClean="0"/>
-              <a:t>Additional concept to better compare algorithm performances</a:t>
-            </a:r>
-          </a:p>
-          <a:p>
-            <a:pPr lvl="1"/>
-            <a:r>
-              <a:rPr lang="en-US" dirty="0" smtClean="0"/>
-              <a:t>e.g. only allow 10</a:t>
-            </a:r>
-            <a:r>
-              <a:rPr lang="en-US" baseline="30000" dirty="0" smtClean="0"/>
-              <a:t>6</a:t>
-            </a:r>
-            <a:r>
-              <a:rPr lang="en-US" dirty="0"/>
-              <a:t> </a:t>
-            </a:r>
-            <a:r>
-              <a:rPr lang="en-US" dirty="0" smtClean="0"/>
-              <a:t>evaluations for each algorithm</a:t>
-            </a:r>
-            <a:endParaRPr lang="en-US" baseline="30000" dirty="0" smtClean="0"/>
-          </a:p>
-          <a:p>
-            <a:r>
-              <a:rPr lang="en-US" dirty="0" err="1" smtClean="0"/>
-              <a:t>TerminationOperator</a:t>
-            </a:r>
-            <a:r>
-              <a:rPr lang="en-US" dirty="0" smtClean="0"/>
-              <a:t> uses </a:t>
-            </a:r>
-            <a:r>
-              <a:rPr lang="en-US" dirty="0" err="1" smtClean="0"/>
-              <a:t>MultiTerminator</a:t>
-            </a:r>
-            <a:r>
-              <a:rPr lang="en-US" dirty="0" smtClean="0"/>
-              <a:t> and cancels the algorithm if any of the active termination criteria is not met</a:t>
-            </a:r>
-            <a:endParaRPr lang="en-US" dirty="0"/>
-          </a:p>
-        </p:txBody>
-      </p:sp>
-      <p:pic>
-        <p:nvPicPr>
-          <p:cNvPr id="11" name="Picture 10"/>
-          <p:cNvPicPr>
-            <a:picLocks noChangeAspect="1"/>
-          </p:cNvPicPr>
-          <p:nvPr/>
-        </p:nvPicPr>
-        <p:blipFill>
-          <a:blip r:embed="rId2"/>
-          <a:stretch>
-            <a:fillRect/>
-          </a:stretch>
-        </p:blipFill>
-        <p:spPr>
-          <a:xfrm>
-            <a:off x="2196291" y="4071017"/>
-            <a:ext cx="8048625" cy="2009775"/>
-          </a:xfrm>
-          <a:prstGeom prst="rect">
-            <a:avLst/>
-          </a:prstGeom>
-          <a:ln>
-            <a:noFill/>
-          </a:ln>
-          <a:effectLst>
-            <a:outerShdw blurRad="190500" algn="tl" rotWithShape="0">
-              <a:srgbClr val="000000">
-                <a:alpha val="70000"/>
-              </a:srgbClr>
-            </a:outerShdw>
-          </a:effectLst>
-        </p:spPr>
-      </p:pic>
-      <p:sp>
-        <p:nvSpPr>
-          <p:cNvPr id="7" name="Rectangle 6"/>
-          <p:cNvSpPr/>
-          <p:nvPr/>
-        </p:nvSpPr>
-        <p:spPr>
-          <a:xfrm>
-            <a:off x="2221230" y="4389127"/>
-            <a:ext cx="1419743" cy="207817"/>
-          </a:xfrm>
-          <a:prstGeom prst="rect">
-            <a:avLst/>
-          </a:prstGeom>
-          <a:noFill/>
-          <a:ln>
-            <a:solidFill>
-              <a:srgbClr val="FF0000"/>
-            </a:solidFill>
-          </a:ln>
-        </p:spPr>
-        <p:style>
-          <a:lnRef idx="2">
-            <a:schemeClr val="accent2"/>
-          </a:lnRef>
-          <a:fillRef idx="1">
-            <a:schemeClr val="lt1"/>
-          </a:fillRef>
-          <a:effectRef idx="0">
-            <a:schemeClr val="accent2"/>
-          </a:effectRef>
-          <a:fontRef idx="minor">
-            <a:schemeClr val="dk1"/>
-          </a:fontRef>
-        </p:style>
-        <p:txBody>
-          <a:bodyPr rtlCol="0" anchor="ctr"/>
-          <a:lstStyle/>
-          <a:p>
-            <a:pPr algn="ctr"/>
-            <a:endParaRPr lang="de-AT"/>
-          </a:p>
-        </p:txBody>
-      </p:sp>
-      <p:sp>
-        <p:nvSpPr>
-          <p:cNvPr id="9" name="Rectangle 8"/>
-          <p:cNvSpPr/>
-          <p:nvPr/>
-        </p:nvSpPr>
-        <p:spPr>
-          <a:xfrm>
-            <a:off x="4867449" y="4374435"/>
-            <a:ext cx="1275656" cy="207817"/>
-          </a:xfrm>
-          <a:prstGeom prst="rect">
-            <a:avLst/>
-          </a:prstGeom>
-          <a:noFill/>
-          <a:ln>
-            <a:solidFill>
-              <a:srgbClr val="FF0000"/>
-            </a:solidFill>
-          </a:ln>
-        </p:spPr>
-        <p:style>
-          <a:lnRef idx="2">
-            <a:schemeClr val="accent2"/>
-          </a:lnRef>
-          <a:fillRef idx="1">
-            <a:schemeClr val="lt1"/>
-          </a:fillRef>
-          <a:effectRef idx="0">
-            <a:schemeClr val="accent2"/>
-          </a:effectRef>
-          <a:fontRef idx="minor">
-            <a:schemeClr val="dk1"/>
-          </a:fontRef>
-        </p:style>
-        <p:txBody>
-          <a:bodyPr rtlCol="0" anchor="ctr"/>
-          <a:lstStyle/>
-          <a:p>
-            <a:pPr algn="ctr"/>
-            <a:endParaRPr lang="de-AT"/>
-          </a:p>
-        </p:txBody>
-      </p:sp>
-    </p:spTree>
-    <p:extLst>
-      <p:ext uri="{BB962C8B-B14F-4D97-AF65-F5344CB8AC3E}">
-        <p14:creationId xmlns:p14="http://schemas.microsoft.com/office/powerpoint/2010/main" val="4092597754"/>
-      </p:ext>
-    </p:extLst>
-  </p:cSld>
-  <p:clrMapOvr>
-    <a:masterClrMapping/>
-  </p:clrMapOvr>
-  <p:timing>
-    <p:tnLst>
-      <p:par>
-        <p:cTn id="1" dur="indefinite" restart="never" nodeType="tmRoot"/>
-      </p:par>
-    </p:tnLst>
-  </p:timing>
-</p:sld>
-</file>
-
-<file path=ppt/slides/slide11.xml><?xml version="1.0" encoding="utf-8"?>
-<p:sld xmlns:a="http://schemas.openxmlformats.org/drawingml/2006/main" xmlns:r="http://schemas.openxmlformats.org/officeDocument/2006/relationships" xmlns:p="http://schemas.openxmlformats.org/presentationml/2006/main">
-  <p:cSld>
-    <p:spTree>
-      <p:nvGrpSpPr>
-        <p:cNvPr id="1" name=""/>
-        <p:cNvGrpSpPr/>
-        <p:nvPr/>
-      </p:nvGrpSpPr>
-      <p:grpSpPr>
-        <a:xfrm>
-          <a:off x="0" y="0"/>
-          <a:ext cx="0" cy="0"/>
-          <a:chOff x="0" y="0"/>
-          <a:chExt cx="0" cy="0"/>
-        </a:xfrm>
-      </p:grpSpPr>
-      <p:sp>
-        <p:nvSpPr>
-          <p:cNvPr id="2" name="Title 1"/>
-          <p:cNvSpPr>
-            <a:spLocks noGrp="1"/>
-          </p:cNvSpPr>
-          <p:nvPr>
-            <p:ph type="title"/>
-          </p:nvPr>
-        </p:nvSpPr>
-        <p:spPr/>
-        <p:txBody>
-          <a:bodyPr/>
-          <a:lstStyle/>
-          <a:p>
-            <a:r>
               <a:rPr lang="en-US" dirty="0" smtClean="0"/>
               <a:t>New Persistence</a:t>
             </a:r>
@@ -3425,11 +3136,7 @@
             <a:pPr lvl="1"/>
             <a:r>
               <a:rPr lang="en-US" dirty="0" smtClean="0"/>
-              <a:t>More </a:t>
-            </a:r>
-            <a:r>
-              <a:rPr lang="en-US" dirty="0" smtClean="0"/>
-              <a:t>flexibility</a:t>
+              <a:t>More flexibility</a:t>
             </a:r>
           </a:p>
           <a:p>
@@ -3438,7 +3145,6 @@
               <a:rPr lang="en-US" dirty="0" smtClean="0"/>
               <a:t>Backwards compatibility</a:t>
             </a:r>
-            <a:endParaRPr lang="en-US" dirty="0" smtClean="0"/>
           </a:p>
           <a:p>
             <a:pPr lvl="2"/>
@@ -3484,15 +3190,7 @@
           <a:p>
             <a:r>
               <a:rPr lang="en-US" dirty="0" smtClean="0"/>
-              <a:t>Storage </a:t>
-            </a:r>
-            <a:r>
-              <a:rPr lang="en-US" dirty="0" smtClean="0"/>
-              <a:t>format, API: </a:t>
-            </a:r>
-            <a:r>
-              <a:rPr lang="en-US" dirty="0" smtClean="0"/>
-              <a:t>In development</a:t>
+              <a:t>Storage format, API: In development</a:t>
             </a:r>
             <a:endParaRPr lang="en-US" dirty="0"/>
           </a:p>
@@ -3518,7 +3216,7 @@
 </p:sld>
 </file>
 
-<file path=ppt/slides/slide12.xml><?xml version="1.0" encoding="utf-8"?>
+<file path=ppt/slides/slide11.xml><?xml version="1.0" encoding="utf-8"?>
 <p:sld xmlns:a="http://schemas.openxmlformats.org/drawingml/2006/main" xmlns:r="http://schemas.openxmlformats.org/officeDocument/2006/relationships" xmlns:p="http://schemas.openxmlformats.org/presentationml/2006/main">
   <p:cSld>
     <p:spTree>
@@ -3638,7 +3336,7 @@
 </p:sld>
 </file>
 
-<file path=ppt/slides/slide13.xml><?xml version="1.0" encoding="utf-8"?>
+<file path=ppt/slides/slide12.xml><?xml version="1.0" encoding="utf-8"?>
 <p:sld xmlns:a="http://schemas.openxmlformats.org/drawingml/2006/main" xmlns:r="http://schemas.openxmlformats.org/officeDocument/2006/relationships" xmlns:p="http://schemas.openxmlformats.org/presentationml/2006/main">
   <p:cSld>
     <p:spTree>
@@ -3760,7 +3458,7 @@
 </p:sld>
 </file>
 
-<file path=ppt/slides/slide14.xml><?xml version="1.0" encoding="utf-8"?>
+<file path=ppt/slides/slide13.xml><?xml version="1.0" encoding="utf-8"?>
 <p:sld xmlns:a="http://schemas.openxmlformats.org/drawingml/2006/main" xmlns:r="http://schemas.openxmlformats.org/officeDocument/2006/relationships" xmlns:p="http://schemas.openxmlformats.org/presentationml/2006/main">
   <p:cSld>
     <p:spTree>
@@ -3882,7 +3580,7 @@
 </p:sld>
 </file>
 
-<file path=ppt/slides/slide15.xml><?xml version="1.0" encoding="utf-8"?>
+<file path=ppt/slides/slide14.xml><?xml version="1.0" encoding="utf-8"?>
 <p:sld xmlns:a="http://schemas.openxmlformats.org/drawingml/2006/main" xmlns:r="http://schemas.openxmlformats.org/officeDocument/2006/relationships" xmlns:p="http://schemas.openxmlformats.org/presentationml/2006/main">
   <p:cSld>
     <p:spTree>
@@ -4004,7 +3702,7 @@
 </p:sld>
 </file>
 
-<file path=ppt/slides/slide16.xml><?xml version="1.0" encoding="utf-8"?>
+<file path=ppt/slides/slide15.xml><?xml version="1.0" encoding="utf-8"?>
 <p:sld xmlns:a="http://schemas.openxmlformats.org/drawingml/2006/main" xmlns:r="http://schemas.openxmlformats.org/officeDocument/2006/relationships" xmlns:p="http://schemas.openxmlformats.org/presentationml/2006/main">
   <p:cSld>
     <p:spTree>
@@ -4126,7 +3824,7 @@
 </p:sld>
 </file>
 
-<file path=ppt/slides/slide17.xml><?xml version="1.0" encoding="utf-8"?>
+<file path=ppt/slides/slide16.xml><?xml version="1.0" encoding="utf-8"?>
 <p:sld xmlns:a="http://schemas.openxmlformats.org/drawingml/2006/main" xmlns:r="http://schemas.openxmlformats.org/officeDocument/2006/relationships" xmlns:p="http://schemas.openxmlformats.org/presentationml/2006/main">
   <p:cSld>
     <p:spTree>
@@ -4272,7 +3970,7 @@
 </p:sld>
 </file>
 
-<file path=ppt/slides/slide18.xml><?xml version="1.0" encoding="utf-8"?>
+<file path=ppt/slides/slide17.xml><?xml version="1.0" encoding="utf-8"?>
 <p:sld xmlns:a="http://schemas.openxmlformats.org/drawingml/2006/main" xmlns:r="http://schemas.openxmlformats.org/officeDocument/2006/relationships" xmlns:p="http://schemas.openxmlformats.org/presentationml/2006/main">
   <p:cSld>
     <p:spTree>
@@ -4500,7 +4198,7 @@
 </p:sld>
 </file>
 
-<file path=ppt/slides/slide19.xml><?xml version="1.0" encoding="utf-8"?>
+<file path=ppt/slides/slide18.xml><?xml version="1.0" encoding="utf-8"?>
 <p:sld xmlns:a="http://schemas.openxmlformats.org/drawingml/2006/main" xmlns:r="http://schemas.openxmlformats.org/officeDocument/2006/relationships" xmlns:p="http://schemas.openxmlformats.org/presentationml/2006/main">
   <p:cSld>
     <p:spTree>
@@ -4690,6 +4388,12 @@
           <a:p>
             <a:r>
               <a:rPr lang="en-US" dirty="0" smtClean="0"/>
+              <a:t>Roadmap</a:t>
+            </a:r>
+          </a:p>
+          <a:p>
+            <a:r>
+              <a:rPr lang="en-US" dirty="0" smtClean="0"/>
               <a:t>Problem </a:t>
             </a:r>
             <a:r>
@@ -4718,21 +4422,13 @@
           <a:p>
             <a:r>
               <a:rPr lang="en-US" dirty="0" smtClean="0"/>
-              <a:t>Code </a:t>
-            </a:r>
+              <a:t>Code Organization</a:t>
+            </a:r>
+          </a:p>
+          <a:p>
             <a:r>
               <a:rPr lang="en-US" dirty="0" smtClean="0"/>
-              <a:t>Organization</a:t>
-            </a:r>
-          </a:p>
-          <a:p>
-            <a:r>
-              <a:rPr lang="en-US" dirty="0" smtClean="0"/>
-              <a:t>Minor </a:t>
-            </a:r>
-            <a:r>
-              <a:rPr lang="en-US" dirty="0" smtClean="0"/>
-              <a:t>Changes</a:t>
+              <a:t>Minor Changes</a:t>
             </a:r>
           </a:p>
           <a:p>
@@ -8383,7 +8079,7 @@
       </p:grpSpPr>
       <p:sp>
         <p:nvSpPr>
-          <p:cNvPr id="7" name="Titel 6"/>
+          <p:cNvPr id="2" name="Title 1"/>
           <p:cNvSpPr>
             <a:spLocks noGrp="1"/>
           </p:cNvSpPr>
@@ -8397,16 +8093,20 @@
           <a:lstStyle/>
           <a:p>
             <a:r>
-              <a:rPr lang="de-DE" dirty="0" smtClean="0"/>
-              <a:t>Open Points</a:t>
-            </a:r>
-            <a:endParaRPr lang="de-DE" dirty="0"/>
-          </a:p>
-        </p:txBody>
-      </p:sp>
-      <p:sp>
-        <p:nvSpPr>
-          <p:cNvPr id="8" name="Inhaltsplatzhalter 7"/>
+              <a:rPr lang="en-US" dirty="0"/>
+              <a:t>Pause for </a:t>
+            </a:r>
+            <a:r>
+              <a:rPr lang="en-US" dirty="0" err="1" smtClean="0"/>
+              <a:t>BasicAlgorithms</a:t>
+            </a:r>
+            <a:endParaRPr lang="en-US" dirty="0"/>
+          </a:p>
+        </p:txBody>
+      </p:sp>
+      <p:sp>
+        <p:nvSpPr>
+          <p:cNvPr id="3" name="Content Placeholder 2"/>
           <p:cNvSpPr>
             <a:spLocks noGrp="1"/>
           </p:cNvSpPr>
@@ -8414,113 +8114,695 @@
             <p:ph idx="1"/>
           </p:nvPr>
         </p:nvSpPr>
-        <p:spPr/>
+        <p:spPr>
+          <a:xfrm>
+            <a:off x="838200" y="1825625"/>
+            <a:ext cx="10515600" cy="2297487"/>
+          </a:xfrm>
+        </p:spPr>
         <p:txBody>
           <a:bodyPr>
-            <a:normAutofit/>
+            <a:normAutofit fontScale="70000" lnSpcReduction="20000"/>
           </a:bodyPr>
           <a:lstStyle/>
           <a:p>
             <a:r>
+              <a:rPr lang="en-US" dirty="0" err="1"/>
+              <a:t>BasicAlgorithms</a:t>
+            </a:r>
+            <a:r>
+              <a:rPr lang="en-US" dirty="0"/>
+              <a:t> allow to easily create new </a:t>
+            </a:r>
+            <a:r>
               <a:rPr lang="en-US" dirty="0" smtClean="0"/>
-              <a:t>Programmable Encodings?</a:t>
+              <a:t>algorithms</a:t>
             </a:r>
           </a:p>
           <a:p>
             <a:pPr lvl="1"/>
             <a:r>
+              <a:rPr lang="en-US" dirty="0"/>
+              <a:t>P3 (Parameter-less Population Pyramid) was implemented within one week</a:t>
+            </a:r>
+          </a:p>
+          <a:p>
+            <a:pPr lvl="1"/>
+            <a:r>
+              <a:rPr lang="en-US" dirty="0"/>
+              <a:t>Override </a:t>
+            </a:r>
+            <a:r>
               <a:rPr lang="en-US" dirty="0" smtClean="0"/>
-              <a:t>If you want to quickly test an idea for a new crossover you have to temporarily add the code to an existing plugin or create a new plugin</a:t>
-            </a:r>
-          </a:p>
-          <a:p>
+              <a:t>Initialize(…) </a:t>
+            </a:r>
+            <a:r>
+              <a:rPr lang="en-US" dirty="0"/>
+              <a:t>to initialize the algorithm</a:t>
+            </a:r>
+          </a:p>
+          <a:p>
+            <a:pPr lvl="1"/>
+            <a:r>
+              <a:rPr lang="en-US" dirty="0"/>
+              <a:t>Implement </a:t>
+            </a:r>
             <a:r>
               <a:rPr lang="en-US" dirty="0" smtClean="0"/>
-              <a:t>Analyzers for </a:t>
+              <a:t>Run(…) so that it supports pause/resume</a:t>
+            </a:r>
+            <a:endParaRPr lang="en-US" dirty="0"/>
+          </a:p>
+          <a:p>
+            <a:r>
+              <a:rPr lang="en-US" dirty="0" smtClean="0"/>
+              <a:t>Up to now, </a:t>
             </a:r>
             <a:r>
               <a:rPr lang="en-US" dirty="0" err="1" smtClean="0"/>
               <a:t>BasicAlgorithms</a:t>
             </a:r>
-            <a:endParaRPr lang="en-US" dirty="0" smtClean="0"/>
+            <a:r>
+              <a:rPr lang="en-US" dirty="0" smtClean="0"/>
+              <a:t> could not be paused</a:t>
+            </a:r>
+          </a:p>
+          <a:p>
+            <a:r>
+              <a:rPr lang="en-US" dirty="0" err="1" smtClean="0"/>
+              <a:t>BasicAlgorithms.Pausable</a:t>
+            </a:r>
+            <a:r>
+              <a:rPr lang="en-US" dirty="0" smtClean="0"/>
+              <a:t> has been added</a:t>
+            </a:r>
           </a:p>
           <a:p>
             <a:pPr lvl="1"/>
             <a:r>
+              <a:rPr lang="en-US" dirty="0" smtClean="0"/>
+              <a:t>If true, cancelling the </a:t>
+            </a:r>
+            <a:r>
               <a:rPr lang="en-US" dirty="0" err="1" smtClean="0"/>
-              <a:t>BasicAlgorithms</a:t>
+              <a:t>CancellationToken</a:t>
             </a:r>
             <a:r>
               <a:rPr lang="en-US" dirty="0" smtClean="0"/>
-              <a:t> do not use Scopes for storing solutions, they cannot currently be studied using existing Analyzers</a:t>
-            </a:r>
-          </a:p>
-          <a:p>
+              <a:t> can pause the algorithm</a:t>
+            </a:r>
+          </a:p>
+          <a:p>
+            <a:pPr lvl="1"/>
             <a:r>
               <a:rPr lang="en-US" dirty="0" smtClean="0"/>
-              <a:t>Multiple Encodings per Solution</a:t>
-            </a:r>
-          </a:p>
-          <a:p>
-            <a:pPr lvl="1"/>
-            <a:r>
-              <a:rPr lang="en-US" dirty="0" smtClean="0"/>
-              <a:t>For instance, Permutation + </a:t>
-            </a:r>
-            <a:r>
-              <a:rPr lang="en-US" dirty="0" err="1" smtClean="0"/>
-              <a:t>EdgeRepresentationEncoding</a:t>
-            </a:r>
-            <a:r>
-              <a:rPr lang="en-US" dirty="0" smtClean="0"/>
-              <a:t>, Permutation + </a:t>
-            </a:r>
-            <a:r>
-              <a:rPr lang="en-US" dirty="0" err="1" smtClean="0"/>
-              <a:t>PositionRepresentationEncoding</a:t>
-            </a:r>
-            <a:r>
-              <a:rPr lang="en-US" dirty="0" smtClean="0"/>
-              <a:t> with selected operators</a:t>
-            </a:r>
-          </a:p>
-          <a:p>
-            <a:pPr lvl="2"/>
-            <a:r>
-              <a:rPr lang="en-US" dirty="0" smtClean="0"/>
-              <a:t>TSP would be implemented with </a:t>
-            </a:r>
-            <a:r>
-              <a:rPr lang="en-US" dirty="0" err="1" smtClean="0"/>
-              <a:t>EdgeRepresentationEncoding</a:t>
-            </a:r>
-            <a:r>
-              <a:rPr lang="en-US" dirty="0" smtClean="0"/>
-              <a:t> (-&gt; no CX, CX2 anymore)</a:t>
-            </a:r>
-          </a:p>
-          <a:p>
-            <a:pPr lvl="2"/>
-            <a:r>
-              <a:rPr lang="en-US" dirty="0" smtClean="0"/>
-              <a:t>QAP would be implemented with </a:t>
-            </a:r>
-            <a:r>
-              <a:rPr lang="en-US" dirty="0" err="1" smtClean="0"/>
-              <a:t>PositionRepresentationEncoding</a:t>
-            </a:r>
-            <a:r>
-              <a:rPr lang="en-US" dirty="0" smtClean="0"/>
-              <a:t> (-&gt; no ERX anymore)</a:t>
-            </a:r>
-            <a:endParaRPr lang="en-US" dirty="0"/>
+              <a:t>Specific algorithm is responsible for supporting pause/resume</a:t>
+            </a:r>
+          </a:p>
+        </p:txBody>
+      </p:sp>
+      <p:sp>
+        <p:nvSpPr>
+          <p:cNvPr id="5" name="Inhaltsplatzhalter 7"/>
+          <p:cNvSpPr txBox="1">
+            <a:spLocks/>
+          </p:cNvSpPr>
+          <p:nvPr/>
+        </p:nvSpPr>
+        <p:spPr>
+          <a:xfrm>
+            <a:off x="2122454" y="4139739"/>
+            <a:ext cx="7947093" cy="2369129"/>
+          </a:xfrm>
+          <a:prstGeom prst="rect">
+            <a:avLst/>
+          </a:prstGeom>
+        </p:spPr>
+        <p:txBody>
+          <a:bodyPr anchor="ctr">
+            <a:noAutofit/>
+          </a:bodyPr>
+          <a:lstStyle>
+            <a:lvl1pPr marL="228600" indent="-228600" algn="l" defTabSz="914400" rtl="0" eaLnBrk="1" latinLnBrk="0" hangingPunct="1">
+              <a:lnSpc>
+                <a:spcPct val="90000"/>
+              </a:lnSpc>
+              <a:spcBef>
+                <a:spcPts val="1000"/>
+              </a:spcBef>
+              <a:buFont typeface="Arial" panose="020B0604020202020204" pitchFamily="34" charset="0"/>
+              <a:buChar char="•"/>
+              <a:defRPr sz="2800" kern="1200">
+                <a:solidFill>
+                  <a:schemeClr val="tx1"/>
+                </a:solidFill>
+                <a:latin typeface="+mn-lt"/>
+                <a:ea typeface="+mn-ea"/>
+                <a:cs typeface="+mn-cs"/>
+              </a:defRPr>
+            </a:lvl1pPr>
+            <a:lvl2pPr marL="685800" indent="-228600" algn="l" defTabSz="914400" rtl="0" eaLnBrk="1" latinLnBrk="0" hangingPunct="1">
+              <a:lnSpc>
+                <a:spcPct val="90000"/>
+              </a:lnSpc>
+              <a:spcBef>
+                <a:spcPts val="500"/>
+              </a:spcBef>
+              <a:buFont typeface="Arial" panose="020B0604020202020204" pitchFamily="34" charset="0"/>
+              <a:buChar char="•"/>
+              <a:defRPr sz="2400" kern="1200">
+                <a:solidFill>
+                  <a:schemeClr val="tx1"/>
+                </a:solidFill>
+                <a:latin typeface="+mn-lt"/>
+                <a:ea typeface="+mn-ea"/>
+                <a:cs typeface="+mn-cs"/>
+              </a:defRPr>
+            </a:lvl2pPr>
+            <a:lvl3pPr marL="1143000" indent="-228600" algn="l" defTabSz="914400" rtl="0" eaLnBrk="1" latinLnBrk="0" hangingPunct="1">
+              <a:lnSpc>
+                <a:spcPct val="90000"/>
+              </a:lnSpc>
+              <a:spcBef>
+                <a:spcPts val="500"/>
+              </a:spcBef>
+              <a:buFont typeface="Arial" panose="020B0604020202020204" pitchFamily="34" charset="0"/>
+              <a:buChar char="•"/>
+              <a:defRPr sz="2000" kern="1200">
+                <a:solidFill>
+                  <a:schemeClr val="tx1"/>
+                </a:solidFill>
+                <a:latin typeface="+mn-lt"/>
+                <a:ea typeface="+mn-ea"/>
+                <a:cs typeface="+mn-cs"/>
+              </a:defRPr>
+            </a:lvl3pPr>
+            <a:lvl4pPr marL="1600200" indent="-228600" algn="l" defTabSz="914400" rtl="0" eaLnBrk="1" latinLnBrk="0" hangingPunct="1">
+              <a:lnSpc>
+                <a:spcPct val="90000"/>
+              </a:lnSpc>
+              <a:spcBef>
+                <a:spcPts val="500"/>
+              </a:spcBef>
+              <a:buFont typeface="Arial" panose="020B0604020202020204" pitchFamily="34" charset="0"/>
+              <a:buChar char="•"/>
+              <a:defRPr sz="1800" kern="1200">
+                <a:solidFill>
+                  <a:schemeClr val="tx1"/>
+                </a:solidFill>
+                <a:latin typeface="+mn-lt"/>
+                <a:ea typeface="+mn-ea"/>
+                <a:cs typeface="+mn-cs"/>
+              </a:defRPr>
+            </a:lvl4pPr>
+            <a:lvl5pPr marL="2057400" indent="-228600" algn="l" defTabSz="914400" rtl="0" eaLnBrk="1" latinLnBrk="0" hangingPunct="1">
+              <a:lnSpc>
+                <a:spcPct val="90000"/>
+              </a:lnSpc>
+              <a:spcBef>
+                <a:spcPts val="500"/>
+              </a:spcBef>
+              <a:buFont typeface="Arial" panose="020B0604020202020204" pitchFamily="34" charset="0"/>
+              <a:buChar char="•"/>
+              <a:defRPr sz="1800" kern="1200">
+                <a:solidFill>
+                  <a:schemeClr val="tx1"/>
+                </a:solidFill>
+                <a:latin typeface="+mn-lt"/>
+                <a:ea typeface="+mn-ea"/>
+                <a:cs typeface="+mn-cs"/>
+              </a:defRPr>
+            </a:lvl5pPr>
+            <a:lvl6pPr marL="2514600" indent="-228600" algn="l" defTabSz="914400" rtl="0" eaLnBrk="1" latinLnBrk="0" hangingPunct="1">
+              <a:lnSpc>
+                <a:spcPct val="90000"/>
+              </a:lnSpc>
+              <a:spcBef>
+                <a:spcPts val="500"/>
+              </a:spcBef>
+              <a:buFont typeface="Arial" panose="020B0604020202020204" pitchFamily="34" charset="0"/>
+              <a:buChar char="•"/>
+              <a:defRPr sz="1800" kern="1200">
+                <a:solidFill>
+                  <a:schemeClr val="tx1"/>
+                </a:solidFill>
+                <a:latin typeface="+mn-lt"/>
+                <a:ea typeface="+mn-ea"/>
+                <a:cs typeface="+mn-cs"/>
+              </a:defRPr>
+            </a:lvl6pPr>
+            <a:lvl7pPr marL="2971800" indent="-228600" algn="l" defTabSz="914400" rtl="0" eaLnBrk="1" latinLnBrk="0" hangingPunct="1">
+              <a:lnSpc>
+                <a:spcPct val="90000"/>
+              </a:lnSpc>
+              <a:spcBef>
+                <a:spcPts val="500"/>
+              </a:spcBef>
+              <a:buFont typeface="Arial" panose="020B0604020202020204" pitchFamily="34" charset="0"/>
+              <a:buChar char="•"/>
+              <a:defRPr sz="1800" kern="1200">
+                <a:solidFill>
+                  <a:schemeClr val="tx1"/>
+                </a:solidFill>
+                <a:latin typeface="+mn-lt"/>
+                <a:ea typeface="+mn-ea"/>
+                <a:cs typeface="+mn-cs"/>
+              </a:defRPr>
+            </a:lvl7pPr>
+            <a:lvl8pPr marL="3429000" indent="-228600" algn="l" defTabSz="914400" rtl="0" eaLnBrk="1" latinLnBrk="0" hangingPunct="1">
+              <a:lnSpc>
+                <a:spcPct val="90000"/>
+              </a:lnSpc>
+              <a:spcBef>
+                <a:spcPts val="500"/>
+              </a:spcBef>
+              <a:buFont typeface="Arial" panose="020B0604020202020204" pitchFamily="34" charset="0"/>
+              <a:buChar char="•"/>
+              <a:defRPr sz="1800" kern="1200">
+                <a:solidFill>
+                  <a:schemeClr val="tx1"/>
+                </a:solidFill>
+                <a:latin typeface="+mn-lt"/>
+                <a:ea typeface="+mn-ea"/>
+                <a:cs typeface="+mn-cs"/>
+              </a:defRPr>
+            </a:lvl8pPr>
+            <a:lvl9pPr marL="3886200" indent="-228600" algn="l" defTabSz="914400" rtl="0" eaLnBrk="1" latinLnBrk="0" hangingPunct="1">
+              <a:lnSpc>
+                <a:spcPct val="90000"/>
+              </a:lnSpc>
+              <a:spcBef>
+                <a:spcPts val="500"/>
+              </a:spcBef>
+              <a:buFont typeface="Arial" panose="020B0604020202020204" pitchFamily="34" charset="0"/>
+              <a:buChar char="•"/>
+              <a:defRPr sz="1800" kern="1200">
+                <a:solidFill>
+                  <a:schemeClr val="tx1"/>
+                </a:solidFill>
+                <a:latin typeface="+mn-lt"/>
+                <a:ea typeface="+mn-ea"/>
+                <a:cs typeface="+mn-cs"/>
+              </a:defRPr>
+            </a:lvl9pPr>
+          </a:lstStyle>
+          <a:p>
+            <a:pPr marL="0" indent="0">
+              <a:lnSpc>
+                <a:spcPct val="100000"/>
+              </a:lnSpc>
+              <a:buNone/>
+            </a:pPr>
+            <a:r>
+              <a:rPr lang="de-AT" sz="1000" dirty="0">
+                <a:solidFill>
+                  <a:srgbClr val="0000FF"/>
+                </a:solidFill>
+              </a:rPr>
+              <a:t>protected</a:t>
+            </a:r>
+            <a:r>
+              <a:rPr lang="de-AT" sz="1000" dirty="0"/>
+              <a:t> </a:t>
+            </a:r>
+            <a:r>
+              <a:rPr lang="de-AT" sz="1000" dirty="0">
+                <a:solidFill>
+                  <a:srgbClr val="A52A2A"/>
+                </a:solidFill>
+              </a:rPr>
+              <a:t>override</a:t>
+            </a:r>
+            <a:r>
+              <a:rPr lang="de-AT" sz="1000" dirty="0"/>
+              <a:t> </a:t>
+            </a:r>
+            <a:r>
+              <a:rPr lang="de-AT" sz="1000" dirty="0">
+                <a:solidFill>
+                  <a:srgbClr val="FF0000"/>
+                </a:solidFill>
+              </a:rPr>
+              <a:t>void</a:t>
+            </a:r>
+            <a:r>
+              <a:rPr lang="de-AT" sz="1000" dirty="0"/>
+              <a:t> </a:t>
+            </a:r>
+            <a:r>
+              <a:rPr lang="de-AT" sz="1000" dirty="0">
+                <a:solidFill>
+                  <a:srgbClr val="191970"/>
+                </a:solidFill>
+              </a:rPr>
+              <a:t>Initialize</a:t>
+            </a:r>
+            <a:r>
+              <a:rPr lang="de-AT" sz="1000" dirty="0"/>
+              <a:t>(CancellationToken cancellationToken) {</a:t>
+            </a:r>
+            <a:br>
+              <a:rPr lang="de-AT" sz="1000" dirty="0"/>
+            </a:br>
+            <a:r>
+              <a:rPr lang="de-AT" sz="1000" dirty="0"/>
+              <a:t>  Results.</a:t>
+            </a:r>
+            <a:r>
+              <a:rPr lang="de-AT" sz="1000" dirty="0">
+                <a:solidFill>
+                  <a:srgbClr val="191970"/>
+                </a:solidFill>
+              </a:rPr>
+              <a:t>Add</a:t>
+            </a:r>
+            <a:r>
+              <a:rPr lang="de-AT" sz="1000" dirty="0"/>
+              <a:t>(</a:t>
+            </a:r>
+            <a:r>
+              <a:rPr lang="de-AT" sz="1000" dirty="0">
+                <a:solidFill>
+                  <a:srgbClr val="008B8B"/>
+                </a:solidFill>
+              </a:rPr>
+              <a:t>new</a:t>
+            </a:r>
+            <a:r>
+              <a:rPr lang="de-AT" sz="1000" dirty="0"/>
+              <a:t> </a:t>
+            </a:r>
+            <a:r>
+              <a:rPr lang="de-AT" sz="1000" dirty="0">
+                <a:solidFill>
+                  <a:srgbClr val="191970"/>
+                </a:solidFill>
+              </a:rPr>
+              <a:t>Result</a:t>
+            </a:r>
+            <a:r>
+              <a:rPr lang="de-AT" sz="1000" dirty="0"/>
+              <a:t>(BestQualityResultName, </a:t>
+            </a:r>
+            <a:r>
+              <a:rPr lang="de-AT" sz="1000" dirty="0">
+                <a:solidFill>
+                  <a:srgbClr val="008B8B"/>
+                </a:solidFill>
+              </a:rPr>
+              <a:t>new</a:t>
+            </a:r>
+            <a:r>
+              <a:rPr lang="de-AT" sz="1000" dirty="0"/>
+              <a:t> </a:t>
+            </a:r>
+            <a:r>
+              <a:rPr lang="de-AT" sz="1000" dirty="0">
+                <a:solidFill>
+                  <a:srgbClr val="191970"/>
+                </a:solidFill>
+              </a:rPr>
+              <a:t>DoubleValue</a:t>
+            </a:r>
+            <a:r>
+              <a:rPr lang="de-AT" sz="1000" dirty="0"/>
+              <a:t>(</a:t>
+            </a:r>
+            <a:r>
+              <a:rPr lang="de-AT" sz="1000" dirty="0">
+                <a:solidFill>
+                  <a:srgbClr val="FF0000"/>
+                </a:solidFill>
+              </a:rPr>
+              <a:t>double</a:t>
+            </a:r>
+            <a:r>
+              <a:rPr lang="de-AT" sz="1000" dirty="0"/>
+              <a:t>.NaN)));</a:t>
+            </a:r>
+            <a:br>
+              <a:rPr lang="de-AT" sz="1000" dirty="0"/>
+            </a:br>
+            <a:r>
+              <a:rPr lang="de-AT" sz="1000" dirty="0"/>
+              <a:t>  Results.</a:t>
+            </a:r>
+            <a:r>
+              <a:rPr lang="de-AT" sz="1000" dirty="0">
+                <a:solidFill>
+                  <a:srgbClr val="191970"/>
+                </a:solidFill>
+              </a:rPr>
+              <a:t>Add</a:t>
+            </a:r>
+            <a:r>
+              <a:rPr lang="de-AT" sz="1000" dirty="0"/>
+              <a:t>(</a:t>
+            </a:r>
+            <a:r>
+              <a:rPr lang="de-AT" sz="1000" dirty="0">
+                <a:solidFill>
+                  <a:srgbClr val="008B8B"/>
+                </a:solidFill>
+              </a:rPr>
+              <a:t>new</a:t>
+            </a:r>
+            <a:r>
+              <a:rPr lang="de-AT" sz="1000" dirty="0"/>
+              <a:t> </a:t>
+            </a:r>
+            <a:r>
+              <a:rPr lang="de-AT" sz="1000" dirty="0">
+                <a:solidFill>
+                  <a:srgbClr val="191970"/>
+                </a:solidFill>
+              </a:rPr>
+              <a:t>Result</a:t>
+            </a:r>
+            <a:r>
+              <a:rPr lang="de-AT" sz="1000" dirty="0"/>
+              <a:t>(IterationsResultName, </a:t>
+            </a:r>
+            <a:r>
+              <a:rPr lang="de-AT" sz="1000" dirty="0">
+                <a:solidFill>
+                  <a:srgbClr val="008B8B"/>
+                </a:solidFill>
+              </a:rPr>
+              <a:t>new</a:t>
+            </a:r>
+            <a:r>
+              <a:rPr lang="de-AT" sz="1000" dirty="0"/>
+              <a:t> </a:t>
+            </a:r>
+            <a:r>
+              <a:rPr lang="de-AT" sz="1000" dirty="0">
+                <a:solidFill>
+                  <a:srgbClr val="191970"/>
+                </a:solidFill>
+              </a:rPr>
+              <a:t>IntValue</a:t>
+            </a:r>
+            <a:r>
+              <a:rPr lang="de-AT" sz="1000" dirty="0"/>
+              <a:t>(</a:t>
+            </a:r>
+            <a:r>
+              <a:rPr lang="de-AT" sz="1000" dirty="0">
+                <a:solidFill>
+                  <a:srgbClr val="00008B"/>
+                </a:solidFill>
+              </a:rPr>
+              <a:t>0</a:t>
+            </a:r>
+            <a:r>
+              <a:rPr lang="de-AT" sz="1000" dirty="0"/>
+              <a:t>)));</a:t>
+            </a:r>
+            <a:br>
+              <a:rPr lang="de-AT" sz="1000" dirty="0"/>
+            </a:br>
+            <a:r>
+              <a:rPr lang="de-AT" sz="1000" dirty="0"/>
+              <a:t>  base.</a:t>
+            </a:r>
+            <a:r>
+              <a:rPr lang="de-AT" sz="1000" dirty="0">
+                <a:solidFill>
+                  <a:srgbClr val="191970"/>
+                </a:solidFill>
+              </a:rPr>
+              <a:t>Initialize</a:t>
+            </a:r>
+            <a:r>
+              <a:rPr lang="de-AT" sz="1000" dirty="0"/>
+              <a:t>(cancellationToken);</a:t>
+            </a:r>
+            <a:br>
+              <a:rPr lang="de-AT" sz="1000" dirty="0"/>
+            </a:br>
+            <a:r>
+              <a:rPr lang="de-AT" sz="1000" dirty="0"/>
+              <a:t>}</a:t>
+            </a:r>
+            <a:br>
+              <a:rPr lang="de-AT" sz="1000" dirty="0"/>
+            </a:br>
+            <a:r>
+              <a:rPr lang="de-AT" sz="1000" dirty="0"/>
+              <a:t/>
+            </a:r>
+            <a:br>
+              <a:rPr lang="de-AT" sz="1000" dirty="0"/>
+            </a:br>
+            <a:r>
+              <a:rPr lang="de-AT" sz="1000" dirty="0">
+                <a:solidFill>
+                  <a:srgbClr val="0000FF"/>
+                </a:solidFill>
+              </a:rPr>
+              <a:t>protected</a:t>
+            </a:r>
+            <a:r>
+              <a:rPr lang="de-AT" sz="1000" dirty="0"/>
+              <a:t> </a:t>
+            </a:r>
+            <a:r>
+              <a:rPr lang="de-AT" sz="1000" dirty="0">
+                <a:solidFill>
+                  <a:srgbClr val="A52A2A"/>
+                </a:solidFill>
+              </a:rPr>
+              <a:t>override</a:t>
+            </a:r>
+            <a:r>
+              <a:rPr lang="de-AT" sz="1000" dirty="0"/>
+              <a:t> </a:t>
+            </a:r>
+            <a:r>
+              <a:rPr lang="de-AT" sz="1000" dirty="0">
+                <a:solidFill>
+                  <a:srgbClr val="FF0000"/>
+                </a:solidFill>
+              </a:rPr>
+              <a:t>void</a:t>
+            </a:r>
+            <a:r>
+              <a:rPr lang="de-AT" sz="1000" dirty="0"/>
+              <a:t> </a:t>
+            </a:r>
+            <a:r>
+              <a:rPr lang="de-AT" sz="1000" dirty="0">
+                <a:solidFill>
+                  <a:srgbClr val="191970"/>
+                </a:solidFill>
+              </a:rPr>
+              <a:t>Run</a:t>
+            </a:r>
+            <a:r>
+              <a:rPr lang="de-AT" sz="1000" dirty="0"/>
+              <a:t>(CancellationToken cancellationToken) {</a:t>
+            </a:r>
+            <a:br>
+              <a:rPr lang="de-AT" sz="1000" dirty="0"/>
+            </a:br>
+            <a:r>
+              <a:rPr lang="de-AT" sz="1000" dirty="0"/>
+              <a:t>  </a:t>
+            </a:r>
+            <a:r>
+              <a:rPr lang="de-AT" sz="1000" dirty="0">
+                <a:solidFill>
+                  <a:srgbClr val="0000FF"/>
+                </a:solidFill>
+              </a:rPr>
+              <a:t>while</a:t>
+            </a:r>
+            <a:r>
+              <a:rPr lang="de-AT" sz="1000" dirty="0"/>
+              <a:t> (ResultsIterations &lt; Iterations) {</a:t>
+            </a:r>
+            <a:br>
+              <a:rPr lang="de-AT" sz="1000" dirty="0"/>
+            </a:br>
+            <a:r>
+              <a:rPr lang="de-AT" sz="1000" dirty="0"/>
+              <a:t>    cancellationToken.</a:t>
+            </a:r>
+            <a:r>
+              <a:rPr lang="de-AT" sz="1000" dirty="0">
+                <a:solidFill>
+                  <a:srgbClr val="191970"/>
+                </a:solidFill>
+              </a:rPr>
+              <a:t>ThrowIfCancellationRequested</a:t>
+            </a:r>
+            <a:r>
+              <a:rPr lang="de-AT" sz="1000" dirty="0"/>
+              <a:t>();</a:t>
+            </a:r>
+            <a:br>
+              <a:rPr lang="de-AT" sz="1000" dirty="0"/>
+            </a:br>
+            <a:r>
+              <a:rPr lang="de-AT" sz="1000" dirty="0"/>
+              <a:t/>
+            </a:r>
+            <a:br>
+              <a:rPr lang="de-AT" sz="1000" dirty="0"/>
+            </a:br>
+            <a:r>
+              <a:rPr lang="de-AT" sz="1000" dirty="0"/>
+              <a:t>    </a:t>
+            </a:r>
+            <a:r>
+              <a:rPr lang="de-AT" sz="1000" dirty="0">
+                <a:solidFill>
+                  <a:srgbClr val="008000"/>
+                </a:solidFill>
+              </a:rPr>
+              <a:t>// execute one iteration</a:t>
+            </a:r>
+            <a:r>
+              <a:rPr lang="de-AT" sz="1000" dirty="0"/>
+              <a:t/>
+            </a:r>
+            <a:br>
+              <a:rPr lang="de-AT" sz="1000" dirty="0"/>
+            </a:br>
+            <a:r>
+              <a:rPr lang="de-AT" sz="1000" dirty="0"/>
+              <a:t/>
+            </a:r>
+            <a:br>
+              <a:rPr lang="de-AT" sz="1000" dirty="0"/>
+            </a:br>
+            <a:r>
+              <a:rPr lang="de-AT" sz="1000" dirty="0"/>
+              <a:t>    ResultsIterations++;</a:t>
+            </a:r>
+            <a:br>
+              <a:rPr lang="de-AT" sz="1000" dirty="0"/>
+            </a:br>
+            <a:r>
+              <a:rPr lang="de-AT" sz="1000" dirty="0"/>
+              <a:t>  }</a:t>
+            </a:r>
+            <a:br>
+              <a:rPr lang="de-AT" sz="1000" dirty="0"/>
+            </a:br>
+            <a:r>
+              <a:rPr lang="de-AT" sz="1000" dirty="0"/>
+              <a:t>}</a:t>
+            </a:r>
+            <a:endParaRPr lang="de-DE" sz="1000" dirty="0"/>
           </a:p>
         </p:txBody>
       </p:sp>
     </p:spTree>
     <p:extLst>
       <p:ext uri="{BB962C8B-B14F-4D97-AF65-F5344CB8AC3E}">
-        <p14:creationId xmlns:p14="http://schemas.microsoft.com/office/powerpoint/2010/main" val="3399092715"/>
+        <p14:creationId xmlns:p14="http://schemas.microsoft.com/office/powerpoint/2010/main" val="2419751290"/>
       </p:ext>
     </p:extLst>
   </p:cSld>
@@ -8570,12 +8852,16 @@
           <a:lstStyle/>
           <a:p>
             <a:r>
-              <a:rPr lang="en-US" dirty="0"/>
-              <a:t>Pause for </a:t>
-            </a:r>
-            <a:r>
-              <a:rPr lang="en-US" dirty="0" err="1" smtClean="0"/>
-              <a:t>BasicAlgorithms</a:t>
+              <a:rPr lang="de-DE" dirty="0" smtClean="0"/>
+              <a:t>Async </a:t>
+            </a:r>
+            <a:r>
+              <a:rPr lang="de-DE" dirty="0"/>
+              <a:t>Start/Stop f</a:t>
+            </a:r>
+            <a:r>
+              <a:rPr lang="de-DE" dirty="0" smtClean="0"/>
+              <a:t>or Algorithms</a:t>
             </a:r>
             <a:endParaRPr lang="en-US" dirty="0"/>
           </a:p>
@@ -8590,133 +8876,79 @@
           <p:nvPr>
             <p:ph idx="1"/>
           </p:nvPr>
+        </p:nvSpPr>
+        <p:spPr/>
+        <p:txBody>
+          <a:bodyPr>
+            <a:normAutofit/>
+          </a:bodyPr>
+          <a:lstStyle/>
+          <a:p>
+            <a:r>
+              <a:rPr lang="de-DE" dirty="0" smtClean="0"/>
+              <a:t>We </a:t>
+            </a:r>
+            <a:r>
+              <a:rPr lang="de-DE" dirty="0"/>
+              <a:t>should better reflect the style of async/wait programming in C#</a:t>
+            </a:r>
+          </a:p>
+          <a:p>
+            <a:pPr lvl="1"/>
+            <a:r>
+              <a:rPr lang="de-DE" dirty="0"/>
+              <a:t>IExecutable.Start is actually an asynchronous operation and should be named StartAsync</a:t>
+            </a:r>
+          </a:p>
+          <a:p>
+            <a:r>
+              <a:rPr lang="de-DE" dirty="0"/>
+              <a:t>Sample tests (and e.g. scripts) must use helper functions to wait for algorithm results</a:t>
+            </a:r>
+          </a:p>
+          <a:p>
+            <a:pPr lvl="1"/>
+            <a:r>
+              <a:rPr lang="de-DE" dirty="0"/>
+              <a:t>We could just call Start synchronously</a:t>
+            </a:r>
+          </a:p>
+          <a:p>
+            <a:r>
+              <a:rPr lang="de-DE" dirty="0"/>
+              <a:t>We </a:t>
+            </a:r>
+            <a:r>
+              <a:rPr lang="de-DE" dirty="0" smtClean="0"/>
+              <a:t>added/implemented </a:t>
+            </a:r>
+            <a:r>
+              <a:rPr lang="de-DE" dirty="0"/>
+              <a:t>IExecutable.Start and IExecutable.StartAsync</a:t>
+            </a:r>
+            <a:endParaRPr lang="en-US" dirty="0"/>
+          </a:p>
+        </p:txBody>
+      </p:sp>
+      <p:sp>
+        <p:nvSpPr>
+          <p:cNvPr id="4" name="Inhaltsplatzhalter 7"/>
+          <p:cNvSpPr txBox="1">
+            <a:spLocks/>
+          </p:cNvSpPr>
+          <p:nvPr/>
         </p:nvSpPr>
         <p:spPr>
           <a:xfrm>
-            <a:off x="838200" y="1825625"/>
-            <a:ext cx="10515600" cy="2297487"/>
-          </a:xfrm>
-        </p:spPr>
-        <p:txBody>
-          <a:bodyPr>
-            <a:normAutofit fontScale="70000" lnSpcReduction="20000"/>
-          </a:bodyPr>
-          <a:lstStyle/>
-          <a:p>
-            <a:r>
-              <a:rPr lang="en-US" dirty="0" err="1"/>
-              <a:t>BasicAlgorithms</a:t>
-            </a:r>
-            <a:r>
-              <a:rPr lang="en-US" dirty="0"/>
-              <a:t> allow to easily create new </a:t>
-            </a:r>
-            <a:r>
-              <a:rPr lang="en-US" dirty="0" smtClean="0"/>
-              <a:t>algorithms</a:t>
-            </a:r>
-          </a:p>
-          <a:p>
-            <a:pPr lvl="1"/>
-            <a:r>
-              <a:rPr lang="en-US" dirty="0"/>
-              <a:t>P3 (Parameter-less Population Pyramid) was implemented within one week</a:t>
-            </a:r>
-          </a:p>
-          <a:p>
-            <a:pPr lvl="1"/>
-            <a:r>
-              <a:rPr lang="en-US" dirty="0"/>
-              <a:t>Override </a:t>
-            </a:r>
-            <a:r>
-              <a:rPr lang="en-US" dirty="0" smtClean="0"/>
-              <a:t>Initialize(…) </a:t>
-            </a:r>
-            <a:r>
-              <a:rPr lang="en-US" dirty="0"/>
-              <a:t>to initialize the algorithm</a:t>
-            </a:r>
-          </a:p>
-          <a:p>
-            <a:pPr lvl="1"/>
-            <a:r>
-              <a:rPr lang="en-US" dirty="0"/>
-              <a:t>Implement </a:t>
-            </a:r>
-            <a:r>
-              <a:rPr lang="en-US" dirty="0" smtClean="0"/>
-              <a:t>Run(…) so that it supports pause/resume</a:t>
-            </a:r>
-            <a:endParaRPr lang="en-US" dirty="0"/>
-          </a:p>
-          <a:p>
-            <a:r>
-              <a:rPr lang="en-US" dirty="0" smtClean="0"/>
-              <a:t>Up to now, </a:t>
-            </a:r>
-            <a:r>
-              <a:rPr lang="en-US" dirty="0" err="1" smtClean="0"/>
-              <a:t>BasicAlgorithms</a:t>
-            </a:r>
-            <a:r>
-              <a:rPr lang="en-US" dirty="0" smtClean="0"/>
-              <a:t> could not be paused</a:t>
-            </a:r>
-          </a:p>
-          <a:p>
-            <a:r>
-              <a:rPr lang="en-US" dirty="0" err="1" smtClean="0"/>
-              <a:t>BasicAlgorithms.Pausable</a:t>
-            </a:r>
-            <a:r>
-              <a:rPr lang="en-US" dirty="0" smtClean="0"/>
-              <a:t> has been added</a:t>
-            </a:r>
-          </a:p>
-          <a:p>
-            <a:pPr lvl="1"/>
-            <a:r>
-              <a:rPr lang="en-US" dirty="0" smtClean="0"/>
-              <a:t>If true, cancelling the </a:t>
-            </a:r>
-            <a:r>
-              <a:rPr lang="en-US" dirty="0" err="1" smtClean="0"/>
-              <a:t>CancellationToken</a:t>
-            </a:r>
-            <a:r>
-              <a:rPr lang="en-US" dirty="0" smtClean="0"/>
-              <a:t> can pause the algorithm</a:t>
-            </a:r>
-          </a:p>
-          <a:p>
-            <a:pPr lvl="1"/>
-            <a:r>
-              <a:rPr lang="en-US" dirty="0" smtClean="0"/>
-              <a:t>Specific algorithm is responsible for supporting pause/resume</a:t>
-            </a:r>
-          </a:p>
-        </p:txBody>
-      </p:sp>
-      <p:sp>
-        <p:nvSpPr>
-          <p:cNvPr id="5" name="Inhaltsplatzhalter 7"/>
-          <p:cNvSpPr txBox="1">
-            <a:spLocks/>
-          </p:cNvSpPr>
-          <p:nvPr/>
-        </p:nvSpPr>
-        <p:spPr>
-          <a:xfrm>
-            <a:off x="2122454" y="4139739"/>
-            <a:ext cx="7947093" cy="2369129"/>
+            <a:off x="1831571" y="4563687"/>
+            <a:ext cx="4535978" cy="1396538"/>
           </a:xfrm>
           <a:prstGeom prst="rect">
             <a:avLst/>
           </a:prstGeom>
         </p:spPr>
         <p:txBody>
-          <a:bodyPr anchor="ctr">
+          <a:bodyPr>
             <a:noAutofit/>
           </a:bodyPr>
           <a:lstStyle>
@@ -8888,398 +9120,372 @@
               <a:lnSpc>
                 <a:spcPct val="100000"/>
               </a:lnSpc>
+              <a:buFont typeface="Arial" panose="020B0604020202020204" pitchFamily="34" charset="0"/>
               <a:buNone/>
             </a:pPr>
-            <a:r>
-              <a:rPr lang="de-AT" sz="1000" dirty="0">
-                <a:solidFill>
-                  <a:srgbClr val="0000FF"/>
-                </a:solidFill>
-              </a:rPr>
-              <a:t>protected</a:t>
-            </a:r>
-            <a:r>
-              <a:rPr lang="de-AT" sz="1000" dirty="0"/>
-              <a:t> </a:t>
-            </a:r>
-            <a:r>
-              <a:rPr lang="de-AT" sz="1000" dirty="0">
-                <a:solidFill>
-                  <a:srgbClr val="A52A2A"/>
-                </a:solidFill>
-              </a:rPr>
-              <a:t>override</a:t>
-            </a:r>
-            <a:r>
-              <a:rPr lang="de-AT" sz="1000" dirty="0"/>
-              <a:t> </a:t>
-            </a:r>
-            <a:r>
-              <a:rPr lang="de-AT" sz="1000" dirty="0">
-                <a:solidFill>
-                  <a:srgbClr val="FF0000"/>
-                </a:solidFill>
-              </a:rPr>
-              <a:t>void</a:t>
-            </a:r>
-            <a:r>
-              <a:rPr lang="de-AT" sz="1000" dirty="0"/>
-              <a:t> </a:t>
-            </a:r>
-            <a:r>
-              <a:rPr lang="de-AT" sz="1000" dirty="0">
+            <a:endParaRPr lang="de-DE" sz="1200" dirty="0" smtClean="0"/>
+          </a:p>
+        </p:txBody>
+      </p:sp>
+      <p:sp>
+        <p:nvSpPr>
+          <p:cNvPr id="6" name="Inhaltsplatzhalter 7"/>
+          <p:cNvSpPr txBox="1">
+            <a:spLocks/>
+          </p:cNvSpPr>
+          <p:nvPr/>
+        </p:nvSpPr>
+        <p:spPr>
+          <a:xfrm>
+            <a:off x="3944358" y="4912822"/>
+            <a:ext cx="4303285" cy="1047403"/>
+          </a:xfrm>
+          <a:prstGeom prst="rect">
+            <a:avLst/>
+          </a:prstGeom>
+        </p:spPr>
+        <p:txBody>
+          <a:bodyPr anchor="ctr">
+            <a:noAutofit/>
+          </a:bodyPr>
+          <a:lstStyle>
+            <a:lvl1pPr marL="228600" indent="-228600" algn="l" defTabSz="914400" rtl="0" eaLnBrk="1" latinLnBrk="0" hangingPunct="1">
+              <a:lnSpc>
+                <a:spcPct val="90000"/>
+              </a:lnSpc>
+              <a:spcBef>
+                <a:spcPts val="1000"/>
+              </a:spcBef>
+              <a:buFont typeface="Arial" panose="020B0604020202020204" pitchFamily="34" charset="0"/>
+              <a:buChar char="•"/>
+              <a:defRPr sz="2800" kern="1200">
+                <a:solidFill>
+                  <a:schemeClr val="tx1"/>
+                </a:solidFill>
+                <a:latin typeface="+mn-lt"/>
+                <a:ea typeface="+mn-ea"/>
+                <a:cs typeface="+mn-cs"/>
+              </a:defRPr>
+            </a:lvl1pPr>
+            <a:lvl2pPr marL="685800" indent="-228600" algn="l" defTabSz="914400" rtl="0" eaLnBrk="1" latinLnBrk="0" hangingPunct="1">
+              <a:lnSpc>
+                <a:spcPct val="90000"/>
+              </a:lnSpc>
+              <a:spcBef>
+                <a:spcPts val="500"/>
+              </a:spcBef>
+              <a:buFont typeface="Arial" panose="020B0604020202020204" pitchFamily="34" charset="0"/>
+              <a:buChar char="•"/>
+              <a:defRPr sz="2400" kern="1200">
+                <a:solidFill>
+                  <a:schemeClr val="tx1"/>
+                </a:solidFill>
+                <a:latin typeface="+mn-lt"/>
+                <a:ea typeface="+mn-ea"/>
+                <a:cs typeface="+mn-cs"/>
+              </a:defRPr>
+            </a:lvl2pPr>
+            <a:lvl3pPr marL="1143000" indent="-228600" algn="l" defTabSz="914400" rtl="0" eaLnBrk="1" latinLnBrk="0" hangingPunct="1">
+              <a:lnSpc>
+                <a:spcPct val="90000"/>
+              </a:lnSpc>
+              <a:spcBef>
+                <a:spcPts val="500"/>
+              </a:spcBef>
+              <a:buFont typeface="Arial" panose="020B0604020202020204" pitchFamily="34" charset="0"/>
+              <a:buChar char="•"/>
+              <a:defRPr sz="2000" kern="1200">
+                <a:solidFill>
+                  <a:schemeClr val="tx1"/>
+                </a:solidFill>
+                <a:latin typeface="+mn-lt"/>
+                <a:ea typeface="+mn-ea"/>
+                <a:cs typeface="+mn-cs"/>
+              </a:defRPr>
+            </a:lvl3pPr>
+            <a:lvl4pPr marL="1600200" indent="-228600" algn="l" defTabSz="914400" rtl="0" eaLnBrk="1" latinLnBrk="0" hangingPunct="1">
+              <a:lnSpc>
+                <a:spcPct val="90000"/>
+              </a:lnSpc>
+              <a:spcBef>
+                <a:spcPts val="500"/>
+              </a:spcBef>
+              <a:buFont typeface="Arial" panose="020B0604020202020204" pitchFamily="34" charset="0"/>
+              <a:buChar char="•"/>
+              <a:defRPr sz="1800" kern="1200">
+                <a:solidFill>
+                  <a:schemeClr val="tx1"/>
+                </a:solidFill>
+                <a:latin typeface="+mn-lt"/>
+                <a:ea typeface="+mn-ea"/>
+                <a:cs typeface="+mn-cs"/>
+              </a:defRPr>
+            </a:lvl4pPr>
+            <a:lvl5pPr marL="2057400" indent="-228600" algn="l" defTabSz="914400" rtl="0" eaLnBrk="1" latinLnBrk="0" hangingPunct="1">
+              <a:lnSpc>
+                <a:spcPct val="90000"/>
+              </a:lnSpc>
+              <a:spcBef>
+                <a:spcPts val="500"/>
+              </a:spcBef>
+              <a:buFont typeface="Arial" panose="020B0604020202020204" pitchFamily="34" charset="0"/>
+              <a:buChar char="•"/>
+              <a:defRPr sz="1800" kern="1200">
+                <a:solidFill>
+                  <a:schemeClr val="tx1"/>
+                </a:solidFill>
+                <a:latin typeface="+mn-lt"/>
+                <a:ea typeface="+mn-ea"/>
+                <a:cs typeface="+mn-cs"/>
+              </a:defRPr>
+            </a:lvl5pPr>
+            <a:lvl6pPr marL="2514600" indent="-228600" algn="l" defTabSz="914400" rtl="0" eaLnBrk="1" latinLnBrk="0" hangingPunct="1">
+              <a:lnSpc>
+                <a:spcPct val="90000"/>
+              </a:lnSpc>
+              <a:spcBef>
+                <a:spcPts val="500"/>
+              </a:spcBef>
+              <a:buFont typeface="Arial" panose="020B0604020202020204" pitchFamily="34" charset="0"/>
+              <a:buChar char="•"/>
+              <a:defRPr sz="1800" kern="1200">
+                <a:solidFill>
+                  <a:schemeClr val="tx1"/>
+                </a:solidFill>
+                <a:latin typeface="+mn-lt"/>
+                <a:ea typeface="+mn-ea"/>
+                <a:cs typeface="+mn-cs"/>
+              </a:defRPr>
+            </a:lvl6pPr>
+            <a:lvl7pPr marL="2971800" indent="-228600" algn="l" defTabSz="914400" rtl="0" eaLnBrk="1" latinLnBrk="0" hangingPunct="1">
+              <a:lnSpc>
+                <a:spcPct val="90000"/>
+              </a:lnSpc>
+              <a:spcBef>
+                <a:spcPts val="500"/>
+              </a:spcBef>
+              <a:buFont typeface="Arial" panose="020B0604020202020204" pitchFamily="34" charset="0"/>
+              <a:buChar char="•"/>
+              <a:defRPr sz="1800" kern="1200">
+                <a:solidFill>
+                  <a:schemeClr val="tx1"/>
+                </a:solidFill>
+                <a:latin typeface="+mn-lt"/>
+                <a:ea typeface="+mn-ea"/>
+                <a:cs typeface="+mn-cs"/>
+              </a:defRPr>
+            </a:lvl7pPr>
+            <a:lvl8pPr marL="3429000" indent="-228600" algn="l" defTabSz="914400" rtl="0" eaLnBrk="1" latinLnBrk="0" hangingPunct="1">
+              <a:lnSpc>
+                <a:spcPct val="90000"/>
+              </a:lnSpc>
+              <a:spcBef>
+                <a:spcPts val="500"/>
+              </a:spcBef>
+              <a:buFont typeface="Arial" panose="020B0604020202020204" pitchFamily="34" charset="0"/>
+              <a:buChar char="•"/>
+              <a:defRPr sz="1800" kern="1200">
+                <a:solidFill>
+                  <a:schemeClr val="tx1"/>
+                </a:solidFill>
+                <a:latin typeface="+mn-lt"/>
+                <a:ea typeface="+mn-ea"/>
+                <a:cs typeface="+mn-cs"/>
+              </a:defRPr>
+            </a:lvl8pPr>
+            <a:lvl9pPr marL="3886200" indent="-228600" algn="l" defTabSz="914400" rtl="0" eaLnBrk="1" latinLnBrk="0" hangingPunct="1">
+              <a:lnSpc>
+                <a:spcPct val="90000"/>
+              </a:lnSpc>
+              <a:spcBef>
+                <a:spcPts val="500"/>
+              </a:spcBef>
+              <a:buFont typeface="Arial" panose="020B0604020202020204" pitchFamily="34" charset="0"/>
+              <a:buChar char="•"/>
+              <a:defRPr sz="1800" kern="1200">
+                <a:solidFill>
+                  <a:schemeClr val="tx1"/>
+                </a:solidFill>
+                <a:latin typeface="+mn-lt"/>
+                <a:ea typeface="+mn-ea"/>
+                <a:cs typeface="+mn-cs"/>
+              </a:defRPr>
+            </a:lvl9pPr>
+          </a:lstStyle>
+          <a:p>
+            <a:pPr marL="0" indent="0">
+              <a:lnSpc>
+                <a:spcPct val="100000"/>
+              </a:lnSpc>
+              <a:buNone/>
+            </a:pPr>
+            <a:r>
+              <a:rPr lang="de-AT" sz="1200" dirty="0">
+                <a:solidFill>
+                  <a:srgbClr val="000080"/>
+                </a:solidFill>
+              </a:rPr>
+              <a:t>var</a:t>
+            </a:r>
+            <a:r>
+              <a:rPr lang="de-AT" sz="1200" dirty="0"/>
+              <a:t> ga = </a:t>
+            </a:r>
+            <a:r>
+              <a:rPr lang="de-AT" sz="1200" dirty="0">
+                <a:solidFill>
+                  <a:srgbClr val="008B8B"/>
+                </a:solidFill>
+              </a:rPr>
+              <a:t>new</a:t>
+            </a:r>
+            <a:r>
+              <a:rPr lang="de-AT" sz="1200" dirty="0"/>
+              <a:t> </a:t>
+            </a:r>
+            <a:r>
+              <a:rPr lang="de-AT" sz="1200" dirty="0">
                 <a:solidFill>
                   <a:srgbClr val="191970"/>
                 </a:solidFill>
               </a:rPr>
-              <a:t>Initialize</a:t>
-            </a:r>
-            <a:r>
-              <a:rPr lang="de-AT" sz="1000" dirty="0"/>
-              <a:t>(CancellationToken cancellationToken) {</a:t>
+              <a:t>GeneticAlgorithm</a:t>
+            </a:r>
+            <a:r>
+              <a:rPr lang="de-AT" sz="1200" dirty="0"/>
+              <a:t>()</a:t>
             </a:r>
             <a:br>
-              <a:rPr lang="de-AT" sz="1000" dirty="0"/>
+              <a:rPr lang="de-AT" sz="1200" dirty="0"/>
             </a:br>
             <a:r>
-              <a:rPr lang="de-AT" sz="1000" dirty="0"/>
-              <a:t>  Results.</a:t>
-            </a:r>
-            <a:r>
-              <a:rPr lang="de-AT" sz="1000" dirty="0">
+              <a:rPr lang="de-AT" sz="1200" dirty="0">
+                <a:solidFill>
+                  <a:srgbClr val="008000"/>
+                </a:solidFill>
+              </a:rPr>
+              <a:t>// configure algorithm ...</a:t>
+            </a:r>
+            <a:r>
+              <a:rPr lang="de-AT" sz="1200" dirty="0"/>
+              <a:t/>
+            </a:r>
+            <a:br>
+              <a:rPr lang="de-AT" sz="1200" dirty="0"/>
+            </a:br>
+            <a:r>
+              <a:rPr lang="de-AT" sz="1200" dirty="0"/>
+              <a:t/>
+            </a:r>
+            <a:br>
+              <a:rPr lang="de-AT" sz="1200" dirty="0"/>
+            </a:br>
+            <a:r>
+              <a:rPr lang="de-AT" sz="1200" dirty="0"/>
+              <a:t>ga.</a:t>
+            </a:r>
+            <a:r>
+              <a:rPr lang="de-AT" sz="1200" dirty="0">
                 <a:solidFill>
                   <a:srgbClr val="191970"/>
                 </a:solidFill>
               </a:rPr>
-              <a:t>Add</a:t>
-            </a:r>
-            <a:r>
-              <a:rPr lang="de-AT" sz="1000" dirty="0"/>
-              <a:t>(</a:t>
-            </a:r>
-            <a:r>
-              <a:rPr lang="de-AT" sz="1000" dirty="0">
-                <a:solidFill>
-                  <a:srgbClr val="008B8B"/>
-                </a:solidFill>
-              </a:rPr>
-              <a:t>new</a:t>
-            </a:r>
-            <a:r>
-              <a:rPr lang="de-AT" sz="1000" dirty="0"/>
-              <a:t> </a:t>
-            </a:r>
-            <a:r>
-              <a:rPr lang="de-AT" sz="1000" dirty="0">
+              <a:t>Start</a:t>
+            </a:r>
+            <a:r>
+              <a:rPr lang="de-AT" sz="1200" dirty="0"/>
+              <a:t>() </a:t>
+            </a:r>
+            <a:r>
+              <a:rPr lang="de-AT" sz="1200" dirty="0">
+                <a:solidFill>
+                  <a:srgbClr val="008000"/>
+                </a:solidFill>
+              </a:rPr>
+              <a:t>// start "synchronously" (calls StartAsync().Wait())</a:t>
+            </a:r>
+            <a:r>
+              <a:rPr lang="de-AT" sz="1200" dirty="0"/>
+              <a:t/>
+            </a:r>
+            <a:br>
+              <a:rPr lang="de-AT" sz="1200" dirty="0"/>
+            </a:br>
+            <a:r>
+              <a:rPr lang="de-AT" sz="1200" dirty="0"/>
+              <a:t>ga.</a:t>
+            </a:r>
+            <a:r>
+              <a:rPr lang="de-AT" sz="1200" dirty="0">
                 <a:solidFill>
                   <a:srgbClr val="191970"/>
                 </a:solidFill>
               </a:rPr>
-              <a:t>Result</a:t>
-            </a:r>
-            <a:r>
-              <a:rPr lang="de-AT" sz="1000" dirty="0"/>
-              <a:t>(BestQualityResultName, </a:t>
-            </a:r>
-            <a:r>
-              <a:rPr lang="de-AT" sz="1000" dirty="0">
-                <a:solidFill>
-                  <a:srgbClr val="008B8B"/>
-                </a:solidFill>
-              </a:rPr>
-              <a:t>new</a:t>
-            </a:r>
-            <a:r>
-              <a:rPr lang="de-AT" sz="1000" dirty="0"/>
-              <a:t> </a:t>
-            </a:r>
-            <a:r>
-              <a:rPr lang="de-AT" sz="1000" dirty="0">
+              <a:t>StartAsync</a:t>
+            </a:r>
+            <a:r>
+              <a:rPr lang="de-AT" sz="1200" dirty="0"/>
+              <a:t>() </a:t>
+            </a:r>
+            <a:r>
+              <a:rPr lang="de-AT" sz="1200" dirty="0">
+                <a:solidFill>
+                  <a:srgbClr val="008000"/>
+                </a:solidFill>
+              </a:rPr>
+              <a:t>// start asynchronously</a:t>
+            </a:r>
+            <a:r>
+              <a:rPr lang="de-AT" sz="1200" dirty="0"/>
+              <a:t/>
+            </a:r>
+            <a:br>
+              <a:rPr lang="de-AT" sz="1200" dirty="0"/>
+            </a:br>
+            <a:r>
+              <a:rPr lang="de-AT" sz="1200" dirty="0"/>
+              <a:t>ga.</a:t>
+            </a:r>
+            <a:r>
+              <a:rPr lang="de-AT" sz="1200" dirty="0">
                 <a:solidFill>
                   <a:srgbClr val="191970"/>
                 </a:solidFill>
               </a:rPr>
-              <a:t>DoubleValue</a:t>
-            </a:r>
-            <a:r>
-              <a:rPr lang="de-AT" sz="1000" dirty="0"/>
-              <a:t>(</a:t>
-            </a:r>
-            <a:r>
-              <a:rPr lang="de-AT" sz="1000" dirty="0">
-                <a:solidFill>
-                  <a:srgbClr val="FF0000"/>
-                </a:solidFill>
-              </a:rPr>
-              <a:t>double</a:t>
-            </a:r>
-            <a:r>
-              <a:rPr lang="de-AT" sz="1000" dirty="0"/>
-              <a:t>.NaN)));</a:t>
-            </a:r>
-            <a:br>
-              <a:rPr lang="de-AT" sz="1000" dirty="0"/>
-            </a:br>
-            <a:r>
-              <a:rPr lang="de-AT" sz="1000" dirty="0"/>
-              <a:t>  Results.</a:t>
-            </a:r>
-            <a:r>
-              <a:rPr lang="de-AT" sz="1000" dirty="0">
+              <a:t>StartAsync</a:t>
+            </a:r>
+            <a:r>
+              <a:rPr lang="de-AT" sz="1200" dirty="0"/>
+              <a:t>().</a:t>
+            </a:r>
+            <a:r>
+              <a:rPr lang="de-AT" sz="1200" dirty="0">
                 <a:solidFill>
                   <a:srgbClr val="191970"/>
                 </a:solidFill>
               </a:rPr>
-              <a:t>Add</a:t>
-            </a:r>
-            <a:r>
-              <a:rPr lang="de-AT" sz="1000" dirty="0"/>
-              <a:t>(</a:t>
-            </a:r>
-            <a:r>
-              <a:rPr lang="de-AT" sz="1000" dirty="0">
-                <a:solidFill>
-                  <a:srgbClr val="008B8B"/>
-                </a:solidFill>
-              </a:rPr>
-              <a:t>new</a:t>
-            </a:r>
-            <a:r>
-              <a:rPr lang="de-AT" sz="1000" dirty="0"/>
-              <a:t> </a:t>
-            </a:r>
-            <a:r>
-              <a:rPr lang="de-AT" sz="1000" dirty="0">
-                <a:solidFill>
-                  <a:srgbClr val="191970"/>
-                </a:solidFill>
-              </a:rPr>
-              <a:t>Result</a:t>
-            </a:r>
-            <a:r>
-              <a:rPr lang="de-AT" sz="1000" dirty="0"/>
-              <a:t>(IterationsResultName, </a:t>
-            </a:r>
-            <a:r>
-              <a:rPr lang="de-AT" sz="1000" dirty="0">
-                <a:solidFill>
-                  <a:srgbClr val="008B8B"/>
-                </a:solidFill>
-              </a:rPr>
-              <a:t>new</a:t>
-            </a:r>
-            <a:r>
-              <a:rPr lang="de-AT" sz="1000" dirty="0"/>
-              <a:t> </a:t>
-            </a:r>
-            <a:r>
-              <a:rPr lang="de-AT" sz="1000" dirty="0">
-                <a:solidFill>
-                  <a:srgbClr val="191970"/>
-                </a:solidFill>
-              </a:rPr>
-              <a:t>IntValue</a:t>
-            </a:r>
-            <a:r>
-              <a:rPr lang="de-AT" sz="1000" dirty="0"/>
-              <a:t>(</a:t>
-            </a:r>
-            <a:r>
-              <a:rPr lang="de-AT" sz="1000" dirty="0">
-                <a:solidFill>
-                  <a:srgbClr val="00008B"/>
-                </a:solidFill>
-              </a:rPr>
-              <a:t>0</a:t>
-            </a:r>
-            <a:r>
-              <a:rPr lang="de-AT" sz="1000" dirty="0"/>
-              <a:t>)));</a:t>
-            </a:r>
-            <a:br>
-              <a:rPr lang="de-AT" sz="1000" dirty="0"/>
-            </a:br>
-            <a:r>
-              <a:rPr lang="de-AT" sz="1000" dirty="0"/>
-              <a:t>  base.</a:t>
-            </a:r>
-            <a:r>
-              <a:rPr lang="de-AT" sz="1000" dirty="0">
-                <a:solidFill>
-                  <a:srgbClr val="191970"/>
-                </a:solidFill>
-              </a:rPr>
-              <a:t>Initialize</a:t>
-            </a:r>
-            <a:r>
-              <a:rPr lang="de-AT" sz="1000" dirty="0"/>
-              <a:t>(cancellationToken);</a:t>
-            </a:r>
-            <a:br>
-              <a:rPr lang="de-AT" sz="1000" dirty="0"/>
-            </a:br>
-            <a:r>
-              <a:rPr lang="de-AT" sz="1000" dirty="0"/>
-              <a:t>}</a:t>
-            </a:r>
-            <a:br>
-              <a:rPr lang="de-AT" sz="1000" dirty="0"/>
-            </a:br>
-            <a:r>
-              <a:rPr lang="de-AT" sz="1000" dirty="0"/>
-              <a:t/>
-            </a:r>
-            <a:br>
-              <a:rPr lang="de-AT" sz="1000" dirty="0"/>
-            </a:br>
-            <a:r>
-              <a:rPr lang="de-AT" sz="1000" dirty="0">
-                <a:solidFill>
-                  <a:srgbClr val="0000FF"/>
-                </a:solidFill>
-              </a:rPr>
-              <a:t>protected</a:t>
-            </a:r>
-            <a:r>
-              <a:rPr lang="de-AT" sz="1000" dirty="0"/>
-              <a:t> </a:t>
-            </a:r>
-            <a:r>
-              <a:rPr lang="de-AT" sz="1000" dirty="0">
-                <a:solidFill>
-                  <a:srgbClr val="A52A2A"/>
-                </a:solidFill>
-              </a:rPr>
-              <a:t>override</a:t>
-            </a:r>
-            <a:r>
-              <a:rPr lang="de-AT" sz="1000" dirty="0"/>
-              <a:t> </a:t>
-            </a:r>
-            <a:r>
-              <a:rPr lang="de-AT" sz="1000" dirty="0">
-                <a:solidFill>
-                  <a:srgbClr val="FF0000"/>
-                </a:solidFill>
-              </a:rPr>
-              <a:t>void</a:t>
-            </a:r>
-            <a:r>
-              <a:rPr lang="de-AT" sz="1000" dirty="0"/>
-              <a:t> </a:t>
-            </a:r>
-            <a:r>
-              <a:rPr lang="de-AT" sz="1000" dirty="0">
-                <a:solidFill>
-                  <a:srgbClr val="191970"/>
-                </a:solidFill>
-              </a:rPr>
-              <a:t>Run</a:t>
-            </a:r>
-            <a:r>
-              <a:rPr lang="de-AT" sz="1000" dirty="0"/>
-              <a:t>(CancellationToken cancellationToken) {</a:t>
-            </a:r>
-            <a:br>
-              <a:rPr lang="de-AT" sz="1000" dirty="0"/>
-            </a:br>
-            <a:r>
-              <a:rPr lang="de-AT" sz="1000" dirty="0"/>
-              <a:t>  </a:t>
-            </a:r>
-            <a:r>
-              <a:rPr lang="de-AT" sz="1000" dirty="0">
-                <a:solidFill>
-                  <a:srgbClr val="0000FF"/>
-                </a:solidFill>
-              </a:rPr>
-              <a:t>while</a:t>
-            </a:r>
-            <a:r>
-              <a:rPr lang="de-AT" sz="1000" dirty="0"/>
-              <a:t> (ResultsIterations &lt; Iterations) {</a:t>
-            </a:r>
-            <a:br>
-              <a:rPr lang="de-AT" sz="1000" dirty="0"/>
-            </a:br>
-            <a:r>
-              <a:rPr lang="de-AT" sz="1000" dirty="0"/>
-              <a:t>    cancellationToken.</a:t>
-            </a:r>
-            <a:r>
-              <a:rPr lang="de-AT" sz="1000" dirty="0">
-                <a:solidFill>
-                  <a:srgbClr val="191970"/>
-                </a:solidFill>
-              </a:rPr>
-              <a:t>ThrowIfCancellationRequested</a:t>
-            </a:r>
-            <a:r>
-              <a:rPr lang="de-AT" sz="1000" dirty="0"/>
-              <a:t>();</a:t>
-            </a:r>
-            <a:br>
-              <a:rPr lang="de-AT" sz="1000" dirty="0"/>
-            </a:br>
-            <a:r>
-              <a:rPr lang="de-AT" sz="1000" dirty="0"/>
-              <a:t/>
-            </a:r>
-            <a:br>
-              <a:rPr lang="de-AT" sz="1000" dirty="0"/>
-            </a:br>
-            <a:r>
-              <a:rPr lang="de-AT" sz="1000" dirty="0"/>
-              <a:t>    </a:t>
-            </a:r>
-            <a:r>
-              <a:rPr lang="de-AT" sz="1000" dirty="0">
+              <a:t>Wait</a:t>
+            </a:r>
+            <a:r>
+              <a:rPr lang="de-AT" sz="1200" dirty="0"/>
+              <a:t>() </a:t>
+            </a:r>
+            <a:r>
+              <a:rPr lang="de-AT" sz="1200" dirty="0">
                 <a:solidFill>
                   <a:srgbClr val="008000"/>
                 </a:solidFill>
               </a:rPr>
-              <a:t>// execute one iteration</a:t>
-            </a:r>
-            <a:r>
-              <a:rPr lang="de-AT" sz="1000" dirty="0"/>
-              <a:t/>
-            </a:r>
-            <a:br>
-              <a:rPr lang="de-AT" sz="1000" dirty="0"/>
-            </a:br>
-            <a:r>
-              <a:rPr lang="de-AT" sz="1000" dirty="0"/>
-              <a:t/>
-            </a:r>
-            <a:br>
-              <a:rPr lang="de-AT" sz="1000" dirty="0"/>
-            </a:br>
-            <a:r>
-              <a:rPr lang="de-AT" sz="1000" dirty="0"/>
-              <a:t>    ResultsIterations++;</a:t>
-            </a:r>
-            <a:br>
-              <a:rPr lang="de-AT" sz="1000" dirty="0"/>
-            </a:br>
-            <a:r>
-              <a:rPr lang="de-AT" sz="1000" dirty="0"/>
-              <a:t>  }</a:t>
-            </a:r>
-            <a:br>
-              <a:rPr lang="de-AT" sz="1000" dirty="0"/>
-            </a:br>
-            <a:r>
-              <a:rPr lang="de-AT" sz="1000" dirty="0"/>
-              <a:t>}</a:t>
-            </a:r>
-            <a:endParaRPr lang="de-DE" sz="1000" dirty="0"/>
+              <a:t>// start asynchronously and wait</a:t>
+            </a:r>
+            <a:endParaRPr lang="de-DE" sz="1200" dirty="0"/>
           </a:p>
         </p:txBody>
       </p:sp>
     </p:spTree>
     <p:extLst>
       <p:ext uri="{BB962C8B-B14F-4D97-AF65-F5344CB8AC3E}">
-        <p14:creationId xmlns:p14="http://schemas.microsoft.com/office/powerpoint/2010/main" val="2419751290"/>
+        <p14:creationId xmlns:p14="http://schemas.microsoft.com/office/powerpoint/2010/main" val="1822671034"/>
       </p:ext>
     </p:extLst>
   </p:cSld>
@@ -9329,16 +9535,12 @@
           <a:lstStyle/>
           <a:p>
             <a:r>
-              <a:rPr lang="de-DE" dirty="0" smtClean="0"/>
-              <a:t>Async </a:t>
-            </a:r>
-            <a:r>
               <a:rPr lang="de-DE" dirty="0"/>
-              <a:t>Start/Stop f</a:t>
-            </a:r>
-            <a:r>
-              <a:rPr lang="de-DE" dirty="0" smtClean="0"/>
-              <a:t>or Algorithms</a:t>
+              <a:t>New Termination </a:t>
+            </a:r>
+            <a:r>
+              <a:rPr lang="de-DE" dirty="0" err="1" smtClean="0"/>
+              <a:t>Criteria</a:t>
             </a:r>
             <a:endParaRPr lang="en-US" dirty="0"/>
           </a:p>
@@ -9362,607 +9564,189 @@
           <a:lstStyle/>
           <a:p>
             <a:r>
-              <a:rPr lang="de-DE" dirty="0" smtClean="0"/>
-              <a:t>We </a:t>
-            </a:r>
-            <a:r>
-              <a:rPr lang="de-DE" dirty="0"/>
-              <a:t>should better reflect the style of async/wait programming in C#</a:t>
-            </a:r>
+              <a:rPr lang="en-US" dirty="0" smtClean="0"/>
+              <a:t>Allows consistent termination in all </a:t>
+            </a:r>
+            <a:r>
+              <a:rPr lang="en-US" dirty="0" err="1" smtClean="0"/>
+              <a:t>EngineAlgorithms</a:t>
+            </a:r>
+            <a:endParaRPr lang="en-US" dirty="0" smtClean="0"/>
           </a:p>
           <a:p>
             <a:pPr lvl="1"/>
             <a:r>
-              <a:rPr lang="de-DE" dirty="0"/>
-              <a:t>IExecutable.Start is actually an asynchronous operation and should be named StartAsync</a:t>
-            </a:r>
-          </a:p>
-          <a:p>
-            <a:r>
-              <a:rPr lang="de-DE" dirty="0"/>
-              <a:t>Sample tests (and e.g. scripts) must use helper functions to wait for algorithm results</a:t>
+              <a:rPr lang="en-US" dirty="0" smtClean="0"/>
+              <a:t>Additional concept to better compare algorithm performances</a:t>
             </a:r>
           </a:p>
           <a:p>
             <a:pPr lvl="1"/>
             <a:r>
-              <a:rPr lang="de-DE" dirty="0"/>
-              <a:t>We could just call Start synchronously</a:t>
-            </a:r>
-          </a:p>
-          <a:p>
-            <a:r>
-              <a:rPr lang="de-DE" dirty="0"/>
-              <a:t>We </a:t>
-            </a:r>
-            <a:r>
-              <a:rPr lang="de-DE" dirty="0" smtClean="0"/>
-              <a:t>added/implemented </a:t>
-            </a:r>
-            <a:r>
-              <a:rPr lang="de-DE" dirty="0"/>
-              <a:t>IExecutable.Start and IExecutable.StartAsync</a:t>
+              <a:rPr lang="en-US" dirty="0" smtClean="0"/>
+              <a:t>e.g. only allow 10</a:t>
+            </a:r>
+            <a:r>
+              <a:rPr lang="en-US" baseline="30000" dirty="0" smtClean="0"/>
+              <a:t>6</a:t>
+            </a:r>
+            <a:r>
+              <a:rPr lang="en-US" dirty="0"/>
+              <a:t> </a:t>
+            </a:r>
+            <a:r>
+              <a:rPr lang="en-US" dirty="0" smtClean="0"/>
+              <a:t>evaluations for each algorithm</a:t>
+            </a:r>
+            <a:endParaRPr lang="en-US" baseline="30000" dirty="0" smtClean="0"/>
+          </a:p>
+          <a:p>
+            <a:r>
+              <a:rPr lang="en-US" dirty="0" err="1" smtClean="0"/>
+              <a:t>TerminationOperator</a:t>
+            </a:r>
+            <a:r>
+              <a:rPr lang="en-US" dirty="0" smtClean="0"/>
+              <a:t> uses </a:t>
+            </a:r>
+            <a:r>
+              <a:rPr lang="en-US" dirty="0" err="1" smtClean="0"/>
+              <a:t>MultiTerminator</a:t>
+            </a:r>
+            <a:r>
+              <a:rPr lang="en-US" dirty="0" smtClean="0"/>
+              <a:t> and cancels the algorithm if any of the active termination criteria is not met</a:t>
             </a:r>
             <a:endParaRPr lang="en-US" dirty="0"/>
           </a:p>
         </p:txBody>
       </p:sp>
-      <p:sp>
-        <p:nvSpPr>
-          <p:cNvPr id="4" name="Inhaltsplatzhalter 7"/>
-          <p:cNvSpPr txBox="1">
-            <a:spLocks/>
-          </p:cNvSpPr>
+      <p:pic>
+        <p:nvPicPr>
+          <p:cNvPr id="11" name="Picture 10"/>
+          <p:cNvPicPr>
+            <a:picLocks noChangeAspect="1"/>
+          </p:cNvPicPr>
           <p:nvPr/>
-        </p:nvSpPr>
+        </p:nvPicPr>
+        <p:blipFill>
+          <a:blip r:embed="rId2"/>
+          <a:stretch>
+            <a:fillRect/>
+          </a:stretch>
+        </p:blipFill>
         <p:spPr>
           <a:xfrm>
-            <a:off x="1831571" y="4563687"/>
-            <a:ext cx="4535978" cy="1396538"/>
+            <a:off x="2196291" y="4071017"/>
+            <a:ext cx="8048625" cy="2009775"/>
           </a:xfrm>
           <a:prstGeom prst="rect">
             <a:avLst/>
           </a:prstGeom>
+          <a:ln>
+            <a:noFill/>
+          </a:ln>
+          <a:effectLst>
+            <a:outerShdw blurRad="190500" algn="tl" rotWithShape="0">
+              <a:srgbClr val="000000">
+                <a:alpha val="70000"/>
+              </a:srgbClr>
+            </a:outerShdw>
+          </a:effectLst>
         </p:spPr>
-        <p:txBody>
-          <a:bodyPr>
-            <a:noAutofit/>
-          </a:bodyPr>
-          <a:lstStyle>
-            <a:lvl1pPr marL="228600" indent="-228600" algn="l" defTabSz="914400" rtl="0" eaLnBrk="1" latinLnBrk="0" hangingPunct="1">
-              <a:lnSpc>
-                <a:spcPct val="90000"/>
-              </a:lnSpc>
-              <a:spcBef>
-                <a:spcPts val="1000"/>
-              </a:spcBef>
-              <a:buFont typeface="Arial" panose="020B0604020202020204" pitchFamily="34" charset="0"/>
-              <a:buChar char="•"/>
-              <a:defRPr sz="2800" kern="1200">
-                <a:solidFill>
-                  <a:schemeClr val="tx1"/>
-                </a:solidFill>
-                <a:latin typeface="+mn-lt"/>
-                <a:ea typeface="+mn-ea"/>
-                <a:cs typeface="+mn-cs"/>
-              </a:defRPr>
-            </a:lvl1pPr>
-            <a:lvl2pPr marL="685800" indent="-228600" algn="l" defTabSz="914400" rtl="0" eaLnBrk="1" latinLnBrk="0" hangingPunct="1">
-              <a:lnSpc>
-                <a:spcPct val="90000"/>
-              </a:lnSpc>
-              <a:spcBef>
-                <a:spcPts val="500"/>
-              </a:spcBef>
-              <a:buFont typeface="Arial" panose="020B0604020202020204" pitchFamily="34" charset="0"/>
-              <a:buChar char="•"/>
-              <a:defRPr sz="2400" kern="1200">
-                <a:solidFill>
-                  <a:schemeClr val="tx1"/>
-                </a:solidFill>
-                <a:latin typeface="+mn-lt"/>
-                <a:ea typeface="+mn-ea"/>
-                <a:cs typeface="+mn-cs"/>
-              </a:defRPr>
-            </a:lvl2pPr>
-            <a:lvl3pPr marL="1143000" indent="-228600" algn="l" defTabSz="914400" rtl="0" eaLnBrk="1" latinLnBrk="0" hangingPunct="1">
-              <a:lnSpc>
-                <a:spcPct val="90000"/>
-              </a:lnSpc>
-              <a:spcBef>
-                <a:spcPts val="500"/>
-              </a:spcBef>
-              <a:buFont typeface="Arial" panose="020B0604020202020204" pitchFamily="34" charset="0"/>
-              <a:buChar char="•"/>
-              <a:defRPr sz="2000" kern="1200">
-                <a:solidFill>
-                  <a:schemeClr val="tx1"/>
-                </a:solidFill>
-                <a:latin typeface="+mn-lt"/>
-                <a:ea typeface="+mn-ea"/>
-                <a:cs typeface="+mn-cs"/>
-              </a:defRPr>
-            </a:lvl3pPr>
-            <a:lvl4pPr marL="1600200" indent="-228600" algn="l" defTabSz="914400" rtl="0" eaLnBrk="1" latinLnBrk="0" hangingPunct="1">
-              <a:lnSpc>
-                <a:spcPct val="90000"/>
-              </a:lnSpc>
-              <a:spcBef>
-                <a:spcPts val="500"/>
-              </a:spcBef>
-              <a:buFont typeface="Arial" panose="020B0604020202020204" pitchFamily="34" charset="0"/>
-              <a:buChar char="•"/>
-              <a:defRPr sz="1800" kern="1200">
-                <a:solidFill>
-                  <a:schemeClr val="tx1"/>
-                </a:solidFill>
-                <a:latin typeface="+mn-lt"/>
-                <a:ea typeface="+mn-ea"/>
-                <a:cs typeface="+mn-cs"/>
-              </a:defRPr>
-            </a:lvl4pPr>
-            <a:lvl5pPr marL="2057400" indent="-228600" algn="l" defTabSz="914400" rtl="0" eaLnBrk="1" latinLnBrk="0" hangingPunct="1">
-              <a:lnSpc>
-                <a:spcPct val="90000"/>
-              </a:lnSpc>
-              <a:spcBef>
-                <a:spcPts val="500"/>
-              </a:spcBef>
-              <a:buFont typeface="Arial" panose="020B0604020202020204" pitchFamily="34" charset="0"/>
-              <a:buChar char="•"/>
-              <a:defRPr sz="1800" kern="1200">
-                <a:solidFill>
-                  <a:schemeClr val="tx1"/>
-                </a:solidFill>
-                <a:latin typeface="+mn-lt"/>
-                <a:ea typeface="+mn-ea"/>
-                <a:cs typeface="+mn-cs"/>
-              </a:defRPr>
-            </a:lvl5pPr>
-            <a:lvl6pPr marL="2514600" indent="-228600" algn="l" defTabSz="914400" rtl="0" eaLnBrk="1" latinLnBrk="0" hangingPunct="1">
-              <a:lnSpc>
-                <a:spcPct val="90000"/>
-              </a:lnSpc>
-              <a:spcBef>
-                <a:spcPts val="500"/>
-              </a:spcBef>
-              <a:buFont typeface="Arial" panose="020B0604020202020204" pitchFamily="34" charset="0"/>
-              <a:buChar char="•"/>
-              <a:defRPr sz="1800" kern="1200">
-                <a:solidFill>
-                  <a:schemeClr val="tx1"/>
-                </a:solidFill>
-                <a:latin typeface="+mn-lt"/>
-                <a:ea typeface="+mn-ea"/>
-                <a:cs typeface="+mn-cs"/>
-              </a:defRPr>
-            </a:lvl6pPr>
-            <a:lvl7pPr marL="2971800" indent="-228600" algn="l" defTabSz="914400" rtl="0" eaLnBrk="1" latinLnBrk="0" hangingPunct="1">
-              <a:lnSpc>
-                <a:spcPct val="90000"/>
-              </a:lnSpc>
-              <a:spcBef>
-                <a:spcPts val="500"/>
-              </a:spcBef>
-              <a:buFont typeface="Arial" panose="020B0604020202020204" pitchFamily="34" charset="0"/>
-              <a:buChar char="•"/>
-              <a:defRPr sz="1800" kern="1200">
-                <a:solidFill>
-                  <a:schemeClr val="tx1"/>
-                </a:solidFill>
-                <a:latin typeface="+mn-lt"/>
-                <a:ea typeface="+mn-ea"/>
-                <a:cs typeface="+mn-cs"/>
-              </a:defRPr>
-            </a:lvl7pPr>
-            <a:lvl8pPr marL="3429000" indent="-228600" algn="l" defTabSz="914400" rtl="0" eaLnBrk="1" latinLnBrk="0" hangingPunct="1">
-              <a:lnSpc>
-                <a:spcPct val="90000"/>
-              </a:lnSpc>
-              <a:spcBef>
-                <a:spcPts val="500"/>
-              </a:spcBef>
-              <a:buFont typeface="Arial" panose="020B0604020202020204" pitchFamily="34" charset="0"/>
-              <a:buChar char="•"/>
-              <a:defRPr sz="1800" kern="1200">
-                <a:solidFill>
-                  <a:schemeClr val="tx1"/>
-                </a:solidFill>
-                <a:latin typeface="+mn-lt"/>
-                <a:ea typeface="+mn-ea"/>
-                <a:cs typeface="+mn-cs"/>
-              </a:defRPr>
-            </a:lvl8pPr>
-            <a:lvl9pPr marL="3886200" indent="-228600" algn="l" defTabSz="914400" rtl="0" eaLnBrk="1" latinLnBrk="0" hangingPunct="1">
-              <a:lnSpc>
-                <a:spcPct val="90000"/>
-              </a:lnSpc>
-              <a:spcBef>
-                <a:spcPts val="500"/>
-              </a:spcBef>
-              <a:buFont typeface="Arial" panose="020B0604020202020204" pitchFamily="34" charset="0"/>
-              <a:buChar char="•"/>
-              <a:defRPr sz="1800" kern="1200">
-                <a:solidFill>
-                  <a:schemeClr val="tx1"/>
-                </a:solidFill>
-                <a:latin typeface="+mn-lt"/>
-                <a:ea typeface="+mn-ea"/>
-                <a:cs typeface="+mn-cs"/>
-              </a:defRPr>
-            </a:lvl9pPr>
-          </a:lstStyle>
-          <a:p>
-            <a:pPr marL="0" indent="0">
-              <a:lnSpc>
-                <a:spcPct val="100000"/>
-              </a:lnSpc>
-              <a:buFont typeface="Arial" panose="020B0604020202020204" pitchFamily="34" charset="0"/>
-              <a:buNone/>
-            </a:pPr>
-            <a:endParaRPr lang="de-DE" sz="1200" dirty="0" smtClean="0"/>
-          </a:p>
-        </p:txBody>
-      </p:sp>
-      <p:sp>
-        <p:nvSpPr>
-          <p:cNvPr id="6" name="Inhaltsplatzhalter 7"/>
-          <p:cNvSpPr txBox="1">
-            <a:spLocks/>
-          </p:cNvSpPr>
+      </p:pic>
+      <p:sp>
+        <p:nvSpPr>
+          <p:cNvPr id="7" name="Rectangle 6"/>
+          <p:cNvSpPr/>
           <p:nvPr/>
         </p:nvSpPr>
         <p:spPr>
           <a:xfrm>
-            <a:off x="3944358" y="4912822"/>
-            <a:ext cx="4303285" cy="1047403"/>
+            <a:off x="2221230" y="4389127"/>
+            <a:ext cx="1419743" cy="207817"/>
           </a:xfrm>
           <a:prstGeom prst="rect">
             <a:avLst/>
           </a:prstGeom>
+          <a:noFill/>
+          <a:ln>
+            <a:solidFill>
+              <a:srgbClr val="FF0000"/>
+            </a:solidFill>
+          </a:ln>
         </p:spPr>
-        <p:txBody>
-          <a:bodyPr anchor="ctr">
-            <a:noAutofit/>
-          </a:bodyPr>
-          <a:lstStyle>
-            <a:lvl1pPr marL="228600" indent="-228600" algn="l" defTabSz="914400" rtl="0" eaLnBrk="1" latinLnBrk="0" hangingPunct="1">
-              <a:lnSpc>
-                <a:spcPct val="90000"/>
-              </a:lnSpc>
-              <a:spcBef>
-                <a:spcPts val="1000"/>
-              </a:spcBef>
-              <a:buFont typeface="Arial" panose="020B0604020202020204" pitchFamily="34" charset="0"/>
-              <a:buChar char="•"/>
-              <a:defRPr sz="2800" kern="1200">
-                <a:solidFill>
-                  <a:schemeClr val="tx1"/>
-                </a:solidFill>
-                <a:latin typeface="+mn-lt"/>
-                <a:ea typeface="+mn-ea"/>
-                <a:cs typeface="+mn-cs"/>
-              </a:defRPr>
-            </a:lvl1pPr>
-            <a:lvl2pPr marL="685800" indent="-228600" algn="l" defTabSz="914400" rtl="0" eaLnBrk="1" latinLnBrk="0" hangingPunct="1">
-              <a:lnSpc>
-                <a:spcPct val="90000"/>
-              </a:lnSpc>
-              <a:spcBef>
-                <a:spcPts val="500"/>
-              </a:spcBef>
-              <a:buFont typeface="Arial" panose="020B0604020202020204" pitchFamily="34" charset="0"/>
-              <a:buChar char="•"/>
-              <a:defRPr sz="2400" kern="1200">
-                <a:solidFill>
-                  <a:schemeClr val="tx1"/>
-                </a:solidFill>
-                <a:latin typeface="+mn-lt"/>
-                <a:ea typeface="+mn-ea"/>
-                <a:cs typeface="+mn-cs"/>
-              </a:defRPr>
-            </a:lvl2pPr>
-            <a:lvl3pPr marL="1143000" indent="-228600" algn="l" defTabSz="914400" rtl="0" eaLnBrk="1" latinLnBrk="0" hangingPunct="1">
-              <a:lnSpc>
-                <a:spcPct val="90000"/>
-              </a:lnSpc>
-              <a:spcBef>
-                <a:spcPts val="500"/>
-              </a:spcBef>
-              <a:buFont typeface="Arial" panose="020B0604020202020204" pitchFamily="34" charset="0"/>
-              <a:buChar char="•"/>
-              <a:defRPr sz="2000" kern="1200">
-                <a:solidFill>
-                  <a:schemeClr val="tx1"/>
-                </a:solidFill>
-                <a:latin typeface="+mn-lt"/>
-                <a:ea typeface="+mn-ea"/>
-                <a:cs typeface="+mn-cs"/>
-              </a:defRPr>
-            </a:lvl3pPr>
-            <a:lvl4pPr marL="1600200" indent="-228600" algn="l" defTabSz="914400" rtl="0" eaLnBrk="1" latinLnBrk="0" hangingPunct="1">
-              <a:lnSpc>
-                <a:spcPct val="90000"/>
-              </a:lnSpc>
-              <a:spcBef>
-                <a:spcPts val="500"/>
-              </a:spcBef>
-              <a:buFont typeface="Arial" panose="020B0604020202020204" pitchFamily="34" charset="0"/>
-              <a:buChar char="•"/>
-              <a:defRPr sz="1800" kern="1200">
-                <a:solidFill>
-                  <a:schemeClr val="tx1"/>
-                </a:solidFill>
-                <a:latin typeface="+mn-lt"/>
-                <a:ea typeface="+mn-ea"/>
-                <a:cs typeface="+mn-cs"/>
-              </a:defRPr>
-            </a:lvl4pPr>
-            <a:lvl5pPr marL="2057400" indent="-228600" algn="l" defTabSz="914400" rtl="0" eaLnBrk="1" latinLnBrk="0" hangingPunct="1">
-              <a:lnSpc>
-                <a:spcPct val="90000"/>
-              </a:lnSpc>
-              <a:spcBef>
-                <a:spcPts val="500"/>
-              </a:spcBef>
-              <a:buFont typeface="Arial" panose="020B0604020202020204" pitchFamily="34" charset="0"/>
-              <a:buChar char="•"/>
-              <a:defRPr sz="1800" kern="1200">
-                <a:solidFill>
-                  <a:schemeClr val="tx1"/>
-                </a:solidFill>
-                <a:latin typeface="+mn-lt"/>
-                <a:ea typeface="+mn-ea"/>
-                <a:cs typeface="+mn-cs"/>
-              </a:defRPr>
-            </a:lvl5pPr>
-            <a:lvl6pPr marL="2514600" indent="-228600" algn="l" defTabSz="914400" rtl="0" eaLnBrk="1" latinLnBrk="0" hangingPunct="1">
-              <a:lnSpc>
-                <a:spcPct val="90000"/>
-              </a:lnSpc>
-              <a:spcBef>
-                <a:spcPts val="500"/>
-              </a:spcBef>
-              <a:buFont typeface="Arial" panose="020B0604020202020204" pitchFamily="34" charset="0"/>
-              <a:buChar char="•"/>
-              <a:defRPr sz="1800" kern="1200">
-                <a:solidFill>
-                  <a:schemeClr val="tx1"/>
-                </a:solidFill>
-                <a:latin typeface="+mn-lt"/>
-                <a:ea typeface="+mn-ea"/>
-                <a:cs typeface="+mn-cs"/>
-              </a:defRPr>
-            </a:lvl6pPr>
-            <a:lvl7pPr marL="2971800" indent="-228600" algn="l" defTabSz="914400" rtl="0" eaLnBrk="1" latinLnBrk="0" hangingPunct="1">
-              <a:lnSpc>
-                <a:spcPct val="90000"/>
-              </a:lnSpc>
-              <a:spcBef>
-                <a:spcPts val="500"/>
-              </a:spcBef>
-              <a:buFont typeface="Arial" panose="020B0604020202020204" pitchFamily="34" charset="0"/>
-              <a:buChar char="•"/>
-              <a:defRPr sz="1800" kern="1200">
-                <a:solidFill>
-                  <a:schemeClr val="tx1"/>
-                </a:solidFill>
-                <a:latin typeface="+mn-lt"/>
-                <a:ea typeface="+mn-ea"/>
-                <a:cs typeface="+mn-cs"/>
-              </a:defRPr>
-            </a:lvl7pPr>
-            <a:lvl8pPr marL="3429000" indent="-228600" algn="l" defTabSz="914400" rtl="0" eaLnBrk="1" latinLnBrk="0" hangingPunct="1">
-              <a:lnSpc>
-                <a:spcPct val="90000"/>
-              </a:lnSpc>
-              <a:spcBef>
-                <a:spcPts val="500"/>
-              </a:spcBef>
-              <a:buFont typeface="Arial" panose="020B0604020202020204" pitchFamily="34" charset="0"/>
-              <a:buChar char="•"/>
-              <a:defRPr sz="1800" kern="1200">
-                <a:solidFill>
-                  <a:schemeClr val="tx1"/>
-                </a:solidFill>
-                <a:latin typeface="+mn-lt"/>
-                <a:ea typeface="+mn-ea"/>
-                <a:cs typeface="+mn-cs"/>
-              </a:defRPr>
-            </a:lvl8pPr>
-            <a:lvl9pPr marL="3886200" indent="-228600" algn="l" defTabSz="914400" rtl="0" eaLnBrk="1" latinLnBrk="0" hangingPunct="1">
-              <a:lnSpc>
-                <a:spcPct val="90000"/>
-              </a:lnSpc>
-              <a:spcBef>
-                <a:spcPts val="500"/>
-              </a:spcBef>
-              <a:buFont typeface="Arial" panose="020B0604020202020204" pitchFamily="34" charset="0"/>
-              <a:buChar char="•"/>
-              <a:defRPr sz="1800" kern="1200">
-                <a:solidFill>
-                  <a:schemeClr val="tx1"/>
-                </a:solidFill>
-                <a:latin typeface="+mn-lt"/>
-                <a:ea typeface="+mn-ea"/>
-                <a:cs typeface="+mn-cs"/>
-              </a:defRPr>
-            </a:lvl9pPr>
-          </a:lstStyle>
-          <a:p>
-            <a:pPr marL="0" indent="0">
-              <a:lnSpc>
-                <a:spcPct val="100000"/>
-              </a:lnSpc>
-              <a:buNone/>
-            </a:pPr>
-            <a:r>
-              <a:rPr lang="de-AT" sz="1200" dirty="0">
-                <a:solidFill>
-                  <a:srgbClr val="000080"/>
-                </a:solidFill>
-              </a:rPr>
-              <a:t>var</a:t>
-            </a:r>
-            <a:r>
-              <a:rPr lang="de-AT" sz="1200" dirty="0"/>
-              <a:t> ga = </a:t>
-            </a:r>
-            <a:r>
-              <a:rPr lang="de-AT" sz="1200" dirty="0">
-                <a:solidFill>
-                  <a:srgbClr val="008B8B"/>
-                </a:solidFill>
-              </a:rPr>
-              <a:t>new</a:t>
-            </a:r>
-            <a:r>
-              <a:rPr lang="de-AT" sz="1200" dirty="0"/>
-              <a:t> </a:t>
-            </a:r>
-            <a:r>
-              <a:rPr lang="de-AT" sz="1200" dirty="0">
-                <a:solidFill>
-                  <a:srgbClr val="191970"/>
-                </a:solidFill>
-              </a:rPr>
-              <a:t>GeneticAlgorithm</a:t>
-            </a:r>
-            <a:r>
-              <a:rPr lang="de-AT" sz="1200" dirty="0"/>
-              <a:t>()</a:t>
-            </a:r>
-            <a:br>
-              <a:rPr lang="de-AT" sz="1200" dirty="0"/>
-            </a:br>
-            <a:r>
-              <a:rPr lang="de-AT" sz="1200" dirty="0">
-                <a:solidFill>
-                  <a:srgbClr val="008000"/>
-                </a:solidFill>
-              </a:rPr>
-              <a:t>// configure algorithm ...</a:t>
-            </a:r>
-            <a:r>
-              <a:rPr lang="de-AT" sz="1200" dirty="0"/>
-              <a:t/>
-            </a:r>
-            <a:br>
-              <a:rPr lang="de-AT" sz="1200" dirty="0"/>
-            </a:br>
-            <a:r>
-              <a:rPr lang="de-AT" sz="1200" dirty="0"/>
-              <a:t/>
-            </a:r>
-            <a:br>
-              <a:rPr lang="de-AT" sz="1200" dirty="0"/>
-            </a:br>
-            <a:r>
-              <a:rPr lang="de-AT" sz="1200" dirty="0"/>
-              <a:t>ga.</a:t>
-            </a:r>
-            <a:r>
-              <a:rPr lang="de-AT" sz="1200" dirty="0">
-                <a:solidFill>
-                  <a:srgbClr val="191970"/>
-                </a:solidFill>
-              </a:rPr>
-              <a:t>Start</a:t>
-            </a:r>
-            <a:r>
-              <a:rPr lang="de-AT" sz="1200" dirty="0"/>
-              <a:t>() </a:t>
-            </a:r>
-            <a:r>
-              <a:rPr lang="de-AT" sz="1200" dirty="0">
-                <a:solidFill>
-                  <a:srgbClr val="008000"/>
-                </a:solidFill>
-              </a:rPr>
-              <a:t>// start "synchronously" (calls StartAsync().Wait())</a:t>
-            </a:r>
-            <a:r>
-              <a:rPr lang="de-AT" sz="1200" dirty="0"/>
-              <a:t/>
-            </a:r>
-            <a:br>
-              <a:rPr lang="de-AT" sz="1200" dirty="0"/>
-            </a:br>
-            <a:r>
-              <a:rPr lang="de-AT" sz="1200" dirty="0"/>
-              <a:t>ga.</a:t>
-            </a:r>
-            <a:r>
-              <a:rPr lang="de-AT" sz="1200" dirty="0">
-                <a:solidFill>
-                  <a:srgbClr val="191970"/>
-                </a:solidFill>
-              </a:rPr>
-              <a:t>StartAsync</a:t>
-            </a:r>
-            <a:r>
-              <a:rPr lang="de-AT" sz="1200" dirty="0"/>
-              <a:t>() </a:t>
-            </a:r>
-            <a:r>
-              <a:rPr lang="de-AT" sz="1200" dirty="0">
-                <a:solidFill>
-                  <a:srgbClr val="008000"/>
-                </a:solidFill>
-              </a:rPr>
-              <a:t>// start asynchronously</a:t>
-            </a:r>
-            <a:r>
-              <a:rPr lang="de-AT" sz="1200" dirty="0"/>
-              <a:t/>
-            </a:r>
-            <a:br>
-              <a:rPr lang="de-AT" sz="1200" dirty="0"/>
-            </a:br>
-            <a:r>
-              <a:rPr lang="de-AT" sz="1200" dirty="0"/>
-              <a:t>ga.</a:t>
-            </a:r>
-            <a:r>
-              <a:rPr lang="de-AT" sz="1200" dirty="0">
-                <a:solidFill>
-                  <a:srgbClr val="191970"/>
-                </a:solidFill>
-              </a:rPr>
-              <a:t>StartAsync</a:t>
-            </a:r>
-            <a:r>
-              <a:rPr lang="de-AT" sz="1200" dirty="0"/>
-              <a:t>().</a:t>
-            </a:r>
-            <a:r>
-              <a:rPr lang="de-AT" sz="1200" dirty="0">
-                <a:solidFill>
-                  <a:srgbClr val="191970"/>
-                </a:solidFill>
-              </a:rPr>
-              <a:t>Wait</a:t>
-            </a:r>
-            <a:r>
-              <a:rPr lang="de-AT" sz="1200" dirty="0"/>
-              <a:t>() </a:t>
-            </a:r>
-            <a:r>
-              <a:rPr lang="de-AT" sz="1200" dirty="0">
-                <a:solidFill>
-                  <a:srgbClr val="008000"/>
-                </a:solidFill>
-              </a:rPr>
-              <a:t>// start asynchronously and wait</a:t>
-            </a:r>
-            <a:endParaRPr lang="de-DE" sz="1200" dirty="0"/>
+        <p:style>
+          <a:lnRef idx="2">
+            <a:schemeClr val="accent2"/>
+          </a:lnRef>
+          <a:fillRef idx="1">
+            <a:schemeClr val="lt1"/>
+          </a:fillRef>
+          <a:effectRef idx="0">
+            <a:schemeClr val="accent2"/>
+          </a:effectRef>
+          <a:fontRef idx="minor">
+            <a:schemeClr val="dk1"/>
+          </a:fontRef>
+        </p:style>
+        <p:txBody>
+          <a:bodyPr rtlCol="0" anchor="ctr"/>
+          <a:lstStyle/>
+          <a:p>
+            <a:pPr algn="ctr"/>
+            <a:endParaRPr lang="de-AT"/>
+          </a:p>
+        </p:txBody>
+      </p:sp>
+      <p:sp>
+        <p:nvSpPr>
+          <p:cNvPr id="9" name="Rectangle 8"/>
+          <p:cNvSpPr/>
+          <p:nvPr/>
+        </p:nvSpPr>
+        <p:spPr>
+          <a:xfrm>
+            <a:off x="4867449" y="4374435"/>
+            <a:ext cx="1275656" cy="207817"/>
+          </a:xfrm>
+          <a:prstGeom prst="rect">
+            <a:avLst/>
+          </a:prstGeom>
+          <a:noFill/>
+          <a:ln>
+            <a:solidFill>
+              <a:srgbClr val="FF0000"/>
+            </a:solidFill>
+          </a:ln>
+        </p:spPr>
+        <p:style>
+          <a:lnRef idx="2">
+            <a:schemeClr val="accent2"/>
+          </a:lnRef>
+          <a:fillRef idx="1">
+            <a:schemeClr val="lt1"/>
+          </a:fillRef>
+          <a:effectRef idx="0">
+            <a:schemeClr val="accent2"/>
+          </a:effectRef>
+          <a:fontRef idx="minor">
+            <a:schemeClr val="dk1"/>
+          </a:fontRef>
+        </p:style>
+        <p:txBody>
+          <a:bodyPr rtlCol="0" anchor="ctr"/>
+          <a:lstStyle/>
+          <a:p>
+            <a:pPr algn="ctr"/>
+            <a:endParaRPr lang="de-AT"/>
           </a:p>
         </p:txBody>
       </p:sp>
     </p:spTree>
     <p:extLst>
       <p:ext uri="{BB962C8B-B14F-4D97-AF65-F5344CB8AC3E}">
-        <p14:creationId xmlns:p14="http://schemas.microsoft.com/office/powerpoint/2010/main" val="1822671034"/>
+        <p14:creationId xmlns:p14="http://schemas.microsoft.com/office/powerpoint/2010/main" val="4092597754"/>
       </p:ext>
     </p:extLst>
   </p:cSld>

--- a/documentation/HeuristicLab 4.0.pptx
+++ b/documentation/HeuristicLab 4.0.pptx
@@ -3177,7 +3177,11 @@
             <a:pPr lvl="1"/>
             <a:r>
               <a:rPr lang="en-US" dirty="0" smtClean="0"/>
-              <a:t>Independence of type names</a:t>
+              <a:t>Independent </a:t>
+            </a:r>
+            <a:r>
+              <a:rPr lang="en-US" dirty="0" smtClean="0"/>
+              <a:t>of type names</a:t>
             </a:r>
           </a:p>
           <a:p>
@@ -4394,11 +4398,7 @@
           <a:p>
             <a:r>
               <a:rPr lang="en-US" dirty="0" smtClean="0"/>
-              <a:t>Problem </a:t>
-            </a:r>
-            <a:r>
-              <a:rPr lang="en-US" dirty="0" smtClean="0"/>
-              <a:t>Development</a:t>
+              <a:t>Problem Development</a:t>
             </a:r>
           </a:p>
           <a:p>

--- a/documentation/HeuristicLab 4.0.pptx
+++ b/documentation/HeuristicLab 4.0.pptx
@@ -15,14 +15,15 @@
     <p:sldId id="271" r:id="rId9"/>
     <p:sldId id="272" r:id="rId10"/>
     <p:sldId id="270" r:id="rId11"/>
-    <p:sldId id="275" r:id="rId12"/>
-    <p:sldId id="276" r:id="rId13"/>
-    <p:sldId id="277" r:id="rId14"/>
-    <p:sldId id="278" r:id="rId15"/>
-    <p:sldId id="279" r:id="rId16"/>
-    <p:sldId id="280" r:id="rId17"/>
-    <p:sldId id="266" r:id="rId18"/>
-    <p:sldId id="265" r:id="rId19"/>
+    <p:sldId id="281" r:id="rId12"/>
+    <p:sldId id="275" r:id="rId13"/>
+    <p:sldId id="276" r:id="rId14"/>
+    <p:sldId id="277" r:id="rId15"/>
+    <p:sldId id="278" r:id="rId16"/>
+    <p:sldId id="279" r:id="rId17"/>
+    <p:sldId id="280" r:id="rId18"/>
+    <p:sldId id="266" r:id="rId19"/>
+    <p:sldId id="265" r:id="rId20"/>
   </p:sldIdLst>
   <p:sldSz cx="12192000" cy="6858000"/>
   <p:notesSz cx="6858000" cy="9144000"/>
@@ -3177,11 +3178,7 @@
             <a:pPr lvl="1"/>
             <a:r>
               <a:rPr lang="en-US" dirty="0" smtClean="0"/>
-              <a:t>Independent </a:t>
-            </a:r>
-            <a:r>
-              <a:rPr lang="en-US" dirty="0" smtClean="0"/>
-              <a:t>of type names</a:t>
+              <a:t>Independent of type names</a:t>
             </a:r>
           </a:p>
           <a:p>
@@ -3252,6 +3249,130 @@
           <a:bodyPr/>
           <a:lstStyle/>
           <a:p>
+            <a:r>
+              <a:rPr lang="en-US" dirty="0" smtClean="0"/>
+              <a:t>New Persistence</a:t>
+            </a:r>
+            <a:endParaRPr lang="en-US" dirty="0"/>
+          </a:p>
+        </p:txBody>
+      </p:sp>
+      <p:sp>
+        <p:nvSpPr>
+          <p:cNvPr id="3" name="Content Placeholder 2"/>
+          <p:cNvSpPr>
+            <a:spLocks noGrp="1"/>
+          </p:cNvSpPr>
+          <p:nvPr>
+            <p:ph idx="1"/>
+          </p:nvPr>
+        </p:nvSpPr>
+        <p:spPr/>
+        <p:txBody>
+          <a:bodyPr>
+            <a:normAutofit lnSpcReduction="10000"/>
+          </a:bodyPr>
+          <a:lstStyle/>
+          <a:p>
+            <a:r>
+              <a:rPr lang="en-US" dirty="0" smtClean="0"/>
+              <a:t>Redesign HL Persistence to use Google Protocol Buffers</a:t>
+            </a:r>
+          </a:p>
+          <a:p>
+            <a:r>
+              <a:rPr lang="en-US" dirty="0" smtClean="0"/>
+              <a:t>Increase serialization/deserialization speed</a:t>
+            </a:r>
+          </a:p>
+          <a:p>
+            <a:r>
+              <a:rPr lang="en-US" dirty="0" smtClean="0"/>
+              <a:t>Decouple structure of HL objects from persistence data format</a:t>
+            </a:r>
+          </a:p>
+          <a:p>
+            <a:r>
+              <a:rPr lang="en-US" dirty="0" smtClean="0"/>
+              <a:t>Separate backward compatibility code from HL objects</a:t>
+            </a:r>
+          </a:p>
+          <a:p>
+            <a:r>
+              <a:rPr lang="en-US" dirty="0" smtClean="0"/>
+              <a:t>Support different formats of HL objects and converters to transform one format into another</a:t>
+            </a:r>
+          </a:p>
+          <a:p>
+            <a:endParaRPr lang="en-US" dirty="0"/>
+          </a:p>
+          <a:p>
+            <a:r>
+              <a:rPr lang="en-US" dirty="0" smtClean="0"/>
+              <a:t>HL 4.0 will break persistence completely</a:t>
+            </a:r>
+          </a:p>
+          <a:p>
+            <a:r>
+              <a:rPr lang="en-US" dirty="0" smtClean="0"/>
+              <a:t>No converters from HL 3.3.x to HL 4.0 planned</a:t>
+            </a:r>
+            <a:endParaRPr lang="en-US" dirty="0"/>
+          </a:p>
+        </p:txBody>
+      </p:sp>
+    </p:spTree>
+    <p:extLst>
+      <p:ext uri="{BB962C8B-B14F-4D97-AF65-F5344CB8AC3E}">
+        <p14:creationId xmlns:p14="http://schemas.microsoft.com/office/powerpoint/2010/main" val="1164379364"/>
+      </p:ext>
+    </p:extLst>
+  </p:cSld>
+  <p:clrMapOvr>
+    <a:masterClrMapping/>
+  </p:clrMapOvr>
+  <p:timing>
+    <p:tnLst>
+      <p:par>
+        <p:cTn id="1" dur="indefinite" restart="never" nodeType="tmRoot"/>
+      </p:par>
+    </p:tnLst>
+  </p:timing>
+</p:sld>
+</file>
+
+<file path=ppt/slides/slide12.xml><?xml version="1.0" encoding="utf-8"?>
+<p:sld xmlns:a="http://schemas.openxmlformats.org/drawingml/2006/main" xmlns:r="http://schemas.openxmlformats.org/officeDocument/2006/relationships" xmlns:p="http://schemas.openxmlformats.org/presentationml/2006/main">
+  <p:cSld>
+    <p:spTree>
+      <p:nvGrpSpPr>
+        <p:cNvPr id="1" name=""/>
+        <p:cNvGrpSpPr/>
+        <p:nvPr/>
+      </p:nvGrpSpPr>
+      <p:grpSpPr>
+        <a:xfrm>
+          <a:off x="0" y="0"/>
+          <a:ext cx="0" cy="0"/>
+          <a:chOff x="0" y="0"/>
+          <a:chExt cx="0" cy="0"/>
+        </a:xfrm>
+      </p:grpSpPr>
+      <p:sp>
+        <p:nvSpPr>
+          <p:cNvPr id="2" name="Title 1"/>
+          <p:cNvSpPr>
+            <a:spLocks noGrp="1"/>
+          </p:cNvSpPr>
+          <p:nvPr>
+            <p:ph type="title"/>
+          </p:nvPr>
+        </p:nvSpPr>
+        <p:spPr/>
+        <p:txBody>
+          <a:bodyPr/>
+          <a:lstStyle/>
+          <a:p>
             <a:endParaRPr lang="de-DE"/>
           </a:p>
         </p:txBody>
@@ -3340,7 +3461,7 @@
 </p:sld>
 </file>
 
-<file path=ppt/slides/slide12.xml><?xml version="1.0" encoding="utf-8"?>
+<file path=ppt/slides/slide13.xml><?xml version="1.0" encoding="utf-8"?>
 <p:sld xmlns:a="http://schemas.openxmlformats.org/drawingml/2006/main" xmlns:r="http://schemas.openxmlformats.org/officeDocument/2006/relationships" xmlns:p="http://schemas.openxmlformats.org/presentationml/2006/main">
   <p:cSld>
     <p:spTree>
@@ -3462,7 +3583,7 @@
 </p:sld>
 </file>
 
-<file path=ppt/slides/slide13.xml><?xml version="1.0" encoding="utf-8"?>
+<file path=ppt/slides/slide14.xml><?xml version="1.0" encoding="utf-8"?>
 <p:sld xmlns:a="http://schemas.openxmlformats.org/drawingml/2006/main" xmlns:r="http://schemas.openxmlformats.org/officeDocument/2006/relationships" xmlns:p="http://schemas.openxmlformats.org/presentationml/2006/main">
   <p:cSld>
     <p:spTree>
@@ -3584,7 +3705,7 @@
 </p:sld>
 </file>
 
-<file path=ppt/slides/slide14.xml><?xml version="1.0" encoding="utf-8"?>
+<file path=ppt/slides/slide15.xml><?xml version="1.0" encoding="utf-8"?>
 <p:sld xmlns:a="http://schemas.openxmlformats.org/drawingml/2006/main" xmlns:r="http://schemas.openxmlformats.org/officeDocument/2006/relationships" xmlns:p="http://schemas.openxmlformats.org/presentationml/2006/main">
   <p:cSld>
     <p:spTree>
@@ -3706,7 +3827,7 @@
 </p:sld>
 </file>
 
-<file path=ppt/slides/slide15.xml><?xml version="1.0" encoding="utf-8"?>
+<file path=ppt/slides/slide16.xml><?xml version="1.0" encoding="utf-8"?>
 <p:sld xmlns:a="http://schemas.openxmlformats.org/drawingml/2006/main" xmlns:r="http://schemas.openxmlformats.org/officeDocument/2006/relationships" xmlns:p="http://schemas.openxmlformats.org/presentationml/2006/main">
   <p:cSld>
     <p:spTree>
@@ -3828,7 +3949,7 @@
 </p:sld>
 </file>
 
-<file path=ppt/slides/slide16.xml><?xml version="1.0" encoding="utf-8"?>
+<file path=ppt/slides/slide17.xml><?xml version="1.0" encoding="utf-8"?>
 <p:sld xmlns:a="http://schemas.openxmlformats.org/drawingml/2006/main" xmlns:r="http://schemas.openxmlformats.org/officeDocument/2006/relationships" xmlns:p="http://schemas.openxmlformats.org/presentationml/2006/main">
   <p:cSld>
     <p:spTree>
@@ -3974,7 +4095,7 @@
 </p:sld>
 </file>
 
-<file path=ppt/slides/slide17.xml><?xml version="1.0" encoding="utf-8"?>
+<file path=ppt/slides/slide18.xml><?xml version="1.0" encoding="utf-8"?>
 <p:sld xmlns:a="http://schemas.openxmlformats.org/drawingml/2006/main" xmlns:r="http://schemas.openxmlformats.org/officeDocument/2006/relationships" xmlns:p="http://schemas.openxmlformats.org/presentationml/2006/main">
   <p:cSld>
     <p:spTree>
@@ -4202,7 +4323,7 @@
 </p:sld>
 </file>
 
-<file path=ppt/slides/slide18.xml><?xml version="1.0" encoding="utf-8"?>
+<file path=ppt/slides/slide19.xml><?xml version="1.0" encoding="utf-8"?>
 <p:sld xmlns:a="http://schemas.openxmlformats.org/drawingml/2006/main" xmlns:r="http://schemas.openxmlformats.org/officeDocument/2006/relationships" xmlns:p="http://schemas.openxmlformats.org/presentationml/2006/main">
   <p:cSld>
     <p:spTree>

--- a/documentation/HeuristicLab 4.0.pptx
+++ b/documentation/HeuristicLab 4.0.pptx
@@ -2,7 +2,7 @@
 <file path=ppt/presentation.xml><?xml version="1.0" encoding="utf-8"?>
 <p:presentation xmlns:a="http://schemas.openxmlformats.org/drawingml/2006/main" xmlns:r="http://schemas.openxmlformats.org/officeDocument/2006/relationships" xmlns:p="http://schemas.openxmlformats.org/presentationml/2006/main" saveSubsetFonts="1">
   <p:sldMasterIdLst>
-    <p:sldMasterId id="2147483648" r:id="rId1"/>
+    <p:sldMasterId id="2147483660" r:id="rId1"/>
   </p:sldMasterIdLst>
   <p:sldIdLst>
     <p:sldId id="256" r:id="rId2"/>
@@ -14,18 +14,12 @@
     <p:sldId id="274" r:id="rId8"/>
     <p:sldId id="271" r:id="rId9"/>
     <p:sldId id="272" r:id="rId10"/>
-    <p:sldId id="270" r:id="rId11"/>
-    <p:sldId id="281" r:id="rId12"/>
-    <p:sldId id="275" r:id="rId13"/>
-    <p:sldId id="276" r:id="rId14"/>
-    <p:sldId id="277" r:id="rId15"/>
-    <p:sldId id="278" r:id="rId16"/>
-    <p:sldId id="279" r:id="rId17"/>
-    <p:sldId id="280" r:id="rId18"/>
-    <p:sldId id="266" r:id="rId19"/>
-    <p:sldId id="265" r:id="rId20"/>
+    <p:sldId id="282" r:id="rId11"/>
+    <p:sldId id="283" r:id="rId12"/>
+    <p:sldId id="277" r:id="rId13"/>
+    <p:sldId id="266" r:id="rId14"/>
   </p:sldIdLst>
-  <p:sldSz cx="12192000" cy="6858000"/>
+  <p:sldSz cx="9144000" cy="6858000" type="screen4x3"/>
   <p:notesSz cx="6858000" cy="9144000"/>
   <p:defaultTextStyle>
     <a:defPPr>
@@ -132,7 +126,7 @@
 
 <file path=ppt/slideLayouts/slideLayout1.xml><?xml version="1.0" encoding="utf-8"?>
 <p:sldLayout xmlns:a="http://schemas.openxmlformats.org/drawingml/2006/main" xmlns:r="http://schemas.openxmlformats.org/officeDocument/2006/relationships" xmlns:p="http://schemas.openxmlformats.org/presentationml/2006/main" type="title" preserve="1">
-  <p:cSld name="Titelfolie">
+  <p:cSld name="Title Slide">
     <p:spTree>
       <p:nvGrpSpPr>
         <p:cNvPr id="1" name=""/>
@@ -149,7 +143,7 @@
       </p:grpSpPr>
       <p:sp>
         <p:nvSpPr>
-          <p:cNvPr id="2" name="Titel 1"/>
+          <p:cNvPr id="2" name="Title 1"/>
           <p:cNvSpPr>
             <a:spLocks noGrp="1"/>
           </p:cNvSpPr>
@@ -159,8 +153,8 @@
         </p:nvSpPr>
         <p:spPr>
           <a:xfrm>
-            <a:off x="1524000" y="1122363"/>
-            <a:ext cx="9144000" cy="2387600"/>
+            <a:off x="685800" y="1122363"/>
+            <a:ext cx="7772400" cy="2387600"/>
           </a:xfrm>
         </p:spPr>
         <p:txBody>
@@ -172,16 +166,16 @@
           </a:lstStyle>
           <a:p>
             <a:r>
-              <a:rPr lang="de-DE" smtClean="0"/>
-              <a:t>Titelmasterformat durch Klicken bearbeiten</a:t>
-            </a:r>
-            <a:endParaRPr lang="de-DE"/>
-          </a:p>
-        </p:txBody>
-      </p:sp>
-      <p:sp>
-        <p:nvSpPr>
-          <p:cNvPr id="3" name="Untertitel 2"/>
+              <a:rPr lang="en-US" smtClean="0"/>
+              <a:t>Click to edit Master title style</a:t>
+            </a:r>
+            <a:endParaRPr lang="en-US" dirty="0"/>
+          </a:p>
+        </p:txBody>
+      </p:sp>
+      <p:sp>
+        <p:nvSpPr>
+          <p:cNvPr id="3" name="Subtitle 2"/>
           <p:cNvSpPr>
             <a:spLocks noGrp="1"/>
           </p:cNvSpPr>
@@ -191,8 +185,8 @@
         </p:nvSpPr>
         <p:spPr>
           <a:xfrm>
-            <a:off x="1524000" y="3602038"/>
-            <a:ext cx="9144000" cy="1655762"/>
+            <a:off x="1143000" y="3602038"/>
+            <a:ext cx="6858000" cy="1655762"/>
           </a:xfrm>
         </p:spPr>
         <p:txBody>
@@ -237,16 +231,16 @@
           </a:lstStyle>
           <a:p>
             <a:r>
-              <a:rPr lang="de-DE" smtClean="0"/>
-              <a:t>Formatvorlage des Untertitelmasters durch Klicken bearbeiten</a:t>
-            </a:r>
-            <a:endParaRPr lang="de-DE"/>
-          </a:p>
-        </p:txBody>
-      </p:sp>
-      <p:sp>
-        <p:nvSpPr>
-          <p:cNvPr id="4" name="Datumsplatzhalter 3"/>
+              <a:rPr lang="en-US" smtClean="0"/>
+              <a:t>Click to edit Master subtitle style</a:t>
+            </a:r>
+            <a:endParaRPr lang="en-US" dirty="0"/>
+          </a:p>
+        </p:txBody>
+      </p:sp>
+      <p:sp>
+        <p:nvSpPr>
+          <p:cNvPr id="4" name="Date Placeholder 3"/>
           <p:cNvSpPr>
             <a:spLocks noGrp="1"/>
           </p:cNvSpPr>
@@ -269,7 +263,7 @@
       </p:sp>
       <p:sp>
         <p:nvSpPr>
-          <p:cNvPr id="5" name="Fußzeilenplatzhalter 4"/>
+          <p:cNvPr id="5" name="Footer Placeholder 4"/>
           <p:cNvSpPr>
             <a:spLocks noGrp="1"/>
           </p:cNvSpPr>
@@ -288,7 +282,7 @@
       </p:sp>
       <p:sp>
         <p:nvSpPr>
-          <p:cNvPr id="6" name="Foliennummernplatzhalter 5"/>
+          <p:cNvPr id="6" name="Slide Number Placeholder 5"/>
           <p:cNvSpPr>
             <a:spLocks noGrp="1"/>
           </p:cNvSpPr>
@@ -312,7 +306,7 @@
     </p:spTree>
     <p:extLst>
       <p:ext uri="{BB962C8B-B14F-4D97-AF65-F5344CB8AC3E}">
-        <p14:creationId xmlns:p14="http://schemas.microsoft.com/office/powerpoint/2010/main" val="2023988207"/>
+        <p14:creationId xmlns:p14="http://schemas.microsoft.com/office/powerpoint/2010/main" val="371597458"/>
       </p:ext>
     </p:extLst>
   </p:cSld>
@@ -324,7 +318,7 @@
 
 <file path=ppt/slideLayouts/slideLayout10.xml><?xml version="1.0" encoding="utf-8"?>
 <p:sldLayout xmlns:a="http://schemas.openxmlformats.org/drawingml/2006/main" xmlns:r="http://schemas.openxmlformats.org/officeDocument/2006/relationships" xmlns:p="http://schemas.openxmlformats.org/presentationml/2006/main" type="vertTx" preserve="1">
-  <p:cSld name="Titel und vertikaler Text">
+  <p:cSld name="Title and Vertical Text">
     <p:spTree>
       <p:nvGrpSpPr>
         <p:cNvPr id="1" name=""/>
@@ -341,7 +335,7 @@
       </p:grpSpPr>
       <p:sp>
         <p:nvSpPr>
-          <p:cNvPr id="2" name="Titel 1"/>
+          <p:cNvPr id="2" name="Title 1"/>
           <p:cNvSpPr>
             <a:spLocks noGrp="1"/>
           </p:cNvSpPr>
@@ -355,16 +349,16 @@
           <a:lstStyle/>
           <a:p>
             <a:r>
-              <a:rPr lang="de-DE" smtClean="0"/>
-              <a:t>Titelmasterformat durch Klicken bearbeiten</a:t>
-            </a:r>
-            <a:endParaRPr lang="de-DE"/>
-          </a:p>
-        </p:txBody>
-      </p:sp>
-      <p:sp>
-        <p:nvSpPr>
-          <p:cNvPr id="3" name="Vertikaler Textplatzhalter 2"/>
+              <a:rPr lang="en-US" smtClean="0"/>
+              <a:t>Click to edit Master title style</a:t>
+            </a:r>
+            <a:endParaRPr lang="en-US" dirty="0"/>
+          </a:p>
+        </p:txBody>
+      </p:sp>
+      <p:sp>
+        <p:nvSpPr>
+          <p:cNvPr id="3" name="Vertical Text Placeholder 2"/>
           <p:cNvSpPr>
             <a:spLocks noGrp="1"/>
           </p:cNvSpPr>
@@ -379,44 +373,44 @@
           <a:p>
             <a:pPr lvl="0"/>
             <a:r>
-              <a:rPr lang="de-DE" smtClean="0"/>
-              <a:t>Textmasterformat bearbeiten</a:t>
+              <a:rPr lang="en-US" smtClean="0"/>
+              <a:t>Click to edit Master text styles</a:t>
             </a:r>
           </a:p>
           <a:p>
             <a:pPr lvl="1"/>
             <a:r>
-              <a:rPr lang="de-DE" smtClean="0"/>
-              <a:t>Zweite Ebene</a:t>
+              <a:rPr lang="en-US" smtClean="0"/>
+              <a:t>Second level</a:t>
             </a:r>
           </a:p>
           <a:p>
             <a:pPr lvl="2"/>
             <a:r>
-              <a:rPr lang="de-DE" smtClean="0"/>
-              <a:t>Dritte Ebene</a:t>
+              <a:rPr lang="en-US" smtClean="0"/>
+              <a:t>Third level</a:t>
             </a:r>
           </a:p>
           <a:p>
             <a:pPr lvl="3"/>
             <a:r>
-              <a:rPr lang="de-DE" smtClean="0"/>
-              <a:t>Vierte Ebene</a:t>
+              <a:rPr lang="en-US" smtClean="0"/>
+              <a:t>Fourth level</a:t>
             </a:r>
           </a:p>
           <a:p>
             <a:pPr lvl="4"/>
             <a:r>
-              <a:rPr lang="de-DE" smtClean="0"/>
-              <a:t>Fünfte Ebene</a:t>
-            </a:r>
-            <a:endParaRPr lang="de-DE"/>
-          </a:p>
-        </p:txBody>
-      </p:sp>
-      <p:sp>
-        <p:nvSpPr>
-          <p:cNvPr id="4" name="Datumsplatzhalter 3"/>
+              <a:rPr lang="en-US" smtClean="0"/>
+              <a:t>Fifth level</a:t>
+            </a:r>
+            <a:endParaRPr lang="en-US" dirty="0"/>
+          </a:p>
+        </p:txBody>
+      </p:sp>
+      <p:sp>
+        <p:nvSpPr>
+          <p:cNvPr id="4" name="Date Placeholder 3"/>
           <p:cNvSpPr>
             <a:spLocks noGrp="1"/>
           </p:cNvSpPr>
@@ -439,7 +433,7 @@
       </p:sp>
       <p:sp>
         <p:nvSpPr>
-          <p:cNvPr id="5" name="Fußzeilenplatzhalter 4"/>
+          <p:cNvPr id="5" name="Footer Placeholder 4"/>
           <p:cNvSpPr>
             <a:spLocks noGrp="1"/>
           </p:cNvSpPr>
@@ -458,7 +452,7 @@
       </p:sp>
       <p:sp>
         <p:nvSpPr>
-          <p:cNvPr id="6" name="Foliennummernplatzhalter 5"/>
+          <p:cNvPr id="6" name="Slide Number Placeholder 5"/>
           <p:cNvSpPr>
             <a:spLocks noGrp="1"/>
           </p:cNvSpPr>
@@ -482,7 +476,7 @@
     </p:spTree>
     <p:extLst>
       <p:ext uri="{BB962C8B-B14F-4D97-AF65-F5344CB8AC3E}">
-        <p14:creationId xmlns:p14="http://schemas.microsoft.com/office/powerpoint/2010/main" val="3967489451"/>
+        <p14:creationId xmlns:p14="http://schemas.microsoft.com/office/powerpoint/2010/main" val="1470839189"/>
       </p:ext>
     </p:extLst>
   </p:cSld>
@@ -494,7 +488,7 @@
 
 <file path=ppt/slideLayouts/slideLayout11.xml><?xml version="1.0" encoding="utf-8"?>
 <p:sldLayout xmlns:a="http://schemas.openxmlformats.org/drawingml/2006/main" xmlns:r="http://schemas.openxmlformats.org/officeDocument/2006/relationships" xmlns:p="http://schemas.openxmlformats.org/presentationml/2006/main" type="vertTitleAndTx" preserve="1">
-  <p:cSld name="Vertikaler Titel und Text">
+  <p:cSld name="Vertical Title and Text">
     <p:spTree>
       <p:nvGrpSpPr>
         <p:cNvPr id="1" name=""/>
@@ -511,7 +505,7 @@
       </p:grpSpPr>
       <p:sp>
         <p:nvSpPr>
-          <p:cNvPr id="2" name="Vertikaler Titel 1"/>
+          <p:cNvPr id="2" name="Vertical Title 1"/>
           <p:cNvSpPr>
             <a:spLocks noGrp="1"/>
           </p:cNvSpPr>
@@ -521,8 +515,8 @@
         </p:nvSpPr>
         <p:spPr>
           <a:xfrm>
-            <a:off x="8724900" y="365125"/>
-            <a:ext cx="2628900" cy="5811838"/>
+            <a:off x="6543675" y="365125"/>
+            <a:ext cx="1971675" cy="5811838"/>
           </a:xfrm>
         </p:spPr>
         <p:txBody>
@@ -530,16 +524,16 @@
           <a:lstStyle/>
           <a:p>
             <a:r>
-              <a:rPr lang="de-DE" smtClean="0"/>
-              <a:t>Titelmasterformat durch Klicken bearbeiten</a:t>
-            </a:r>
-            <a:endParaRPr lang="de-DE"/>
-          </a:p>
-        </p:txBody>
-      </p:sp>
-      <p:sp>
-        <p:nvSpPr>
-          <p:cNvPr id="3" name="Vertikaler Textplatzhalter 2"/>
+              <a:rPr lang="en-US" smtClean="0"/>
+              <a:t>Click to edit Master title style</a:t>
+            </a:r>
+            <a:endParaRPr lang="en-US" dirty="0"/>
+          </a:p>
+        </p:txBody>
+      </p:sp>
+      <p:sp>
+        <p:nvSpPr>
+          <p:cNvPr id="3" name="Vertical Text Placeholder 2"/>
           <p:cNvSpPr>
             <a:spLocks noGrp="1"/>
           </p:cNvSpPr>
@@ -549,8 +543,8 @@
         </p:nvSpPr>
         <p:spPr>
           <a:xfrm>
-            <a:off x="838200" y="365125"/>
-            <a:ext cx="7734300" cy="5811838"/>
+            <a:off x="628650" y="365125"/>
+            <a:ext cx="5800725" cy="5811838"/>
           </a:xfrm>
         </p:spPr>
         <p:txBody>
@@ -559,44 +553,44 @@
           <a:p>
             <a:pPr lvl="0"/>
             <a:r>
-              <a:rPr lang="de-DE" smtClean="0"/>
-              <a:t>Textmasterformat bearbeiten</a:t>
+              <a:rPr lang="en-US" smtClean="0"/>
+              <a:t>Click to edit Master text styles</a:t>
             </a:r>
           </a:p>
           <a:p>
             <a:pPr lvl="1"/>
             <a:r>
-              <a:rPr lang="de-DE" smtClean="0"/>
-              <a:t>Zweite Ebene</a:t>
+              <a:rPr lang="en-US" smtClean="0"/>
+              <a:t>Second level</a:t>
             </a:r>
           </a:p>
           <a:p>
             <a:pPr lvl="2"/>
             <a:r>
-              <a:rPr lang="de-DE" smtClean="0"/>
-              <a:t>Dritte Ebene</a:t>
+              <a:rPr lang="en-US" smtClean="0"/>
+              <a:t>Third level</a:t>
             </a:r>
           </a:p>
           <a:p>
             <a:pPr lvl="3"/>
             <a:r>
-              <a:rPr lang="de-DE" smtClean="0"/>
-              <a:t>Vierte Ebene</a:t>
+              <a:rPr lang="en-US" smtClean="0"/>
+              <a:t>Fourth level</a:t>
             </a:r>
           </a:p>
           <a:p>
             <a:pPr lvl="4"/>
             <a:r>
-              <a:rPr lang="de-DE" smtClean="0"/>
-              <a:t>Fünfte Ebene</a:t>
-            </a:r>
-            <a:endParaRPr lang="de-DE"/>
-          </a:p>
-        </p:txBody>
-      </p:sp>
-      <p:sp>
-        <p:nvSpPr>
-          <p:cNvPr id="4" name="Datumsplatzhalter 3"/>
+              <a:rPr lang="en-US" smtClean="0"/>
+              <a:t>Fifth level</a:t>
+            </a:r>
+            <a:endParaRPr lang="en-US" dirty="0"/>
+          </a:p>
+        </p:txBody>
+      </p:sp>
+      <p:sp>
+        <p:nvSpPr>
+          <p:cNvPr id="4" name="Date Placeholder 3"/>
           <p:cNvSpPr>
             <a:spLocks noGrp="1"/>
           </p:cNvSpPr>
@@ -619,7 +613,7 @@
       </p:sp>
       <p:sp>
         <p:nvSpPr>
-          <p:cNvPr id="5" name="Fußzeilenplatzhalter 4"/>
+          <p:cNvPr id="5" name="Footer Placeholder 4"/>
           <p:cNvSpPr>
             <a:spLocks noGrp="1"/>
           </p:cNvSpPr>
@@ -638,7 +632,7 @@
       </p:sp>
       <p:sp>
         <p:nvSpPr>
-          <p:cNvPr id="6" name="Foliennummernplatzhalter 5"/>
+          <p:cNvPr id="6" name="Slide Number Placeholder 5"/>
           <p:cNvSpPr>
             <a:spLocks noGrp="1"/>
           </p:cNvSpPr>
@@ -662,7 +656,7 @@
     </p:spTree>
     <p:extLst>
       <p:ext uri="{BB962C8B-B14F-4D97-AF65-F5344CB8AC3E}">
-        <p14:creationId xmlns:p14="http://schemas.microsoft.com/office/powerpoint/2010/main" val="1394919330"/>
+        <p14:creationId xmlns:p14="http://schemas.microsoft.com/office/powerpoint/2010/main" val="2069990696"/>
       </p:ext>
     </p:extLst>
   </p:cSld>
@@ -674,7 +668,7 @@
 
 <file path=ppt/slideLayouts/slideLayout2.xml><?xml version="1.0" encoding="utf-8"?>
 <p:sldLayout xmlns:a="http://schemas.openxmlformats.org/drawingml/2006/main" xmlns:r="http://schemas.openxmlformats.org/officeDocument/2006/relationships" xmlns:p="http://schemas.openxmlformats.org/presentationml/2006/main" type="obj" preserve="1">
-  <p:cSld name="Titel und Inhalt">
+  <p:cSld name="Title and Content">
     <p:spTree>
       <p:nvGrpSpPr>
         <p:cNvPr id="1" name=""/>
@@ -691,7 +685,7 @@
       </p:grpSpPr>
       <p:sp>
         <p:nvSpPr>
-          <p:cNvPr id="2" name="Titel 1"/>
+          <p:cNvPr id="2" name="Title 1"/>
           <p:cNvSpPr>
             <a:spLocks noGrp="1"/>
           </p:cNvSpPr>
@@ -705,16 +699,16 @@
           <a:lstStyle/>
           <a:p>
             <a:r>
-              <a:rPr lang="de-DE" smtClean="0"/>
-              <a:t>Titelmasterformat durch Klicken bearbeiten</a:t>
-            </a:r>
-            <a:endParaRPr lang="de-DE"/>
-          </a:p>
-        </p:txBody>
-      </p:sp>
-      <p:sp>
-        <p:nvSpPr>
-          <p:cNvPr id="3" name="Inhaltsplatzhalter 2"/>
+              <a:rPr lang="en-US" smtClean="0"/>
+              <a:t>Click to edit Master title style</a:t>
+            </a:r>
+            <a:endParaRPr lang="en-US" dirty="0"/>
+          </a:p>
+        </p:txBody>
+      </p:sp>
+      <p:sp>
+        <p:nvSpPr>
+          <p:cNvPr id="3" name="Content Placeholder 2"/>
           <p:cNvSpPr>
             <a:spLocks noGrp="1"/>
           </p:cNvSpPr>
@@ -729,44 +723,44 @@
           <a:p>
             <a:pPr lvl="0"/>
             <a:r>
-              <a:rPr lang="de-DE" smtClean="0"/>
-              <a:t>Textmasterformat bearbeiten</a:t>
+              <a:rPr lang="en-US" smtClean="0"/>
+              <a:t>Click to edit Master text styles</a:t>
             </a:r>
           </a:p>
           <a:p>
             <a:pPr lvl="1"/>
             <a:r>
-              <a:rPr lang="de-DE" smtClean="0"/>
-              <a:t>Zweite Ebene</a:t>
+              <a:rPr lang="en-US" smtClean="0"/>
+              <a:t>Second level</a:t>
             </a:r>
           </a:p>
           <a:p>
             <a:pPr lvl="2"/>
             <a:r>
-              <a:rPr lang="de-DE" smtClean="0"/>
-              <a:t>Dritte Ebene</a:t>
+              <a:rPr lang="en-US" smtClean="0"/>
+              <a:t>Third level</a:t>
             </a:r>
           </a:p>
           <a:p>
             <a:pPr lvl="3"/>
             <a:r>
-              <a:rPr lang="de-DE" smtClean="0"/>
-              <a:t>Vierte Ebene</a:t>
+              <a:rPr lang="en-US" smtClean="0"/>
+              <a:t>Fourth level</a:t>
             </a:r>
           </a:p>
           <a:p>
             <a:pPr lvl="4"/>
             <a:r>
-              <a:rPr lang="de-DE" smtClean="0"/>
-              <a:t>Fünfte Ebene</a:t>
-            </a:r>
-            <a:endParaRPr lang="de-DE"/>
-          </a:p>
-        </p:txBody>
-      </p:sp>
-      <p:sp>
-        <p:nvSpPr>
-          <p:cNvPr id="4" name="Datumsplatzhalter 3"/>
+              <a:rPr lang="en-US" smtClean="0"/>
+              <a:t>Fifth level</a:t>
+            </a:r>
+            <a:endParaRPr lang="en-US" dirty="0"/>
+          </a:p>
+        </p:txBody>
+      </p:sp>
+      <p:sp>
+        <p:nvSpPr>
+          <p:cNvPr id="4" name="Date Placeholder 3"/>
           <p:cNvSpPr>
             <a:spLocks noGrp="1"/>
           </p:cNvSpPr>
@@ -789,7 +783,7 @@
       </p:sp>
       <p:sp>
         <p:nvSpPr>
-          <p:cNvPr id="5" name="Fußzeilenplatzhalter 4"/>
+          <p:cNvPr id="5" name="Footer Placeholder 4"/>
           <p:cNvSpPr>
             <a:spLocks noGrp="1"/>
           </p:cNvSpPr>
@@ -808,7 +802,7 @@
       </p:sp>
       <p:sp>
         <p:nvSpPr>
-          <p:cNvPr id="6" name="Foliennummernplatzhalter 5"/>
+          <p:cNvPr id="6" name="Slide Number Placeholder 5"/>
           <p:cNvSpPr>
             <a:spLocks noGrp="1"/>
           </p:cNvSpPr>
@@ -832,7 +826,7 @@
     </p:spTree>
     <p:extLst>
       <p:ext uri="{BB962C8B-B14F-4D97-AF65-F5344CB8AC3E}">
-        <p14:creationId xmlns:p14="http://schemas.microsoft.com/office/powerpoint/2010/main" val="2771685377"/>
+        <p14:creationId xmlns:p14="http://schemas.microsoft.com/office/powerpoint/2010/main" val="2397572424"/>
       </p:ext>
     </p:extLst>
   </p:cSld>
@@ -844,7 +838,7 @@
 
 <file path=ppt/slideLayouts/slideLayout3.xml><?xml version="1.0" encoding="utf-8"?>
 <p:sldLayout xmlns:a="http://schemas.openxmlformats.org/drawingml/2006/main" xmlns:r="http://schemas.openxmlformats.org/officeDocument/2006/relationships" xmlns:p="http://schemas.openxmlformats.org/presentationml/2006/main" type="secHead" preserve="1">
-  <p:cSld name="Abschnitts-&#10;überschrift">
+  <p:cSld name="Section Header">
     <p:spTree>
       <p:nvGrpSpPr>
         <p:cNvPr id="1" name=""/>
@@ -861,7 +855,7 @@
       </p:grpSpPr>
       <p:sp>
         <p:nvSpPr>
-          <p:cNvPr id="2" name="Titel 1"/>
+          <p:cNvPr id="2" name="Title 1"/>
           <p:cNvSpPr>
             <a:spLocks noGrp="1"/>
           </p:cNvSpPr>
@@ -871,8 +865,8 @@
         </p:nvSpPr>
         <p:spPr>
           <a:xfrm>
-            <a:off x="831850" y="1709738"/>
-            <a:ext cx="10515600" cy="2852737"/>
+            <a:off x="623888" y="1709739"/>
+            <a:ext cx="7886700" cy="2852737"/>
           </a:xfrm>
         </p:spPr>
         <p:txBody>
@@ -884,16 +878,16 @@
           </a:lstStyle>
           <a:p>
             <a:r>
-              <a:rPr lang="de-DE" smtClean="0"/>
-              <a:t>Titelmasterformat durch Klicken bearbeiten</a:t>
-            </a:r>
-            <a:endParaRPr lang="de-DE"/>
-          </a:p>
-        </p:txBody>
-      </p:sp>
-      <p:sp>
-        <p:nvSpPr>
-          <p:cNvPr id="3" name="Textplatzhalter 2"/>
+              <a:rPr lang="en-US" smtClean="0"/>
+              <a:t>Click to edit Master title style</a:t>
+            </a:r>
+            <a:endParaRPr lang="en-US" dirty="0"/>
+          </a:p>
+        </p:txBody>
+      </p:sp>
+      <p:sp>
+        <p:nvSpPr>
+          <p:cNvPr id="3" name="Text Placeholder 2"/>
           <p:cNvSpPr>
             <a:spLocks noGrp="1"/>
           </p:cNvSpPr>
@@ -903,8 +897,8 @@
         </p:nvSpPr>
         <p:spPr>
           <a:xfrm>
-            <a:off x="831850" y="4589463"/>
-            <a:ext cx="10515600" cy="1500187"/>
+            <a:off x="623888" y="4589464"/>
+            <a:ext cx="7886700" cy="1500187"/>
           </a:xfrm>
         </p:spPr>
         <p:txBody>
@@ -914,9 +908,7 @@
               <a:buNone/>
               <a:defRPr sz="2400">
                 <a:solidFill>
-                  <a:schemeClr val="tx1">
-                    <a:tint val="75000"/>
-                  </a:schemeClr>
+                  <a:schemeClr val="tx1"/>
                 </a:solidFill>
               </a:defRPr>
             </a:lvl1pPr>
@@ -1004,15 +996,15 @@
           <a:p>
             <a:pPr lvl="0"/>
             <a:r>
-              <a:rPr lang="de-DE" smtClean="0"/>
-              <a:t>Textmasterformat bearbeiten</a:t>
-            </a:r>
-          </a:p>
-        </p:txBody>
-      </p:sp>
-      <p:sp>
-        <p:nvSpPr>
-          <p:cNvPr id="4" name="Datumsplatzhalter 3"/>
+              <a:rPr lang="en-US" smtClean="0"/>
+              <a:t>Click to edit Master text styles</a:t>
+            </a:r>
+          </a:p>
+        </p:txBody>
+      </p:sp>
+      <p:sp>
+        <p:nvSpPr>
+          <p:cNvPr id="4" name="Date Placeholder 3"/>
           <p:cNvSpPr>
             <a:spLocks noGrp="1"/>
           </p:cNvSpPr>
@@ -1035,7 +1027,7 @@
       </p:sp>
       <p:sp>
         <p:nvSpPr>
-          <p:cNvPr id="5" name="Fußzeilenplatzhalter 4"/>
+          <p:cNvPr id="5" name="Footer Placeholder 4"/>
           <p:cNvSpPr>
             <a:spLocks noGrp="1"/>
           </p:cNvSpPr>
@@ -1054,7 +1046,7 @@
       </p:sp>
       <p:sp>
         <p:nvSpPr>
-          <p:cNvPr id="6" name="Foliennummernplatzhalter 5"/>
+          <p:cNvPr id="6" name="Slide Number Placeholder 5"/>
           <p:cNvSpPr>
             <a:spLocks noGrp="1"/>
           </p:cNvSpPr>
@@ -1078,7 +1070,7 @@
     </p:spTree>
     <p:extLst>
       <p:ext uri="{BB962C8B-B14F-4D97-AF65-F5344CB8AC3E}">
-        <p14:creationId xmlns:p14="http://schemas.microsoft.com/office/powerpoint/2010/main" val="584195668"/>
+        <p14:creationId xmlns:p14="http://schemas.microsoft.com/office/powerpoint/2010/main" val="2599069058"/>
       </p:ext>
     </p:extLst>
   </p:cSld>
@@ -1090,7 +1082,7 @@
 
 <file path=ppt/slideLayouts/slideLayout4.xml><?xml version="1.0" encoding="utf-8"?>
 <p:sldLayout xmlns:a="http://schemas.openxmlformats.org/drawingml/2006/main" xmlns:r="http://schemas.openxmlformats.org/officeDocument/2006/relationships" xmlns:p="http://schemas.openxmlformats.org/presentationml/2006/main" type="twoObj" preserve="1">
-  <p:cSld name="Zwei Inhalte">
+  <p:cSld name="Two Content">
     <p:spTree>
       <p:nvGrpSpPr>
         <p:cNvPr id="1" name=""/>
@@ -1107,7 +1099,7 @@
       </p:grpSpPr>
       <p:sp>
         <p:nvSpPr>
-          <p:cNvPr id="2" name="Titel 1"/>
+          <p:cNvPr id="2" name="Title 1"/>
           <p:cNvSpPr>
             <a:spLocks noGrp="1"/>
           </p:cNvSpPr>
@@ -1121,16 +1113,16 @@
           <a:lstStyle/>
           <a:p>
             <a:r>
-              <a:rPr lang="de-DE" smtClean="0"/>
-              <a:t>Titelmasterformat durch Klicken bearbeiten</a:t>
-            </a:r>
-            <a:endParaRPr lang="de-DE"/>
-          </a:p>
-        </p:txBody>
-      </p:sp>
-      <p:sp>
-        <p:nvSpPr>
-          <p:cNvPr id="3" name="Inhaltsplatzhalter 2"/>
+              <a:rPr lang="en-US" smtClean="0"/>
+              <a:t>Click to edit Master title style</a:t>
+            </a:r>
+            <a:endParaRPr lang="en-US" dirty="0"/>
+          </a:p>
+        </p:txBody>
+      </p:sp>
+      <p:sp>
+        <p:nvSpPr>
+          <p:cNvPr id="3" name="Content Placeholder 2"/>
           <p:cNvSpPr>
             <a:spLocks noGrp="1"/>
           </p:cNvSpPr>
@@ -1140,8 +1132,8 @@
         </p:nvSpPr>
         <p:spPr>
           <a:xfrm>
-            <a:off x="838200" y="1825625"/>
-            <a:ext cx="5181600" cy="4351338"/>
+            <a:off x="628650" y="1825625"/>
+            <a:ext cx="3886200" cy="4351338"/>
           </a:xfrm>
         </p:spPr>
         <p:txBody>
@@ -1150,44 +1142,44 @@
           <a:p>
             <a:pPr lvl="0"/>
             <a:r>
-              <a:rPr lang="de-DE" smtClean="0"/>
-              <a:t>Textmasterformat bearbeiten</a:t>
+              <a:rPr lang="en-US" smtClean="0"/>
+              <a:t>Click to edit Master text styles</a:t>
             </a:r>
           </a:p>
           <a:p>
             <a:pPr lvl="1"/>
             <a:r>
-              <a:rPr lang="de-DE" smtClean="0"/>
-              <a:t>Zweite Ebene</a:t>
+              <a:rPr lang="en-US" smtClean="0"/>
+              <a:t>Second level</a:t>
             </a:r>
           </a:p>
           <a:p>
             <a:pPr lvl="2"/>
             <a:r>
-              <a:rPr lang="de-DE" smtClean="0"/>
-              <a:t>Dritte Ebene</a:t>
+              <a:rPr lang="en-US" smtClean="0"/>
+              <a:t>Third level</a:t>
             </a:r>
           </a:p>
           <a:p>
             <a:pPr lvl="3"/>
             <a:r>
-              <a:rPr lang="de-DE" smtClean="0"/>
-              <a:t>Vierte Ebene</a:t>
+              <a:rPr lang="en-US" smtClean="0"/>
+              <a:t>Fourth level</a:t>
             </a:r>
           </a:p>
           <a:p>
             <a:pPr lvl="4"/>
             <a:r>
-              <a:rPr lang="de-DE" smtClean="0"/>
-              <a:t>Fünfte Ebene</a:t>
-            </a:r>
-            <a:endParaRPr lang="de-DE"/>
-          </a:p>
-        </p:txBody>
-      </p:sp>
-      <p:sp>
-        <p:nvSpPr>
-          <p:cNvPr id="4" name="Inhaltsplatzhalter 3"/>
+              <a:rPr lang="en-US" smtClean="0"/>
+              <a:t>Fifth level</a:t>
+            </a:r>
+            <a:endParaRPr lang="en-US" dirty="0"/>
+          </a:p>
+        </p:txBody>
+      </p:sp>
+      <p:sp>
+        <p:nvSpPr>
+          <p:cNvPr id="4" name="Content Placeholder 3"/>
           <p:cNvSpPr>
             <a:spLocks noGrp="1"/>
           </p:cNvSpPr>
@@ -1197,8 +1189,8 @@
         </p:nvSpPr>
         <p:spPr>
           <a:xfrm>
-            <a:off x="6172200" y="1825625"/>
-            <a:ext cx="5181600" cy="4351338"/>
+            <a:off x="4629150" y="1825625"/>
+            <a:ext cx="3886200" cy="4351338"/>
           </a:xfrm>
         </p:spPr>
         <p:txBody>
@@ -1207,44 +1199,44 @@
           <a:p>
             <a:pPr lvl="0"/>
             <a:r>
-              <a:rPr lang="de-DE" smtClean="0"/>
-              <a:t>Textmasterformat bearbeiten</a:t>
+              <a:rPr lang="en-US" smtClean="0"/>
+              <a:t>Click to edit Master text styles</a:t>
             </a:r>
           </a:p>
           <a:p>
             <a:pPr lvl="1"/>
             <a:r>
-              <a:rPr lang="de-DE" smtClean="0"/>
-              <a:t>Zweite Ebene</a:t>
+              <a:rPr lang="en-US" smtClean="0"/>
+              <a:t>Second level</a:t>
             </a:r>
           </a:p>
           <a:p>
             <a:pPr lvl="2"/>
             <a:r>
-              <a:rPr lang="de-DE" smtClean="0"/>
-              <a:t>Dritte Ebene</a:t>
+              <a:rPr lang="en-US" smtClean="0"/>
+              <a:t>Third level</a:t>
             </a:r>
           </a:p>
           <a:p>
             <a:pPr lvl="3"/>
             <a:r>
-              <a:rPr lang="de-DE" smtClean="0"/>
-              <a:t>Vierte Ebene</a:t>
+              <a:rPr lang="en-US" smtClean="0"/>
+              <a:t>Fourth level</a:t>
             </a:r>
           </a:p>
           <a:p>
             <a:pPr lvl="4"/>
             <a:r>
-              <a:rPr lang="de-DE" smtClean="0"/>
-              <a:t>Fünfte Ebene</a:t>
-            </a:r>
-            <a:endParaRPr lang="de-DE"/>
-          </a:p>
-        </p:txBody>
-      </p:sp>
-      <p:sp>
-        <p:nvSpPr>
-          <p:cNvPr id="5" name="Datumsplatzhalter 4"/>
+              <a:rPr lang="en-US" smtClean="0"/>
+              <a:t>Fifth level</a:t>
+            </a:r>
+            <a:endParaRPr lang="en-US" dirty="0"/>
+          </a:p>
+        </p:txBody>
+      </p:sp>
+      <p:sp>
+        <p:nvSpPr>
+          <p:cNvPr id="5" name="Date Placeholder 4"/>
           <p:cNvSpPr>
             <a:spLocks noGrp="1"/>
           </p:cNvSpPr>
@@ -1267,7 +1259,7 @@
       </p:sp>
       <p:sp>
         <p:nvSpPr>
-          <p:cNvPr id="6" name="Fußzeilenplatzhalter 5"/>
+          <p:cNvPr id="6" name="Footer Placeholder 5"/>
           <p:cNvSpPr>
             <a:spLocks noGrp="1"/>
           </p:cNvSpPr>
@@ -1286,7 +1278,7 @@
       </p:sp>
       <p:sp>
         <p:nvSpPr>
-          <p:cNvPr id="7" name="Foliennummernplatzhalter 6"/>
+          <p:cNvPr id="7" name="Slide Number Placeholder 6"/>
           <p:cNvSpPr>
             <a:spLocks noGrp="1"/>
           </p:cNvSpPr>
@@ -1310,7 +1302,7 @@
     </p:spTree>
     <p:extLst>
       <p:ext uri="{BB962C8B-B14F-4D97-AF65-F5344CB8AC3E}">
-        <p14:creationId xmlns:p14="http://schemas.microsoft.com/office/powerpoint/2010/main" val="3469458122"/>
+        <p14:creationId xmlns:p14="http://schemas.microsoft.com/office/powerpoint/2010/main" val="2476250251"/>
       </p:ext>
     </p:extLst>
   </p:cSld>
@@ -1322,7 +1314,7 @@
 
 <file path=ppt/slideLayouts/slideLayout5.xml><?xml version="1.0" encoding="utf-8"?>
 <p:sldLayout xmlns:a="http://schemas.openxmlformats.org/drawingml/2006/main" xmlns:r="http://schemas.openxmlformats.org/officeDocument/2006/relationships" xmlns:p="http://schemas.openxmlformats.org/presentationml/2006/main" type="twoTxTwoObj" preserve="1">
-  <p:cSld name="Vergleich">
+  <p:cSld name="Comparison">
     <p:spTree>
       <p:nvGrpSpPr>
         <p:cNvPr id="1" name=""/>
@@ -1339,7 +1331,7 @@
       </p:grpSpPr>
       <p:sp>
         <p:nvSpPr>
-          <p:cNvPr id="2" name="Titel 1"/>
+          <p:cNvPr id="2" name="Title 1"/>
           <p:cNvSpPr>
             <a:spLocks noGrp="1"/>
           </p:cNvSpPr>
@@ -1349,8 +1341,8 @@
         </p:nvSpPr>
         <p:spPr>
           <a:xfrm>
-            <a:off x="839788" y="365125"/>
-            <a:ext cx="10515600" cy="1325563"/>
+            <a:off x="629841" y="365126"/>
+            <a:ext cx="7886700" cy="1325563"/>
           </a:xfrm>
         </p:spPr>
         <p:txBody>
@@ -1358,16 +1350,16 @@
           <a:lstStyle/>
           <a:p>
             <a:r>
-              <a:rPr lang="de-DE" smtClean="0"/>
-              <a:t>Titelmasterformat durch Klicken bearbeiten</a:t>
-            </a:r>
-            <a:endParaRPr lang="de-DE"/>
-          </a:p>
-        </p:txBody>
-      </p:sp>
-      <p:sp>
-        <p:nvSpPr>
-          <p:cNvPr id="3" name="Textplatzhalter 2"/>
+              <a:rPr lang="en-US" smtClean="0"/>
+              <a:t>Click to edit Master title style</a:t>
+            </a:r>
+            <a:endParaRPr lang="en-US" dirty="0"/>
+          </a:p>
+        </p:txBody>
+      </p:sp>
+      <p:sp>
+        <p:nvSpPr>
+          <p:cNvPr id="3" name="Text Placeholder 2"/>
           <p:cNvSpPr>
             <a:spLocks noGrp="1"/>
           </p:cNvSpPr>
@@ -1377,8 +1369,8 @@
         </p:nvSpPr>
         <p:spPr>
           <a:xfrm>
-            <a:off x="839788" y="1681163"/>
-            <a:ext cx="5157787" cy="823912"/>
+            <a:off x="629842" y="1681163"/>
+            <a:ext cx="3868340" cy="823912"/>
           </a:xfrm>
         </p:spPr>
         <p:txBody>
@@ -1424,15 +1416,15 @@
           <a:p>
             <a:pPr lvl="0"/>
             <a:r>
-              <a:rPr lang="de-DE" smtClean="0"/>
-              <a:t>Textmasterformat bearbeiten</a:t>
-            </a:r>
-          </a:p>
-        </p:txBody>
-      </p:sp>
-      <p:sp>
-        <p:nvSpPr>
-          <p:cNvPr id="4" name="Inhaltsplatzhalter 3"/>
+              <a:rPr lang="en-US" smtClean="0"/>
+              <a:t>Click to edit Master text styles</a:t>
+            </a:r>
+          </a:p>
+        </p:txBody>
+      </p:sp>
+      <p:sp>
+        <p:nvSpPr>
+          <p:cNvPr id="4" name="Content Placeholder 3"/>
           <p:cNvSpPr>
             <a:spLocks noGrp="1"/>
           </p:cNvSpPr>
@@ -1442,8 +1434,8 @@
         </p:nvSpPr>
         <p:spPr>
           <a:xfrm>
-            <a:off x="839788" y="2505075"/>
-            <a:ext cx="5157787" cy="3684588"/>
+            <a:off x="629842" y="2505075"/>
+            <a:ext cx="3868340" cy="3684588"/>
           </a:xfrm>
         </p:spPr>
         <p:txBody>
@@ -1452,44 +1444,44 @@
           <a:p>
             <a:pPr lvl="0"/>
             <a:r>
-              <a:rPr lang="de-DE" smtClean="0"/>
-              <a:t>Textmasterformat bearbeiten</a:t>
+              <a:rPr lang="en-US" smtClean="0"/>
+              <a:t>Click to edit Master text styles</a:t>
             </a:r>
           </a:p>
           <a:p>
             <a:pPr lvl="1"/>
             <a:r>
-              <a:rPr lang="de-DE" smtClean="0"/>
-              <a:t>Zweite Ebene</a:t>
+              <a:rPr lang="en-US" smtClean="0"/>
+              <a:t>Second level</a:t>
             </a:r>
           </a:p>
           <a:p>
             <a:pPr lvl="2"/>
             <a:r>
-              <a:rPr lang="de-DE" smtClean="0"/>
-              <a:t>Dritte Ebene</a:t>
+              <a:rPr lang="en-US" smtClean="0"/>
+              <a:t>Third level</a:t>
             </a:r>
           </a:p>
           <a:p>
             <a:pPr lvl="3"/>
             <a:r>
-              <a:rPr lang="de-DE" smtClean="0"/>
-              <a:t>Vierte Ebene</a:t>
+              <a:rPr lang="en-US" smtClean="0"/>
+              <a:t>Fourth level</a:t>
             </a:r>
           </a:p>
           <a:p>
             <a:pPr lvl="4"/>
             <a:r>
-              <a:rPr lang="de-DE" smtClean="0"/>
-              <a:t>Fünfte Ebene</a:t>
-            </a:r>
-            <a:endParaRPr lang="de-DE"/>
-          </a:p>
-        </p:txBody>
-      </p:sp>
-      <p:sp>
-        <p:nvSpPr>
-          <p:cNvPr id="5" name="Textplatzhalter 4"/>
+              <a:rPr lang="en-US" smtClean="0"/>
+              <a:t>Fifth level</a:t>
+            </a:r>
+            <a:endParaRPr lang="en-US" dirty="0"/>
+          </a:p>
+        </p:txBody>
+      </p:sp>
+      <p:sp>
+        <p:nvSpPr>
+          <p:cNvPr id="5" name="Text Placeholder 4"/>
           <p:cNvSpPr>
             <a:spLocks noGrp="1"/>
           </p:cNvSpPr>
@@ -1499,8 +1491,8 @@
         </p:nvSpPr>
         <p:spPr>
           <a:xfrm>
-            <a:off x="6172200" y="1681163"/>
-            <a:ext cx="5183188" cy="823912"/>
+            <a:off x="4629150" y="1681163"/>
+            <a:ext cx="3887391" cy="823912"/>
           </a:xfrm>
         </p:spPr>
         <p:txBody>
@@ -1546,15 +1538,15 @@
           <a:p>
             <a:pPr lvl="0"/>
             <a:r>
-              <a:rPr lang="de-DE" smtClean="0"/>
-              <a:t>Textmasterformat bearbeiten</a:t>
-            </a:r>
-          </a:p>
-        </p:txBody>
-      </p:sp>
-      <p:sp>
-        <p:nvSpPr>
-          <p:cNvPr id="6" name="Inhaltsplatzhalter 5"/>
+              <a:rPr lang="en-US" smtClean="0"/>
+              <a:t>Click to edit Master text styles</a:t>
+            </a:r>
+          </a:p>
+        </p:txBody>
+      </p:sp>
+      <p:sp>
+        <p:nvSpPr>
+          <p:cNvPr id="6" name="Content Placeholder 5"/>
           <p:cNvSpPr>
             <a:spLocks noGrp="1"/>
           </p:cNvSpPr>
@@ -1564,8 +1556,8 @@
         </p:nvSpPr>
         <p:spPr>
           <a:xfrm>
-            <a:off x="6172200" y="2505075"/>
-            <a:ext cx="5183188" cy="3684588"/>
+            <a:off x="4629150" y="2505075"/>
+            <a:ext cx="3887391" cy="3684588"/>
           </a:xfrm>
         </p:spPr>
         <p:txBody>
@@ -1574,44 +1566,44 @@
           <a:p>
             <a:pPr lvl="0"/>
             <a:r>
-              <a:rPr lang="de-DE" smtClean="0"/>
-              <a:t>Textmasterformat bearbeiten</a:t>
+              <a:rPr lang="en-US" smtClean="0"/>
+              <a:t>Click to edit Master text styles</a:t>
             </a:r>
           </a:p>
           <a:p>
             <a:pPr lvl="1"/>
             <a:r>
-              <a:rPr lang="de-DE" smtClean="0"/>
-              <a:t>Zweite Ebene</a:t>
+              <a:rPr lang="en-US" smtClean="0"/>
+              <a:t>Second level</a:t>
             </a:r>
           </a:p>
           <a:p>
             <a:pPr lvl="2"/>
             <a:r>
-              <a:rPr lang="de-DE" smtClean="0"/>
-              <a:t>Dritte Ebene</a:t>
+              <a:rPr lang="en-US" smtClean="0"/>
+              <a:t>Third level</a:t>
             </a:r>
           </a:p>
           <a:p>
             <a:pPr lvl="3"/>
             <a:r>
-              <a:rPr lang="de-DE" smtClean="0"/>
-              <a:t>Vierte Ebene</a:t>
+              <a:rPr lang="en-US" smtClean="0"/>
+              <a:t>Fourth level</a:t>
             </a:r>
           </a:p>
           <a:p>
             <a:pPr lvl="4"/>
             <a:r>
-              <a:rPr lang="de-DE" smtClean="0"/>
-              <a:t>Fünfte Ebene</a:t>
-            </a:r>
-            <a:endParaRPr lang="de-DE"/>
-          </a:p>
-        </p:txBody>
-      </p:sp>
-      <p:sp>
-        <p:nvSpPr>
-          <p:cNvPr id="7" name="Datumsplatzhalter 6"/>
+              <a:rPr lang="en-US" smtClean="0"/>
+              <a:t>Fifth level</a:t>
+            </a:r>
+            <a:endParaRPr lang="en-US" dirty="0"/>
+          </a:p>
+        </p:txBody>
+      </p:sp>
+      <p:sp>
+        <p:nvSpPr>
+          <p:cNvPr id="7" name="Date Placeholder 6"/>
           <p:cNvSpPr>
             <a:spLocks noGrp="1"/>
           </p:cNvSpPr>
@@ -1634,7 +1626,7 @@
       </p:sp>
       <p:sp>
         <p:nvSpPr>
-          <p:cNvPr id="8" name="Fußzeilenplatzhalter 7"/>
+          <p:cNvPr id="8" name="Footer Placeholder 7"/>
           <p:cNvSpPr>
             <a:spLocks noGrp="1"/>
           </p:cNvSpPr>
@@ -1653,7 +1645,7 @@
       </p:sp>
       <p:sp>
         <p:nvSpPr>
-          <p:cNvPr id="9" name="Foliennummernplatzhalter 8"/>
+          <p:cNvPr id="9" name="Slide Number Placeholder 8"/>
           <p:cNvSpPr>
             <a:spLocks noGrp="1"/>
           </p:cNvSpPr>
@@ -1677,7 +1669,7 @@
     </p:spTree>
     <p:extLst>
       <p:ext uri="{BB962C8B-B14F-4D97-AF65-F5344CB8AC3E}">
-        <p14:creationId xmlns:p14="http://schemas.microsoft.com/office/powerpoint/2010/main" val="4084923937"/>
+        <p14:creationId xmlns:p14="http://schemas.microsoft.com/office/powerpoint/2010/main" val="1164858952"/>
       </p:ext>
     </p:extLst>
   </p:cSld>
@@ -1689,7 +1681,7 @@
 
 <file path=ppt/slideLayouts/slideLayout6.xml><?xml version="1.0" encoding="utf-8"?>
 <p:sldLayout xmlns:a="http://schemas.openxmlformats.org/drawingml/2006/main" xmlns:r="http://schemas.openxmlformats.org/officeDocument/2006/relationships" xmlns:p="http://schemas.openxmlformats.org/presentationml/2006/main" type="titleOnly" preserve="1">
-  <p:cSld name="Nur Titel">
+  <p:cSld name="Title Only">
     <p:spTree>
       <p:nvGrpSpPr>
         <p:cNvPr id="1" name=""/>
@@ -1706,7 +1698,7 @@
       </p:grpSpPr>
       <p:sp>
         <p:nvSpPr>
-          <p:cNvPr id="2" name="Titel 1"/>
+          <p:cNvPr id="2" name="Title 1"/>
           <p:cNvSpPr>
             <a:spLocks noGrp="1"/>
           </p:cNvSpPr>
@@ -1720,16 +1712,16 @@
           <a:lstStyle/>
           <a:p>
             <a:r>
-              <a:rPr lang="de-DE" smtClean="0"/>
-              <a:t>Titelmasterformat durch Klicken bearbeiten</a:t>
-            </a:r>
-            <a:endParaRPr lang="de-DE"/>
-          </a:p>
-        </p:txBody>
-      </p:sp>
-      <p:sp>
-        <p:nvSpPr>
-          <p:cNvPr id="3" name="Datumsplatzhalter 2"/>
+              <a:rPr lang="en-US" smtClean="0"/>
+              <a:t>Click to edit Master title style</a:t>
+            </a:r>
+            <a:endParaRPr lang="en-US" dirty="0"/>
+          </a:p>
+        </p:txBody>
+      </p:sp>
+      <p:sp>
+        <p:nvSpPr>
+          <p:cNvPr id="3" name="Date Placeholder 2"/>
           <p:cNvSpPr>
             <a:spLocks noGrp="1"/>
           </p:cNvSpPr>
@@ -1752,7 +1744,7 @@
       </p:sp>
       <p:sp>
         <p:nvSpPr>
-          <p:cNvPr id="4" name="Fußzeilenplatzhalter 3"/>
+          <p:cNvPr id="4" name="Footer Placeholder 3"/>
           <p:cNvSpPr>
             <a:spLocks noGrp="1"/>
           </p:cNvSpPr>
@@ -1771,7 +1763,7 @@
       </p:sp>
       <p:sp>
         <p:nvSpPr>
-          <p:cNvPr id="5" name="Foliennummernplatzhalter 4"/>
+          <p:cNvPr id="5" name="Slide Number Placeholder 4"/>
           <p:cNvSpPr>
             <a:spLocks noGrp="1"/>
           </p:cNvSpPr>
@@ -1795,7 +1787,7 @@
     </p:spTree>
     <p:extLst>
       <p:ext uri="{BB962C8B-B14F-4D97-AF65-F5344CB8AC3E}">
-        <p14:creationId xmlns:p14="http://schemas.microsoft.com/office/powerpoint/2010/main" val="2615339082"/>
+        <p14:creationId xmlns:p14="http://schemas.microsoft.com/office/powerpoint/2010/main" val="3914528257"/>
       </p:ext>
     </p:extLst>
   </p:cSld>
@@ -1807,7 +1799,7 @@
 
 <file path=ppt/slideLayouts/slideLayout7.xml><?xml version="1.0" encoding="utf-8"?>
 <p:sldLayout xmlns:a="http://schemas.openxmlformats.org/drawingml/2006/main" xmlns:r="http://schemas.openxmlformats.org/officeDocument/2006/relationships" xmlns:p="http://schemas.openxmlformats.org/presentationml/2006/main" type="blank" preserve="1">
-  <p:cSld name="Leer">
+  <p:cSld name="Blank">
     <p:spTree>
       <p:nvGrpSpPr>
         <p:cNvPr id="1" name=""/>
@@ -1824,7 +1816,7 @@
       </p:grpSpPr>
       <p:sp>
         <p:nvSpPr>
-          <p:cNvPr id="2" name="Datumsplatzhalter 1"/>
+          <p:cNvPr id="2" name="Date Placeholder 1"/>
           <p:cNvSpPr>
             <a:spLocks noGrp="1"/>
           </p:cNvSpPr>
@@ -1847,7 +1839,7 @@
       </p:sp>
       <p:sp>
         <p:nvSpPr>
-          <p:cNvPr id="3" name="Fußzeilenplatzhalter 2"/>
+          <p:cNvPr id="3" name="Footer Placeholder 2"/>
           <p:cNvSpPr>
             <a:spLocks noGrp="1"/>
           </p:cNvSpPr>
@@ -1866,7 +1858,7 @@
       </p:sp>
       <p:sp>
         <p:nvSpPr>
-          <p:cNvPr id="4" name="Foliennummernplatzhalter 3"/>
+          <p:cNvPr id="4" name="Slide Number Placeholder 3"/>
           <p:cNvSpPr>
             <a:spLocks noGrp="1"/>
           </p:cNvSpPr>
@@ -1890,7 +1882,7 @@
     </p:spTree>
     <p:extLst>
       <p:ext uri="{BB962C8B-B14F-4D97-AF65-F5344CB8AC3E}">
-        <p14:creationId xmlns:p14="http://schemas.microsoft.com/office/powerpoint/2010/main" val="1634389634"/>
+        <p14:creationId xmlns:p14="http://schemas.microsoft.com/office/powerpoint/2010/main" val="3103095943"/>
       </p:ext>
     </p:extLst>
   </p:cSld>
@@ -1902,7 +1894,7 @@
 
 <file path=ppt/slideLayouts/slideLayout8.xml><?xml version="1.0" encoding="utf-8"?>
 <p:sldLayout xmlns:a="http://schemas.openxmlformats.org/drawingml/2006/main" xmlns:r="http://schemas.openxmlformats.org/officeDocument/2006/relationships" xmlns:p="http://schemas.openxmlformats.org/presentationml/2006/main" type="objTx" preserve="1">
-  <p:cSld name="Inhalt mit Überschrift">
+  <p:cSld name="Content with Caption">
     <p:spTree>
       <p:nvGrpSpPr>
         <p:cNvPr id="1" name=""/>
@@ -1919,7 +1911,7 @@
       </p:grpSpPr>
       <p:sp>
         <p:nvSpPr>
-          <p:cNvPr id="2" name="Titel 1"/>
+          <p:cNvPr id="2" name="Title 1"/>
           <p:cNvSpPr>
             <a:spLocks noGrp="1"/>
           </p:cNvSpPr>
@@ -1929,8 +1921,8 @@
         </p:nvSpPr>
         <p:spPr>
           <a:xfrm>
-            <a:off x="839788" y="457200"/>
-            <a:ext cx="3932237" cy="1600200"/>
+            <a:off x="629841" y="457200"/>
+            <a:ext cx="2949178" cy="1600200"/>
           </a:xfrm>
         </p:spPr>
         <p:txBody>
@@ -1942,16 +1934,16 @@
           </a:lstStyle>
           <a:p>
             <a:r>
-              <a:rPr lang="de-DE" smtClean="0"/>
-              <a:t>Titelmasterformat durch Klicken bearbeiten</a:t>
-            </a:r>
-            <a:endParaRPr lang="de-DE"/>
-          </a:p>
-        </p:txBody>
-      </p:sp>
-      <p:sp>
-        <p:nvSpPr>
-          <p:cNvPr id="3" name="Inhaltsplatzhalter 2"/>
+              <a:rPr lang="en-US" smtClean="0"/>
+              <a:t>Click to edit Master title style</a:t>
+            </a:r>
+            <a:endParaRPr lang="en-US" dirty="0"/>
+          </a:p>
+        </p:txBody>
+      </p:sp>
+      <p:sp>
+        <p:nvSpPr>
+          <p:cNvPr id="3" name="Content Placeholder 2"/>
           <p:cNvSpPr>
             <a:spLocks noGrp="1"/>
           </p:cNvSpPr>
@@ -1961,8 +1953,8 @@
         </p:nvSpPr>
         <p:spPr>
           <a:xfrm>
-            <a:off x="5183188" y="987425"/>
-            <a:ext cx="6172200" cy="4873625"/>
+            <a:off x="3887391" y="987426"/>
+            <a:ext cx="4629150" cy="4873625"/>
           </a:xfrm>
         </p:spPr>
         <p:txBody>
@@ -1999,44 +1991,44 @@
           <a:p>
             <a:pPr lvl="0"/>
             <a:r>
-              <a:rPr lang="de-DE" smtClean="0"/>
-              <a:t>Textmasterformat bearbeiten</a:t>
+              <a:rPr lang="en-US" smtClean="0"/>
+              <a:t>Click to edit Master text styles</a:t>
             </a:r>
           </a:p>
           <a:p>
             <a:pPr lvl="1"/>
             <a:r>
-              <a:rPr lang="de-DE" smtClean="0"/>
-              <a:t>Zweite Ebene</a:t>
+              <a:rPr lang="en-US" smtClean="0"/>
+              <a:t>Second level</a:t>
             </a:r>
           </a:p>
           <a:p>
             <a:pPr lvl="2"/>
             <a:r>
-              <a:rPr lang="de-DE" smtClean="0"/>
-              <a:t>Dritte Ebene</a:t>
+              <a:rPr lang="en-US" smtClean="0"/>
+              <a:t>Third level</a:t>
             </a:r>
           </a:p>
           <a:p>
             <a:pPr lvl="3"/>
             <a:r>
-              <a:rPr lang="de-DE" smtClean="0"/>
-              <a:t>Vierte Ebene</a:t>
+              <a:rPr lang="en-US" smtClean="0"/>
+              <a:t>Fourth level</a:t>
             </a:r>
           </a:p>
           <a:p>
             <a:pPr lvl="4"/>
             <a:r>
-              <a:rPr lang="de-DE" smtClean="0"/>
-              <a:t>Fünfte Ebene</a:t>
-            </a:r>
-            <a:endParaRPr lang="de-DE"/>
-          </a:p>
-        </p:txBody>
-      </p:sp>
-      <p:sp>
-        <p:nvSpPr>
-          <p:cNvPr id="4" name="Textplatzhalter 3"/>
+              <a:rPr lang="en-US" smtClean="0"/>
+              <a:t>Fifth level</a:t>
+            </a:r>
+            <a:endParaRPr lang="en-US" dirty="0"/>
+          </a:p>
+        </p:txBody>
+      </p:sp>
+      <p:sp>
+        <p:nvSpPr>
+          <p:cNvPr id="4" name="Text Placeholder 3"/>
           <p:cNvSpPr>
             <a:spLocks noGrp="1"/>
           </p:cNvSpPr>
@@ -2046,8 +2038,8 @@
         </p:nvSpPr>
         <p:spPr>
           <a:xfrm>
-            <a:off x="839788" y="2057400"/>
-            <a:ext cx="3932237" cy="3811588"/>
+            <a:off x="629841" y="2057400"/>
+            <a:ext cx="2949178" cy="3811588"/>
           </a:xfrm>
         </p:spPr>
         <p:txBody>
@@ -2093,15 +2085,15 @@
           <a:p>
             <a:pPr lvl="0"/>
             <a:r>
-              <a:rPr lang="de-DE" smtClean="0"/>
-              <a:t>Textmasterformat bearbeiten</a:t>
-            </a:r>
-          </a:p>
-        </p:txBody>
-      </p:sp>
-      <p:sp>
-        <p:nvSpPr>
-          <p:cNvPr id="5" name="Datumsplatzhalter 4"/>
+              <a:rPr lang="en-US" smtClean="0"/>
+              <a:t>Click to edit Master text styles</a:t>
+            </a:r>
+          </a:p>
+        </p:txBody>
+      </p:sp>
+      <p:sp>
+        <p:nvSpPr>
+          <p:cNvPr id="5" name="Date Placeholder 4"/>
           <p:cNvSpPr>
             <a:spLocks noGrp="1"/>
           </p:cNvSpPr>
@@ -2124,7 +2116,7 @@
       </p:sp>
       <p:sp>
         <p:nvSpPr>
-          <p:cNvPr id="6" name="Fußzeilenplatzhalter 5"/>
+          <p:cNvPr id="6" name="Footer Placeholder 5"/>
           <p:cNvSpPr>
             <a:spLocks noGrp="1"/>
           </p:cNvSpPr>
@@ -2143,7 +2135,7 @@
       </p:sp>
       <p:sp>
         <p:nvSpPr>
-          <p:cNvPr id="7" name="Foliennummernplatzhalter 6"/>
+          <p:cNvPr id="7" name="Slide Number Placeholder 6"/>
           <p:cNvSpPr>
             <a:spLocks noGrp="1"/>
           </p:cNvSpPr>
@@ -2167,7 +2159,7 @@
     </p:spTree>
     <p:extLst>
       <p:ext uri="{BB962C8B-B14F-4D97-AF65-F5344CB8AC3E}">
-        <p14:creationId xmlns:p14="http://schemas.microsoft.com/office/powerpoint/2010/main" val="3577350661"/>
+        <p14:creationId xmlns:p14="http://schemas.microsoft.com/office/powerpoint/2010/main" val="3358457694"/>
       </p:ext>
     </p:extLst>
   </p:cSld>
@@ -2179,7 +2171,7 @@
 
 <file path=ppt/slideLayouts/slideLayout9.xml><?xml version="1.0" encoding="utf-8"?>
 <p:sldLayout xmlns:a="http://schemas.openxmlformats.org/drawingml/2006/main" xmlns:r="http://schemas.openxmlformats.org/officeDocument/2006/relationships" xmlns:p="http://schemas.openxmlformats.org/presentationml/2006/main" type="picTx" preserve="1">
-  <p:cSld name="Bild mit Überschrift">
+  <p:cSld name="Picture with Caption">
     <p:spTree>
       <p:nvGrpSpPr>
         <p:cNvPr id="1" name=""/>
@@ -2196,7 +2188,7 @@
       </p:grpSpPr>
       <p:sp>
         <p:nvSpPr>
-          <p:cNvPr id="2" name="Titel 1"/>
+          <p:cNvPr id="2" name="Title 1"/>
           <p:cNvSpPr>
             <a:spLocks noGrp="1"/>
           </p:cNvSpPr>
@@ -2206,8 +2198,8 @@
         </p:nvSpPr>
         <p:spPr>
           <a:xfrm>
-            <a:off x="839788" y="457200"/>
-            <a:ext cx="3932237" cy="1600200"/>
+            <a:off x="629841" y="457200"/>
+            <a:ext cx="2949178" cy="1600200"/>
           </a:xfrm>
         </p:spPr>
         <p:txBody>
@@ -2219,18 +2211,18 @@
           </a:lstStyle>
           <a:p>
             <a:r>
-              <a:rPr lang="de-DE" smtClean="0"/>
-              <a:t>Titelmasterformat durch Klicken bearbeiten</a:t>
-            </a:r>
-            <a:endParaRPr lang="de-DE"/>
-          </a:p>
-        </p:txBody>
-      </p:sp>
-      <p:sp>
-        <p:nvSpPr>
-          <p:cNvPr id="3" name="Bildplatzhalter 2"/>
-          <p:cNvSpPr>
-            <a:spLocks noGrp="1"/>
+              <a:rPr lang="en-US" smtClean="0"/>
+              <a:t>Click to edit Master title style</a:t>
+            </a:r>
+            <a:endParaRPr lang="en-US" dirty="0"/>
+          </a:p>
+        </p:txBody>
+      </p:sp>
+      <p:sp>
+        <p:nvSpPr>
+          <p:cNvPr id="3" name="Picture Placeholder 2"/>
+          <p:cNvSpPr>
+            <a:spLocks noGrp="1" noChangeAspect="1"/>
           </p:cNvSpPr>
           <p:nvPr>
             <p:ph type="pic" idx="1"/>
@@ -2238,12 +2230,12 @@
         </p:nvSpPr>
         <p:spPr>
           <a:xfrm>
-            <a:off x="5183188" y="987425"/>
-            <a:ext cx="6172200" cy="4873625"/>
+            <a:off x="3887391" y="987426"/>
+            <a:ext cx="4629150" cy="4873625"/>
           </a:xfrm>
         </p:spPr>
         <p:txBody>
-          <a:bodyPr/>
+          <a:bodyPr anchor="t"/>
           <a:lstStyle>
             <a:lvl1pPr marL="0" indent="0">
               <a:buNone/>
@@ -2283,13 +2275,17 @@
             </a:lvl9pPr>
           </a:lstStyle>
           <a:p>
-            <a:endParaRPr lang="de-DE"/>
-          </a:p>
-        </p:txBody>
-      </p:sp>
-      <p:sp>
-        <p:nvSpPr>
-          <p:cNvPr id="4" name="Textplatzhalter 3"/>
+            <a:r>
+              <a:rPr lang="en-US" smtClean="0"/>
+              <a:t>Click icon to add picture</a:t>
+            </a:r>
+            <a:endParaRPr lang="en-US" dirty="0"/>
+          </a:p>
+        </p:txBody>
+      </p:sp>
+      <p:sp>
+        <p:nvSpPr>
+          <p:cNvPr id="4" name="Text Placeholder 3"/>
           <p:cNvSpPr>
             <a:spLocks noGrp="1"/>
           </p:cNvSpPr>
@@ -2299,8 +2295,8 @@
         </p:nvSpPr>
         <p:spPr>
           <a:xfrm>
-            <a:off x="839788" y="2057400"/>
-            <a:ext cx="3932237" cy="3811588"/>
+            <a:off x="629841" y="2057400"/>
+            <a:ext cx="2949178" cy="3811588"/>
           </a:xfrm>
         </p:spPr>
         <p:txBody>
@@ -2346,15 +2342,15 @@
           <a:p>
             <a:pPr lvl="0"/>
             <a:r>
-              <a:rPr lang="de-DE" smtClean="0"/>
-              <a:t>Textmasterformat bearbeiten</a:t>
-            </a:r>
-          </a:p>
-        </p:txBody>
-      </p:sp>
-      <p:sp>
-        <p:nvSpPr>
-          <p:cNvPr id="5" name="Datumsplatzhalter 4"/>
+              <a:rPr lang="en-US" smtClean="0"/>
+              <a:t>Click to edit Master text styles</a:t>
+            </a:r>
+          </a:p>
+        </p:txBody>
+      </p:sp>
+      <p:sp>
+        <p:nvSpPr>
+          <p:cNvPr id="5" name="Date Placeholder 4"/>
           <p:cNvSpPr>
             <a:spLocks noGrp="1"/>
           </p:cNvSpPr>
@@ -2377,7 +2373,7 @@
       </p:sp>
       <p:sp>
         <p:nvSpPr>
-          <p:cNvPr id="6" name="Fußzeilenplatzhalter 5"/>
+          <p:cNvPr id="6" name="Footer Placeholder 5"/>
           <p:cNvSpPr>
             <a:spLocks noGrp="1"/>
           </p:cNvSpPr>
@@ -2396,7 +2392,7 @@
       </p:sp>
       <p:sp>
         <p:nvSpPr>
-          <p:cNvPr id="7" name="Foliennummernplatzhalter 6"/>
+          <p:cNvPr id="7" name="Slide Number Placeholder 6"/>
           <p:cNvSpPr>
             <a:spLocks noGrp="1"/>
           </p:cNvSpPr>
@@ -2420,7 +2416,7 @@
     </p:spTree>
     <p:extLst>
       <p:ext uri="{BB962C8B-B14F-4D97-AF65-F5344CB8AC3E}">
-        <p14:creationId xmlns:p14="http://schemas.microsoft.com/office/powerpoint/2010/main" val="637623290"/>
+        <p14:creationId xmlns:p14="http://schemas.microsoft.com/office/powerpoint/2010/main" val="3820767552"/>
       </p:ext>
     </p:extLst>
   </p:cSld>
@@ -2454,7 +2450,7 @@
       </p:grpSpPr>
       <p:sp>
         <p:nvSpPr>
-          <p:cNvPr id="2" name="Titelplatzhalter 1"/>
+          <p:cNvPr id="2" name="Title Placeholder 1"/>
           <p:cNvSpPr>
             <a:spLocks noGrp="1"/>
           </p:cNvSpPr>
@@ -2464,8 +2460,8 @@
         </p:nvSpPr>
         <p:spPr>
           <a:xfrm>
-            <a:off x="838200" y="365125"/>
-            <a:ext cx="10515600" cy="1325563"/>
+            <a:off x="628650" y="365126"/>
+            <a:ext cx="7886700" cy="1325563"/>
           </a:xfrm>
           <a:prstGeom prst="rect">
             <a:avLst/>
@@ -2478,16 +2474,16 @@
           <a:lstStyle/>
           <a:p>
             <a:r>
-              <a:rPr lang="de-DE" smtClean="0"/>
-              <a:t>Titelmasterformat durch Klicken bearbeiten</a:t>
-            </a:r>
-            <a:endParaRPr lang="de-DE"/>
-          </a:p>
-        </p:txBody>
-      </p:sp>
-      <p:sp>
-        <p:nvSpPr>
-          <p:cNvPr id="3" name="Textplatzhalter 2"/>
+              <a:rPr lang="en-US" smtClean="0"/>
+              <a:t>Click to edit Master title style</a:t>
+            </a:r>
+            <a:endParaRPr lang="en-US" dirty="0"/>
+          </a:p>
+        </p:txBody>
+      </p:sp>
+      <p:sp>
+        <p:nvSpPr>
+          <p:cNvPr id="3" name="Text Placeholder 2"/>
           <p:cNvSpPr>
             <a:spLocks noGrp="1"/>
           </p:cNvSpPr>
@@ -2497,8 +2493,8 @@
         </p:nvSpPr>
         <p:spPr>
           <a:xfrm>
-            <a:off x="838200" y="1825625"/>
-            <a:ext cx="10515600" cy="4351338"/>
+            <a:off x="628650" y="1825625"/>
+            <a:ext cx="7886700" cy="4351338"/>
           </a:xfrm>
           <a:prstGeom prst="rect">
             <a:avLst/>
@@ -2512,44 +2508,44 @@
           <a:p>
             <a:pPr lvl="0"/>
             <a:r>
-              <a:rPr lang="de-DE" smtClean="0"/>
-              <a:t>Textmasterformat bearbeiten</a:t>
+              <a:rPr lang="en-US" smtClean="0"/>
+              <a:t>Click to edit Master text styles</a:t>
             </a:r>
           </a:p>
           <a:p>
             <a:pPr lvl="1"/>
             <a:r>
-              <a:rPr lang="de-DE" smtClean="0"/>
-              <a:t>Zweite Ebene</a:t>
+              <a:rPr lang="en-US" smtClean="0"/>
+              <a:t>Second level</a:t>
             </a:r>
           </a:p>
           <a:p>
             <a:pPr lvl="2"/>
             <a:r>
-              <a:rPr lang="de-DE" smtClean="0"/>
-              <a:t>Dritte Ebene</a:t>
+              <a:rPr lang="en-US" smtClean="0"/>
+              <a:t>Third level</a:t>
             </a:r>
           </a:p>
           <a:p>
             <a:pPr lvl="3"/>
             <a:r>
-              <a:rPr lang="de-DE" smtClean="0"/>
-              <a:t>Vierte Ebene</a:t>
+              <a:rPr lang="en-US" smtClean="0"/>
+              <a:t>Fourth level</a:t>
             </a:r>
           </a:p>
           <a:p>
             <a:pPr lvl="4"/>
             <a:r>
-              <a:rPr lang="de-DE" smtClean="0"/>
-              <a:t>Fünfte Ebene</a:t>
-            </a:r>
-            <a:endParaRPr lang="de-DE"/>
-          </a:p>
-        </p:txBody>
-      </p:sp>
-      <p:sp>
-        <p:nvSpPr>
-          <p:cNvPr id="4" name="Datumsplatzhalter 3"/>
+              <a:rPr lang="en-US" smtClean="0"/>
+              <a:t>Fifth level</a:t>
+            </a:r>
+            <a:endParaRPr lang="en-US" dirty="0"/>
+          </a:p>
+        </p:txBody>
+      </p:sp>
+      <p:sp>
+        <p:nvSpPr>
+          <p:cNvPr id="4" name="Date Placeholder 3"/>
           <p:cNvSpPr>
             <a:spLocks noGrp="1"/>
           </p:cNvSpPr>
@@ -2559,8 +2555,8 @@
         </p:nvSpPr>
         <p:spPr>
           <a:xfrm>
-            <a:off x="838200" y="6356350"/>
-            <a:ext cx="2743200" cy="365125"/>
+            <a:off x="628650" y="6356351"/>
+            <a:ext cx="2057400" cy="365125"/>
           </a:xfrm>
           <a:prstGeom prst="rect">
             <a:avLst/>
@@ -2590,7 +2586,7 @@
       </p:sp>
       <p:sp>
         <p:nvSpPr>
-          <p:cNvPr id="5" name="Fußzeilenplatzhalter 4"/>
+          <p:cNvPr id="5" name="Footer Placeholder 4"/>
           <p:cNvSpPr>
             <a:spLocks noGrp="1"/>
           </p:cNvSpPr>
@@ -2600,8 +2596,8 @@
         </p:nvSpPr>
         <p:spPr>
           <a:xfrm>
-            <a:off x="4038600" y="6356350"/>
-            <a:ext cx="4114800" cy="365125"/>
+            <a:off x="3028950" y="6356351"/>
+            <a:ext cx="3086100" cy="365125"/>
           </a:xfrm>
           <a:prstGeom prst="rect">
             <a:avLst/>
@@ -2627,7 +2623,7 @@
       </p:sp>
       <p:sp>
         <p:nvSpPr>
-          <p:cNvPr id="6" name="Foliennummernplatzhalter 5"/>
+          <p:cNvPr id="6" name="Slide Number Placeholder 5"/>
           <p:cNvSpPr>
             <a:spLocks noGrp="1"/>
           </p:cNvSpPr>
@@ -2637,8 +2633,8 @@
         </p:nvSpPr>
         <p:spPr>
           <a:xfrm>
-            <a:off x="8610600" y="6356350"/>
-            <a:ext cx="2743200" cy="365125"/>
+            <a:off x="6457950" y="6356351"/>
+            <a:ext cx="2057400" cy="365125"/>
           </a:xfrm>
           <a:prstGeom prst="rect">
             <a:avLst/>
@@ -2669,23 +2665,23 @@
     </p:spTree>
     <p:extLst>
       <p:ext uri="{BB962C8B-B14F-4D97-AF65-F5344CB8AC3E}">
-        <p14:creationId xmlns:p14="http://schemas.microsoft.com/office/powerpoint/2010/main" val="3338505665"/>
+        <p14:creationId xmlns:p14="http://schemas.microsoft.com/office/powerpoint/2010/main" val="3353108588"/>
       </p:ext>
     </p:extLst>
   </p:cSld>
   <p:clrMap bg1="lt1" tx1="dk1" bg2="lt2" tx2="dk2" accent1="accent1" accent2="accent2" accent3="accent3" accent4="accent4" accent5="accent5" accent6="accent6" hlink="hlink" folHlink="folHlink"/>
   <p:sldLayoutIdLst>
-    <p:sldLayoutId id="2147483649" r:id="rId1"/>
-    <p:sldLayoutId id="2147483650" r:id="rId2"/>
-    <p:sldLayoutId id="2147483651" r:id="rId3"/>
-    <p:sldLayoutId id="2147483652" r:id="rId4"/>
-    <p:sldLayoutId id="2147483653" r:id="rId5"/>
-    <p:sldLayoutId id="2147483654" r:id="rId6"/>
-    <p:sldLayoutId id="2147483655" r:id="rId7"/>
-    <p:sldLayoutId id="2147483656" r:id="rId8"/>
-    <p:sldLayoutId id="2147483657" r:id="rId9"/>
-    <p:sldLayoutId id="2147483658" r:id="rId10"/>
-    <p:sldLayoutId id="2147483659" r:id="rId11"/>
+    <p:sldLayoutId id="2147483661" r:id="rId1"/>
+    <p:sldLayoutId id="2147483662" r:id="rId2"/>
+    <p:sldLayoutId id="2147483663" r:id="rId3"/>
+    <p:sldLayoutId id="2147483664" r:id="rId4"/>
+    <p:sldLayoutId id="2147483665" r:id="rId5"/>
+    <p:sldLayoutId id="2147483666" r:id="rId6"/>
+    <p:sldLayoutId id="2147483667" r:id="rId7"/>
+    <p:sldLayoutId id="2147483668" r:id="rId8"/>
+    <p:sldLayoutId id="2147483669" r:id="rId9"/>
+    <p:sldLayoutId id="2147483670" r:id="rId10"/>
+    <p:sldLayoutId id="2147483671" r:id="rId11"/>
   </p:sldLayoutIdLst>
   <p:txStyles>
     <p:titleStyle>
@@ -2873,7 +2869,7 @@
     </p:bodyStyle>
     <p:otherStyle>
       <a:defPPr>
-        <a:defRPr lang="de-DE"/>
+        <a:defRPr lang="en-US"/>
       </a:defPPr>
       <a:lvl1pPr marL="0" algn="l" defTabSz="914400" rtl="0" eaLnBrk="1" latinLnBrk="0" hangingPunct="1">
         <a:defRPr sz="1800" kern="1200">
@@ -3116,82 +3112,46 @@
           <a:p>
             <a:r>
               <a:rPr lang="en-US" dirty="0" smtClean="0"/>
-              <a:t>Motivation</a:t>
-            </a:r>
-          </a:p>
-          <a:p>
-            <a:pPr lvl="1"/>
+              <a:t>Redesign HL Persistence to use Google Protocol Buffers</a:t>
+            </a:r>
+          </a:p>
+          <a:p>
             <a:r>
               <a:rPr lang="en-US" dirty="0" smtClean="0"/>
-              <a:t>Performance</a:t>
-            </a:r>
-          </a:p>
-          <a:p>
-            <a:pPr lvl="2"/>
+              <a:t>Increase serialization/deserialization speed</a:t>
+            </a:r>
+          </a:p>
+          <a:p>
             <a:r>
               <a:rPr lang="en-US" dirty="0" smtClean="0"/>
-              <a:t>Speed, file size, memory consumption</a:t>
-            </a:r>
-          </a:p>
-          <a:p>
-            <a:pPr lvl="1"/>
+              <a:t>Decouple structure of HL objects from persistence data format</a:t>
+            </a:r>
+          </a:p>
+          <a:p>
             <a:r>
               <a:rPr lang="en-US" dirty="0" smtClean="0"/>
-              <a:t>More flexibility</a:t>
-            </a:r>
-          </a:p>
-          <a:p>
-            <a:pPr lvl="2"/>
+              <a:t>Separate backward compatibility code from HL objects</a:t>
+            </a:r>
+          </a:p>
+          <a:p>
             <a:r>
               <a:rPr lang="en-US" dirty="0" smtClean="0"/>
-              <a:t>Backwards compatibility</a:t>
-            </a:r>
-          </a:p>
-          <a:p>
-            <a:pPr lvl="2"/>
+              <a:t>Support different formats of HL objects and converters to transform one format into another</a:t>
+            </a:r>
+          </a:p>
+          <a:p>
+            <a:endParaRPr lang="en-US" dirty="0"/>
+          </a:p>
+          <a:p>
             <a:r>
               <a:rPr lang="en-US" dirty="0" smtClean="0"/>
-              <a:t>Renaming of classes</a:t>
-            </a:r>
-          </a:p>
-          <a:p>
-            <a:pPr lvl="2"/>
+              <a:t>HL 4.0 will break persistence completely</a:t>
+            </a:r>
+          </a:p>
+          <a:p>
             <a:r>
               <a:rPr lang="en-US" dirty="0" smtClean="0"/>
-              <a:t>Versioning</a:t>
-            </a:r>
-          </a:p>
-          <a:p>
-            <a:r>
-              <a:rPr lang="en-US" dirty="0" smtClean="0"/>
-              <a:t>Technical</a:t>
-            </a:r>
-          </a:p>
-          <a:p>
-            <a:pPr lvl="1"/>
-            <a:r>
-              <a:rPr lang="en-US" dirty="0" smtClean="0"/>
-              <a:t>Google Protocol Buffers instead of XML</a:t>
-            </a:r>
-          </a:p>
-          <a:p>
-            <a:pPr lvl="1"/>
-            <a:r>
-              <a:rPr lang="en-US" dirty="0" smtClean="0"/>
-              <a:t>Independent of type names</a:t>
-            </a:r>
-          </a:p>
-          <a:p>
-            <a:pPr lvl="1"/>
-            <a:r>
-              <a:rPr lang="en-US" dirty="0" smtClean="0"/>
-              <a:t>Caching</a:t>
-            </a:r>
-          </a:p>
-          <a:p>
-            <a:r>
-              <a:rPr lang="en-US" dirty="0" smtClean="0"/>
-              <a:t>Storage format, API: In development</a:t>
+              <a:t>No converters from HL 3.3.x to HL 4.0 planned</a:t>
             </a:r>
             <a:endParaRPr lang="en-US" dirty="0"/>
           </a:p>
@@ -3200,7 +3160,7 @@
     </p:spTree>
     <p:extLst>
       <p:ext uri="{BB962C8B-B14F-4D97-AF65-F5344CB8AC3E}">
-        <p14:creationId xmlns:p14="http://schemas.microsoft.com/office/powerpoint/2010/main" val="3869330990"/>
+        <p14:creationId xmlns:p14="http://schemas.microsoft.com/office/powerpoint/2010/main" val="3434304128"/>
       </p:ext>
     </p:extLst>
   </p:cSld>
@@ -3250,10 +3210,14 @@
           <a:lstStyle/>
           <a:p>
             <a:r>
-              <a:rPr lang="en-US" dirty="0" smtClean="0"/>
-              <a:t>New Persistence</a:t>
-            </a:r>
-            <a:endParaRPr lang="en-US" dirty="0"/>
+              <a:rPr lang="de-DE" dirty="0" err="1"/>
+              <a:t>Plugin</a:t>
+            </a:r>
+            <a:r>
+              <a:rPr lang="de-DE" dirty="0"/>
+              <a:t> Infrastructure</a:t>
+            </a:r>
+            <a:endParaRPr lang="de-AT" dirty="0"/>
           </a:p>
         </p:txBody>
       </p:sp>
@@ -3269,62 +3233,189 @@
         </p:nvSpPr>
         <p:spPr/>
         <p:txBody>
-          <a:bodyPr>
-            <a:normAutofit lnSpcReduction="10000"/>
-          </a:bodyPr>
+          <a:bodyPr/>
           <a:lstStyle/>
           <a:p>
             <a:r>
-              <a:rPr lang="en-US" dirty="0" smtClean="0"/>
-              <a:t>Redesign HL Persistence to use Google Protocol Buffers</a:t>
-            </a:r>
-          </a:p>
-          <a:p>
-            <a:r>
-              <a:rPr lang="en-US" dirty="0" smtClean="0"/>
-              <a:t>Increase serialization/deserialization speed</a:t>
-            </a:r>
-          </a:p>
-          <a:p>
-            <a:r>
-              <a:rPr lang="en-US" dirty="0" smtClean="0"/>
-              <a:t>Decouple structure of HL objects from persistence data format</a:t>
-            </a:r>
-          </a:p>
-          <a:p>
-            <a:r>
-              <a:rPr lang="en-US" dirty="0" smtClean="0"/>
-              <a:t>Separate backward compatibility code from HL objects</a:t>
-            </a:r>
-          </a:p>
-          <a:p>
-            <a:r>
-              <a:rPr lang="en-US" dirty="0" smtClean="0"/>
-              <a:t>Support different formats of HL objects and converters to transform one format into another</a:t>
-            </a:r>
-          </a:p>
-          <a:p>
-            <a:endParaRPr lang="en-US" dirty="0"/>
-          </a:p>
-          <a:p>
-            <a:r>
-              <a:rPr lang="en-US" dirty="0" smtClean="0"/>
-              <a:t>HL 4.0 will break persistence completely</a:t>
-            </a:r>
-          </a:p>
-          <a:p>
-            <a:r>
-              <a:rPr lang="en-US" dirty="0" smtClean="0"/>
-              <a:t>No converters from HL 3.3.x to HL 4.0 planned</a:t>
-            </a:r>
-            <a:endParaRPr lang="en-US" dirty="0"/>
-          </a:p>
-        </p:txBody>
-      </p:sp>
+              <a:rPr lang="de-AT" dirty="0" err="1" smtClean="0"/>
+              <a:t>Optimizer</a:t>
+            </a:r>
+            <a:r>
+              <a:rPr lang="de-AT" dirty="0" smtClean="0"/>
+              <a:t> </a:t>
+            </a:r>
+            <a:r>
+              <a:rPr lang="de-AT" dirty="0" err="1" smtClean="0"/>
+              <a:t>starts</a:t>
+            </a:r>
+            <a:r>
+              <a:rPr lang="de-AT" dirty="0" smtClean="0"/>
+              <a:t> </a:t>
+            </a:r>
+            <a:r>
+              <a:rPr lang="de-AT" dirty="0" err="1" smtClean="0"/>
+              <a:t>directly</a:t>
+            </a:r>
+            <a:endParaRPr lang="de-AT" dirty="0" smtClean="0"/>
+          </a:p>
+          <a:p>
+            <a:r>
+              <a:rPr lang="de-AT" dirty="0" err="1" smtClean="0"/>
+              <a:t>Plugin</a:t>
+            </a:r>
+            <a:r>
+              <a:rPr lang="de-AT" dirty="0" smtClean="0"/>
+              <a:t> </a:t>
+            </a:r>
+            <a:r>
+              <a:rPr lang="de-AT" dirty="0" err="1" smtClean="0"/>
+              <a:t>managements</a:t>
+            </a:r>
+            <a:r>
+              <a:rPr lang="de-AT" dirty="0" smtClean="0"/>
+              <a:t> </a:t>
+            </a:r>
+            <a:r>
+              <a:rPr lang="de-AT" dirty="0" err="1" smtClean="0"/>
+              <a:t>integrated</a:t>
+            </a:r>
+            <a:endParaRPr lang="de-AT" dirty="0" smtClean="0"/>
+          </a:p>
+          <a:p>
+            <a:r>
+              <a:rPr lang="de-AT" dirty="0" err="1" smtClean="0"/>
+              <a:t>ErrorHandling</a:t>
+            </a:r>
+            <a:r>
+              <a:rPr lang="de-AT" dirty="0" smtClean="0"/>
+              <a:t> </a:t>
+            </a:r>
+            <a:r>
+              <a:rPr lang="de-AT" dirty="0" err="1" smtClean="0"/>
+              <a:t>for</a:t>
+            </a:r>
+            <a:r>
+              <a:rPr lang="de-AT" dirty="0" smtClean="0"/>
+              <a:t> Views in </a:t>
+            </a:r>
+            <a:r>
+              <a:rPr lang="de-AT" dirty="0" err="1" smtClean="0"/>
+              <a:t>Mainform</a:t>
+            </a:r>
+            <a:endParaRPr lang="de-AT" dirty="0"/>
+          </a:p>
+        </p:txBody>
+      </p:sp>
+      <p:pic>
+        <p:nvPicPr>
+          <p:cNvPr id="4" name="Picture 3"/>
+          <p:cNvPicPr>
+            <a:picLocks noChangeAspect="1" noChangeArrowheads="1"/>
+          </p:cNvPicPr>
+          <p:nvPr/>
+        </p:nvPicPr>
+        <p:blipFill rotWithShape="1">
+          <a:blip r:embed="rId2" cstate="print">
+            <a:extLst>
+              <a:ext uri="{28A0092B-C50C-407E-A947-70E740481C1C}">
+                <a14:useLocalDpi xmlns:a14="http://schemas.microsoft.com/office/drawing/2010/main" val="0"/>
+              </a:ext>
+            </a:extLst>
+          </a:blip>
+          <a:srcRect l="6800" t="10625" r="60200" b="50000"/>
+          <a:stretch/>
+        </p:blipFill>
+        <p:spPr bwMode="auto">
+          <a:xfrm>
+            <a:off x="613956" y="3616832"/>
+            <a:ext cx="3958044" cy="3022507"/>
+          </a:xfrm>
+          <a:prstGeom prst="rect">
+            <a:avLst/>
+          </a:prstGeom>
+          <a:noFill/>
+          <a:ln>
+            <a:noFill/>
+          </a:ln>
+          <a:extLst>
+            <a:ext uri="{909E8E84-426E-40DD-AFC4-6F175D3DCCD1}">
+              <a14:hiddenFill xmlns:a14="http://schemas.microsoft.com/office/drawing/2010/main">
+                <a:solidFill>
+                  <a:schemeClr val="accent1"/>
+                </a:solidFill>
+              </a14:hiddenFill>
+            </a:ext>
+            <a:ext uri="{91240B29-F687-4F45-9708-019B960494DF}">
+              <a14:hiddenLine xmlns:a14="http://schemas.microsoft.com/office/drawing/2010/main" w="9525">
+                <a:solidFill>
+                  <a:schemeClr val="tx1"/>
+                </a:solidFill>
+                <a:miter lim="800000"/>
+                <a:headEnd/>
+                <a:tailEnd/>
+              </a14:hiddenLine>
+            </a:ext>
+          </a:extLst>
+        </p:spPr>
+      </p:pic>
+      <p:pic>
+        <p:nvPicPr>
+          <p:cNvPr id="5" name="Picture 3"/>
+          <p:cNvPicPr>
+            <a:picLocks noChangeAspect="1" noChangeArrowheads="1"/>
+          </p:cNvPicPr>
+          <p:nvPr/>
+        </p:nvPicPr>
+        <p:blipFill>
+          <a:blip r:embed="rId3">
+            <a:extLst>
+              <a:ext uri="{28A0092B-C50C-407E-A947-70E740481C1C}">
+                <a14:useLocalDpi xmlns:a14="http://schemas.microsoft.com/office/drawing/2010/main" val="0"/>
+              </a:ext>
+            </a:extLst>
+          </a:blip>
+          <a:srcRect/>
+          <a:stretch>
+            <a:fillRect/>
+          </a:stretch>
+        </p:blipFill>
+        <p:spPr bwMode="auto">
+          <a:xfrm>
+            <a:off x="4675119" y="3616832"/>
+            <a:ext cx="4087398" cy="3022507"/>
+          </a:xfrm>
+          <a:prstGeom prst="rect">
+            <a:avLst/>
+          </a:prstGeom>
+          <a:noFill/>
+          <a:ln>
+            <a:noFill/>
+          </a:ln>
+          <a:extLst>
+            <a:ext uri="{909E8E84-426E-40DD-AFC4-6F175D3DCCD1}">
+              <a14:hiddenFill xmlns:a14="http://schemas.microsoft.com/office/drawing/2010/main">
+                <a:solidFill>
+                  <a:schemeClr val="accent1"/>
+                </a:solidFill>
+              </a14:hiddenFill>
+            </a:ext>
+            <a:ext uri="{91240B29-F687-4F45-9708-019B960494DF}">
+              <a14:hiddenLine xmlns:a14="http://schemas.microsoft.com/office/drawing/2010/main" w="9525">
+                <a:solidFill>
+                  <a:schemeClr val="tx1"/>
+                </a:solidFill>
+                <a:miter lim="800000"/>
+                <a:headEnd/>
+                <a:tailEnd/>
+              </a14:hiddenLine>
+            </a:ext>
+          </a:extLst>
+        </p:spPr>
+      </p:pic>
     </p:spTree>
     <p:extLst>
       <p:ext uri="{BB962C8B-B14F-4D97-AF65-F5344CB8AC3E}">
-        <p14:creationId xmlns:p14="http://schemas.microsoft.com/office/powerpoint/2010/main" val="1164379364"/>
+        <p14:creationId xmlns:p14="http://schemas.microsoft.com/office/powerpoint/2010/main" val="1715222740"/>
       </p:ext>
     </p:extLst>
   </p:cSld>
@@ -3373,7 +3464,15 @@
           <a:bodyPr/>
           <a:lstStyle/>
           <a:p>
-            <a:endParaRPr lang="de-DE"/>
+            <a:r>
+              <a:rPr lang="de-DE" dirty="0" err="1" smtClean="0"/>
+              <a:t>Plugin</a:t>
+            </a:r>
+            <a:r>
+              <a:rPr lang="de-DE" dirty="0" smtClean="0"/>
+              <a:t> Information</a:t>
+            </a:r>
+            <a:endParaRPr lang="de-DE" dirty="0"/>
           </a:p>
         </p:txBody>
       </p:sp>
@@ -3398,7 +3497,7 @@
       </p:sp>
       <p:pic>
         <p:nvPicPr>
-          <p:cNvPr id="6147" name="Picture 3"/>
+          <p:cNvPr id="5" name="Picture 2"/>
           <p:cNvPicPr>
             <a:picLocks noChangeAspect="1" noChangeArrowheads="1"/>
           </p:cNvPicPr>
@@ -3412,13 +3511,13 @@
               </a:ext>
             </a:extLst>
           </a:blip>
-          <a:srcRect l="6800" t="10625" r="60200" b="50000"/>
+          <a:srcRect r="23989" b="24711"/>
           <a:stretch/>
         </p:blipFill>
         <p:spPr bwMode="auto">
           <a:xfrm>
-            <a:off x="1901788" y="226147"/>
-            <a:ext cx="8388424" cy="6405706"/>
+            <a:off x="3994028" y="2955752"/>
+            <a:ext cx="4903304" cy="3356147"/>
           </a:xfrm>
           <a:prstGeom prst="rect">
             <a:avLst/>
@@ -3448,16 +3547,77 @@
           </a:extLst>
         </p:spPr>
       </p:pic>
+      <p:pic>
+        <p:nvPicPr>
+          <p:cNvPr id="2050" name="Picture 2"/>
+          <p:cNvPicPr>
+            <a:picLocks noChangeAspect="1" noChangeArrowheads="1"/>
+          </p:cNvPicPr>
+          <p:nvPr/>
+        </p:nvPicPr>
+        <p:blipFill>
+          <a:blip r:embed="rId3">
+            <a:extLst>
+              <a:ext uri="{28A0092B-C50C-407E-A947-70E740481C1C}">
+                <a14:useLocalDpi xmlns:a14="http://schemas.microsoft.com/office/drawing/2010/main" val="0"/>
+              </a:ext>
+            </a:extLst>
+          </a:blip>
+          <a:srcRect/>
+          <a:stretch>
+            <a:fillRect/>
+          </a:stretch>
+        </p:blipFill>
+        <p:spPr bwMode="auto">
+          <a:xfrm>
+            <a:off x="246668" y="1494149"/>
+            <a:ext cx="6084087" cy="4204286"/>
+          </a:xfrm>
+          <a:prstGeom prst="rect">
+            <a:avLst/>
+          </a:prstGeom>
+          <a:noFill/>
+          <a:ln>
+            <a:noFill/>
+          </a:ln>
+          <a:extLst>
+            <a:ext uri="{909E8E84-426E-40DD-AFC4-6F175D3DCCD1}">
+              <a14:hiddenFill xmlns:a14="http://schemas.microsoft.com/office/drawing/2010/main">
+                <a:solidFill>
+                  <a:schemeClr val="accent1"/>
+                </a:solidFill>
+              </a14:hiddenFill>
+            </a:ext>
+            <a:ext uri="{91240B29-F687-4F45-9708-019B960494DF}">
+              <a14:hiddenLine xmlns:a14="http://schemas.microsoft.com/office/drawing/2010/main" w="9525">
+                <a:solidFill>
+                  <a:schemeClr val="tx1"/>
+                </a:solidFill>
+                <a:miter lim="800000"/>
+                <a:headEnd/>
+                <a:tailEnd/>
+              </a14:hiddenLine>
+            </a:ext>
+          </a:extLst>
+        </p:spPr>
+      </p:pic>
     </p:spTree>
     <p:extLst>
       <p:ext uri="{BB962C8B-B14F-4D97-AF65-F5344CB8AC3E}">
-        <p14:creationId xmlns:p14="http://schemas.microsoft.com/office/powerpoint/2010/main" val="1506446704"/>
+        <p14:creationId xmlns:p14="http://schemas.microsoft.com/office/powerpoint/2010/main" val="560921450"/>
       </p:ext>
     </p:extLst>
   </p:cSld>
   <p:clrMapOvr>
     <a:masterClrMapping/>
   </p:clrMapOvr>
+  <p:timing>
+    <p:tnLst>
+      <p:par>
+        <p:cTn id="1" dur="indefinite" restart="never" nodeType="tmRoot"/>
+      </p:par>
+    </p:tnLst>
+  </p:timing>
 </p:sld>
 </file>
 
@@ -3478,775 +3638,6 @@
           <a:chExt cx="0" cy="0"/>
         </a:xfrm>
       </p:grpSpPr>
-      <p:sp>
-        <p:nvSpPr>
-          <p:cNvPr id="2" name="Title 1"/>
-          <p:cNvSpPr>
-            <a:spLocks noGrp="1"/>
-          </p:cNvSpPr>
-          <p:nvPr>
-            <p:ph type="title"/>
-          </p:nvPr>
-        </p:nvSpPr>
-        <p:spPr/>
-        <p:txBody>
-          <a:bodyPr/>
-          <a:lstStyle/>
-          <a:p>
-            <a:endParaRPr lang="de-DE"/>
-          </a:p>
-        </p:txBody>
-      </p:sp>
-      <p:sp>
-        <p:nvSpPr>
-          <p:cNvPr id="3" name="Content Placeholder 2"/>
-          <p:cNvSpPr>
-            <a:spLocks noGrp="1"/>
-          </p:cNvSpPr>
-          <p:nvPr>
-            <p:ph idx="1"/>
-          </p:nvPr>
-        </p:nvSpPr>
-        <p:spPr/>
-        <p:txBody>
-          <a:bodyPr/>
-          <a:lstStyle/>
-          <a:p>
-            <a:endParaRPr lang="de-DE"/>
-          </a:p>
-        </p:txBody>
-      </p:sp>
-      <p:pic>
-        <p:nvPicPr>
-          <p:cNvPr id="1027" name="Picture 3"/>
-          <p:cNvPicPr>
-            <a:picLocks noChangeAspect="1" noChangeArrowheads="1"/>
-          </p:cNvPicPr>
-          <p:nvPr/>
-        </p:nvPicPr>
-        <p:blipFill>
-          <a:blip r:embed="rId2">
-            <a:extLst>
-              <a:ext uri="{28A0092B-C50C-407E-A947-70E740481C1C}">
-                <a14:useLocalDpi xmlns:a14="http://schemas.microsoft.com/office/drawing/2010/main" val="0"/>
-              </a:ext>
-            </a:extLst>
-          </a:blip>
-          <a:srcRect/>
-          <a:stretch>
-            <a:fillRect/>
-          </a:stretch>
-        </p:blipFill>
-        <p:spPr bwMode="auto">
-          <a:xfrm>
-            <a:off x="3043239" y="1171575"/>
-            <a:ext cx="6105525" cy="4514850"/>
-          </a:xfrm>
-          <a:prstGeom prst="rect">
-            <a:avLst/>
-          </a:prstGeom>
-          <a:noFill/>
-          <a:ln>
-            <a:noFill/>
-          </a:ln>
-          <a:extLst>
-            <a:ext uri="{909E8E84-426E-40DD-AFC4-6F175D3DCCD1}">
-              <a14:hiddenFill xmlns:a14="http://schemas.microsoft.com/office/drawing/2010/main">
-                <a:solidFill>
-                  <a:schemeClr val="accent1"/>
-                </a:solidFill>
-              </a14:hiddenFill>
-            </a:ext>
-            <a:ext uri="{91240B29-F687-4F45-9708-019B960494DF}">
-              <a14:hiddenLine xmlns:a14="http://schemas.microsoft.com/office/drawing/2010/main" w="9525">
-                <a:solidFill>
-                  <a:schemeClr val="tx1"/>
-                </a:solidFill>
-                <a:miter lim="800000"/>
-                <a:headEnd/>
-                <a:tailEnd/>
-              </a14:hiddenLine>
-            </a:ext>
-          </a:extLst>
-        </p:spPr>
-      </p:pic>
-    </p:spTree>
-    <p:extLst>
-      <p:ext uri="{BB962C8B-B14F-4D97-AF65-F5344CB8AC3E}">
-        <p14:creationId xmlns:p14="http://schemas.microsoft.com/office/powerpoint/2010/main" val="1794920227"/>
-      </p:ext>
-    </p:extLst>
-  </p:cSld>
-  <p:clrMapOvr>
-    <a:masterClrMapping/>
-  </p:clrMapOvr>
-</p:sld>
-</file>
-
-<file path=ppt/slides/slide14.xml><?xml version="1.0" encoding="utf-8"?>
-<p:sld xmlns:a="http://schemas.openxmlformats.org/drawingml/2006/main" xmlns:r="http://schemas.openxmlformats.org/officeDocument/2006/relationships" xmlns:p="http://schemas.openxmlformats.org/presentationml/2006/main">
-  <p:cSld>
-    <p:spTree>
-      <p:nvGrpSpPr>
-        <p:cNvPr id="1" name=""/>
-        <p:cNvGrpSpPr/>
-        <p:nvPr/>
-      </p:nvGrpSpPr>
-      <p:grpSpPr>
-        <a:xfrm>
-          <a:off x="0" y="0"/>
-          <a:ext cx="0" cy="0"/>
-          <a:chOff x="0" y="0"/>
-          <a:chExt cx="0" cy="0"/>
-        </a:xfrm>
-      </p:grpSpPr>
-      <p:sp>
-        <p:nvSpPr>
-          <p:cNvPr id="2" name="Title 1"/>
-          <p:cNvSpPr>
-            <a:spLocks noGrp="1"/>
-          </p:cNvSpPr>
-          <p:nvPr>
-            <p:ph type="title"/>
-          </p:nvPr>
-        </p:nvSpPr>
-        <p:spPr/>
-        <p:txBody>
-          <a:bodyPr/>
-          <a:lstStyle/>
-          <a:p>
-            <a:endParaRPr lang="de-DE"/>
-          </a:p>
-        </p:txBody>
-      </p:sp>
-      <p:sp>
-        <p:nvSpPr>
-          <p:cNvPr id="3" name="Content Placeholder 2"/>
-          <p:cNvSpPr>
-            <a:spLocks noGrp="1"/>
-          </p:cNvSpPr>
-          <p:nvPr>
-            <p:ph idx="1"/>
-          </p:nvPr>
-        </p:nvSpPr>
-        <p:spPr/>
-        <p:txBody>
-          <a:bodyPr/>
-          <a:lstStyle/>
-          <a:p>
-            <a:endParaRPr lang="de-DE"/>
-          </a:p>
-        </p:txBody>
-      </p:sp>
-      <p:pic>
-        <p:nvPicPr>
-          <p:cNvPr id="2050" name="Picture 2"/>
-          <p:cNvPicPr>
-            <a:picLocks noChangeAspect="1" noChangeArrowheads="1"/>
-          </p:cNvPicPr>
-          <p:nvPr/>
-        </p:nvPicPr>
-        <p:blipFill>
-          <a:blip r:embed="rId2">
-            <a:extLst>
-              <a:ext uri="{28A0092B-C50C-407E-A947-70E740481C1C}">
-                <a14:useLocalDpi xmlns:a14="http://schemas.microsoft.com/office/drawing/2010/main" val="0"/>
-              </a:ext>
-            </a:extLst>
-          </a:blip>
-          <a:srcRect/>
-          <a:stretch>
-            <a:fillRect/>
-          </a:stretch>
-        </p:blipFill>
-        <p:spPr bwMode="auto">
-          <a:xfrm>
-            <a:off x="1795464" y="457200"/>
-            <a:ext cx="8601075" cy="5943600"/>
-          </a:xfrm>
-          <a:prstGeom prst="rect">
-            <a:avLst/>
-          </a:prstGeom>
-          <a:noFill/>
-          <a:ln>
-            <a:noFill/>
-          </a:ln>
-          <a:extLst>
-            <a:ext uri="{909E8E84-426E-40DD-AFC4-6F175D3DCCD1}">
-              <a14:hiddenFill xmlns:a14="http://schemas.microsoft.com/office/drawing/2010/main">
-                <a:solidFill>
-                  <a:schemeClr val="accent1"/>
-                </a:solidFill>
-              </a14:hiddenFill>
-            </a:ext>
-            <a:ext uri="{91240B29-F687-4F45-9708-019B960494DF}">
-              <a14:hiddenLine xmlns:a14="http://schemas.microsoft.com/office/drawing/2010/main" w="9525">
-                <a:solidFill>
-                  <a:schemeClr val="tx1"/>
-                </a:solidFill>
-                <a:miter lim="800000"/>
-                <a:headEnd/>
-                <a:tailEnd/>
-              </a14:hiddenLine>
-            </a:ext>
-          </a:extLst>
-        </p:spPr>
-      </p:pic>
-    </p:spTree>
-    <p:extLst>
-      <p:ext uri="{BB962C8B-B14F-4D97-AF65-F5344CB8AC3E}">
-        <p14:creationId xmlns:p14="http://schemas.microsoft.com/office/powerpoint/2010/main" val="560921450"/>
-      </p:ext>
-    </p:extLst>
-  </p:cSld>
-  <p:clrMapOvr>
-    <a:masterClrMapping/>
-  </p:clrMapOvr>
-</p:sld>
-</file>
-
-<file path=ppt/slides/slide15.xml><?xml version="1.0" encoding="utf-8"?>
-<p:sld xmlns:a="http://schemas.openxmlformats.org/drawingml/2006/main" xmlns:r="http://schemas.openxmlformats.org/officeDocument/2006/relationships" xmlns:p="http://schemas.openxmlformats.org/presentationml/2006/main">
-  <p:cSld>
-    <p:spTree>
-      <p:nvGrpSpPr>
-        <p:cNvPr id="1" name=""/>
-        <p:cNvGrpSpPr/>
-        <p:nvPr/>
-      </p:nvGrpSpPr>
-      <p:grpSpPr>
-        <a:xfrm>
-          <a:off x="0" y="0"/>
-          <a:ext cx="0" cy="0"/>
-          <a:chOff x="0" y="0"/>
-          <a:chExt cx="0" cy="0"/>
-        </a:xfrm>
-      </p:grpSpPr>
-      <p:sp>
-        <p:nvSpPr>
-          <p:cNvPr id="2" name="Title 1"/>
-          <p:cNvSpPr>
-            <a:spLocks noGrp="1"/>
-          </p:cNvSpPr>
-          <p:nvPr>
-            <p:ph type="title"/>
-          </p:nvPr>
-        </p:nvSpPr>
-        <p:spPr/>
-        <p:txBody>
-          <a:bodyPr/>
-          <a:lstStyle/>
-          <a:p>
-            <a:endParaRPr lang="de-DE"/>
-          </a:p>
-        </p:txBody>
-      </p:sp>
-      <p:sp>
-        <p:nvSpPr>
-          <p:cNvPr id="3" name="Content Placeholder 2"/>
-          <p:cNvSpPr>
-            <a:spLocks noGrp="1"/>
-          </p:cNvSpPr>
-          <p:nvPr>
-            <p:ph idx="1"/>
-          </p:nvPr>
-        </p:nvSpPr>
-        <p:spPr/>
-        <p:txBody>
-          <a:bodyPr/>
-          <a:lstStyle/>
-          <a:p>
-            <a:endParaRPr lang="de-DE"/>
-          </a:p>
-        </p:txBody>
-      </p:sp>
-      <p:pic>
-        <p:nvPicPr>
-          <p:cNvPr id="3074" name="Picture 2"/>
-          <p:cNvPicPr>
-            <a:picLocks noChangeAspect="1" noChangeArrowheads="1"/>
-          </p:cNvPicPr>
-          <p:nvPr/>
-        </p:nvPicPr>
-        <p:blipFill>
-          <a:blip r:embed="rId2">
-            <a:extLst>
-              <a:ext uri="{28A0092B-C50C-407E-A947-70E740481C1C}">
-                <a14:useLocalDpi xmlns:a14="http://schemas.microsoft.com/office/drawing/2010/main" val="0"/>
-              </a:ext>
-            </a:extLst>
-          </a:blip>
-          <a:srcRect/>
-          <a:stretch>
-            <a:fillRect/>
-          </a:stretch>
-        </p:blipFill>
-        <p:spPr bwMode="auto">
-          <a:xfrm>
-            <a:off x="1795464" y="457200"/>
-            <a:ext cx="8601075" cy="5943600"/>
-          </a:xfrm>
-          <a:prstGeom prst="rect">
-            <a:avLst/>
-          </a:prstGeom>
-          <a:noFill/>
-          <a:ln>
-            <a:noFill/>
-          </a:ln>
-          <a:extLst>
-            <a:ext uri="{909E8E84-426E-40DD-AFC4-6F175D3DCCD1}">
-              <a14:hiddenFill xmlns:a14="http://schemas.microsoft.com/office/drawing/2010/main">
-                <a:solidFill>
-                  <a:schemeClr val="accent1"/>
-                </a:solidFill>
-              </a14:hiddenFill>
-            </a:ext>
-            <a:ext uri="{91240B29-F687-4F45-9708-019B960494DF}">
-              <a14:hiddenLine xmlns:a14="http://schemas.microsoft.com/office/drawing/2010/main" w="9525">
-                <a:solidFill>
-                  <a:schemeClr val="tx1"/>
-                </a:solidFill>
-                <a:miter lim="800000"/>
-                <a:headEnd/>
-                <a:tailEnd/>
-              </a14:hiddenLine>
-            </a:ext>
-          </a:extLst>
-        </p:spPr>
-      </p:pic>
-    </p:spTree>
-    <p:extLst>
-      <p:ext uri="{BB962C8B-B14F-4D97-AF65-F5344CB8AC3E}">
-        <p14:creationId xmlns:p14="http://schemas.microsoft.com/office/powerpoint/2010/main" val="3974713125"/>
-      </p:ext>
-    </p:extLst>
-  </p:cSld>
-  <p:clrMapOvr>
-    <a:masterClrMapping/>
-  </p:clrMapOvr>
-</p:sld>
-</file>
-
-<file path=ppt/slides/slide16.xml><?xml version="1.0" encoding="utf-8"?>
-<p:sld xmlns:a="http://schemas.openxmlformats.org/drawingml/2006/main" xmlns:r="http://schemas.openxmlformats.org/officeDocument/2006/relationships" xmlns:p="http://schemas.openxmlformats.org/presentationml/2006/main">
-  <p:cSld>
-    <p:spTree>
-      <p:nvGrpSpPr>
-        <p:cNvPr id="1" name=""/>
-        <p:cNvGrpSpPr/>
-        <p:nvPr/>
-      </p:nvGrpSpPr>
-      <p:grpSpPr>
-        <a:xfrm>
-          <a:off x="0" y="0"/>
-          <a:ext cx="0" cy="0"/>
-          <a:chOff x="0" y="0"/>
-          <a:chExt cx="0" cy="0"/>
-        </a:xfrm>
-      </p:grpSpPr>
-      <p:sp>
-        <p:nvSpPr>
-          <p:cNvPr id="2" name="Title 1"/>
-          <p:cNvSpPr>
-            <a:spLocks noGrp="1"/>
-          </p:cNvSpPr>
-          <p:nvPr>
-            <p:ph type="title"/>
-          </p:nvPr>
-        </p:nvSpPr>
-        <p:spPr/>
-        <p:txBody>
-          <a:bodyPr/>
-          <a:lstStyle/>
-          <a:p>
-            <a:endParaRPr lang="de-DE"/>
-          </a:p>
-        </p:txBody>
-      </p:sp>
-      <p:sp>
-        <p:nvSpPr>
-          <p:cNvPr id="3" name="Content Placeholder 2"/>
-          <p:cNvSpPr>
-            <a:spLocks noGrp="1"/>
-          </p:cNvSpPr>
-          <p:nvPr>
-            <p:ph idx="1"/>
-          </p:nvPr>
-        </p:nvSpPr>
-        <p:spPr/>
-        <p:txBody>
-          <a:bodyPr/>
-          <a:lstStyle/>
-          <a:p>
-            <a:endParaRPr lang="de-DE"/>
-          </a:p>
-        </p:txBody>
-      </p:sp>
-      <p:pic>
-        <p:nvPicPr>
-          <p:cNvPr id="4098" name="Picture 2"/>
-          <p:cNvPicPr>
-            <a:picLocks noChangeAspect="1" noChangeArrowheads="1"/>
-          </p:cNvPicPr>
-          <p:nvPr/>
-        </p:nvPicPr>
-        <p:blipFill>
-          <a:blip r:embed="rId2">
-            <a:extLst>
-              <a:ext uri="{28A0092B-C50C-407E-A947-70E740481C1C}">
-                <a14:useLocalDpi xmlns:a14="http://schemas.microsoft.com/office/drawing/2010/main" val="0"/>
-              </a:ext>
-            </a:extLst>
-          </a:blip>
-          <a:srcRect/>
-          <a:stretch>
-            <a:fillRect/>
-          </a:stretch>
-        </p:blipFill>
-        <p:spPr bwMode="auto">
-          <a:xfrm>
-            <a:off x="1795464" y="457200"/>
-            <a:ext cx="8601075" cy="5943600"/>
-          </a:xfrm>
-          <a:prstGeom prst="rect">
-            <a:avLst/>
-          </a:prstGeom>
-          <a:noFill/>
-          <a:ln>
-            <a:noFill/>
-          </a:ln>
-          <a:extLst>
-            <a:ext uri="{909E8E84-426E-40DD-AFC4-6F175D3DCCD1}">
-              <a14:hiddenFill xmlns:a14="http://schemas.microsoft.com/office/drawing/2010/main">
-                <a:solidFill>
-                  <a:schemeClr val="accent1"/>
-                </a:solidFill>
-              </a14:hiddenFill>
-            </a:ext>
-            <a:ext uri="{91240B29-F687-4F45-9708-019B960494DF}">
-              <a14:hiddenLine xmlns:a14="http://schemas.microsoft.com/office/drawing/2010/main" w="9525">
-                <a:solidFill>
-                  <a:schemeClr val="tx1"/>
-                </a:solidFill>
-                <a:miter lim="800000"/>
-                <a:headEnd/>
-                <a:tailEnd/>
-              </a14:hiddenLine>
-            </a:ext>
-          </a:extLst>
-        </p:spPr>
-      </p:pic>
-    </p:spTree>
-    <p:extLst>
-      <p:ext uri="{BB962C8B-B14F-4D97-AF65-F5344CB8AC3E}">
-        <p14:creationId xmlns:p14="http://schemas.microsoft.com/office/powerpoint/2010/main" val="2926280382"/>
-      </p:ext>
-    </p:extLst>
-  </p:cSld>
-  <p:clrMapOvr>
-    <a:masterClrMapping/>
-  </p:clrMapOvr>
-</p:sld>
-</file>
-
-<file path=ppt/slides/slide17.xml><?xml version="1.0" encoding="utf-8"?>
-<p:sld xmlns:a="http://schemas.openxmlformats.org/drawingml/2006/main" xmlns:r="http://schemas.openxmlformats.org/officeDocument/2006/relationships" xmlns:p="http://schemas.openxmlformats.org/presentationml/2006/main">
-  <p:cSld>
-    <p:spTree>
-      <p:nvGrpSpPr>
-        <p:cNvPr id="1" name=""/>
-        <p:cNvGrpSpPr/>
-        <p:nvPr/>
-      </p:nvGrpSpPr>
-      <p:grpSpPr>
-        <a:xfrm>
-          <a:off x="0" y="0"/>
-          <a:ext cx="0" cy="0"/>
-          <a:chOff x="0" y="0"/>
-          <a:chExt cx="0" cy="0"/>
-        </a:xfrm>
-      </p:grpSpPr>
-      <p:sp>
-        <p:nvSpPr>
-          <p:cNvPr id="2" name="Title 1"/>
-          <p:cNvSpPr>
-            <a:spLocks noGrp="1"/>
-          </p:cNvSpPr>
-          <p:nvPr>
-            <p:ph type="title"/>
-          </p:nvPr>
-        </p:nvSpPr>
-        <p:spPr/>
-        <p:txBody>
-          <a:bodyPr>
-            <a:normAutofit/>
-          </a:bodyPr>
-          <a:lstStyle/>
-          <a:p>
-            <a:r>
-              <a:rPr lang="de-AT" dirty="0" err="1" smtClean="0"/>
-              <a:t>ErrorHandling</a:t>
-            </a:r>
-            <a:r>
-              <a:rPr lang="de-AT" dirty="0" smtClean="0"/>
-              <a:t> über </a:t>
-            </a:r>
-            <a:r>
-              <a:rPr lang="de-AT" dirty="0" err="1" smtClean="0"/>
-              <a:t>MainForm</a:t>
-            </a:r>
-            <a:r>
-              <a:rPr lang="de-AT" dirty="0" smtClean="0"/>
-              <a:t> statt über </a:t>
-            </a:r>
-            <a:r>
-              <a:rPr lang="de-AT" dirty="0" err="1" smtClean="0"/>
-              <a:t>PluginInfrastucture</a:t>
-            </a:r>
-            <a:r>
-              <a:rPr lang="de-AT" dirty="0" smtClean="0"/>
-              <a:t> (für Views)</a:t>
-            </a:r>
-            <a:endParaRPr lang="de-DE" dirty="0"/>
-          </a:p>
-        </p:txBody>
-      </p:sp>
-      <p:sp>
-        <p:nvSpPr>
-          <p:cNvPr id="3" name="Content Placeholder 2"/>
-          <p:cNvSpPr>
-            <a:spLocks noGrp="1"/>
-          </p:cNvSpPr>
-          <p:nvPr>
-            <p:ph idx="1"/>
-          </p:nvPr>
-        </p:nvSpPr>
-        <p:spPr/>
-        <p:txBody>
-          <a:bodyPr/>
-          <a:lstStyle/>
-          <a:p>
-            <a:endParaRPr lang="de-DE"/>
-          </a:p>
-        </p:txBody>
-      </p:sp>
-      <p:pic>
-        <p:nvPicPr>
-          <p:cNvPr id="5122" name="Picture 2"/>
-          <p:cNvPicPr>
-            <a:picLocks noChangeAspect="1" noChangeArrowheads="1"/>
-          </p:cNvPicPr>
-          <p:nvPr/>
-        </p:nvPicPr>
-        <p:blipFill rotWithShape="1">
-          <a:blip r:embed="rId2">
-            <a:extLst>
-              <a:ext uri="{28A0092B-C50C-407E-A947-70E740481C1C}">
-                <a14:useLocalDpi xmlns:a14="http://schemas.microsoft.com/office/drawing/2010/main" val="0"/>
-              </a:ext>
-            </a:extLst>
-          </a:blip>
-          <a:srcRect t="27335" r="13377" b="21193"/>
-          <a:stretch/>
-        </p:blipFill>
-        <p:spPr bwMode="auto">
-          <a:xfrm>
-            <a:off x="1613422" y="1981160"/>
-            <a:ext cx="8965156" cy="2895680"/>
-          </a:xfrm>
-          <a:prstGeom prst="rect">
-            <a:avLst/>
-          </a:prstGeom>
-          <a:noFill/>
-          <a:ln>
-            <a:noFill/>
-          </a:ln>
-          <a:extLst>
-            <a:ext uri="{909E8E84-426E-40DD-AFC4-6F175D3DCCD1}">
-              <a14:hiddenFill xmlns:a14="http://schemas.microsoft.com/office/drawing/2010/main">
-                <a:solidFill>
-                  <a:schemeClr val="accent1"/>
-                </a:solidFill>
-              </a14:hiddenFill>
-            </a:ext>
-            <a:ext uri="{91240B29-F687-4F45-9708-019B960494DF}">
-              <a14:hiddenLine xmlns:a14="http://schemas.microsoft.com/office/drawing/2010/main" w="9525">
-                <a:solidFill>
-                  <a:schemeClr val="tx1"/>
-                </a:solidFill>
-                <a:miter lim="800000"/>
-                <a:headEnd/>
-                <a:tailEnd/>
-              </a14:hiddenLine>
-            </a:ext>
-          </a:extLst>
-        </p:spPr>
-      </p:pic>
-    </p:spTree>
-    <p:extLst>
-      <p:ext uri="{BB962C8B-B14F-4D97-AF65-F5344CB8AC3E}">
-        <p14:creationId xmlns:p14="http://schemas.microsoft.com/office/powerpoint/2010/main" val="2945437388"/>
-      </p:ext>
-    </p:extLst>
-  </p:cSld>
-  <p:clrMapOvr>
-    <a:masterClrMapping/>
-  </p:clrMapOvr>
-</p:sld>
-</file>
-
-<file path=ppt/slides/slide18.xml><?xml version="1.0" encoding="utf-8"?>
-<p:sld xmlns:a="http://schemas.openxmlformats.org/drawingml/2006/main" xmlns:r="http://schemas.openxmlformats.org/officeDocument/2006/relationships" xmlns:p="http://schemas.openxmlformats.org/presentationml/2006/main">
-  <p:cSld>
-    <p:spTree>
-      <p:nvGrpSpPr>
-        <p:cNvPr id="1" name=""/>
-        <p:cNvGrpSpPr/>
-        <p:nvPr/>
-      </p:nvGrpSpPr>
-      <p:grpSpPr>
-        <a:xfrm>
-          <a:off x="0" y="0"/>
-          <a:ext cx="0" cy="0"/>
-          <a:chOff x="0" y="0"/>
-          <a:chExt cx="0" cy="0"/>
-        </a:xfrm>
-      </p:grpSpPr>
-      <p:sp>
-        <p:nvSpPr>
-          <p:cNvPr id="2" name="Title 1"/>
-          <p:cNvSpPr>
-            <a:spLocks noGrp="1"/>
-          </p:cNvSpPr>
-          <p:nvPr>
-            <p:ph type="title"/>
-          </p:nvPr>
-        </p:nvSpPr>
-        <p:spPr/>
-        <p:txBody>
-          <a:bodyPr/>
-          <a:lstStyle/>
-          <a:p>
-            <a:r>
-              <a:rPr lang="en-US" dirty="0" smtClean="0"/>
-              <a:t>HeuristicLab Code Organization</a:t>
-            </a:r>
-            <a:endParaRPr lang="en-US" dirty="0"/>
-          </a:p>
-        </p:txBody>
-      </p:sp>
-      <p:sp>
-        <p:nvSpPr>
-          <p:cNvPr id="3" name="Content Placeholder 2"/>
-          <p:cNvSpPr>
-            <a:spLocks noGrp="1"/>
-          </p:cNvSpPr>
-          <p:nvPr>
-            <p:ph idx="1"/>
-          </p:nvPr>
-        </p:nvSpPr>
-        <p:spPr/>
-        <p:txBody>
-          <a:bodyPr>
-            <a:normAutofit lnSpcReduction="10000"/>
-          </a:bodyPr>
-          <a:lstStyle/>
-          <a:p>
-            <a:pPr marL="228600" lvl="1">
-              <a:spcBef>
-                <a:spcPts val="1000"/>
-              </a:spcBef>
-            </a:pPr>
-            <a:r>
-              <a:rPr lang="en-US" sz="2800" dirty="0" smtClean="0"/>
-              <a:t>Trunk solution contains </a:t>
-            </a:r>
-            <a:r>
-              <a:rPr lang="en-US" sz="2800" dirty="0"/>
-              <a:t>147 </a:t>
-            </a:r>
-            <a:r>
-              <a:rPr lang="en-US" sz="2800" dirty="0" smtClean="0"/>
-              <a:t>projects !!!</a:t>
-            </a:r>
-          </a:p>
-          <a:p>
-            <a:r>
-              <a:rPr lang="en-US" dirty="0" smtClean="0"/>
-              <a:t>Fewer assemblies / plugins </a:t>
-            </a:r>
-          </a:p>
-          <a:p>
-            <a:pPr lvl="1"/>
-            <a:r>
-              <a:rPr lang="en-US" dirty="0" smtClean="0"/>
-              <a:t>15 projects </a:t>
-            </a:r>
-          </a:p>
-          <a:p>
-            <a:pPr lvl="1"/>
-            <a:r>
-              <a:rPr lang="en-US" dirty="0" smtClean="0"/>
-              <a:t>Separation between Content &amp; Views</a:t>
-            </a:r>
-          </a:p>
-          <a:p>
-            <a:r>
-              <a:rPr lang="en-US" dirty="0" smtClean="0"/>
-              <a:t>Faster build times</a:t>
-            </a:r>
-          </a:p>
-          <a:p>
-            <a:r>
-              <a:rPr lang="en-US" dirty="0" smtClean="0"/>
-              <a:t>No frame files</a:t>
-            </a:r>
-          </a:p>
-          <a:p>
-            <a:pPr lvl="1"/>
-            <a:r>
-              <a:rPr lang="en-US" dirty="0" smtClean="0"/>
-              <a:t>No dependency to SVN (</a:t>
-            </a:r>
-            <a:r>
-              <a:rPr lang="en-US" dirty="0" err="1" smtClean="0"/>
-              <a:t>SubWCRef</a:t>
-            </a:r>
-            <a:r>
-              <a:rPr lang="en-US" dirty="0" smtClean="0"/>
-              <a:t>)</a:t>
-            </a:r>
-          </a:p>
-          <a:p>
-            <a:r>
-              <a:rPr lang="en-US" dirty="0" smtClean="0"/>
-              <a:t>File Location = Namespace </a:t>
-            </a:r>
-          </a:p>
-          <a:p>
-            <a:r>
-              <a:rPr lang="en-US" dirty="0" smtClean="0"/>
-              <a:t>Assemblies are not signed</a:t>
-            </a:r>
-          </a:p>
-          <a:p>
-            <a:pPr lvl="1"/>
-            <a:r>
-              <a:rPr lang="en-US" dirty="0" smtClean="0"/>
-              <a:t>Easier to profile</a:t>
-            </a:r>
-          </a:p>
-          <a:p>
-            <a:endParaRPr lang="en-US" dirty="0" smtClean="0"/>
-          </a:p>
-          <a:p>
-            <a:endParaRPr lang="en-US" dirty="0" smtClean="0"/>
-          </a:p>
-          <a:p>
-            <a:endParaRPr lang="en-US" dirty="0"/>
-          </a:p>
-        </p:txBody>
-      </p:sp>
       <p:pic>
         <p:nvPicPr>
           <p:cNvPr id="4" name="Picture 3"/>
@@ -4263,8 +3654,8 @@
         </p:blipFill>
         <p:spPr>
           <a:xfrm>
-            <a:off x="8541731" y="0"/>
-            <a:ext cx="2812069" cy="6512892"/>
+            <a:off x="6275709" y="1376742"/>
+            <a:ext cx="2366641" cy="5481258"/>
           </a:xfrm>
           <a:prstGeom prst="rect">
             <a:avLst/>
@@ -4303,143 +3694,137 @@
           </a:sp3d>
         </p:spPr>
       </p:pic>
+      <p:sp>
+        <p:nvSpPr>
+          <p:cNvPr id="3" name="Content Placeholder 2"/>
+          <p:cNvSpPr>
+            <a:spLocks noGrp="1"/>
+          </p:cNvSpPr>
+          <p:nvPr>
+            <p:ph idx="1"/>
+          </p:nvPr>
+        </p:nvSpPr>
+        <p:spPr/>
+        <p:txBody>
+          <a:bodyPr>
+            <a:normAutofit/>
+          </a:bodyPr>
+          <a:lstStyle/>
+          <a:p>
+            <a:pPr marL="228600" lvl="1">
+              <a:lnSpc>
+                <a:spcPct val="100000"/>
+              </a:lnSpc>
+              <a:spcBef>
+                <a:spcPts val="1000"/>
+              </a:spcBef>
+            </a:pPr>
+            <a:r>
+              <a:rPr lang="en-US" sz="2800" dirty="0"/>
+              <a:t>Trunk solution contains 147 projects !!!</a:t>
+            </a:r>
+          </a:p>
+          <a:p>
+            <a:r>
+              <a:rPr lang="en-US" dirty="0"/>
+              <a:t>Fewer assemblies / plugins </a:t>
+            </a:r>
+          </a:p>
+          <a:p>
+            <a:pPr lvl="1"/>
+            <a:r>
+              <a:rPr lang="en-US" dirty="0" smtClean="0"/>
+              <a:t>~ 15 projects </a:t>
+            </a:r>
+          </a:p>
+          <a:p>
+            <a:r>
+              <a:rPr lang="en-US" dirty="0" smtClean="0"/>
+              <a:t>Faster build times</a:t>
+            </a:r>
+          </a:p>
+          <a:p>
+            <a:r>
+              <a:rPr lang="en-US" dirty="0" smtClean="0"/>
+              <a:t>No frame files</a:t>
+            </a:r>
+          </a:p>
+          <a:p>
+            <a:pPr lvl="1"/>
+            <a:r>
+              <a:rPr lang="en-US" dirty="0" smtClean="0"/>
+              <a:t>No dependency to SVN (</a:t>
+            </a:r>
+            <a:r>
+              <a:rPr lang="en-US" dirty="0" err="1" smtClean="0"/>
+              <a:t>SubWCRef</a:t>
+            </a:r>
+            <a:r>
+              <a:rPr lang="en-US" dirty="0" smtClean="0"/>
+              <a:t>)</a:t>
+            </a:r>
+          </a:p>
+          <a:p>
+            <a:r>
+              <a:rPr lang="en-US" dirty="0" smtClean="0"/>
+              <a:t>Assemblies are not signed</a:t>
+            </a:r>
+          </a:p>
+          <a:p>
+            <a:pPr lvl="1"/>
+            <a:r>
+              <a:rPr lang="en-US" dirty="0" smtClean="0"/>
+              <a:t>Easier to profile</a:t>
+            </a:r>
+          </a:p>
+          <a:p>
+            <a:r>
+              <a:rPr lang="en-US" dirty="0"/>
+              <a:t>R</a:t>
+            </a:r>
+            <a:r>
+              <a:rPr lang="en-US" dirty="0" smtClean="0"/>
+              <a:t>epository layout adaptions</a:t>
+            </a:r>
+          </a:p>
+          <a:p>
+            <a:endParaRPr lang="en-US" dirty="0" smtClean="0"/>
+          </a:p>
+          <a:p>
+            <a:endParaRPr lang="en-US" dirty="0" smtClean="0"/>
+          </a:p>
+          <a:p>
+            <a:endParaRPr lang="en-US" dirty="0"/>
+          </a:p>
+        </p:txBody>
+      </p:sp>
+      <p:sp>
+        <p:nvSpPr>
+          <p:cNvPr id="2" name="Title 1"/>
+          <p:cNvSpPr>
+            <a:spLocks noGrp="1"/>
+          </p:cNvSpPr>
+          <p:nvPr>
+            <p:ph type="title"/>
+          </p:nvPr>
+        </p:nvSpPr>
+        <p:spPr/>
+        <p:txBody>
+          <a:bodyPr/>
+          <a:lstStyle/>
+          <a:p>
+            <a:r>
+              <a:rPr lang="en-US" dirty="0" smtClean="0"/>
+              <a:t>HeuristicLab Code Organization</a:t>
+            </a:r>
+            <a:endParaRPr lang="en-US" dirty="0"/>
+          </a:p>
+        </p:txBody>
+      </p:sp>
     </p:spTree>
     <p:extLst>
       <p:ext uri="{BB962C8B-B14F-4D97-AF65-F5344CB8AC3E}">
         <p14:creationId xmlns:p14="http://schemas.microsoft.com/office/powerpoint/2010/main" val="984716596"/>
-      </p:ext>
-    </p:extLst>
-  </p:cSld>
-  <p:clrMapOvr>
-    <a:masterClrMapping/>
-  </p:clrMapOvr>
-  <p:timing>
-    <p:tnLst>
-      <p:par>
-        <p:cTn id="1" dur="indefinite" restart="never" nodeType="tmRoot"/>
-      </p:par>
-    </p:tnLst>
-  </p:timing>
-</p:sld>
-</file>
-
-<file path=ppt/slides/slide19.xml><?xml version="1.0" encoding="utf-8"?>
-<p:sld xmlns:a="http://schemas.openxmlformats.org/drawingml/2006/main" xmlns:r="http://schemas.openxmlformats.org/officeDocument/2006/relationships" xmlns:p="http://schemas.openxmlformats.org/presentationml/2006/main">
-  <p:cSld>
-    <p:spTree>
-      <p:nvGrpSpPr>
-        <p:cNvPr id="1" name=""/>
-        <p:cNvGrpSpPr/>
-        <p:nvPr/>
-      </p:nvGrpSpPr>
-      <p:grpSpPr>
-        <a:xfrm>
-          <a:off x="0" y="0"/>
-          <a:ext cx="0" cy="0"/>
-          <a:chOff x="0" y="0"/>
-          <a:chExt cx="0" cy="0"/>
-        </a:xfrm>
-      </p:grpSpPr>
-      <p:sp>
-        <p:nvSpPr>
-          <p:cNvPr id="2" name="Title 1"/>
-          <p:cNvSpPr>
-            <a:spLocks noGrp="1"/>
-          </p:cNvSpPr>
-          <p:nvPr>
-            <p:ph type="title"/>
-          </p:nvPr>
-        </p:nvSpPr>
-        <p:spPr/>
-        <p:txBody>
-          <a:bodyPr/>
-          <a:lstStyle/>
-          <a:p>
-            <a:r>
-              <a:rPr lang="en-US" dirty="0" smtClean="0"/>
-              <a:t>Minor Changes</a:t>
-            </a:r>
-            <a:endParaRPr lang="en-US" dirty="0"/>
-          </a:p>
-        </p:txBody>
-      </p:sp>
-      <p:sp>
-        <p:nvSpPr>
-          <p:cNvPr id="3" name="Content Placeholder 2"/>
-          <p:cNvSpPr>
-            <a:spLocks noGrp="1"/>
-          </p:cNvSpPr>
-          <p:nvPr>
-            <p:ph idx="1"/>
-          </p:nvPr>
-        </p:nvSpPr>
-        <p:spPr/>
-        <p:txBody>
-          <a:bodyPr/>
-          <a:lstStyle/>
-          <a:p>
-            <a:r>
-              <a:rPr lang="en-US" dirty="0" smtClean="0"/>
-              <a:t>Refactoring of </a:t>
-            </a:r>
-            <a:r>
-              <a:rPr lang="en-US" dirty="0" err="1" smtClean="0"/>
-              <a:t>CollectionEvents</a:t>
-            </a:r>
-            <a:r>
-              <a:rPr lang="en-US" dirty="0" smtClean="0"/>
-              <a:t> (error prone)</a:t>
-            </a:r>
-          </a:p>
-          <a:p>
-            <a:r>
-              <a:rPr lang="en-US" dirty="0" smtClean="0"/>
-              <a:t>New Parameters: </a:t>
-            </a:r>
-          </a:p>
-          <a:p>
-            <a:pPr lvl="1"/>
-            <a:r>
-              <a:rPr lang="en-US" dirty="0" err="1" smtClean="0"/>
-              <a:t>ResultParameters</a:t>
-            </a:r>
-            <a:endParaRPr lang="en-US" dirty="0"/>
-          </a:p>
-          <a:p>
-            <a:pPr lvl="1"/>
-            <a:r>
-              <a:rPr lang="en-US" dirty="0" err="1" smtClean="0"/>
-              <a:t>ProblemParameters</a:t>
-            </a:r>
-            <a:endParaRPr lang="en-US" dirty="0"/>
-          </a:p>
-          <a:p>
-            <a:pPr lvl="1"/>
-            <a:r>
-              <a:rPr lang="en-US" dirty="0" err="1" smtClean="0"/>
-              <a:t>AlgorithmParameters</a:t>
-            </a:r>
-            <a:endParaRPr lang="en-US" dirty="0" smtClean="0"/>
-          </a:p>
-          <a:p>
-            <a:r>
-              <a:rPr lang="en-US" dirty="0" smtClean="0"/>
-              <a:t>Repository Layout</a:t>
-            </a:r>
-          </a:p>
-          <a:p>
-            <a:pPr lvl="1"/>
-            <a:r>
-              <a:rPr lang="en-US" dirty="0" smtClean="0"/>
-              <a:t>Easier Branching</a:t>
-            </a:r>
-          </a:p>
-        </p:txBody>
-      </p:sp>
-    </p:spTree>
-    <p:extLst>
-      <p:ext uri="{BB962C8B-B14F-4D97-AF65-F5344CB8AC3E}">
-        <p14:creationId xmlns:p14="http://schemas.microsoft.com/office/powerpoint/2010/main" val="2163595178"/>
       </p:ext>
     </p:extLst>
   </p:cSld>
@@ -4545,14 +3930,6 @@
               <a:rPr lang="en-US" dirty="0" smtClean="0"/>
               <a:t>Code Organization</a:t>
             </a:r>
-          </a:p>
-          <a:p>
-            <a:r>
-              <a:rPr lang="en-US" dirty="0" smtClean="0"/>
-              <a:t>Minor Changes</a:t>
-            </a:r>
-          </a:p>
-          <a:p>
             <a:endParaRPr lang="en-US" dirty="0"/>
           </a:p>
         </p:txBody>
@@ -4611,7 +3988,15 @@
           <a:p>
             <a:r>
               <a:rPr lang="en-US" dirty="0" smtClean="0"/>
-              <a:t>Roadmap</a:t>
+              <a:t>HeuristicL</a:t>
+            </a:r>
+            <a:r>
+              <a:rPr lang="en-US" dirty="0"/>
+              <a:t>a</a:t>
+            </a:r>
+            <a:r>
+              <a:rPr lang="en-US" dirty="0" smtClean="0"/>
+              <a:t>b</a:t>
             </a:r>
             <a:endParaRPr lang="en-US" dirty="0"/>
           </a:p>
@@ -4630,27 +4015,64 @@
         <p:spPr/>
         <p:txBody>
           <a:bodyPr>
-            <a:normAutofit fontScale="92500" lnSpcReduction="20000"/>
+            <a:normAutofit/>
           </a:bodyPr>
           <a:lstStyle/>
           <a:p>
             <a:r>
+              <a:rPr lang="en-US" dirty="0"/>
+              <a:t>R</a:t>
+            </a:r>
+            <a:r>
               <a:rPr lang="en-US" dirty="0" smtClean="0"/>
-              <a:t>2 releases until HL 4.0</a:t>
+              <a:t>eleases until HL 4.0</a:t>
             </a:r>
           </a:p>
           <a:p>
             <a:pPr lvl="1"/>
             <a:r>
+              <a:rPr lang="en-US" dirty="0"/>
+              <a:t>March 2016 </a:t>
+            </a:r>
+            <a:r>
               <a:rPr lang="en-US" dirty="0" smtClean="0"/>
-              <a:t>HL 3.3.14 “Unnamed”: March 2016</a:t>
+              <a:t> 	HL 3.3.14 “Unnamed”:</a:t>
             </a:r>
           </a:p>
           <a:p>
             <a:pPr lvl="1"/>
             <a:r>
+              <a:rPr lang="en-US" dirty="0"/>
+              <a:t>July 2016 </a:t>
+            </a:r>
+            <a:r>
               <a:rPr lang="en-US" dirty="0" smtClean="0"/>
-              <a:t>HL 3.3.15 “Denver”: July 2016 (before/at GECCO 2016)</a:t>
+              <a:t> 	HL 3.3.15 “Denver”</a:t>
+            </a:r>
+            <a:endParaRPr lang="en-US" sz="2800" dirty="0"/>
+          </a:p>
+          <a:p>
+            <a:r>
+              <a:rPr lang="en-US" dirty="0"/>
+              <a:t>Between 3.3.15 and 4.0</a:t>
+            </a:r>
+          </a:p>
+          <a:p>
+            <a:pPr lvl="1"/>
+            <a:r>
+              <a:rPr lang="en-US" dirty="0"/>
+              <a:t>Integration of new HL 4.0 features into trunk</a:t>
+            </a:r>
+          </a:p>
+          <a:p>
+            <a:pPr lvl="1"/>
+            <a:r>
+              <a:rPr lang="en-US" dirty="0"/>
+              <a:t>HL3 Legacy </a:t>
+            </a:r>
+            <a:r>
+              <a:rPr lang="en-US" dirty="0" smtClean="0"/>
+              <a:t>branch</a:t>
             </a:r>
           </a:p>
           <a:p>
@@ -4663,88 +4085,64 @@
             <a:pPr lvl="1"/>
             <a:r>
               <a:rPr lang="en-US" dirty="0" smtClean="0"/>
-              <a:t>use summer for finishing 4.0</a:t>
+              <a:t>Release in September 2016</a:t>
             </a:r>
           </a:p>
           <a:p>
             <a:pPr lvl="1"/>
             <a:r>
+              <a:rPr lang="en-US" dirty="0"/>
+              <a:t>P</a:t>
+            </a:r>
+            <a:r>
               <a:rPr lang="en-US" dirty="0" smtClean="0"/>
-              <a:t>release in September 2016</a:t>
-            </a:r>
-          </a:p>
-          <a:p>
-            <a:pPr lvl="1"/>
-            <a:r>
-              <a:rPr lang="en-US" dirty="0" smtClean="0"/>
-              <a:t>present HL 4.0 at APCASE 2016 (?)</a:t>
-            </a:r>
-          </a:p>
-          <a:p>
-            <a:r>
-              <a:rPr lang="en-US" dirty="0" smtClean="0"/>
-              <a:t>Between 3.3.15 and 4.0</a:t>
-            </a:r>
-          </a:p>
-          <a:p>
-            <a:pPr lvl="1"/>
-            <a:r>
-              <a:rPr lang="en-US" dirty="0" smtClean="0"/>
-              <a:t>integration </a:t>
-            </a:r>
-            <a:r>
-              <a:rPr lang="en-US" dirty="0"/>
-              <a:t>of </a:t>
-            </a:r>
-            <a:r>
-              <a:rPr lang="en-US" dirty="0" smtClean="0"/>
-              <a:t>new HL 4.0 features </a:t>
-            </a:r>
-            <a:r>
-              <a:rPr lang="en-US" dirty="0"/>
-              <a:t>into </a:t>
-            </a:r>
-            <a:r>
-              <a:rPr lang="en-US" dirty="0" smtClean="0"/>
-              <a:t>trunk</a:t>
-            </a:r>
-            <a:endParaRPr lang="en-US" dirty="0"/>
-          </a:p>
-          <a:p>
-            <a:pPr lvl="1"/>
-            <a:r>
-              <a:rPr lang="en-US" dirty="0" smtClean="0"/>
-              <a:t>HL3legacy branch</a:t>
-            </a:r>
-          </a:p>
-          <a:p>
-            <a:pPr lvl="2"/>
-            <a:r>
-              <a:rPr lang="en-US" dirty="0" smtClean="0"/>
-              <a:t>last version of trunk before integration</a:t>
-            </a:r>
-          </a:p>
-          <a:p>
-            <a:pPr lvl="2"/>
-            <a:r>
-              <a:rPr lang="en-US" dirty="0" smtClean="0"/>
-              <a:t>will only get </a:t>
-            </a:r>
-            <a:r>
-              <a:rPr lang="en-US" dirty="0" err="1" smtClean="0"/>
-              <a:t>bugfixes</a:t>
-            </a:r>
-            <a:endParaRPr lang="en-US" dirty="0" smtClean="0"/>
-          </a:p>
-          <a:p>
-            <a:pPr lvl="2"/>
-            <a:r>
-              <a:rPr lang="en-US" dirty="0" smtClean="0"/>
-              <a:t>can be used until trunk settles</a:t>
-            </a:r>
-          </a:p>
-        </p:txBody>
-      </p:sp>
+              <a:t>resent HL 4.0 at APCASE 2016 </a:t>
+            </a:r>
+            <a:endParaRPr lang="en-US" sz="3300" dirty="0" smtClean="0"/>
+          </a:p>
+        </p:txBody>
+      </p:sp>
+      <p:pic>
+        <p:nvPicPr>
+          <p:cNvPr id="1026" name="Picture 2" descr="http://stablekernel.com/blog/wp-content/uploads/2014/12/roadmap.jpg"/>
+          <p:cNvPicPr>
+            <a:picLocks noChangeAspect="1" noChangeArrowheads="1"/>
+          </p:cNvPicPr>
+          <p:nvPr/>
+        </p:nvPicPr>
+        <p:blipFill>
+          <a:blip r:embed="rId2">
+            <a:extLst>
+              <a:ext uri="{28A0092B-C50C-407E-A947-70E740481C1C}">
+                <a14:useLocalDpi xmlns:a14="http://schemas.microsoft.com/office/drawing/2010/main" val="0"/>
+              </a:ext>
+            </a:extLst>
+          </a:blip>
+          <a:srcRect/>
+          <a:stretch>
+            <a:fillRect/>
+          </a:stretch>
+        </p:blipFill>
+        <p:spPr bwMode="auto">
+          <a:xfrm>
+            <a:off x="4611756" y="365126"/>
+            <a:ext cx="3903594" cy="1225135"/>
+          </a:xfrm>
+          <a:prstGeom prst="rect">
+            <a:avLst/>
+          </a:prstGeom>
+          <a:noFill/>
+          <a:extLst>
+            <a:ext uri="{909E8E84-426E-40DD-AFC4-6F175D3DCCD1}">
+              <a14:hiddenFill xmlns:a14="http://schemas.microsoft.com/office/drawing/2010/main">
+                <a:solidFill>
+                  <a:srgbClr val="FFFFFF"/>
+                </a:solidFill>
+              </a14:hiddenFill>
+            </a:ext>
+          </a:extLst>
+        </p:spPr>
+      </p:pic>
     </p:spTree>
     <p:extLst>
       <p:ext uri="{BB962C8B-B14F-4D97-AF65-F5344CB8AC3E}">
@@ -4824,7 +4222,142 @@
           <a:p>
             <a:r>
               <a:rPr lang="de-DE" dirty="0" smtClean="0"/>
-              <a:t>Over </a:t>
+              <a:t>Problem </a:t>
+            </a:r>
+            <a:r>
+              <a:rPr lang="de-DE" dirty="0" err="1" smtClean="0"/>
+              <a:t>types</a:t>
+            </a:r>
+            <a:endParaRPr lang="de-DE" dirty="0"/>
+          </a:p>
+          <a:p>
+            <a:pPr lvl="1"/>
+            <a:r>
+              <a:rPr lang="de-DE" dirty="0" err="1" smtClean="0"/>
+              <a:t>HeuristicOptimizationProblem</a:t>
+            </a:r>
+            <a:endParaRPr lang="de-DE" dirty="0" smtClean="0"/>
+          </a:p>
+          <a:p>
+            <a:pPr lvl="2"/>
+            <a:r>
+              <a:rPr lang="de-DE" dirty="0" err="1" smtClean="0"/>
+              <a:t>Requires</a:t>
+            </a:r>
+            <a:r>
+              <a:rPr lang="de-DE" dirty="0" smtClean="0"/>
+              <a:t> </a:t>
+            </a:r>
+            <a:r>
+              <a:rPr lang="de-DE" dirty="0" err="1" smtClean="0"/>
+              <a:t>to</a:t>
+            </a:r>
+            <a:r>
+              <a:rPr lang="de-DE" dirty="0" smtClean="0"/>
+              <a:t> </a:t>
+            </a:r>
+            <a:r>
+              <a:rPr lang="de-DE" dirty="0" err="1" smtClean="0"/>
+              <a:t>discover</a:t>
+            </a:r>
+            <a:r>
+              <a:rPr lang="de-DE" dirty="0" smtClean="0"/>
+              <a:t> </a:t>
+            </a:r>
+            <a:r>
+              <a:rPr lang="de-DE" dirty="0" err="1" smtClean="0"/>
+              <a:t>and</a:t>
+            </a:r>
+            <a:r>
+              <a:rPr lang="de-DE" dirty="0" smtClean="0"/>
+              <a:t> </a:t>
+            </a:r>
+            <a:r>
+              <a:rPr lang="de-DE" dirty="0" err="1" smtClean="0"/>
+              <a:t>wire</a:t>
+            </a:r>
+            <a:r>
+              <a:rPr lang="de-DE" dirty="0" smtClean="0"/>
+              <a:t> all </a:t>
+            </a:r>
+            <a:r>
+              <a:rPr lang="de-DE" dirty="0" err="1" smtClean="0"/>
+              <a:t>operators</a:t>
+            </a:r>
+            <a:r>
+              <a:rPr lang="de-DE" dirty="0" smtClean="0"/>
+              <a:t>, </a:t>
+            </a:r>
+            <a:r>
+              <a:rPr lang="de-DE" dirty="0" err="1" smtClean="0"/>
+              <a:t>evaluators</a:t>
+            </a:r>
+            <a:r>
+              <a:rPr lang="de-DE" dirty="0" smtClean="0"/>
+              <a:t>, etc.</a:t>
+            </a:r>
+          </a:p>
+          <a:p>
+            <a:pPr lvl="1"/>
+            <a:r>
+              <a:rPr lang="de-DE" dirty="0" err="1" smtClean="0"/>
+              <a:t>BasicProblem</a:t>
+            </a:r>
+            <a:endParaRPr lang="de-DE" dirty="0" smtClean="0"/>
+          </a:p>
+          <a:p>
+            <a:pPr lvl="2"/>
+            <a:r>
+              <a:rPr lang="de-DE" dirty="0" err="1"/>
+              <a:t>U</a:t>
+            </a:r>
+            <a:r>
+              <a:rPr lang="de-DE" dirty="0" err="1" smtClean="0"/>
+              <a:t>ses</a:t>
+            </a:r>
+            <a:r>
+              <a:rPr lang="de-DE" dirty="0" smtClean="0"/>
+              <a:t> </a:t>
+            </a:r>
+            <a:r>
+              <a:rPr lang="de-DE" dirty="0" err="1" smtClean="0"/>
+              <a:t>encoding</a:t>
+            </a:r>
+            <a:r>
+              <a:rPr lang="de-DE" dirty="0" smtClean="0"/>
+              <a:t> </a:t>
+            </a:r>
+            <a:r>
+              <a:rPr lang="de-DE" dirty="0" err="1" smtClean="0"/>
+              <a:t>classes</a:t>
+            </a:r>
+            <a:r>
+              <a:rPr lang="de-DE" dirty="0" smtClean="0"/>
+              <a:t> </a:t>
+            </a:r>
+            <a:r>
+              <a:rPr lang="de-DE" dirty="0" err="1" smtClean="0"/>
+              <a:t>to</a:t>
+            </a:r>
+            <a:r>
+              <a:rPr lang="de-DE" dirty="0" smtClean="0"/>
+              <a:t> do </a:t>
+            </a:r>
+            <a:r>
+              <a:rPr lang="de-DE" dirty="0" err="1" smtClean="0"/>
+              <a:t>most</a:t>
+            </a:r>
+            <a:r>
+              <a:rPr lang="de-DE" dirty="0" smtClean="0"/>
+              <a:t> </a:t>
+            </a:r>
+            <a:r>
+              <a:rPr lang="de-DE" dirty="0" err="1" smtClean="0"/>
+              <a:t>of</a:t>
+            </a:r>
+            <a:r>
+              <a:rPr lang="de-DE" dirty="0" smtClean="0"/>
+              <a:t> </a:t>
             </a:r>
             <a:r>
               <a:rPr lang="de-DE" dirty="0" err="1" smtClean="0"/>
@@ -4836,7 +4369,7 @@
             </a:r>
             <a:r>
               <a:rPr lang="de-DE" dirty="0" err="1" smtClean="0"/>
-              <a:t>course</a:t>
+              <a:t>discovery</a:t>
             </a:r>
             <a:r>
               <a:rPr lang="de-DE" dirty="0" smtClean="0"/>
@@ -4844,23 +4377,110 @@
             </a:r>
             <a:r>
               <a:rPr lang="de-DE" dirty="0" err="1" smtClean="0"/>
-              <a:t>of</a:t>
+              <a:t>and</a:t>
             </a:r>
             <a:r>
               <a:rPr lang="de-DE" dirty="0" smtClean="0"/>
-              <a:t> HL 3.3 </a:t>
+              <a:t> </a:t>
             </a:r>
             <a:r>
               <a:rPr lang="de-DE" dirty="0" err="1" smtClean="0"/>
-              <a:t>releases</a:t>
-            </a:r>
-            <a:endParaRPr lang="de-DE" dirty="0"/>
-          </a:p>
-          <a:p>
-            <a:pPr lvl="1"/>
+              <a:t>wiring</a:t>
+            </a:r>
+            <a:endParaRPr lang="de-DE" dirty="0" smtClean="0"/>
+          </a:p>
+          <a:p>
+            <a:pPr lvl="2"/>
             <a:r>
               <a:rPr lang="de-DE" dirty="0" err="1" smtClean="0"/>
-              <a:t>two</a:t>
+              <a:t>Specifies</a:t>
+            </a:r>
+            <a:r>
+              <a:rPr lang="de-DE" dirty="0" smtClean="0"/>
+              <a:t> </a:t>
+            </a:r>
+            <a:r>
+              <a:rPr lang="de-DE" dirty="0" err="1" smtClean="0"/>
+              <a:t>basic</a:t>
+            </a:r>
+            <a:r>
+              <a:rPr lang="de-DE" dirty="0" smtClean="0"/>
+              <a:t> </a:t>
+            </a:r>
+            <a:r>
+              <a:rPr lang="de-DE" dirty="0" err="1" smtClean="0"/>
+              <a:t>methods</a:t>
+            </a:r>
+            <a:r>
+              <a:rPr lang="de-DE" dirty="0" smtClean="0"/>
+              <a:t> (</a:t>
+            </a:r>
+            <a:r>
+              <a:rPr lang="de-DE" dirty="0" err="1" smtClean="0"/>
+              <a:t>Evaluate</a:t>
+            </a:r>
+            <a:r>
+              <a:rPr lang="de-DE" dirty="0" smtClean="0"/>
+              <a:t>, </a:t>
+            </a:r>
+            <a:r>
+              <a:rPr lang="de-DE" dirty="0" err="1" smtClean="0"/>
+              <a:t>Analyze</a:t>
+            </a:r>
+            <a:r>
+              <a:rPr lang="de-DE" dirty="0" smtClean="0"/>
+              <a:t>) in </a:t>
+            </a:r>
+            <a:r>
+              <a:rPr lang="de-DE" dirty="0" err="1" smtClean="0"/>
+              <a:t>order</a:t>
+            </a:r>
+            <a:r>
+              <a:rPr lang="de-DE" dirty="0" smtClean="0"/>
+              <a:t> </a:t>
+            </a:r>
+            <a:r>
+              <a:rPr lang="de-DE" dirty="0" err="1" smtClean="0"/>
+              <a:t>to</a:t>
+            </a:r>
+            <a:r>
+              <a:rPr lang="de-DE" dirty="0" smtClean="0"/>
+              <a:t> </a:t>
+            </a:r>
+            <a:r>
+              <a:rPr lang="de-DE" dirty="0" err="1" smtClean="0"/>
+              <a:t>avoid</a:t>
+            </a:r>
+            <a:r>
+              <a:rPr lang="de-DE" dirty="0" smtClean="0"/>
+              <a:t> </a:t>
+            </a:r>
+            <a:r>
+              <a:rPr lang="de-DE" dirty="0" err="1" smtClean="0"/>
+              <a:t>writing</a:t>
+            </a:r>
+            <a:r>
+              <a:rPr lang="de-DE" dirty="0" smtClean="0"/>
+              <a:t> </a:t>
+            </a:r>
+            <a:r>
+              <a:rPr lang="de-DE" dirty="0" err="1" smtClean="0"/>
+              <a:t>new</a:t>
+            </a:r>
+            <a:r>
+              <a:rPr lang="de-DE" dirty="0" smtClean="0"/>
+              <a:t> </a:t>
+            </a:r>
+            <a:r>
+              <a:rPr lang="de-DE" dirty="0" err="1" smtClean="0"/>
+              <a:t>operators</a:t>
+            </a:r>
+            <a:endParaRPr lang="de-DE" dirty="0" smtClean="0"/>
+          </a:p>
+          <a:p>
+            <a:r>
+              <a:rPr lang="de-DE" dirty="0" err="1" smtClean="0"/>
+              <a:t>Algorithm</a:t>
             </a:r>
             <a:r>
               <a:rPr lang="de-DE" dirty="0" smtClean="0"/>
@@ -4872,182 +4492,22 @@
             </a:r>
             <a:r>
               <a:rPr lang="de-DE" dirty="0" smtClean="0"/>
-              <a:t> </a:t>
-            </a:r>
+              <a:t>	</a:t>
+            </a:r>
+          </a:p>
+          <a:p>
+            <a:pPr lvl="1"/>
             <a:r>
               <a:rPr lang="de-DE" dirty="0" err="1" smtClean="0"/>
-              <a:t>of</a:t>
-            </a:r>
+              <a:t>EngineAlgorithm</a:t>
+            </a:r>
+            <a:endParaRPr lang="de-DE" dirty="0" smtClean="0"/>
+          </a:p>
+          <a:p>
+            <a:pPr lvl="2"/>
             <a:r>
               <a:rPr lang="de-DE" dirty="0" smtClean="0"/>
-              <a:t> „</a:t>
-            </a:r>
-            <a:r>
-              <a:rPr lang="de-DE" dirty="0" err="1" smtClean="0"/>
-              <a:t>problems</a:t>
-            </a:r>
-            <a:r>
-              <a:rPr lang="de-DE" dirty="0" smtClean="0"/>
-              <a:t>“ </a:t>
-            </a:r>
-            <a:r>
-              <a:rPr lang="de-DE" dirty="0" err="1" smtClean="0"/>
-              <a:t>emerged</a:t>
-            </a:r>
-            <a:endParaRPr lang="de-DE" dirty="0" smtClean="0"/>
-          </a:p>
-          <a:p>
-            <a:pPr lvl="2"/>
-            <a:r>
-              <a:rPr lang="de-DE" dirty="0" smtClean="0"/>
-              <a:t>(</a:t>
-            </a:r>
-            <a:r>
-              <a:rPr lang="de-DE" dirty="0" err="1" smtClean="0"/>
-              <a:t>Single|Multi</a:t>
-            </a:r>
-            <a:r>
-              <a:rPr lang="de-DE" dirty="0" smtClean="0"/>
-              <a:t>)</a:t>
-            </a:r>
-            <a:r>
-              <a:rPr lang="de-DE" dirty="0" err="1" smtClean="0"/>
-              <a:t>ObjectiveHeuristicOptimizationProblem</a:t>
-            </a:r>
-            <a:endParaRPr lang="de-DE" dirty="0" smtClean="0"/>
-          </a:p>
-          <a:p>
-            <a:pPr lvl="3"/>
-            <a:r>
-              <a:rPr lang="de-DE" dirty="0" err="1" smtClean="0"/>
-              <a:t>Requires</a:t>
-            </a:r>
-            <a:r>
-              <a:rPr lang="de-DE" dirty="0" smtClean="0"/>
-              <a:t> </a:t>
-            </a:r>
-            <a:r>
-              <a:rPr lang="de-DE" dirty="0" err="1" smtClean="0"/>
-              <a:t>to</a:t>
-            </a:r>
-            <a:r>
-              <a:rPr lang="de-DE" dirty="0" smtClean="0"/>
-              <a:t> </a:t>
-            </a:r>
-            <a:r>
-              <a:rPr lang="de-DE" dirty="0" err="1" smtClean="0"/>
-              <a:t>discover</a:t>
-            </a:r>
-            <a:r>
-              <a:rPr lang="de-DE" dirty="0" smtClean="0"/>
-              <a:t> </a:t>
-            </a:r>
-            <a:r>
-              <a:rPr lang="de-DE" dirty="0" err="1" smtClean="0"/>
-              <a:t>and</a:t>
-            </a:r>
-            <a:r>
-              <a:rPr lang="de-DE" dirty="0" smtClean="0"/>
-              <a:t> </a:t>
-            </a:r>
-            <a:r>
-              <a:rPr lang="de-DE" dirty="0" err="1" smtClean="0"/>
-              <a:t>wire</a:t>
-            </a:r>
-            <a:r>
-              <a:rPr lang="de-DE" dirty="0" smtClean="0"/>
-              <a:t> all </a:t>
-            </a:r>
-            <a:r>
-              <a:rPr lang="de-DE" dirty="0" err="1" smtClean="0"/>
-              <a:t>operators</a:t>
-            </a:r>
-            <a:r>
-              <a:rPr lang="de-DE" dirty="0" smtClean="0"/>
-              <a:t>, </a:t>
-            </a:r>
-            <a:r>
-              <a:rPr lang="de-DE" dirty="0" err="1" smtClean="0"/>
-              <a:t>evaluators</a:t>
-            </a:r>
-            <a:r>
-              <a:rPr lang="de-DE" dirty="0" smtClean="0"/>
-              <a:t>, etc.</a:t>
-            </a:r>
-          </a:p>
-          <a:p>
-            <a:pPr lvl="2"/>
-            <a:r>
-              <a:rPr lang="de-DE" dirty="0" smtClean="0"/>
-              <a:t>(</a:t>
-            </a:r>
-            <a:r>
-              <a:rPr lang="de-DE" dirty="0" err="1" smtClean="0"/>
-              <a:t>Single|Multi</a:t>
-            </a:r>
-            <a:r>
-              <a:rPr lang="de-DE" dirty="0" smtClean="0"/>
-              <a:t>)</a:t>
-            </a:r>
-            <a:r>
-              <a:rPr lang="de-DE" dirty="0" err="1" smtClean="0"/>
-              <a:t>ObjectiveBasicProblem</a:t>
-            </a:r>
-            <a:endParaRPr lang="de-DE" dirty="0" smtClean="0"/>
-          </a:p>
-          <a:p>
-            <a:pPr lvl="3"/>
-            <a:r>
-              <a:rPr lang="de-DE" dirty="0" err="1"/>
-              <a:t>U</a:t>
-            </a:r>
-            <a:r>
-              <a:rPr lang="de-DE" dirty="0" err="1" smtClean="0"/>
-              <a:t>ses</a:t>
-            </a:r>
-            <a:r>
-              <a:rPr lang="de-DE" dirty="0" smtClean="0"/>
-              <a:t> </a:t>
-            </a:r>
-            <a:r>
-              <a:rPr lang="de-DE" dirty="0" err="1" smtClean="0"/>
-              <a:t>encoding</a:t>
-            </a:r>
-            <a:r>
-              <a:rPr lang="de-DE" dirty="0" smtClean="0"/>
-              <a:t> </a:t>
-            </a:r>
-            <a:r>
-              <a:rPr lang="de-DE" dirty="0" err="1" smtClean="0"/>
-              <a:t>classes</a:t>
-            </a:r>
-            <a:r>
-              <a:rPr lang="de-DE" dirty="0" smtClean="0"/>
-              <a:t> </a:t>
-            </a:r>
-            <a:r>
-              <a:rPr lang="de-DE" dirty="0" err="1" smtClean="0"/>
-              <a:t>to</a:t>
-            </a:r>
-            <a:r>
-              <a:rPr lang="de-DE" dirty="0" smtClean="0"/>
-              <a:t> do </a:t>
-            </a:r>
-            <a:r>
-              <a:rPr lang="de-DE" dirty="0" err="1" smtClean="0"/>
-              <a:t>most</a:t>
-            </a:r>
-            <a:r>
-              <a:rPr lang="de-DE" dirty="0" smtClean="0"/>
-              <a:t> </a:t>
-            </a:r>
-            <a:r>
-              <a:rPr lang="de-DE" dirty="0" err="1" smtClean="0"/>
-              <a:t>of</a:t>
-            </a:r>
-            <a:r>
-              <a:rPr lang="de-DE" dirty="0" smtClean="0"/>
-              <a:t> </a:t>
+              <a:t>Models </a:t>
             </a:r>
             <a:r>
               <a:rPr lang="de-DE" dirty="0" err="1" smtClean="0"/>
@@ -5059,190 +4519,6 @@
             </a:r>
             <a:r>
               <a:rPr lang="de-DE" dirty="0" err="1" smtClean="0"/>
-              <a:t>discovery</a:t>
-            </a:r>
-            <a:r>
-              <a:rPr lang="de-DE" dirty="0" smtClean="0"/>
-              <a:t> </a:t>
-            </a:r>
-            <a:r>
-              <a:rPr lang="de-DE" dirty="0" err="1" smtClean="0"/>
-              <a:t>and</a:t>
-            </a:r>
-            <a:r>
-              <a:rPr lang="de-DE" dirty="0" smtClean="0"/>
-              <a:t> </a:t>
-            </a:r>
-            <a:r>
-              <a:rPr lang="de-DE" dirty="0" err="1" smtClean="0"/>
-              <a:t>wiring</a:t>
-            </a:r>
-            <a:endParaRPr lang="de-DE" dirty="0" smtClean="0"/>
-          </a:p>
-          <a:p>
-            <a:pPr lvl="3"/>
-            <a:r>
-              <a:rPr lang="de-DE" dirty="0" err="1" smtClean="0"/>
-              <a:t>Specifies</a:t>
-            </a:r>
-            <a:r>
-              <a:rPr lang="de-DE" dirty="0" smtClean="0"/>
-              <a:t> </a:t>
-            </a:r>
-            <a:r>
-              <a:rPr lang="de-DE" dirty="0" err="1" smtClean="0"/>
-              <a:t>basic</a:t>
-            </a:r>
-            <a:r>
-              <a:rPr lang="de-DE" dirty="0" smtClean="0"/>
-              <a:t> </a:t>
-            </a:r>
-            <a:r>
-              <a:rPr lang="de-DE" dirty="0" err="1" smtClean="0"/>
-              <a:t>methods</a:t>
-            </a:r>
-            <a:r>
-              <a:rPr lang="de-DE" dirty="0" smtClean="0"/>
-              <a:t> (</a:t>
-            </a:r>
-            <a:r>
-              <a:rPr lang="de-DE" dirty="0" err="1" smtClean="0"/>
-              <a:t>Evaluate</a:t>
-            </a:r>
-            <a:r>
-              <a:rPr lang="de-DE" dirty="0" smtClean="0"/>
-              <a:t>, </a:t>
-            </a:r>
-            <a:r>
-              <a:rPr lang="de-DE" dirty="0" err="1" smtClean="0"/>
-              <a:t>Analyze</a:t>
-            </a:r>
-            <a:r>
-              <a:rPr lang="de-DE" dirty="0" smtClean="0"/>
-              <a:t>) in </a:t>
-            </a:r>
-            <a:r>
-              <a:rPr lang="de-DE" dirty="0" err="1" smtClean="0"/>
-              <a:t>order</a:t>
-            </a:r>
-            <a:r>
-              <a:rPr lang="de-DE" dirty="0" smtClean="0"/>
-              <a:t> </a:t>
-            </a:r>
-            <a:r>
-              <a:rPr lang="de-DE" dirty="0" err="1" smtClean="0"/>
-              <a:t>to</a:t>
-            </a:r>
-            <a:r>
-              <a:rPr lang="de-DE" dirty="0" smtClean="0"/>
-              <a:t> </a:t>
-            </a:r>
-            <a:r>
-              <a:rPr lang="de-DE" dirty="0" err="1" smtClean="0"/>
-              <a:t>avoid</a:t>
-            </a:r>
-            <a:r>
-              <a:rPr lang="de-DE" dirty="0" smtClean="0"/>
-              <a:t> </a:t>
-            </a:r>
-            <a:r>
-              <a:rPr lang="de-DE" dirty="0" err="1" smtClean="0"/>
-              <a:t>writing</a:t>
-            </a:r>
-            <a:r>
-              <a:rPr lang="de-DE" dirty="0" smtClean="0"/>
-              <a:t> </a:t>
-            </a:r>
-            <a:r>
-              <a:rPr lang="de-DE" dirty="0" err="1" smtClean="0"/>
-              <a:t>new</a:t>
-            </a:r>
-            <a:r>
-              <a:rPr lang="de-DE" dirty="0" smtClean="0"/>
-              <a:t> </a:t>
-            </a:r>
-            <a:r>
-              <a:rPr lang="de-DE" dirty="0" err="1" smtClean="0"/>
-              <a:t>operators</a:t>
-            </a:r>
-            <a:endParaRPr lang="de-DE" dirty="0" smtClean="0"/>
-          </a:p>
-          <a:p>
-            <a:pPr lvl="1"/>
-            <a:r>
-              <a:rPr lang="de-DE" dirty="0" err="1" smtClean="0"/>
-              <a:t>two</a:t>
-            </a:r>
-            <a:r>
-              <a:rPr lang="de-DE" dirty="0" smtClean="0"/>
-              <a:t> </a:t>
-            </a:r>
-            <a:r>
-              <a:rPr lang="de-DE" dirty="0" err="1" smtClean="0"/>
-              <a:t>types</a:t>
-            </a:r>
-            <a:r>
-              <a:rPr lang="de-DE" dirty="0" smtClean="0"/>
-              <a:t> </a:t>
-            </a:r>
-            <a:r>
-              <a:rPr lang="de-DE" dirty="0" err="1" smtClean="0"/>
-              <a:t>of</a:t>
-            </a:r>
-            <a:r>
-              <a:rPr lang="de-DE" dirty="0" smtClean="0"/>
-              <a:t> </a:t>
-            </a:r>
-            <a:r>
-              <a:rPr lang="de-DE" dirty="0" err="1" smtClean="0"/>
-              <a:t>algorithms</a:t>
-            </a:r>
-            <a:r>
-              <a:rPr lang="de-DE" dirty="0" smtClean="0"/>
-              <a:t> </a:t>
-            </a:r>
-            <a:r>
-              <a:rPr lang="de-DE" dirty="0" err="1" smtClean="0"/>
-              <a:t>emerged</a:t>
-            </a:r>
-            <a:endParaRPr lang="de-DE" dirty="0" smtClean="0"/>
-          </a:p>
-          <a:p>
-            <a:pPr lvl="2"/>
-            <a:r>
-              <a:rPr lang="de-DE" dirty="0" err="1" smtClean="0"/>
-              <a:t>EngineAlgorithm</a:t>
-            </a:r>
-            <a:endParaRPr lang="de-DE" dirty="0" smtClean="0"/>
-          </a:p>
-          <a:p>
-            <a:pPr lvl="3"/>
-            <a:r>
-              <a:rPr lang="de-DE" dirty="0" err="1" smtClean="0"/>
-              <a:t>Requires</a:t>
-            </a:r>
-            <a:r>
-              <a:rPr lang="de-DE" dirty="0" smtClean="0"/>
-              <a:t> </a:t>
-            </a:r>
-            <a:r>
-              <a:rPr lang="de-DE" dirty="0" err="1" smtClean="0"/>
-              <a:t>modeling</a:t>
-            </a:r>
-            <a:r>
-              <a:rPr lang="de-DE" dirty="0" smtClean="0"/>
-              <a:t> </a:t>
-            </a:r>
-            <a:r>
-              <a:rPr lang="de-DE" dirty="0" err="1" smtClean="0"/>
-              <a:t>the</a:t>
-            </a:r>
-            <a:r>
-              <a:rPr lang="de-DE" dirty="0" smtClean="0"/>
-              <a:t> </a:t>
-            </a:r>
-            <a:r>
-              <a:rPr lang="de-DE" dirty="0" err="1" smtClean="0"/>
               <a:t>algorithm</a:t>
             </a:r>
             <a:r>
@@ -5272,7 +4548,7 @@
             <a:endParaRPr lang="de-DE" dirty="0" smtClean="0"/>
           </a:p>
           <a:p>
-            <a:pPr lvl="2"/>
+            <a:pPr lvl="1"/>
             <a:r>
               <a:rPr lang="de-DE" dirty="0" err="1" smtClean="0"/>
               <a:t>BasicAlgorithm</a:t>
@@ -5280,98 +4556,18 @@
             <a:endParaRPr lang="de-DE" dirty="0" smtClean="0"/>
           </a:p>
           <a:p>
-            <a:pPr lvl="3"/>
+            <a:pPr lvl="2"/>
             <a:r>
               <a:rPr lang="de-DE" dirty="0" err="1" smtClean="0"/>
-              <a:t>Describes</a:t>
+              <a:t>Algorithm</a:t>
             </a:r>
             <a:r>
               <a:rPr lang="de-DE" dirty="0" smtClean="0"/>
-              <a:t> </a:t>
-            </a:r>
-            <a:r>
-              <a:rPr lang="de-DE" dirty="0" err="1" smtClean="0"/>
-              <a:t>the</a:t>
-            </a:r>
-            <a:r>
-              <a:rPr lang="de-DE" dirty="0" smtClean="0"/>
-              <a:t> </a:t>
-            </a:r>
-            <a:r>
-              <a:rPr lang="de-DE" dirty="0" err="1" smtClean="0"/>
-              <a:t>algorithm</a:t>
-            </a:r>
-            <a:r>
-              <a:rPr lang="de-DE" dirty="0" smtClean="0"/>
-              <a:t> in </a:t>
-            </a:r>
-            <a:r>
-              <a:rPr lang="de-DE" dirty="0" err="1" smtClean="0"/>
-              <a:t>terms</a:t>
-            </a:r>
-            <a:r>
-              <a:rPr lang="de-DE" dirty="0" smtClean="0"/>
-              <a:t> </a:t>
-            </a:r>
-            <a:r>
-              <a:rPr lang="de-DE" dirty="0" err="1" smtClean="0"/>
-              <a:t>of</a:t>
-            </a:r>
-            <a:r>
-              <a:rPr lang="de-DE" dirty="0" smtClean="0"/>
-              <a:t> pure C# </a:t>
+              <a:t> in pure C# </a:t>
             </a:r>
             <a:r>
               <a:rPr lang="de-DE" dirty="0" err="1" smtClean="0"/>
               <a:t>code</a:t>
-            </a:r>
-            <a:endParaRPr lang="de-DE" dirty="0" smtClean="0"/>
-          </a:p>
-          <a:p>
-            <a:pPr lvl="3"/>
-            <a:r>
-              <a:rPr lang="de-DE" dirty="0" err="1" smtClean="0"/>
-              <a:t>For</a:t>
-            </a:r>
-            <a:r>
-              <a:rPr lang="de-DE" dirty="0" smtClean="0"/>
-              <a:t> </a:t>
-            </a:r>
-            <a:r>
-              <a:rPr lang="de-DE" dirty="0" err="1" smtClean="0"/>
-              <a:t>instance</a:t>
-            </a:r>
-            <a:r>
-              <a:rPr lang="de-DE" dirty="0" smtClean="0"/>
-              <a:t>, </a:t>
-            </a:r>
-            <a:r>
-              <a:rPr lang="de-DE" dirty="0" err="1" smtClean="0"/>
-              <a:t>Brian‘s</a:t>
-            </a:r>
-            <a:r>
-              <a:rPr lang="de-DE" dirty="0" smtClean="0"/>
-              <a:t> P3 </a:t>
-            </a:r>
-            <a:r>
-              <a:rPr lang="de-DE" dirty="0" err="1" smtClean="0"/>
-              <a:t>algorithm</a:t>
-            </a:r>
-            <a:r>
-              <a:rPr lang="de-DE" dirty="0" smtClean="0"/>
-              <a:t> </a:t>
-            </a:r>
-            <a:r>
-              <a:rPr lang="de-DE" dirty="0" err="1" smtClean="0"/>
-              <a:t>is</a:t>
-            </a:r>
-            <a:r>
-              <a:rPr lang="de-DE" dirty="0" smtClean="0"/>
-              <a:t> such a </a:t>
-            </a:r>
-            <a:r>
-              <a:rPr lang="de-DE" dirty="0" err="1" smtClean="0"/>
-              <a:t>BasicAlgorithm</a:t>
             </a:r>
             <a:endParaRPr lang="de-DE" dirty="0" smtClean="0"/>
           </a:p>
@@ -5450,7 +4646,7 @@
         <p:spPr/>
         <p:txBody>
           <a:bodyPr>
-            <a:normAutofit fontScale="92500" lnSpcReduction="10000"/>
+            <a:normAutofit fontScale="85000" lnSpcReduction="10000"/>
           </a:bodyPr>
           <a:lstStyle/>
           <a:p>
@@ -6084,8 +5280,8 @@
         </p:nvSpPr>
         <p:spPr>
           <a:xfrm>
-            <a:off x="839788" y="2505075"/>
-            <a:ext cx="5157787" cy="4027530"/>
+            <a:off x="159026" y="2609056"/>
+            <a:ext cx="4470124" cy="3020648"/>
           </a:xfrm>
         </p:spPr>
         <p:txBody>
@@ -6101,1066 +5297,421 @@
               <a:buNone/>
             </a:pPr>
             <a:r>
-              <a:rPr lang="de-DE" sz="1000" dirty="0" err="1" smtClean="0">
+              <a:rPr lang="de-DE" sz="1600" dirty="0" err="1">
                 <a:solidFill>
                   <a:srgbClr val="0000FF"/>
                 </a:solidFill>
-                <a:effectLst/>
               </a:rPr>
               <a:t>public</a:t>
             </a:r>
             <a:r>
-              <a:rPr lang="de-DE" sz="1000" dirty="0" smtClean="0"/>
-              <a:t> </a:t>
-            </a:r>
-            <a:r>
-              <a:rPr lang="de-DE" sz="1000" dirty="0" err="1" smtClean="0">
+              <a:rPr lang="de-DE" sz="1600" dirty="0"/>
+              <a:t> </a:t>
+            </a:r>
+            <a:r>
+              <a:rPr lang="de-DE" sz="1600" dirty="0" err="1">
                 <a:solidFill>
                   <a:srgbClr val="FF0000"/>
                 </a:solidFill>
-                <a:effectLst/>
               </a:rPr>
               <a:t>class</a:t>
             </a:r>
             <a:r>
-              <a:rPr lang="de-DE" sz="1000" dirty="0" smtClean="0"/>
-              <a:t> </a:t>
-            </a:r>
-            <a:r>
-              <a:rPr lang="de-DE" sz="1000" dirty="0" err="1" smtClean="0"/>
+              <a:rPr lang="de-DE" sz="1600" dirty="0"/>
+              <a:t> </a:t>
+            </a:r>
+            <a:r>
+              <a:rPr lang="de-DE" sz="1600" dirty="0" err="1"/>
               <a:t>CompiledSingleObjectiveProblemDefinition</a:t>
             </a:r>
             <a:r>
-              <a:rPr lang="de-DE" sz="1000" dirty="0" smtClean="0"/>
+              <a:rPr lang="de-DE" sz="1600" dirty="0"/>
               <a:t> : </a:t>
             </a:r>
             <a:r>
-              <a:rPr lang="de-DE" sz="1000" dirty="0" err="1" smtClean="0"/>
+              <a:rPr lang="de-DE" sz="1600" dirty="0" err="1"/>
               <a:t>CompiledProblemDefinition</a:t>
             </a:r>
             <a:r>
-              <a:rPr lang="de-DE" sz="1000" dirty="0" smtClean="0"/>
+              <a:rPr lang="de-DE" sz="1600" dirty="0"/>
               <a:t>, </a:t>
             </a:r>
             <a:r>
-              <a:rPr lang="de-DE" sz="1000" dirty="0" err="1" smtClean="0"/>
+              <a:rPr lang="de-DE" sz="1600" dirty="0" err="1"/>
               <a:t>ISingleObjectiveProblemDefinition</a:t>
             </a:r>
             <a:r>
-              <a:rPr lang="de-DE" sz="1000" dirty="0" smtClean="0"/>
+              <a:rPr lang="de-DE" sz="1600" dirty="0"/>
               <a:t> {</a:t>
             </a:r>
             <a:br>
-              <a:rPr lang="de-DE" sz="1000" dirty="0" smtClean="0"/>
+              <a:rPr lang="de-DE" sz="1600" dirty="0"/>
             </a:br>
             <a:r>
-              <a:rPr lang="de-DE" sz="1000" dirty="0" smtClean="0"/>
-              <a:t>    </a:t>
-            </a:r>
-            <a:r>
-              <a:rPr lang="de-DE" sz="1000" dirty="0" err="1" smtClean="0">
+              <a:rPr lang="de-DE" sz="1600" dirty="0"/>
+              <a:t/>
+            </a:r>
+            <a:br>
+              <a:rPr lang="de-DE" sz="1600" dirty="0"/>
+            </a:br>
+            <a:r>
+              <a:rPr lang="de-DE" sz="1600" dirty="0"/>
+              <a:t> </a:t>
+            </a:r>
+            <a:r>
+              <a:rPr lang="de-DE" sz="1600" dirty="0" err="1">
                 <a:solidFill>
                   <a:srgbClr val="0000FF"/>
                 </a:solidFill>
-                <a:effectLst/>
               </a:rPr>
               <a:t>public</a:t>
             </a:r>
             <a:r>
-              <a:rPr lang="de-DE" sz="1000" dirty="0" smtClean="0"/>
-              <a:t> </a:t>
-            </a:r>
-            <a:r>
-              <a:rPr lang="de-DE" sz="1000" dirty="0" err="1" smtClean="0">
+              <a:rPr lang="de-DE" sz="1600" dirty="0"/>
+              <a:t> </a:t>
+            </a:r>
+            <a:r>
+              <a:rPr lang="de-DE" sz="1600" dirty="0" err="1">
+                <a:solidFill>
+                  <a:srgbClr val="A52A2A"/>
+                </a:solidFill>
+              </a:rPr>
+              <a:t>override</a:t>
+            </a:r>
+            <a:r>
+              <a:rPr lang="de-DE" sz="1600" dirty="0"/>
+              <a:t> </a:t>
+            </a:r>
+            <a:r>
+              <a:rPr lang="de-DE" sz="1600" dirty="0" err="1">
                 <a:solidFill>
                   <a:srgbClr val="FF0000"/>
                 </a:solidFill>
-                <a:effectLst/>
               </a:rPr>
-              <a:t>bool</a:t>
-            </a:r>
-            <a:r>
-              <a:rPr lang="de-DE" sz="1000" dirty="0" smtClean="0"/>
-              <a:t> </a:t>
-            </a:r>
-            <a:r>
-              <a:rPr lang="de-DE" sz="1000" dirty="0" err="1" smtClean="0"/>
-              <a:t>Maximization</a:t>
-            </a:r>
-            <a:r>
-              <a:rPr lang="de-DE" sz="1000" dirty="0" smtClean="0"/>
-              <a:t> { </a:t>
-            </a:r>
-            <a:r>
-              <a:rPr lang="de-DE" sz="1000" dirty="0" err="1" smtClean="0">
-                <a:solidFill>
-                  <a:srgbClr val="8B4513"/>
-                </a:solidFill>
-                <a:effectLst/>
+              <a:t>void</a:t>
+            </a:r>
+            <a:r>
+              <a:rPr lang="de-DE" sz="1600" dirty="0"/>
+              <a:t> </a:t>
+            </a:r>
+            <a:r>
+              <a:rPr lang="de-DE" sz="1600" dirty="0">
+                <a:solidFill>
+                  <a:srgbClr val="191970"/>
+                </a:solidFill>
               </a:rPr>
-              <a:t>get</a:t>
-            </a:r>
-            <a:r>
-              <a:rPr lang="de-DE" sz="1000" dirty="0" smtClean="0"/>
-              <a:t> { </a:t>
-            </a:r>
-            <a:r>
-              <a:rPr lang="de-DE" sz="1000" dirty="0" err="1" smtClean="0">
+              <a:t>Initialize</a:t>
+            </a:r>
+            <a:r>
+              <a:rPr lang="de-DE" sz="1600" dirty="0"/>
+              <a:t>() {</a:t>
+            </a:r>
+            <a:br>
+              <a:rPr lang="de-DE" sz="1600" dirty="0"/>
+            </a:br>
+            <a:r>
+              <a:rPr lang="de-DE" sz="1600" dirty="0"/>
+              <a:t>  Encoding = </a:t>
+            </a:r>
+            <a:r>
+              <a:rPr lang="de-DE" sz="1600" dirty="0" err="1">
+                <a:solidFill>
+                  <a:srgbClr val="008B8B"/>
+                </a:solidFill>
+              </a:rPr>
+              <a:t>new</a:t>
+            </a:r>
+            <a:r>
+              <a:rPr lang="de-DE" sz="1600" dirty="0"/>
+              <a:t> </a:t>
+            </a:r>
+            <a:r>
+              <a:rPr lang="de-DE" sz="1600" dirty="0" err="1">
+                <a:solidFill>
+                  <a:srgbClr val="191970"/>
+                </a:solidFill>
+              </a:rPr>
+              <a:t>RealVectorEncoding</a:t>
+            </a:r>
+            <a:r>
+              <a:rPr lang="de-DE" sz="1600" dirty="0"/>
+              <a:t>(</a:t>
+            </a:r>
+            <a:r>
+              <a:rPr lang="de-DE" sz="1600" dirty="0">
+                <a:solidFill>
+                  <a:srgbClr val="0000FF"/>
+                </a:solidFill>
+              </a:rPr>
+              <a:t>"r"</a:t>
+            </a:r>
+            <a:r>
+              <a:rPr lang="de-DE" sz="1600" dirty="0"/>
+              <a:t>, </a:t>
+            </a:r>
+            <a:r>
+              <a:rPr lang="de-DE" sz="1400" dirty="0" err="1"/>
+              <a:t>length</a:t>
+            </a:r>
+            <a:r>
+              <a:rPr lang="de-DE" sz="1600" dirty="0"/>
+              <a:t>: </a:t>
+            </a:r>
+            <a:r>
+              <a:rPr lang="de-DE" sz="1600" dirty="0" smtClean="0">
+                <a:solidFill>
+                  <a:srgbClr val="00008B"/>
+                </a:solidFill>
+              </a:rPr>
+              <a:t>5</a:t>
+            </a:r>
+            <a:r>
+              <a:rPr lang="de-DE" sz="1600" dirty="0" smtClean="0"/>
+              <a:t>);</a:t>
+            </a:r>
+            <a:r>
+              <a:rPr lang="de-DE" sz="1600" dirty="0"/>
+              <a:t/>
+            </a:r>
+            <a:br>
+              <a:rPr lang="de-DE" sz="1600" dirty="0"/>
+            </a:br>
+            <a:r>
+              <a:rPr lang="de-DE" sz="1600" dirty="0" smtClean="0"/>
+              <a:t>}</a:t>
+            </a:r>
+            <a:r>
+              <a:rPr lang="de-DE" sz="1600" dirty="0"/>
+              <a:t/>
+            </a:r>
+            <a:br>
+              <a:rPr lang="de-DE" sz="1600" dirty="0"/>
+            </a:br>
+            <a:r>
+              <a:rPr lang="de-DE" sz="1600" dirty="0"/>
+              <a:t/>
+            </a:r>
+            <a:br>
+              <a:rPr lang="de-DE" sz="1600" dirty="0"/>
+            </a:br>
+            <a:r>
+              <a:rPr lang="de-DE" sz="1600" dirty="0" err="1" smtClean="0">
+                <a:solidFill>
+                  <a:srgbClr val="0000FF"/>
+                </a:solidFill>
+              </a:rPr>
+              <a:t>public</a:t>
+            </a:r>
+            <a:r>
+              <a:rPr lang="de-DE" sz="1600" dirty="0" smtClean="0"/>
+              <a:t> </a:t>
+            </a:r>
+            <a:r>
+              <a:rPr lang="de-DE" sz="1600" dirty="0">
+                <a:solidFill>
+                  <a:srgbClr val="FF0000"/>
+                </a:solidFill>
+              </a:rPr>
+              <a:t>double</a:t>
+            </a:r>
+            <a:r>
+              <a:rPr lang="de-DE" sz="1600" dirty="0"/>
+              <a:t> </a:t>
+            </a:r>
+            <a:r>
+              <a:rPr lang="de-DE" sz="1600" dirty="0" err="1">
+                <a:solidFill>
+                  <a:srgbClr val="191970"/>
+                </a:solidFill>
+              </a:rPr>
+              <a:t>Evaluate</a:t>
+            </a:r>
+            <a:r>
+              <a:rPr lang="de-DE" sz="1600" dirty="0"/>
+              <a:t>(</a:t>
+            </a:r>
+            <a:r>
+              <a:rPr lang="de-DE" sz="1600" b="1" dirty="0"/>
+              <a:t>Individual </a:t>
+            </a:r>
+            <a:r>
+              <a:rPr lang="de-DE" sz="1600" b="1" dirty="0" err="1"/>
+              <a:t>individual</a:t>
+            </a:r>
+            <a:r>
+              <a:rPr lang="de-DE" sz="1600" dirty="0"/>
+              <a:t>, </a:t>
+            </a:r>
+            <a:r>
+              <a:rPr lang="de-DE" sz="1600" dirty="0" smtClean="0"/>
+              <a:t/>
+            </a:r>
+            <a:br>
+              <a:rPr lang="de-DE" sz="1600" dirty="0" smtClean="0"/>
+            </a:br>
+            <a:r>
+              <a:rPr lang="de-DE" sz="1600" dirty="0" err="1" smtClean="0"/>
+              <a:t>IRandom</a:t>
+            </a:r>
+            <a:r>
+              <a:rPr lang="de-DE" sz="1600" dirty="0" smtClean="0"/>
+              <a:t> </a:t>
+            </a:r>
+            <a:r>
+              <a:rPr lang="de-DE" sz="1600" dirty="0" err="1"/>
+              <a:t>random</a:t>
+            </a:r>
+            <a:r>
+              <a:rPr lang="de-DE" sz="1600" dirty="0"/>
+              <a:t>) {</a:t>
+            </a:r>
+            <a:br>
+              <a:rPr lang="de-DE" sz="1600" dirty="0"/>
+            </a:br>
+            <a:r>
+              <a:rPr lang="de-DE" sz="1600" dirty="0"/>
+              <a:t>      </a:t>
+            </a:r>
+            <a:r>
+              <a:rPr lang="de-DE" sz="1600" dirty="0" err="1">
                 <a:solidFill>
                   <a:srgbClr val="000080"/>
                 </a:solidFill>
-                <a:effectLst/>
+              </a:rPr>
+              <a:t>var</a:t>
+            </a:r>
+            <a:r>
+              <a:rPr lang="de-DE" sz="1600" dirty="0"/>
+              <a:t> </a:t>
+            </a:r>
+            <a:r>
+              <a:rPr lang="de-DE" sz="1600" dirty="0" err="1"/>
+              <a:t>quality</a:t>
+            </a:r>
+            <a:r>
+              <a:rPr lang="de-DE" sz="1600" dirty="0"/>
+              <a:t> = </a:t>
+            </a:r>
+            <a:r>
+              <a:rPr lang="de-DE" sz="1600" dirty="0">
+                <a:solidFill>
+                  <a:srgbClr val="00008B"/>
+                </a:solidFill>
+              </a:rPr>
+              <a:t>0.0</a:t>
+            </a:r>
+            <a:r>
+              <a:rPr lang="de-DE" sz="1600" dirty="0"/>
+              <a:t>;</a:t>
+            </a:r>
+            <a:br>
+              <a:rPr lang="de-DE" sz="1600" dirty="0"/>
+            </a:br>
+            <a:r>
+              <a:rPr lang="de-DE" sz="1600" dirty="0"/>
+              <a:t>      </a:t>
+            </a:r>
+            <a:r>
+              <a:rPr lang="de-DE" sz="1600" dirty="0" err="1"/>
+              <a:t>quality</a:t>
+            </a:r>
+            <a:r>
+              <a:rPr lang="de-DE" sz="1600" dirty="0"/>
+              <a:t> = </a:t>
+            </a:r>
+            <a:r>
+              <a:rPr lang="de-DE" sz="1600" b="1" dirty="0" err="1"/>
+              <a:t>individual.</a:t>
+            </a:r>
+            <a:r>
+              <a:rPr lang="de-DE" sz="1600" b="1" dirty="0" err="1">
+                <a:solidFill>
+                  <a:srgbClr val="191970"/>
+                </a:solidFill>
+              </a:rPr>
+              <a:t>RealVector</a:t>
+            </a:r>
+            <a:r>
+              <a:rPr lang="de-DE" sz="1600" b="1" dirty="0"/>
+              <a:t>(</a:t>
+            </a:r>
+            <a:r>
+              <a:rPr lang="de-DE" sz="1600" b="1" dirty="0">
+                <a:solidFill>
+                  <a:srgbClr val="0000FF"/>
+                </a:solidFill>
+              </a:rPr>
+              <a:t>"r</a:t>
+            </a:r>
+            <a:r>
+              <a:rPr lang="de-DE" sz="1600" b="1" dirty="0" smtClean="0">
+                <a:solidFill>
+                  <a:srgbClr val="0000FF"/>
+                </a:solidFill>
+              </a:rPr>
+              <a:t>"</a:t>
+            </a:r>
+            <a:r>
+              <a:rPr lang="de-DE" sz="1600" b="1" dirty="0" smtClean="0"/>
+              <a:t>)</a:t>
+            </a:r>
+            <a:br>
+              <a:rPr lang="de-DE" sz="1600" b="1" dirty="0" smtClean="0"/>
+            </a:br>
+            <a:r>
+              <a:rPr lang="de-DE" sz="1600" b="1" dirty="0" smtClean="0"/>
+              <a:t>	.</a:t>
+            </a:r>
+            <a:r>
+              <a:rPr lang="de-DE" sz="1600" dirty="0" err="1">
+                <a:solidFill>
+                  <a:srgbClr val="191970"/>
+                </a:solidFill>
+              </a:rPr>
+              <a:t>Sum</a:t>
+            </a:r>
+            <a:r>
+              <a:rPr lang="de-DE" sz="1600" dirty="0"/>
+              <a:t>(x =&gt; x * x);</a:t>
+            </a:r>
+            <a:br>
+              <a:rPr lang="de-DE" sz="1600" dirty="0"/>
+            </a:br>
+            <a:r>
+              <a:rPr lang="de-DE" sz="1600" dirty="0"/>
+              <a:t>      </a:t>
+            </a:r>
+            <a:r>
+              <a:rPr lang="de-DE" sz="1600" dirty="0" err="1">
+                <a:solidFill>
+                  <a:srgbClr val="000080"/>
+                </a:solidFill>
               </a:rPr>
               <a:t>return</a:t>
             </a:r>
             <a:r>
-              <a:rPr lang="de-DE" sz="1000" dirty="0" smtClean="0"/>
-              <a:t> </a:t>
-            </a:r>
-            <a:r>
-              <a:rPr lang="de-DE" sz="1000" dirty="0" err="1" smtClean="0">
-                <a:solidFill>
-                  <a:srgbClr val="008B8B"/>
-                </a:solidFill>
-                <a:effectLst/>
-              </a:rPr>
-              <a:t>false</a:t>
-            </a:r>
-            <a:r>
-              <a:rPr lang="de-DE" sz="1000" dirty="0" smtClean="0"/>
-              <a:t>; } }</a:t>
+              <a:rPr lang="de-DE" sz="1600" dirty="0"/>
+              <a:t> </a:t>
+            </a:r>
+            <a:r>
+              <a:rPr lang="de-DE" sz="1600" dirty="0" err="1"/>
+              <a:t>quality</a:t>
+            </a:r>
+            <a:r>
+              <a:rPr lang="de-DE" sz="1600" dirty="0"/>
+              <a:t>;</a:t>
             </a:r>
             <a:br>
-              <a:rPr lang="de-DE" sz="1000" dirty="0" smtClean="0"/>
+              <a:rPr lang="de-DE" sz="1600" dirty="0"/>
             </a:br>
             <a:r>
-              <a:rPr lang="de-DE" sz="1000" dirty="0" smtClean="0"/>
-              <a:t/>
+              <a:rPr lang="de-DE" sz="1600" dirty="0"/>
+              <a:t>    }</a:t>
             </a:r>
             <a:br>
-              <a:rPr lang="de-DE" sz="1000" dirty="0" smtClean="0"/>
+              <a:rPr lang="de-DE" sz="1600" dirty="0"/>
             </a:br>
-            <a:r>
-              <a:rPr lang="de-DE" sz="1000" dirty="0" smtClean="0"/>
-              <a:t>    </a:t>
-            </a:r>
-            <a:r>
-              <a:rPr lang="de-DE" sz="1000" dirty="0" err="1" smtClean="0">
-                <a:solidFill>
-                  <a:srgbClr val="0000FF"/>
-                </a:solidFill>
-                <a:effectLst/>
-              </a:rPr>
-              <a:t>public</a:t>
-            </a:r>
-            <a:r>
-              <a:rPr lang="de-DE" sz="1000" dirty="0" smtClean="0"/>
-              <a:t> </a:t>
-            </a:r>
-            <a:r>
-              <a:rPr lang="de-DE" sz="1000" dirty="0" err="1" smtClean="0">
-                <a:solidFill>
-                  <a:srgbClr val="A52A2A"/>
-                </a:solidFill>
-                <a:effectLst/>
-              </a:rPr>
-              <a:t>override</a:t>
-            </a:r>
-            <a:r>
-              <a:rPr lang="de-DE" sz="1000" dirty="0" smtClean="0"/>
-              <a:t> </a:t>
-            </a:r>
-            <a:r>
-              <a:rPr lang="de-DE" sz="1000" dirty="0" err="1" smtClean="0">
-                <a:solidFill>
-                  <a:srgbClr val="FF0000"/>
-                </a:solidFill>
-                <a:effectLst/>
-              </a:rPr>
-              <a:t>void</a:t>
-            </a:r>
-            <a:r>
-              <a:rPr lang="de-DE" sz="1000" dirty="0" smtClean="0"/>
-              <a:t> </a:t>
-            </a:r>
-            <a:r>
-              <a:rPr lang="de-DE" sz="1000" dirty="0" smtClean="0">
-                <a:solidFill>
-                  <a:srgbClr val="191970"/>
-                </a:solidFill>
-                <a:effectLst/>
-              </a:rPr>
-              <a:t>Initialize</a:t>
-            </a:r>
-            <a:r>
-              <a:rPr lang="de-DE" sz="1000" dirty="0" smtClean="0"/>
-              <a:t>() {</a:t>
-            </a:r>
-            <a:br>
-              <a:rPr lang="de-DE" sz="1000" dirty="0" smtClean="0"/>
-            </a:br>
-            <a:r>
-              <a:rPr lang="de-DE" sz="1000" dirty="0" smtClean="0"/>
-              <a:t>      Encoding = </a:t>
-            </a:r>
-            <a:r>
-              <a:rPr lang="de-DE" sz="1000" dirty="0" err="1" smtClean="0">
-                <a:solidFill>
-                  <a:srgbClr val="008B8B"/>
-                </a:solidFill>
-                <a:effectLst/>
-              </a:rPr>
-              <a:t>new</a:t>
-            </a:r>
-            <a:r>
-              <a:rPr lang="de-DE" sz="1000" dirty="0" smtClean="0"/>
-              <a:t> </a:t>
-            </a:r>
-            <a:r>
-              <a:rPr lang="de-DE" sz="1000" dirty="0" err="1" smtClean="0">
-                <a:solidFill>
-                  <a:srgbClr val="191970"/>
-                </a:solidFill>
-                <a:effectLst/>
-              </a:rPr>
-              <a:t>RealVectorEncoding</a:t>
-            </a:r>
-            <a:r>
-              <a:rPr lang="de-DE" sz="1000" dirty="0" smtClean="0"/>
-              <a:t>(</a:t>
-            </a:r>
-            <a:r>
-              <a:rPr lang="de-DE" sz="1000" dirty="0" smtClean="0">
-                <a:solidFill>
-                  <a:srgbClr val="0000FF"/>
-                </a:solidFill>
-                <a:effectLst/>
-              </a:rPr>
-              <a:t>"r"</a:t>
-            </a:r>
-            <a:r>
-              <a:rPr lang="de-DE" sz="1000" dirty="0" smtClean="0"/>
-              <a:t>, </a:t>
-            </a:r>
-            <a:r>
-              <a:rPr lang="de-DE" sz="1000" dirty="0" err="1" smtClean="0"/>
-              <a:t>length</a:t>
-            </a:r>
-            <a:r>
-              <a:rPr lang="de-DE" sz="1000" dirty="0" smtClean="0"/>
-              <a:t>: </a:t>
-            </a:r>
-            <a:r>
-              <a:rPr lang="de-DE" sz="1000" dirty="0" smtClean="0">
-                <a:solidFill>
-                  <a:srgbClr val="00008B"/>
-                </a:solidFill>
-                <a:effectLst/>
-              </a:rPr>
-              <a:t>5</a:t>
-            </a:r>
-            <a:r>
-              <a:rPr lang="de-DE" sz="1000" dirty="0" smtClean="0"/>
-              <a:t>, min: -</a:t>
-            </a:r>
-            <a:r>
-              <a:rPr lang="de-DE" sz="1000" dirty="0" smtClean="0">
-                <a:solidFill>
-                  <a:srgbClr val="00008B"/>
-                </a:solidFill>
-                <a:effectLst/>
-              </a:rPr>
-              <a:t>1.0</a:t>
-            </a:r>
-            <a:r>
-              <a:rPr lang="de-DE" sz="1000" dirty="0" smtClean="0"/>
-              <a:t>, </a:t>
-            </a:r>
-            <a:r>
-              <a:rPr lang="de-DE" sz="1000" dirty="0" err="1" smtClean="0"/>
-              <a:t>max</a:t>
-            </a:r>
-            <a:r>
-              <a:rPr lang="de-DE" sz="1000" dirty="0" smtClean="0"/>
-              <a:t>: </a:t>
-            </a:r>
-            <a:r>
-              <a:rPr lang="de-DE" sz="1000" dirty="0" smtClean="0">
-                <a:solidFill>
-                  <a:srgbClr val="00008B"/>
-                </a:solidFill>
-                <a:effectLst/>
-              </a:rPr>
-              <a:t>1.0</a:t>
-            </a:r>
-            <a:r>
-              <a:rPr lang="de-DE" sz="1000" dirty="0" smtClean="0"/>
-              <a:t>);</a:t>
-            </a:r>
-            <a:br>
-              <a:rPr lang="de-DE" sz="1000" dirty="0" smtClean="0"/>
-            </a:br>
-            <a:r>
-              <a:rPr lang="de-DE" sz="1000" dirty="0" smtClean="0"/>
-              <a:t>    }</a:t>
-            </a:r>
-            <a:br>
-              <a:rPr lang="de-DE" sz="1000" dirty="0" smtClean="0"/>
-            </a:br>
-            <a:r>
-              <a:rPr lang="de-DE" sz="1000" dirty="0" smtClean="0"/>
-              <a:t/>
-            </a:r>
-            <a:br>
-              <a:rPr lang="de-DE" sz="1000" dirty="0" smtClean="0"/>
-            </a:br>
-            <a:r>
-              <a:rPr lang="de-DE" sz="1000" dirty="0" smtClean="0"/>
-              <a:t>    </a:t>
-            </a:r>
-            <a:r>
-              <a:rPr lang="de-DE" sz="1000" dirty="0" err="1" smtClean="0">
-                <a:solidFill>
-                  <a:srgbClr val="0000FF"/>
-                </a:solidFill>
-                <a:effectLst/>
-              </a:rPr>
-              <a:t>public</a:t>
-            </a:r>
-            <a:r>
-              <a:rPr lang="de-DE" sz="1000" dirty="0" smtClean="0"/>
-              <a:t> </a:t>
-            </a:r>
-            <a:r>
-              <a:rPr lang="de-DE" sz="1000" dirty="0" smtClean="0">
-                <a:solidFill>
-                  <a:srgbClr val="FF0000"/>
-                </a:solidFill>
-                <a:effectLst/>
-              </a:rPr>
-              <a:t>double</a:t>
-            </a:r>
-            <a:r>
-              <a:rPr lang="de-DE" sz="1000" dirty="0" smtClean="0"/>
-              <a:t> </a:t>
-            </a:r>
-            <a:r>
-              <a:rPr lang="de-DE" sz="1000" dirty="0" err="1" smtClean="0">
-                <a:solidFill>
-                  <a:srgbClr val="191970"/>
-                </a:solidFill>
-                <a:effectLst/>
-              </a:rPr>
-              <a:t>Evaluate</a:t>
-            </a:r>
-            <a:r>
-              <a:rPr lang="de-DE" sz="1000" dirty="0" smtClean="0"/>
-              <a:t>(</a:t>
-            </a:r>
-            <a:r>
-              <a:rPr lang="de-DE" sz="1000" b="1" dirty="0" smtClean="0"/>
-              <a:t>Individual</a:t>
-            </a:r>
-            <a:r>
-              <a:rPr lang="de-DE" sz="1000" dirty="0" smtClean="0"/>
-              <a:t> </a:t>
-            </a:r>
-            <a:r>
-              <a:rPr lang="de-DE" sz="1000" dirty="0" err="1" smtClean="0"/>
-              <a:t>individual</a:t>
-            </a:r>
-            <a:r>
-              <a:rPr lang="de-DE" sz="1000" dirty="0" smtClean="0"/>
-              <a:t>, </a:t>
-            </a:r>
-            <a:r>
-              <a:rPr lang="de-DE" sz="1000" dirty="0" err="1" smtClean="0"/>
-              <a:t>IRandom</a:t>
-            </a:r>
-            <a:r>
-              <a:rPr lang="de-DE" sz="1000" dirty="0" smtClean="0"/>
-              <a:t> </a:t>
-            </a:r>
-            <a:r>
-              <a:rPr lang="de-DE" sz="1000" dirty="0" err="1" smtClean="0"/>
-              <a:t>random</a:t>
-            </a:r>
-            <a:r>
-              <a:rPr lang="de-DE" sz="1000" dirty="0" smtClean="0"/>
-              <a:t>) {</a:t>
-            </a:r>
-            <a:br>
-              <a:rPr lang="de-DE" sz="1000" dirty="0" smtClean="0"/>
-            </a:br>
-            <a:r>
-              <a:rPr lang="de-DE" sz="1000" dirty="0" smtClean="0"/>
-              <a:t>      </a:t>
-            </a:r>
-            <a:r>
-              <a:rPr lang="de-DE" sz="1000" dirty="0" err="1" smtClean="0">
-                <a:solidFill>
-                  <a:srgbClr val="000080"/>
-                </a:solidFill>
-                <a:effectLst/>
-              </a:rPr>
-              <a:t>var</a:t>
-            </a:r>
-            <a:r>
-              <a:rPr lang="de-DE" sz="1000" dirty="0" smtClean="0"/>
-              <a:t> </a:t>
-            </a:r>
-            <a:r>
-              <a:rPr lang="de-DE" sz="1000" dirty="0" err="1" smtClean="0"/>
-              <a:t>quality</a:t>
-            </a:r>
-            <a:r>
-              <a:rPr lang="de-DE" sz="1000" dirty="0" smtClean="0"/>
-              <a:t> = </a:t>
-            </a:r>
-            <a:r>
-              <a:rPr lang="de-DE" sz="1000" dirty="0" smtClean="0">
-                <a:solidFill>
-                  <a:srgbClr val="00008B"/>
-                </a:solidFill>
-                <a:effectLst/>
-              </a:rPr>
-              <a:t>0.0</a:t>
-            </a:r>
-            <a:r>
-              <a:rPr lang="de-DE" sz="1000" dirty="0" smtClean="0"/>
-              <a:t>;</a:t>
-            </a:r>
-            <a:br>
-              <a:rPr lang="de-DE" sz="1000" dirty="0" smtClean="0"/>
-            </a:br>
-            <a:r>
-              <a:rPr lang="de-DE" sz="1000" dirty="0" smtClean="0"/>
-              <a:t>      </a:t>
-            </a:r>
-            <a:r>
-              <a:rPr lang="de-DE" sz="1000" dirty="0" err="1" smtClean="0"/>
-              <a:t>quality</a:t>
-            </a:r>
-            <a:r>
-              <a:rPr lang="de-DE" sz="1000" dirty="0" smtClean="0"/>
-              <a:t> = </a:t>
-            </a:r>
-            <a:r>
-              <a:rPr lang="de-DE" sz="1000" b="1" dirty="0" err="1" smtClean="0"/>
-              <a:t>individual.</a:t>
-            </a:r>
-            <a:r>
-              <a:rPr lang="de-DE" sz="1000" b="1" dirty="0" err="1" smtClean="0">
-                <a:solidFill>
-                  <a:srgbClr val="191970"/>
-                </a:solidFill>
-                <a:effectLst/>
-              </a:rPr>
-              <a:t>RealVector</a:t>
-            </a:r>
-            <a:r>
-              <a:rPr lang="de-DE" sz="1000" b="1" dirty="0" smtClean="0"/>
-              <a:t>(</a:t>
-            </a:r>
-            <a:r>
-              <a:rPr lang="de-DE" sz="1000" b="1" dirty="0" smtClean="0">
-                <a:solidFill>
-                  <a:srgbClr val="0000FF"/>
-                </a:solidFill>
-                <a:effectLst/>
-              </a:rPr>
-              <a:t>"r"</a:t>
-            </a:r>
-            <a:r>
-              <a:rPr lang="de-DE" sz="1000" b="1" dirty="0" smtClean="0"/>
-              <a:t>)</a:t>
-            </a:r>
-            <a:r>
-              <a:rPr lang="de-DE" sz="1000" dirty="0" smtClean="0"/>
-              <a:t>.</a:t>
-            </a:r>
-            <a:r>
-              <a:rPr lang="de-DE" sz="1000" dirty="0" err="1" smtClean="0">
-                <a:solidFill>
-                  <a:srgbClr val="191970"/>
-                </a:solidFill>
-                <a:effectLst/>
-              </a:rPr>
-              <a:t>Sum</a:t>
-            </a:r>
-            <a:r>
-              <a:rPr lang="de-DE" sz="1000" dirty="0" smtClean="0"/>
-              <a:t>(x =&gt; x * x);</a:t>
-            </a:r>
-            <a:br>
-              <a:rPr lang="de-DE" sz="1000" dirty="0" smtClean="0"/>
-            </a:br>
-            <a:r>
-              <a:rPr lang="de-DE" sz="1000" dirty="0" smtClean="0"/>
-              <a:t>      </a:t>
-            </a:r>
-            <a:r>
-              <a:rPr lang="de-DE" sz="1000" dirty="0" err="1" smtClean="0">
-                <a:solidFill>
-                  <a:srgbClr val="000080"/>
-                </a:solidFill>
-                <a:effectLst/>
-              </a:rPr>
-              <a:t>return</a:t>
-            </a:r>
-            <a:r>
-              <a:rPr lang="de-DE" sz="1000" dirty="0" smtClean="0"/>
-              <a:t> </a:t>
-            </a:r>
-            <a:r>
-              <a:rPr lang="de-DE" sz="1000" dirty="0" err="1" smtClean="0"/>
-              <a:t>quality</a:t>
-            </a:r>
-            <a:r>
-              <a:rPr lang="de-DE" sz="1000" dirty="0" smtClean="0"/>
-              <a:t>;</a:t>
-            </a:r>
-            <a:br>
-              <a:rPr lang="de-DE" sz="1000" dirty="0" smtClean="0"/>
-            </a:br>
-            <a:r>
-              <a:rPr lang="de-DE" sz="1000" dirty="0" smtClean="0"/>
-              <a:t>    }</a:t>
-            </a:r>
-            <a:br>
-              <a:rPr lang="de-DE" sz="1000" dirty="0" smtClean="0"/>
-            </a:br>
-            <a:r>
-              <a:rPr lang="de-DE" sz="1000" dirty="0" smtClean="0"/>
-              <a:t/>
-            </a:r>
-            <a:br>
-              <a:rPr lang="de-DE" sz="1000" dirty="0" smtClean="0"/>
-            </a:br>
-            <a:r>
-              <a:rPr lang="de-DE" sz="1000" dirty="0" smtClean="0"/>
-              <a:t>    </a:t>
-            </a:r>
-            <a:r>
-              <a:rPr lang="de-DE" sz="1000" dirty="0" err="1" smtClean="0">
-                <a:solidFill>
-                  <a:srgbClr val="0000FF"/>
-                </a:solidFill>
-                <a:effectLst/>
-              </a:rPr>
-              <a:t>public</a:t>
-            </a:r>
-            <a:r>
-              <a:rPr lang="de-DE" sz="1000" dirty="0" smtClean="0"/>
-              <a:t> </a:t>
-            </a:r>
-            <a:r>
-              <a:rPr lang="de-DE" sz="1000" dirty="0" err="1" smtClean="0">
-                <a:solidFill>
-                  <a:srgbClr val="FF0000"/>
-                </a:solidFill>
-                <a:effectLst/>
-              </a:rPr>
-              <a:t>void</a:t>
-            </a:r>
-            <a:r>
-              <a:rPr lang="de-DE" sz="1000" dirty="0" smtClean="0"/>
-              <a:t> </a:t>
-            </a:r>
-            <a:r>
-              <a:rPr lang="de-DE" sz="1000" dirty="0" err="1" smtClean="0">
-                <a:solidFill>
-                  <a:srgbClr val="191970"/>
-                </a:solidFill>
-                <a:effectLst/>
-              </a:rPr>
-              <a:t>Analyze</a:t>
-            </a:r>
-            <a:r>
-              <a:rPr lang="de-DE" sz="1000" dirty="0" smtClean="0"/>
-              <a:t>(</a:t>
-            </a:r>
-            <a:r>
-              <a:rPr lang="de-DE" sz="1000" b="1" dirty="0" smtClean="0"/>
-              <a:t>Individual</a:t>
-            </a:r>
-            <a:r>
-              <a:rPr lang="de-DE" sz="1000" dirty="0" smtClean="0"/>
-              <a:t>[] </a:t>
-            </a:r>
-            <a:r>
-              <a:rPr lang="de-DE" sz="1000" dirty="0" err="1" smtClean="0"/>
-              <a:t>individuals</a:t>
-            </a:r>
-            <a:r>
-              <a:rPr lang="de-DE" sz="1000" dirty="0" smtClean="0"/>
-              <a:t>, </a:t>
-            </a:r>
-            <a:r>
-              <a:rPr lang="de-DE" sz="1000" dirty="0" smtClean="0">
-                <a:solidFill>
-                  <a:srgbClr val="FF0000"/>
-                </a:solidFill>
-                <a:effectLst/>
-              </a:rPr>
-              <a:t>double</a:t>
-            </a:r>
-            <a:r>
-              <a:rPr lang="de-DE" sz="1000" dirty="0" smtClean="0"/>
-              <a:t>[] </a:t>
-            </a:r>
-            <a:r>
-              <a:rPr lang="de-DE" sz="1000" dirty="0" err="1" smtClean="0"/>
-              <a:t>qualities</a:t>
-            </a:r>
-            <a:r>
-              <a:rPr lang="de-DE" sz="1000" dirty="0" smtClean="0"/>
-              <a:t>, </a:t>
-            </a:r>
-            <a:r>
-              <a:rPr lang="de-DE" sz="1000" dirty="0" err="1" smtClean="0"/>
-              <a:t>ResultCollection</a:t>
-            </a:r>
-            <a:r>
-              <a:rPr lang="de-DE" sz="1000" dirty="0" smtClean="0"/>
-              <a:t> </a:t>
-            </a:r>
-            <a:r>
-              <a:rPr lang="de-DE" sz="1000" dirty="0" err="1" smtClean="0"/>
-              <a:t>results</a:t>
-            </a:r>
-            <a:r>
-              <a:rPr lang="de-DE" sz="1000" dirty="0" smtClean="0"/>
-              <a:t>, </a:t>
-            </a:r>
-            <a:r>
-              <a:rPr lang="de-DE" sz="1000" dirty="0" err="1" smtClean="0"/>
-              <a:t>IRandom</a:t>
-            </a:r>
-            <a:r>
-              <a:rPr lang="de-DE" sz="1000" dirty="0" smtClean="0"/>
-              <a:t> </a:t>
-            </a:r>
-            <a:r>
-              <a:rPr lang="de-DE" sz="1000" dirty="0" err="1" smtClean="0"/>
-              <a:t>random</a:t>
-            </a:r>
-            <a:r>
-              <a:rPr lang="de-DE" sz="1000" dirty="0" smtClean="0"/>
-              <a:t>) { }</a:t>
-            </a:r>
-            <a:br>
-              <a:rPr lang="de-DE" sz="1000" dirty="0" smtClean="0"/>
-            </a:br>
-            <a:r>
-              <a:rPr lang="de-DE" sz="1000" dirty="0" smtClean="0"/>
-              <a:t/>
-            </a:r>
-            <a:br>
-              <a:rPr lang="de-DE" sz="1000" dirty="0" smtClean="0"/>
-            </a:br>
-            <a:r>
-              <a:rPr lang="de-DE" sz="1000" dirty="0" smtClean="0"/>
-              <a:t>    </a:t>
-            </a:r>
-            <a:r>
-              <a:rPr lang="de-DE" sz="1000" dirty="0" err="1" smtClean="0">
-                <a:solidFill>
-                  <a:srgbClr val="0000FF"/>
-                </a:solidFill>
-                <a:effectLst/>
-              </a:rPr>
-              <a:t>public</a:t>
-            </a:r>
-            <a:r>
-              <a:rPr lang="de-DE" sz="1000" dirty="0" smtClean="0"/>
-              <a:t> </a:t>
-            </a:r>
-            <a:r>
-              <a:rPr lang="de-DE" sz="1000" dirty="0" err="1" smtClean="0"/>
-              <a:t>IEnumerable</a:t>
-            </a:r>
-            <a:r>
-              <a:rPr lang="de-DE" sz="1000" dirty="0" smtClean="0"/>
-              <a:t>&lt;</a:t>
-            </a:r>
-            <a:r>
-              <a:rPr lang="de-DE" sz="1000" b="1" dirty="0" smtClean="0"/>
-              <a:t>Individual</a:t>
-            </a:r>
-            <a:r>
-              <a:rPr lang="de-DE" sz="1000" dirty="0" smtClean="0"/>
-              <a:t>&gt; </a:t>
-            </a:r>
-            <a:r>
-              <a:rPr lang="de-DE" sz="1000" dirty="0" err="1" smtClean="0">
-                <a:solidFill>
-                  <a:srgbClr val="191970"/>
-                </a:solidFill>
-                <a:effectLst/>
-              </a:rPr>
-              <a:t>GetNeighbors</a:t>
-            </a:r>
-            <a:r>
-              <a:rPr lang="de-DE" sz="1000" dirty="0" smtClean="0"/>
-              <a:t>(</a:t>
-            </a:r>
-            <a:r>
-              <a:rPr lang="de-DE" sz="1000" b="1" dirty="0" smtClean="0"/>
-              <a:t>Individual</a:t>
-            </a:r>
-            <a:r>
-              <a:rPr lang="de-DE" sz="1000" dirty="0" smtClean="0"/>
-              <a:t> </a:t>
-            </a:r>
-            <a:r>
-              <a:rPr lang="de-DE" sz="1000" dirty="0" err="1" smtClean="0"/>
-              <a:t>individual</a:t>
-            </a:r>
-            <a:r>
-              <a:rPr lang="de-DE" sz="1000" dirty="0" smtClean="0"/>
-              <a:t>, </a:t>
-            </a:r>
-            <a:r>
-              <a:rPr lang="de-DE" sz="1000" dirty="0" err="1" smtClean="0"/>
-              <a:t>IRandom</a:t>
-            </a:r>
-            <a:r>
-              <a:rPr lang="de-DE" sz="1000" dirty="0" smtClean="0"/>
-              <a:t> </a:t>
-            </a:r>
-            <a:r>
-              <a:rPr lang="de-DE" sz="1000" dirty="0" err="1" smtClean="0"/>
-              <a:t>random</a:t>
-            </a:r>
-            <a:r>
-              <a:rPr lang="de-DE" sz="1000" dirty="0" smtClean="0"/>
-              <a:t>) {</a:t>
-            </a:r>
-            <a:br>
-              <a:rPr lang="de-DE" sz="1000" dirty="0" smtClean="0"/>
-            </a:br>
-            <a:r>
-              <a:rPr lang="de-DE" sz="1000" dirty="0" smtClean="0"/>
-              <a:t>      </a:t>
-            </a:r>
-            <a:r>
-              <a:rPr lang="de-DE" sz="1000" dirty="0" err="1" smtClean="0">
-                <a:solidFill>
-                  <a:srgbClr val="0000FF"/>
-                </a:solidFill>
-                <a:effectLst/>
-              </a:rPr>
-              <a:t>while</a:t>
-            </a:r>
-            <a:r>
-              <a:rPr lang="de-DE" sz="1000" dirty="0" smtClean="0"/>
-              <a:t> (</a:t>
-            </a:r>
-            <a:r>
-              <a:rPr lang="de-DE" sz="1000" dirty="0" err="1" smtClean="0">
-                <a:solidFill>
-                  <a:srgbClr val="008B8B"/>
-                </a:solidFill>
-                <a:effectLst/>
-              </a:rPr>
-              <a:t>true</a:t>
-            </a:r>
-            <a:r>
-              <a:rPr lang="de-DE" sz="1000" dirty="0" smtClean="0"/>
-              <a:t>) {</a:t>
-            </a:r>
-            <a:br>
-              <a:rPr lang="de-DE" sz="1000" dirty="0" smtClean="0"/>
-            </a:br>
-            <a:r>
-              <a:rPr lang="de-DE" sz="1000" dirty="0" smtClean="0"/>
-              <a:t>        </a:t>
-            </a:r>
-            <a:r>
-              <a:rPr lang="de-DE" sz="1000" dirty="0" err="1" smtClean="0">
-                <a:solidFill>
-                  <a:srgbClr val="000080"/>
-                </a:solidFill>
-                <a:effectLst/>
-              </a:rPr>
-              <a:t>var</a:t>
-            </a:r>
-            <a:r>
-              <a:rPr lang="de-DE" sz="1000" dirty="0" smtClean="0"/>
-              <a:t> </a:t>
-            </a:r>
-            <a:r>
-              <a:rPr lang="de-DE" sz="1000" dirty="0" err="1" smtClean="0"/>
-              <a:t>neighbor</a:t>
-            </a:r>
-            <a:r>
-              <a:rPr lang="de-DE" sz="1000" dirty="0" smtClean="0"/>
-              <a:t> = </a:t>
-            </a:r>
-            <a:r>
-              <a:rPr lang="de-DE" sz="1000" b="1" dirty="0" err="1" smtClean="0"/>
-              <a:t>individual.</a:t>
-            </a:r>
-            <a:r>
-              <a:rPr lang="de-DE" sz="1000" b="1" dirty="0" err="1" smtClean="0">
-                <a:solidFill>
-                  <a:srgbClr val="191970"/>
-                </a:solidFill>
-                <a:effectLst/>
-              </a:rPr>
-              <a:t>Copy</a:t>
-            </a:r>
-            <a:r>
-              <a:rPr lang="de-DE" sz="1000" b="1" dirty="0" smtClean="0"/>
-              <a:t>()</a:t>
-            </a:r>
-            <a:r>
-              <a:rPr lang="de-DE" sz="1000" dirty="0" smtClean="0"/>
-              <a:t>;</a:t>
-            </a:r>
-            <a:br>
-              <a:rPr lang="de-DE" sz="1000" dirty="0" smtClean="0"/>
-            </a:br>
-            <a:r>
-              <a:rPr lang="de-DE" sz="1000" dirty="0" smtClean="0"/>
-              <a:t>        </a:t>
-            </a:r>
-            <a:r>
-              <a:rPr lang="de-DE" sz="1000" dirty="0" err="1" smtClean="0">
-                <a:solidFill>
-                  <a:srgbClr val="000080"/>
-                </a:solidFill>
-                <a:effectLst/>
-              </a:rPr>
-              <a:t>var</a:t>
-            </a:r>
-            <a:r>
-              <a:rPr lang="de-DE" sz="1000" dirty="0" smtClean="0"/>
-              <a:t> </a:t>
-            </a:r>
-            <a:r>
-              <a:rPr lang="de-DE" sz="1000" dirty="0" err="1" smtClean="0"/>
-              <a:t>index</a:t>
-            </a:r>
-            <a:r>
-              <a:rPr lang="de-DE" sz="1000" dirty="0" smtClean="0"/>
-              <a:t> = </a:t>
-            </a:r>
-            <a:r>
-              <a:rPr lang="de-DE" sz="1000" dirty="0" err="1" smtClean="0"/>
-              <a:t>random.</a:t>
-            </a:r>
-            <a:r>
-              <a:rPr lang="de-DE" sz="1000" dirty="0" err="1" smtClean="0">
-                <a:solidFill>
-                  <a:srgbClr val="191970"/>
-                </a:solidFill>
-                <a:effectLst/>
-              </a:rPr>
-              <a:t>Next</a:t>
-            </a:r>
-            <a:r>
-              <a:rPr lang="de-DE" sz="1000" dirty="0" smtClean="0"/>
-              <a:t>(</a:t>
-            </a:r>
-            <a:r>
-              <a:rPr lang="de-DE" sz="1000" b="1" dirty="0" err="1" smtClean="0"/>
-              <a:t>neighbor.</a:t>
-            </a:r>
-            <a:r>
-              <a:rPr lang="de-DE" sz="1000" b="1" dirty="0" err="1" smtClean="0">
-                <a:solidFill>
-                  <a:srgbClr val="191970"/>
-                </a:solidFill>
-                <a:effectLst/>
-              </a:rPr>
-              <a:t>RealVector</a:t>
-            </a:r>
-            <a:r>
-              <a:rPr lang="de-DE" sz="1000" b="1" dirty="0" smtClean="0"/>
-              <a:t>(</a:t>
-            </a:r>
-            <a:r>
-              <a:rPr lang="de-DE" sz="1000" b="1" dirty="0" smtClean="0">
-                <a:solidFill>
-                  <a:srgbClr val="0000FF"/>
-                </a:solidFill>
-                <a:effectLst/>
-              </a:rPr>
-              <a:t>"r"</a:t>
-            </a:r>
-            <a:r>
-              <a:rPr lang="de-DE" sz="1000" b="1" dirty="0" smtClean="0"/>
-              <a:t>)</a:t>
-            </a:r>
-            <a:r>
-              <a:rPr lang="de-DE" sz="1000" dirty="0" smtClean="0"/>
-              <a:t>.</a:t>
-            </a:r>
-            <a:r>
-              <a:rPr lang="de-DE" sz="1000" dirty="0" err="1" smtClean="0"/>
-              <a:t>Length</a:t>
-            </a:r>
-            <a:r>
-              <a:rPr lang="de-DE" sz="1000" dirty="0" smtClean="0"/>
-              <a:t>);</a:t>
-            </a:r>
-            <a:br>
-              <a:rPr lang="de-DE" sz="1000" dirty="0" smtClean="0"/>
-            </a:br>
-            <a:r>
-              <a:rPr lang="de-DE" sz="1000" dirty="0" smtClean="0"/>
-              <a:t>        </a:t>
-            </a:r>
-            <a:r>
-              <a:rPr lang="de-DE" sz="1000" b="1" dirty="0" err="1" smtClean="0"/>
-              <a:t>neighbor.</a:t>
-            </a:r>
-            <a:r>
-              <a:rPr lang="de-DE" sz="1000" b="1" dirty="0" err="1" smtClean="0">
-                <a:solidFill>
-                  <a:srgbClr val="191970"/>
-                </a:solidFill>
-                <a:effectLst/>
-              </a:rPr>
-              <a:t>RealVector</a:t>
-            </a:r>
-            <a:r>
-              <a:rPr lang="de-DE" sz="1000" b="1" dirty="0" smtClean="0"/>
-              <a:t>(</a:t>
-            </a:r>
-            <a:r>
-              <a:rPr lang="de-DE" sz="1000" b="1" dirty="0" smtClean="0">
-                <a:solidFill>
-                  <a:srgbClr val="0000FF"/>
-                </a:solidFill>
-                <a:effectLst/>
-              </a:rPr>
-              <a:t>"r"</a:t>
-            </a:r>
-            <a:r>
-              <a:rPr lang="de-DE" sz="1000" b="1" dirty="0" smtClean="0"/>
-              <a:t>)</a:t>
-            </a:r>
-            <a:r>
-              <a:rPr lang="de-DE" sz="1000" dirty="0" smtClean="0"/>
-              <a:t>[</a:t>
-            </a:r>
-            <a:r>
-              <a:rPr lang="de-DE" sz="1000" dirty="0" err="1" smtClean="0"/>
-              <a:t>index</a:t>
-            </a:r>
-            <a:r>
-              <a:rPr lang="de-DE" sz="1000" dirty="0" smtClean="0"/>
-              <a:t>] += </a:t>
-            </a:r>
-            <a:r>
-              <a:rPr lang="de-DE" sz="1000" dirty="0" smtClean="0">
-                <a:solidFill>
-                  <a:srgbClr val="00008B"/>
-                </a:solidFill>
-                <a:effectLst/>
-              </a:rPr>
-              <a:t>2</a:t>
-            </a:r>
-            <a:r>
-              <a:rPr lang="de-DE" sz="1000" dirty="0" smtClean="0"/>
-              <a:t> * </a:t>
-            </a:r>
-            <a:r>
-              <a:rPr lang="de-DE" sz="1000" dirty="0" err="1" smtClean="0"/>
-              <a:t>random.</a:t>
-            </a:r>
-            <a:r>
-              <a:rPr lang="de-DE" sz="1000" dirty="0" err="1" smtClean="0">
-                <a:solidFill>
-                  <a:srgbClr val="191970"/>
-                </a:solidFill>
-                <a:effectLst/>
-              </a:rPr>
-              <a:t>NextDouble</a:t>
-            </a:r>
-            <a:r>
-              <a:rPr lang="de-DE" sz="1000" dirty="0" smtClean="0"/>
-              <a:t>() - </a:t>
-            </a:r>
-            <a:r>
-              <a:rPr lang="de-DE" sz="1000" dirty="0" smtClean="0">
-                <a:solidFill>
-                  <a:srgbClr val="00008B"/>
-                </a:solidFill>
-                <a:effectLst/>
-              </a:rPr>
-              <a:t>1</a:t>
-            </a:r>
-            <a:r>
-              <a:rPr lang="de-DE" sz="1000" dirty="0" smtClean="0"/>
-              <a:t>;</a:t>
-            </a:r>
-            <a:br>
-              <a:rPr lang="de-DE" sz="1000" dirty="0" smtClean="0"/>
-            </a:br>
-            <a:r>
-              <a:rPr lang="de-DE" sz="1000" dirty="0" smtClean="0"/>
-              <a:t>        </a:t>
-            </a:r>
-            <a:r>
-              <a:rPr lang="de-DE" sz="1000" dirty="0" err="1" smtClean="0">
-                <a:solidFill>
-                  <a:srgbClr val="000080"/>
-                </a:solidFill>
-                <a:effectLst/>
-              </a:rPr>
-              <a:t>yield</a:t>
-            </a:r>
-            <a:r>
-              <a:rPr lang="de-DE" sz="1000" dirty="0" smtClean="0"/>
-              <a:t> </a:t>
-            </a:r>
-            <a:r>
-              <a:rPr lang="de-DE" sz="1000" dirty="0" err="1" smtClean="0">
-                <a:solidFill>
-                  <a:srgbClr val="000080"/>
-                </a:solidFill>
-                <a:effectLst/>
-              </a:rPr>
-              <a:t>return</a:t>
-            </a:r>
-            <a:r>
-              <a:rPr lang="de-DE" sz="1000" dirty="0" smtClean="0"/>
-              <a:t> </a:t>
-            </a:r>
-            <a:r>
-              <a:rPr lang="de-DE" sz="1000" dirty="0" err="1" smtClean="0"/>
-              <a:t>neighbor</a:t>
-            </a:r>
-            <a:r>
-              <a:rPr lang="de-DE" sz="1000" dirty="0" smtClean="0"/>
-              <a:t>;</a:t>
-            </a:r>
-            <a:br>
-              <a:rPr lang="de-DE" sz="1000" dirty="0" smtClean="0"/>
-            </a:br>
-            <a:r>
-              <a:rPr lang="de-DE" sz="1000" dirty="0" smtClean="0"/>
-              <a:t>      }</a:t>
-            </a:r>
-            <a:br>
-              <a:rPr lang="de-DE" sz="1000" dirty="0" smtClean="0"/>
-            </a:br>
-            <a:r>
-              <a:rPr lang="de-DE" sz="1000" dirty="0" smtClean="0"/>
-              <a:t>    }</a:t>
-            </a:r>
-            <a:br>
-              <a:rPr lang="de-DE" sz="1000" dirty="0" smtClean="0"/>
-            </a:br>
-            <a:r>
-              <a:rPr lang="de-DE" sz="1000" dirty="0" smtClean="0"/>
-              <a:t>  }</a:t>
-            </a:r>
-            <a:endParaRPr lang="de-DE" sz="1000" dirty="0"/>
+            <a:endParaRPr lang="de-DE" sz="1600" dirty="0"/>
           </a:p>
         </p:txBody>
       </p:sp>
@@ -7203,8 +5754,8 @@
         </p:nvSpPr>
         <p:spPr>
           <a:xfrm>
-            <a:off x="6172200" y="2505075"/>
-            <a:ext cx="5183188" cy="4027530"/>
+            <a:off x="4629150" y="2736056"/>
+            <a:ext cx="4514850" cy="3020648"/>
           </a:xfrm>
         </p:spPr>
         <p:txBody>
@@ -7220,944 +5771,350 @@
               <a:buNone/>
             </a:pPr>
             <a:r>
-              <a:rPr lang="de-DE" sz="1000" dirty="0" err="1" smtClean="0">
+              <a:rPr lang="de-DE" sz="1600" dirty="0" err="1">
                 <a:solidFill>
                   <a:srgbClr val="0000FF"/>
                 </a:solidFill>
-                <a:effectLst/>
               </a:rPr>
               <a:t>public</a:t>
             </a:r>
             <a:r>
-              <a:rPr lang="de-DE" sz="1000" dirty="0" smtClean="0"/>
-              <a:t> </a:t>
-            </a:r>
-            <a:r>
-              <a:rPr lang="de-DE" sz="1000" dirty="0" err="1" smtClean="0">
+              <a:rPr lang="de-DE" sz="1600" dirty="0"/>
+              <a:t> </a:t>
+            </a:r>
+            <a:r>
+              <a:rPr lang="de-DE" sz="1600" dirty="0" err="1">
                 <a:solidFill>
                   <a:srgbClr val="FF0000"/>
                 </a:solidFill>
-                <a:effectLst/>
               </a:rPr>
               <a:t>class</a:t>
             </a:r>
             <a:r>
-              <a:rPr lang="de-DE" sz="1000" dirty="0" smtClean="0"/>
-              <a:t> </a:t>
-            </a:r>
-            <a:r>
-              <a:rPr lang="de-DE" sz="1000" dirty="0" err="1" smtClean="0"/>
+              <a:rPr lang="de-DE" sz="1600" dirty="0"/>
+              <a:t> </a:t>
+            </a:r>
+            <a:r>
+              <a:rPr lang="de-DE" sz="1600" dirty="0" err="1"/>
               <a:t>CompiledSingleObjectiveProblemDefinition</a:t>
             </a:r>
             <a:r>
-              <a:rPr lang="de-DE" sz="1000" dirty="0" smtClean="0"/>
+              <a:rPr lang="de-DE" sz="1600" dirty="0"/>
               <a:t> : </a:t>
             </a:r>
             <a:r>
-              <a:rPr lang="de-DE" sz="1000" dirty="0" err="1" smtClean="0"/>
+              <a:rPr lang="de-DE" sz="1600" dirty="0" err="1" smtClean="0"/>
               <a:t>CompiledSingleObjectiveProblemDefinition</a:t>
             </a:r>
             <a:r>
-              <a:rPr lang="de-DE" sz="1000" b="1" dirty="0" smtClean="0"/>
+              <a:rPr lang="de-DE" sz="1600" dirty="0" smtClean="0"/>
+              <a:t/>
+            </a:r>
+            <a:br>
+              <a:rPr lang="de-DE" sz="1600" dirty="0" smtClean="0"/>
+            </a:br>
+            <a:r>
+              <a:rPr lang="de-DE" sz="1600" b="1" dirty="0" smtClean="0"/>
               <a:t>&lt;</a:t>
             </a:r>
             <a:r>
-              <a:rPr lang="de-DE" sz="1000" b="1" dirty="0" err="1" smtClean="0"/>
+              <a:rPr lang="de-DE" sz="1600" b="1" dirty="0" err="1"/>
               <a:t>RealVectorEncoding</a:t>
             </a:r>
             <a:r>
-              <a:rPr lang="de-DE" sz="1000" b="1" dirty="0" smtClean="0"/>
+              <a:rPr lang="de-DE" sz="1600" b="1" dirty="0"/>
               <a:t>, </a:t>
             </a:r>
             <a:r>
-              <a:rPr lang="de-DE" sz="1000" b="1" dirty="0" err="1" smtClean="0"/>
+              <a:rPr lang="de-DE" sz="1600" b="1" dirty="0" err="1"/>
               <a:t>RealVector</a:t>
             </a:r>
             <a:r>
-              <a:rPr lang="de-DE" sz="1000" b="1" dirty="0" smtClean="0"/>
+              <a:rPr lang="de-DE" sz="1600" b="1" dirty="0"/>
               <a:t>&gt;</a:t>
             </a:r>
             <a:r>
-              <a:rPr lang="de-DE" sz="1000" dirty="0" smtClean="0"/>
+              <a:rPr lang="de-DE" sz="1600" dirty="0"/>
               <a:t> {</a:t>
             </a:r>
             <a:br>
-              <a:rPr lang="de-DE" sz="1000" dirty="0" smtClean="0"/>
+              <a:rPr lang="de-DE" sz="1600" dirty="0"/>
             </a:br>
             <a:r>
-              <a:rPr lang="de-DE" sz="1000" dirty="0" smtClean="0"/>
-              <a:t>    </a:t>
-            </a:r>
-            <a:r>
-              <a:rPr lang="de-DE" sz="1000" dirty="0" err="1" smtClean="0">
+              <a:rPr lang="de-DE" sz="1600" dirty="0"/>
+              <a:t/>
+            </a:r>
+            <a:br>
+              <a:rPr lang="de-DE" sz="1600" dirty="0"/>
+            </a:br>
+            <a:r>
+              <a:rPr lang="de-DE" sz="1600" dirty="0"/>
+              <a:t> </a:t>
+            </a:r>
+            <a:r>
+              <a:rPr lang="de-DE" sz="1600" dirty="0" err="1">
                 <a:solidFill>
                   <a:srgbClr val="0000FF"/>
                 </a:solidFill>
-                <a:effectLst/>
               </a:rPr>
               <a:t>public</a:t>
             </a:r>
             <a:r>
-              <a:rPr lang="de-DE" sz="1000" dirty="0" smtClean="0"/>
-              <a:t> </a:t>
-            </a:r>
-            <a:r>
-              <a:rPr lang="de-DE" sz="1000" dirty="0" err="1" smtClean="0">
+              <a:rPr lang="de-DE" sz="1600" dirty="0"/>
+              <a:t> </a:t>
+            </a:r>
+            <a:r>
+              <a:rPr lang="de-DE" sz="1600" dirty="0" err="1">
                 <a:solidFill>
                   <a:srgbClr val="A52A2A"/>
                 </a:solidFill>
-                <a:effectLst/>
               </a:rPr>
               <a:t>override</a:t>
             </a:r>
             <a:r>
-              <a:rPr lang="de-DE" sz="1000" dirty="0" smtClean="0"/>
-              <a:t> </a:t>
-            </a:r>
-            <a:r>
-              <a:rPr lang="de-DE" sz="1000" dirty="0" err="1" smtClean="0">
+              <a:rPr lang="de-DE" sz="1600" dirty="0"/>
+              <a:t> </a:t>
+            </a:r>
+            <a:r>
+              <a:rPr lang="de-DE" sz="1600" dirty="0" err="1">
                 <a:solidFill>
                   <a:srgbClr val="FF0000"/>
                 </a:solidFill>
-                <a:effectLst/>
               </a:rPr>
-              <a:t>bool</a:t>
-            </a:r>
-            <a:r>
-              <a:rPr lang="de-DE" sz="1000" dirty="0" smtClean="0"/>
-              <a:t> </a:t>
-            </a:r>
-            <a:r>
-              <a:rPr lang="de-DE" sz="1000" dirty="0" err="1" smtClean="0"/>
-              <a:t>Maximization</a:t>
-            </a:r>
-            <a:r>
-              <a:rPr lang="de-DE" sz="1000" dirty="0" smtClean="0"/>
-              <a:t> { </a:t>
-            </a:r>
-            <a:r>
-              <a:rPr lang="de-DE" sz="1000" dirty="0" err="1" smtClean="0">
-                <a:solidFill>
-                  <a:srgbClr val="8B4513"/>
-                </a:solidFill>
-                <a:effectLst/>
+              <a:t>void</a:t>
+            </a:r>
+            <a:r>
+              <a:rPr lang="de-DE" sz="1600" dirty="0"/>
+              <a:t> </a:t>
+            </a:r>
+            <a:r>
+              <a:rPr lang="de-DE" sz="1600" dirty="0">
+                <a:solidFill>
+                  <a:srgbClr val="191970"/>
+                </a:solidFill>
               </a:rPr>
-              <a:t>get</a:t>
-            </a:r>
-            <a:r>
-              <a:rPr lang="de-DE" sz="1000" dirty="0" smtClean="0"/>
-              <a:t> { </a:t>
-            </a:r>
-            <a:r>
-              <a:rPr lang="de-DE" sz="1000" dirty="0" err="1" smtClean="0">
+              <a:t>Initialize</a:t>
+            </a:r>
+            <a:r>
+              <a:rPr lang="de-DE" sz="1600" dirty="0"/>
+              <a:t>() { }</a:t>
+            </a:r>
+            <a:br>
+              <a:rPr lang="de-DE" sz="1600" dirty="0"/>
+            </a:br>
+            <a:r>
+              <a:rPr lang="de-DE" sz="1600" dirty="0"/>
+              <a:t/>
+            </a:r>
+            <a:br>
+              <a:rPr lang="de-DE" sz="1600" dirty="0"/>
+            </a:br>
+            <a:endParaRPr lang="de-DE" sz="1600" dirty="0" smtClean="0"/>
+          </a:p>
+          <a:p>
+            <a:pPr marL="0" indent="0">
+              <a:lnSpc>
+                <a:spcPct val="100000"/>
+              </a:lnSpc>
+              <a:buNone/>
+            </a:pPr>
+            <a:r>
+              <a:rPr lang="de-DE" sz="1600" dirty="0"/>
+              <a:t> </a:t>
+            </a:r>
+            <a:r>
+              <a:rPr lang="de-DE" sz="1600" dirty="0" err="1" smtClean="0">
+                <a:solidFill>
+                  <a:srgbClr val="0000FF"/>
+                </a:solidFill>
+              </a:rPr>
+              <a:t>public</a:t>
+            </a:r>
+            <a:r>
+              <a:rPr lang="de-DE" sz="1600" dirty="0" smtClean="0"/>
+              <a:t> </a:t>
+            </a:r>
+            <a:r>
+              <a:rPr lang="de-DE" sz="1600" dirty="0" err="1">
+                <a:solidFill>
+                  <a:srgbClr val="A52A2A"/>
+                </a:solidFill>
+              </a:rPr>
+              <a:t>override</a:t>
+            </a:r>
+            <a:r>
+              <a:rPr lang="de-DE" sz="1600" dirty="0"/>
+              <a:t> </a:t>
+            </a:r>
+            <a:r>
+              <a:rPr lang="de-DE" sz="1600" dirty="0">
+                <a:solidFill>
+                  <a:srgbClr val="FF0000"/>
+                </a:solidFill>
+              </a:rPr>
+              <a:t>double</a:t>
+            </a:r>
+            <a:r>
+              <a:rPr lang="de-DE" sz="1600" dirty="0"/>
+              <a:t> </a:t>
+            </a:r>
+            <a:r>
+              <a:rPr lang="de-DE" sz="1600" dirty="0" err="1">
+                <a:solidFill>
+                  <a:srgbClr val="191970"/>
+                </a:solidFill>
+              </a:rPr>
+              <a:t>Evaluate</a:t>
+            </a:r>
+            <a:r>
+              <a:rPr lang="de-DE" sz="1600" dirty="0"/>
+              <a:t>(</a:t>
+            </a:r>
+            <a:r>
+              <a:rPr lang="de-DE" sz="1600" b="1" dirty="0" err="1"/>
+              <a:t>RealVector</a:t>
+            </a:r>
+            <a:r>
+              <a:rPr lang="de-DE" sz="1600" b="1" dirty="0"/>
+              <a:t> </a:t>
+            </a:r>
+            <a:r>
+              <a:rPr lang="de-DE" sz="1600" b="1" dirty="0" err="1"/>
+              <a:t>solution</a:t>
+            </a:r>
+            <a:r>
+              <a:rPr lang="de-DE" sz="1600" dirty="0"/>
+              <a:t>, </a:t>
+            </a:r>
+            <a:r>
+              <a:rPr lang="de-DE" sz="1600" dirty="0" err="1"/>
+              <a:t>IRandom</a:t>
+            </a:r>
+            <a:r>
+              <a:rPr lang="de-DE" sz="1600" dirty="0"/>
+              <a:t> </a:t>
+            </a:r>
+            <a:r>
+              <a:rPr lang="de-DE" sz="1600" dirty="0" err="1"/>
+              <a:t>random</a:t>
+            </a:r>
+            <a:r>
+              <a:rPr lang="de-DE" sz="1600" dirty="0"/>
+              <a:t>) {</a:t>
+            </a:r>
+            <a:br>
+              <a:rPr lang="de-DE" sz="1600" dirty="0"/>
+            </a:br>
+            <a:r>
+              <a:rPr lang="de-DE" sz="1600" dirty="0"/>
+              <a:t>      </a:t>
+            </a:r>
+            <a:r>
+              <a:rPr lang="de-DE" sz="1600" dirty="0" err="1">
                 <a:solidFill>
                   <a:srgbClr val="000080"/>
                 </a:solidFill>
-                <a:effectLst/>
+              </a:rPr>
+              <a:t>var</a:t>
+            </a:r>
+            <a:r>
+              <a:rPr lang="de-DE" sz="1600" dirty="0"/>
+              <a:t> </a:t>
+            </a:r>
+            <a:r>
+              <a:rPr lang="de-DE" sz="1600" dirty="0" err="1"/>
+              <a:t>quality</a:t>
+            </a:r>
+            <a:r>
+              <a:rPr lang="de-DE" sz="1600" dirty="0"/>
+              <a:t> = </a:t>
+            </a:r>
+            <a:r>
+              <a:rPr lang="de-DE" sz="1600" dirty="0">
+                <a:solidFill>
+                  <a:srgbClr val="00008B"/>
+                </a:solidFill>
+              </a:rPr>
+              <a:t>0.0</a:t>
+            </a:r>
+            <a:r>
+              <a:rPr lang="de-DE" sz="1600" dirty="0"/>
+              <a:t>;</a:t>
+            </a:r>
+            <a:br>
+              <a:rPr lang="de-DE" sz="1600" dirty="0"/>
+            </a:br>
+            <a:r>
+              <a:rPr lang="de-DE" sz="1600" dirty="0"/>
+              <a:t>      </a:t>
+            </a:r>
+            <a:r>
+              <a:rPr lang="de-DE" sz="1600" dirty="0" err="1"/>
+              <a:t>quality</a:t>
+            </a:r>
+            <a:r>
+              <a:rPr lang="de-DE" sz="1600" dirty="0"/>
+              <a:t> = </a:t>
+            </a:r>
+            <a:r>
+              <a:rPr lang="de-DE" sz="1600" b="1" dirty="0" err="1"/>
+              <a:t>solution.</a:t>
+            </a:r>
+            <a:r>
+              <a:rPr lang="de-DE" sz="1600" b="1" dirty="0" err="1">
+                <a:solidFill>
+                  <a:srgbClr val="191970"/>
+                </a:solidFill>
+              </a:rPr>
+              <a:t>Sum</a:t>
+            </a:r>
+            <a:r>
+              <a:rPr lang="de-DE" sz="1600" b="1" dirty="0"/>
+              <a:t>(x =&gt; x * x);</a:t>
+            </a:r>
+            <a:r>
+              <a:rPr lang="de-DE" sz="1600" dirty="0"/>
+              <a:t/>
+            </a:r>
+            <a:br>
+              <a:rPr lang="de-DE" sz="1600" dirty="0"/>
+            </a:br>
+            <a:r>
+              <a:rPr lang="de-DE" sz="1600" dirty="0"/>
+              <a:t>      </a:t>
+            </a:r>
+            <a:r>
+              <a:rPr lang="de-DE" sz="1600" dirty="0" err="1">
+                <a:solidFill>
+                  <a:srgbClr val="000080"/>
+                </a:solidFill>
               </a:rPr>
               <a:t>return</a:t>
             </a:r>
             <a:r>
-              <a:rPr lang="de-DE" sz="1000" dirty="0" smtClean="0"/>
-              <a:t> </a:t>
-            </a:r>
-            <a:r>
-              <a:rPr lang="de-DE" sz="1000" dirty="0" err="1" smtClean="0">
-                <a:solidFill>
-                  <a:srgbClr val="008B8B"/>
-                </a:solidFill>
-                <a:effectLst/>
-              </a:rPr>
-              <a:t>false</a:t>
-            </a:r>
-            <a:r>
-              <a:rPr lang="de-DE" sz="1000" dirty="0" smtClean="0"/>
-              <a:t>; } }</a:t>
+              <a:rPr lang="de-DE" sz="1600" dirty="0"/>
+              <a:t> </a:t>
+            </a:r>
+            <a:r>
+              <a:rPr lang="de-DE" sz="1600" dirty="0" err="1"/>
+              <a:t>quality</a:t>
+            </a:r>
+            <a:r>
+              <a:rPr lang="de-DE" sz="1600" dirty="0"/>
+              <a:t>;</a:t>
             </a:r>
             <a:br>
-              <a:rPr lang="de-DE" sz="1000" dirty="0" smtClean="0"/>
+              <a:rPr lang="de-DE" sz="1600" dirty="0"/>
             </a:br>
             <a:r>
-              <a:rPr lang="de-DE" sz="1000" dirty="0" smtClean="0"/>
-              <a:t/>
-            </a:r>
-            <a:br>
-              <a:rPr lang="de-DE" sz="1000" dirty="0" smtClean="0"/>
-            </a:br>
-            <a:r>
-              <a:rPr lang="de-DE" sz="1000" dirty="0" smtClean="0"/>
-              <a:t>    </a:t>
-            </a:r>
-            <a:r>
-              <a:rPr lang="de-DE" sz="1000" dirty="0" err="1" smtClean="0">
-                <a:solidFill>
-                  <a:srgbClr val="0000FF"/>
-                </a:solidFill>
-                <a:effectLst/>
-              </a:rPr>
-              <a:t>public</a:t>
-            </a:r>
-            <a:r>
-              <a:rPr lang="de-DE" sz="1000" dirty="0" smtClean="0"/>
-              <a:t> </a:t>
-            </a:r>
-            <a:r>
-              <a:rPr lang="de-DE" sz="1000" dirty="0" err="1" smtClean="0">
-                <a:solidFill>
-                  <a:srgbClr val="A52A2A"/>
-                </a:solidFill>
-                <a:effectLst/>
-              </a:rPr>
-              <a:t>override</a:t>
-            </a:r>
-            <a:r>
-              <a:rPr lang="de-DE" sz="1000" dirty="0" smtClean="0"/>
-              <a:t> </a:t>
-            </a:r>
-            <a:r>
-              <a:rPr lang="de-DE" sz="1000" dirty="0" err="1" smtClean="0">
-                <a:solidFill>
-                  <a:srgbClr val="FF0000"/>
-                </a:solidFill>
-                <a:effectLst/>
-              </a:rPr>
-              <a:t>void</a:t>
-            </a:r>
-            <a:r>
-              <a:rPr lang="de-DE" sz="1000" dirty="0" smtClean="0"/>
-              <a:t> </a:t>
-            </a:r>
-            <a:r>
-              <a:rPr lang="de-DE" sz="1000" dirty="0" smtClean="0">
-                <a:solidFill>
-                  <a:srgbClr val="191970"/>
-                </a:solidFill>
-                <a:effectLst/>
-              </a:rPr>
-              <a:t>Initialize</a:t>
-            </a:r>
-            <a:r>
-              <a:rPr lang="de-DE" sz="1000" dirty="0" smtClean="0"/>
-              <a:t>() { }</a:t>
-            </a:r>
-            <a:br>
-              <a:rPr lang="de-DE" sz="1000" dirty="0" smtClean="0"/>
-            </a:br>
-            <a:r>
-              <a:rPr lang="de-DE" sz="1000" dirty="0" smtClean="0"/>
-              <a:t/>
-            </a:r>
-            <a:br>
-              <a:rPr lang="de-DE" sz="1000" dirty="0" smtClean="0"/>
-            </a:br>
-            <a:r>
-              <a:rPr lang="de-DE" sz="1000" dirty="0" smtClean="0"/>
-              <a:t>    </a:t>
-            </a:r>
-            <a:r>
-              <a:rPr lang="de-DE" sz="1000" dirty="0" err="1" smtClean="0">
-                <a:solidFill>
-                  <a:srgbClr val="0000FF"/>
-                </a:solidFill>
-                <a:effectLst/>
-              </a:rPr>
-              <a:t>public</a:t>
-            </a:r>
-            <a:r>
-              <a:rPr lang="de-DE" sz="1000" dirty="0" smtClean="0"/>
-              <a:t> </a:t>
-            </a:r>
-            <a:r>
-              <a:rPr lang="de-DE" sz="1000" dirty="0" err="1" smtClean="0">
-                <a:solidFill>
-                  <a:srgbClr val="A52A2A"/>
-                </a:solidFill>
-                <a:effectLst/>
-              </a:rPr>
-              <a:t>override</a:t>
-            </a:r>
-            <a:r>
-              <a:rPr lang="de-DE" sz="1000" dirty="0" smtClean="0"/>
-              <a:t> </a:t>
-            </a:r>
-            <a:r>
-              <a:rPr lang="de-DE" sz="1000" dirty="0" smtClean="0">
-                <a:solidFill>
-                  <a:srgbClr val="FF0000"/>
-                </a:solidFill>
-                <a:effectLst/>
-              </a:rPr>
-              <a:t>double</a:t>
-            </a:r>
-            <a:r>
-              <a:rPr lang="de-DE" sz="1000" dirty="0" smtClean="0"/>
-              <a:t> </a:t>
-            </a:r>
-            <a:r>
-              <a:rPr lang="de-DE" sz="1000" dirty="0" err="1" smtClean="0">
-                <a:solidFill>
-                  <a:srgbClr val="191970"/>
-                </a:solidFill>
-                <a:effectLst/>
-              </a:rPr>
-              <a:t>Evaluate</a:t>
-            </a:r>
-            <a:r>
-              <a:rPr lang="de-DE" sz="1000" dirty="0" smtClean="0"/>
-              <a:t>(</a:t>
-            </a:r>
-            <a:r>
-              <a:rPr lang="de-DE" sz="1000" b="1" dirty="0" err="1" smtClean="0"/>
-              <a:t>RealVector</a:t>
-            </a:r>
-            <a:r>
-              <a:rPr lang="de-DE" sz="1000" dirty="0" smtClean="0"/>
-              <a:t> </a:t>
-            </a:r>
-            <a:r>
-              <a:rPr lang="de-DE" sz="1000" dirty="0" err="1" smtClean="0"/>
-              <a:t>solution</a:t>
-            </a:r>
-            <a:r>
-              <a:rPr lang="de-DE" sz="1000" dirty="0" smtClean="0"/>
-              <a:t>, </a:t>
-            </a:r>
-            <a:r>
-              <a:rPr lang="de-DE" sz="1000" dirty="0" err="1" smtClean="0"/>
-              <a:t>IRandom</a:t>
-            </a:r>
-            <a:r>
-              <a:rPr lang="de-DE" sz="1000" dirty="0" smtClean="0"/>
-              <a:t> </a:t>
-            </a:r>
-            <a:r>
-              <a:rPr lang="de-DE" sz="1000" dirty="0" err="1" smtClean="0"/>
-              <a:t>random</a:t>
-            </a:r>
-            <a:r>
-              <a:rPr lang="de-DE" sz="1000" dirty="0" smtClean="0"/>
-              <a:t>) {</a:t>
-            </a:r>
-            <a:br>
-              <a:rPr lang="de-DE" sz="1000" dirty="0" smtClean="0"/>
-            </a:br>
-            <a:r>
-              <a:rPr lang="de-DE" sz="1000" dirty="0" smtClean="0"/>
-              <a:t>      </a:t>
-            </a:r>
-            <a:r>
-              <a:rPr lang="de-DE" sz="1000" dirty="0" err="1" smtClean="0">
-                <a:solidFill>
-                  <a:srgbClr val="000080"/>
-                </a:solidFill>
-                <a:effectLst/>
-              </a:rPr>
-              <a:t>var</a:t>
-            </a:r>
-            <a:r>
-              <a:rPr lang="de-DE" sz="1000" dirty="0" smtClean="0"/>
-              <a:t> </a:t>
-            </a:r>
-            <a:r>
-              <a:rPr lang="de-DE" sz="1000" dirty="0" err="1" smtClean="0"/>
-              <a:t>quality</a:t>
-            </a:r>
-            <a:r>
-              <a:rPr lang="de-DE" sz="1000" dirty="0" smtClean="0"/>
-              <a:t> = </a:t>
-            </a:r>
-            <a:r>
-              <a:rPr lang="de-DE" sz="1000" dirty="0" smtClean="0">
-                <a:solidFill>
-                  <a:srgbClr val="00008B"/>
-                </a:solidFill>
-                <a:effectLst/>
-              </a:rPr>
-              <a:t>0.0</a:t>
-            </a:r>
-            <a:r>
-              <a:rPr lang="de-DE" sz="1000" dirty="0" smtClean="0"/>
-              <a:t>;</a:t>
-            </a:r>
-            <a:br>
-              <a:rPr lang="de-DE" sz="1000" dirty="0" smtClean="0"/>
-            </a:br>
-            <a:r>
-              <a:rPr lang="de-DE" sz="1000" dirty="0" smtClean="0"/>
-              <a:t>      </a:t>
-            </a:r>
-            <a:r>
-              <a:rPr lang="de-DE" sz="1000" dirty="0" err="1" smtClean="0"/>
-              <a:t>quality</a:t>
-            </a:r>
-            <a:r>
-              <a:rPr lang="de-DE" sz="1000" dirty="0" smtClean="0"/>
-              <a:t> = </a:t>
-            </a:r>
-            <a:r>
-              <a:rPr lang="de-DE" sz="1000" dirty="0" err="1" smtClean="0"/>
-              <a:t>solution.</a:t>
-            </a:r>
-            <a:r>
-              <a:rPr lang="de-DE" sz="1000" dirty="0" err="1" smtClean="0">
-                <a:solidFill>
-                  <a:srgbClr val="191970"/>
-                </a:solidFill>
-                <a:effectLst/>
-              </a:rPr>
-              <a:t>Sum</a:t>
-            </a:r>
-            <a:r>
-              <a:rPr lang="de-DE" sz="1000" dirty="0" smtClean="0"/>
-              <a:t>(x =&gt; x * x);</a:t>
-            </a:r>
-            <a:br>
-              <a:rPr lang="de-DE" sz="1000" dirty="0" smtClean="0"/>
-            </a:br>
-            <a:r>
-              <a:rPr lang="de-DE" sz="1000" dirty="0" smtClean="0"/>
-              <a:t>      </a:t>
-            </a:r>
-            <a:r>
-              <a:rPr lang="de-DE" sz="1000" dirty="0" err="1" smtClean="0">
-                <a:solidFill>
-                  <a:srgbClr val="000080"/>
-                </a:solidFill>
-                <a:effectLst/>
-              </a:rPr>
-              <a:t>return</a:t>
-            </a:r>
-            <a:r>
-              <a:rPr lang="de-DE" sz="1000" dirty="0" smtClean="0"/>
-              <a:t> </a:t>
-            </a:r>
-            <a:r>
-              <a:rPr lang="de-DE" sz="1000" dirty="0" err="1" smtClean="0"/>
-              <a:t>quality</a:t>
-            </a:r>
-            <a:r>
-              <a:rPr lang="de-DE" sz="1000" dirty="0" smtClean="0"/>
-              <a:t>;</a:t>
-            </a:r>
-            <a:br>
-              <a:rPr lang="de-DE" sz="1000" dirty="0" smtClean="0"/>
-            </a:br>
-            <a:r>
-              <a:rPr lang="de-DE" sz="1000" dirty="0" smtClean="0"/>
-              <a:t>    }</a:t>
-            </a:r>
-            <a:br>
-              <a:rPr lang="de-DE" sz="1000" dirty="0" smtClean="0"/>
-            </a:br>
-            <a:r>
-              <a:rPr lang="de-DE" sz="1000" dirty="0" smtClean="0"/>
-              <a:t/>
-            </a:r>
-            <a:br>
-              <a:rPr lang="de-DE" sz="1000" dirty="0" smtClean="0"/>
-            </a:br>
-            <a:r>
-              <a:rPr lang="de-DE" sz="1000" dirty="0" smtClean="0"/>
-              <a:t>    </a:t>
-            </a:r>
-            <a:r>
-              <a:rPr lang="de-DE" sz="1000" dirty="0" err="1" smtClean="0">
-                <a:solidFill>
-                  <a:srgbClr val="0000FF"/>
-                </a:solidFill>
-                <a:effectLst/>
-              </a:rPr>
-              <a:t>public</a:t>
-            </a:r>
-            <a:r>
-              <a:rPr lang="de-DE" sz="1000" dirty="0" smtClean="0"/>
-              <a:t> </a:t>
-            </a:r>
-            <a:r>
-              <a:rPr lang="de-DE" sz="1000" dirty="0" err="1" smtClean="0">
-                <a:solidFill>
-                  <a:srgbClr val="A52A2A"/>
-                </a:solidFill>
-                <a:effectLst/>
-              </a:rPr>
-              <a:t>override</a:t>
-            </a:r>
-            <a:r>
-              <a:rPr lang="de-DE" sz="1000" dirty="0" smtClean="0"/>
-              <a:t> </a:t>
-            </a:r>
-            <a:r>
-              <a:rPr lang="de-DE" sz="1000" dirty="0" err="1" smtClean="0">
-                <a:solidFill>
-                  <a:srgbClr val="FF0000"/>
-                </a:solidFill>
-                <a:effectLst/>
-              </a:rPr>
-              <a:t>void</a:t>
-            </a:r>
-            <a:r>
-              <a:rPr lang="de-DE" sz="1000" dirty="0" smtClean="0"/>
-              <a:t> </a:t>
-            </a:r>
-            <a:r>
-              <a:rPr lang="de-DE" sz="1000" dirty="0" err="1" smtClean="0">
-                <a:solidFill>
-                  <a:srgbClr val="191970"/>
-                </a:solidFill>
-                <a:effectLst/>
-              </a:rPr>
-              <a:t>Analyze</a:t>
-            </a:r>
-            <a:r>
-              <a:rPr lang="de-DE" sz="1000" dirty="0" smtClean="0"/>
-              <a:t>(</a:t>
-            </a:r>
-            <a:r>
-              <a:rPr lang="de-DE" sz="1000" b="1" dirty="0" err="1" smtClean="0"/>
-              <a:t>RealVector</a:t>
-            </a:r>
-            <a:r>
-              <a:rPr lang="de-DE" sz="1000" dirty="0" smtClean="0"/>
-              <a:t>[] </a:t>
-            </a:r>
-            <a:r>
-              <a:rPr lang="de-DE" sz="1000" dirty="0" err="1" smtClean="0"/>
-              <a:t>solutions</a:t>
-            </a:r>
-            <a:r>
-              <a:rPr lang="de-DE" sz="1000" dirty="0" smtClean="0"/>
-              <a:t>, </a:t>
-            </a:r>
-            <a:r>
-              <a:rPr lang="de-DE" sz="1000" dirty="0" smtClean="0">
-                <a:solidFill>
-                  <a:srgbClr val="FF0000"/>
-                </a:solidFill>
-                <a:effectLst/>
-              </a:rPr>
-              <a:t>double</a:t>
-            </a:r>
-            <a:r>
-              <a:rPr lang="de-DE" sz="1000" dirty="0" smtClean="0"/>
-              <a:t>[] </a:t>
-            </a:r>
-            <a:r>
-              <a:rPr lang="de-DE" sz="1000" dirty="0" err="1" smtClean="0"/>
-              <a:t>qualities</a:t>
-            </a:r>
-            <a:r>
-              <a:rPr lang="de-DE" sz="1000" dirty="0" smtClean="0"/>
-              <a:t>, </a:t>
-            </a:r>
-            <a:r>
-              <a:rPr lang="de-DE" sz="1000" dirty="0" err="1" smtClean="0"/>
-              <a:t>ResultCollection</a:t>
-            </a:r>
-            <a:r>
-              <a:rPr lang="de-DE" sz="1000" dirty="0" smtClean="0"/>
-              <a:t> </a:t>
-            </a:r>
-            <a:r>
-              <a:rPr lang="de-DE" sz="1000" dirty="0" err="1" smtClean="0"/>
-              <a:t>results</a:t>
-            </a:r>
-            <a:r>
-              <a:rPr lang="de-DE" sz="1000" dirty="0" smtClean="0"/>
-              <a:t>, </a:t>
-            </a:r>
-            <a:r>
-              <a:rPr lang="de-DE" sz="1000" dirty="0" err="1" smtClean="0"/>
-              <a:t>IRandom</a:t>
-            </a:r>
-            <a:r>
-              <a:rPr lang="de-DE" sz="1000" dirty="0" smtClean="0"/>
-              <a:t> </a:t>
-            </a:r>
-            <a:r>
-              <a:rPr lang="de-DE" sz="1000" dirty="0" err="1" smtClean="0"/>
-              <a:t>random</a:t>
-            </a:r>
-            <a:r>
-              <a:rPr lang="de-DE" sz="1000" dirty="0" smtClean="0"/>
-              <a:t>) { }</a:t>
-            </a:r>
-            <a:br>
-              <a:rPr lang="de-DE" sz="1000" dirty="0" smtClean="0"/>
-            </a:br>
-            <a:r>
-              <a:rPr lang="de-DE" sz="1000" dirty="0" smtClean="0"/>
-              <a:t/>
-            </a:r>
-            <a:br>
-              <a:rPr lang="de-DE" sz="1000" dirty="0" smtClean="0"/>
-            </a:br>
-            <a:r>
-              <a:rPr lang="de-DE" sz="1000" dirty="0" smtClean="0"/>
-              <a:t>    </a:t>
-            </a:r>
-            <a:r>
-              <a:rPr lang="de-DE" sz="1000" dirty="0" err="1" smtClean="0">
-                <a:solidFill>
-                  <a:srgbClr val="0000FF"/>
-                </a:solidFill>
-                <a:effectLst/>
-              </a:rPr>
-              <a:t>public</a:t>
-            </a:r>
-            <a:r>
-              <a:rPr lang="de-DE" sz="1000" dirty="0" smtClean="0"/>
-              <a:t> </a:t>
-            </a:r>
-            <a:r>
-              <a:rPr lang="de-DE" sz="1000" dirty="0" err="1" smtClean="0">
-                <a:solidFill>
-                  <a:srgbClr val="A52A2A"/>
-                </a:solidFill>
-                <a:effectLst/>
-              </a:rPr>
-              <a:t>override</a:t>
-            </a:r>
-            <a:r>
-              <a:rPr lang="de-DE" sz="1000" dirty="0" smtClean="0"/>
-              <a:t> </a:t>
-            </a:r>
-            <a:r>
-              <a:rPr lang="de-DE" sz="1000" dirty="0" err="1" smtClean="0"/>
-              <a:t>IEnumerable</a:t>
-            </a:r>
-            <a:r>
-              <a:rPr lang="de-DE" sz="1000" dirty="0" smtClean="0"/>
-              <a:t>&lt;</a:t>
-            </a:r>
-            <a:r>
-              <a:rPr lang="de-DE" sz="1000" b="1" dirty="0" err="1" smtClean="0"/>
-              <a:t>RealVector</a:t>
-            </a:r>
-            <a:r>
-              <a:rPr lang="de-DE" sz="1000" dirty="0" smtClean="0"/>
-              <a:t>&gt; </a:t>
-            </a:r>
-            <a:r>
-              <a:rPr lang="de-DE" sz="1000" dirty="0" err="1" smtClean="0">
-                <a:solidFill>
-                  <a:srgbClr val="191970"/>
-                </a:solidFill>
-                <a:effectLst/>
-              </a:rPr>
-              <a:t>GetNeighbors</a:t>
-            </a:r>
-            <a:r>
-              <a:rPr lang="de-DE" sz="1000" dirty="0" smtClean="0"/>
-              <a:t>(</a:t>
-            </a:r>
-            <a:r>
-              <a:rPr lang="de-DE" sz="1000" b="1" dirty="0" err="1" smtClean="0"/>
-              <a:t>RealVector</a:t>
-            </a:r>
-            <a:r>
-              <a:rPr lang="de-DE" sz="1000" dirty="0" smtClean="0"/>
-              <a:t> </a:t>
-            </a:r>
-            <a:r>
-              <a:rPr lang="de-DE" sz="1000" dirty="0" err="1" smtClean="0"/>
-              <a:t>solution</a:t>
-            </a:r>
-            <a:r>
-              <a:rPr lang="de-DE" sz="1000" dirty="0" smtClean="0"/>
-              <a:t>, </a:t>
-            </a:r>
-            <a:r>
-              <a:rPr lang="de-DE" sz="1000" dirty="0" err="1" smtClean="0"/>
-              <a:t>IRandom</a:t>
-            </a:r>
-            <a:r>
-              <a:rPr lang="de-DE" sz="1000" dirty="0" smtClean="0"/>
-              <a:t> </a:t>
-            </a:r>
-            <a:r>
-              <a:rPr lang="de-DE" sz="1000" dirty="0" err="1" smtClean="0"/>
-              <a:t>random</a:t>
-            </a:r>
-            <a:r>
-              <a:rPr lang="de-DE" sz="1000" dirty="0" smtClean="0"/>
-              <a:t>) {</a:t>
-            </a:r>
-            <a:br>
-              <a:rPr lang="de-DE" sz="1000" dirty="0" smtClean="0"/>
-            </a:br>
-            <a:r>
-              <a:rPr lang="de-DE" sz="1000" dirty="0" smtClean="0"/>
-              <a:t>      </a:t>
-            </a:r>
-            <a:r>
-              <a:rPr lang="de-DE" sz="1000" dirty="0" err="1" smtClean="0">
-                <a:solidFill>
-                  <a:srgbClr val="0000FF"/>
-                </a:solidFill>
-                <a:effectLst/>
-              </a:rPr>
-              <a:t>while</a:t>
-            </a:r>
-            <a:r>
-              <a:rPr lang="de-DE" sz="1000" dirty="0" smtClean="0"/>
-              <a:t> (</a:t>
-            </a:r>
-            <a:r>
-              <a:rPr lang="de-DE" sz="1000" dirty="0" err="1" smtClean="0">
-                <a:solidFill>
-                  <a:srgbClr val="008B8B"/>
-                </a:solidFill>
-                <a:effectLst/>
-              </a:rPr>
-              <a:t>true</a:t>
-            </a:r>
-            <a:r>
-              <a:rPr lang="de-DE" sz="1000" dirty="0" smtClean="0"/>
-              <a:t>) {</a:t>
-            </a:r>
-            <a:br>
-              <a:rPr lang="de-DE" sz="1000" dirty="0" smtClean="0"/>
-            </a:br>
-            <a:r>
-              <a:rPr lang="de-DE" sz="1000" dirty="0" smtClean="0"/>
-              <a:t>        </a:t>
-            </a:r>
-            <a:r>
-              <a:rPr lang="de-DE" sz="1000" dirty="0" err="1" smtClean="0">
-                <a:solidFill>
-                  <a:srgbClr val="000080"/>
-                </a:solidFill>
-                <a:effectLst/>
-              </a:rPr>
-              <a:t>var</a:t>
-            </a:r>
-            <a:r>
-              <a:rPr lang="de-DE" sz="1000" dirty="0" smtClean="0"/>
-              <a:t> </a:t>
-            </a:r>
-            <a:r>
-              <a:rPr lang="de-DE" sz="1000" dirty="0" err="1" smtClean="0"/>
-              <a:t>neighbor</a:t>
-            </a:r>
-            <a:r>
-              <a:rPr lang="de-DE" sz="1000" dirty="0" smtClean="0"/>
-              <a:t> = </a:t>
-            </a:r>
-            <a:r>
-              <a:rPr lang="de-DE" sz="1000" b="1" dirty="0" smtClean="0"/>
-              <a:t>(</a:t>
-            </a:r>
-            <a:r>
-              <a:rPr lang="de-DE" sz="1000" b="1" dirty="0" err="1" smtClean="0"/>
-              <a:t>RealVector</a:t>
-            </a:r>
-            <a:r>
-              <a:rPr lang="de-DE" sz="1000" b="1" dirty="0" smtClean="0"/>
-              <a:t>)</a:t>
-            </a:r>
-            <a:r>
-              <a:rPr lang="de-DE" sz="1000" b="1" dirty="0" err="1" smtClean="0"/>
-              <a:t>solution.</a:t>
-            </a:r>
-            <a:r>
-              <a:rPr lang="de-DE" sz="1000" b="1" dirty="0" err="1" smtClean="0">
-                <a:solidFill>
-                  <a:srgbClr val="191970"/>
-                </a:solidFill>
-                <a:effectLst/>
-              </a:rPr>
-              <a:t>Clone</a:t>
-            </a:r>
-            <a:r>
-              <a:rPr lang="de-DE" sz="1000" b="1" dirty="0" smtClean="0"/>
-              <a:t>()</a:t>
-            </a:r>
-            <a:r>
-              <a:rPr lang="de-DE" sz="1000" dirty="0" smtClean="0"/>
-              <a:t>;</a:t>
-            </a:r>
-            <a:br>
-              <a:rPr lang="de-DE" sz="1000" dirty="0" smtClean="0"/>
-            </a:br>
-            <a:r>
-              <a:rPr lang="de-DE" sz="1000" dirty="0" smtClean="0"/>
-              <a:t>        </a:t>
-            </a:r>
-            <a:r>
-              <a:rPr lang="de-DE" sz="1000" dirty="0" err="1" smtClean="0">
-                <a:solidFill>
-                  <a:srgbClr val="000080"/>
-                </a:solidFill>
-                <a:effectLst/>
-              </a:rPr>
-              <a:t>var</a:t>
-            </a:r>
-            <a:r>
-              <a:rPr lang="de-DE" sz="1000" dirty="0" smtClean="0"/>
-              <a:t> </a:t>
-            </a:r>
-            <a:r>
-              <a:rPr lang="de-DE" sz="1000" dirty="0" err="1" smtClean="0"/>
-              <a:t>index</a:t>
-            </a:r>
-            <a:r>
-              <a:rPr lang="de-DE" sz="1000" dirty="0" smtClean="0"/>
-              <a:t> = </a:t>
-            </a:r>
-            <a:r>
-              <a:rPr lang="de-DE" sz="1000" dirty="0" err="1" smtClean="0"/>
-              <a:t>random.</a:t>
-            </a:r>
-            <a:r>
-              <a:rPr lang="de-DE" sz="1000" dirty="0" err="1" smtClean="0">
-                <a:solidFill>
-                  <a:srgbClr val="191970"/>
-                </a:solidFill>
-                <a:effectLst/>
-              </a:rPr>
-              <a:t>Next</a:t>
-            </a:r>
-            <a:r>
-              <a:rPr lang="de-DE" sz="1000" dirty="0" smtClean="0"/>
-              <a:t>(</a:t>
-            </a:r>
-            <a:r>
-              <a:rPr lang="de-DE" sz="1000" dirty="0" err="1" smtClean="0"/>
-              <a:t>neighbor.Length</a:t>
-            </a:r>
-            <a:r>
-              <a:rPr lang="de-DE" sz="1000" dirty="0" smtClean="0"/>
-              <a:t>);</a:t>
-            </a:r>
-            <a:br>
-              <a:rPr lang="de-DE" sz="1000" dirty="0" smtClean="0"/>
-            </a:br>
-            <a:r>
-              <a:rPr lang="de-DE" sz="1000" dirty="0" smtClean="0"/>
-              <a:t>        </a:t>
-            </a:r>
-            <a:r>
-              <a:rPr lang="de-DE" sz="1000" dirty="0" err="1" smtClean="0"/>
-              <a:t>neighbor</a:t>
-            </a:r>
-            <a:r>
-              <a:rPr lang="de-DE" sz="1000" dirty="0" smtClean="0"/>
-              <a:t>[</a:t>
-            </a:r>
-            <a:r>
-              <a:rPr lang="de-DE" sz="1000" dirty="0" err="1" smtClean="0"/>
-              <a:t>index</a:t>
-            </a:r>
-            <a:r>
-              <a:rPr lang="de-DE" sz="1000" dirty="0" smtClean="0"/>
-              <a:t>] += </a:t>
-            </a:r>
-            <a:r>
-              <a:rPr lang="de-DE" sz="1000" dirty="0" smtClean="0">
-                <a:solidFill>
-                  <a:srgbClr val="00008B"/>
-                </a:solidFill>
-                <a:effectLst/>
-              </a:rPr>
-              <a:t>2</a:t>
-            </a:r>
-            <a:r>
-              <a:rPr lang="de-DE" sz="1000" dirty="0" smtClean="0"/>
-              <a:t> * </a:t>
-            </a:r>
-            <a:r>
-              <a:rPr lang="de-DE" sz="1000" dirty="0" err="1" smtClean="0"/>
-              <a:t>random.</a:t>
-            </a:r>
-            <a:r>
-              <a:rPr lang="de-DE" sz="1000" dirty="0" err="1" smtClean="0">
-                <a:solidFill>
-                  <a:srgbClr val="191970"/>
-                </a:solidFill>
-                <a:effectLst/>
-              </a:rPr>
-              <a:t>NextDouble</a:t>
-            </a:r>
-            <a:r>
-              <a:rPr lang="de-DE" sz="1000" dirty="0" smtClean="0"/>
-              <a:t>() - </a:t>
-            </a:r>
-            <a:r>
-              <a:rPr lang="de-DE" sz="1000" dirty="0" smtClean="0">
-                <a:solidFill>
-                  <a:srgbClr val="00008B"/>
-                </a:solidFill>
-                <a:effectLst/>
-              </a:rPr>
-              <a:t>1</a:t>
-            </a:r>
-            <a:r>
-              <a:rPr lang="de-DE" sz="1000" dirty="0" smtClean="0"/>
-              <a:t>;</a:t>
-            </a:r>
-            <a:br>
-              <a:rPr lang="de-DE" sz="1000" dirty="0" smtClean="0"/>
-            </a:br>
-            <a:r>
-              <a:rPr lang="de-DE" sz="1000" dirty="0" smtClean="0"/>
-              <a:t>        </a:t>
-            </a:r>
-            <a:r>
-              <a:rPr lang="de-DE" sz="1000" dirty="0" err="1" smtClean="0">
-                <a:solidFill>
-                  <a:srgbClr val="000080"/>
-                </a:solidFill>
-                <a:effectLst/>
-              </a:rPr>
-              <a:t>yield</a:t>
-            </a:r>
-            <a:r>
-              <a:rPr lang="de-DE" sz="1000" dirty="0" smtClean="0"/>
-              <a:t> </a:t>
-            </a:r>
-            <a:r>
-              <a:rPr lang="de-DE" sz="1000" dirty="0" err="1" smtClean="0">
-                <a:solidFill>
-                  <a:srgbClr val="000080"/>
-                </a:solidFill>
-                <a:effectLst/>
-              </a:rPr>
-              <a:t>return</a:t>
-            </a:r>
-            <a:r>
-              <a:rPr lang="de-DE" sz="1000" dirty="0" smtClean="0"/>
-              <a:t> </a:t>
-            </a:r>
-            <a:r>
-              <a:rPr lang="de-DE" sz="1000" dirty="0" err="1" smtClean="0"/>
-              <a:t>neighbor</a:t>
-            </a:r>
-            <a:r>
-              <a:rPr lang="de-DE" sz="1000" dirty="0" smtClean="0"/>
-              <a:t>;</a:t>
-            </a:r>
-            <a:br>
-              <a:rPr lang="de-DE" sz="1000" dirty="0" smtClean="0"/>
-            </a:br>
-            <a:r>
-              <a:rPr lang="de-DE" sz="1000" dirty="0" smtClean="0"/>
-              <a:t>      }</a:t>
-            </a:r>
-            <a:br>
-              <a:rPr lang="de-DE" sz="1000" dirty="0" smtClean="0"/>
-            </a:br>
-            <a:r>
-              <a:rPr lang="de-DE" sz="1000" dirty="0" smtClean="0"/>
-              <a:t>    }</a:t>
-            </a:r>
-            <a:br>
-              <a:rPr lang="de-DE" sz="1000" dirty="0" smtClean="0"/>
-            </a:br>
-            <a:r>
-              <a:rPr lang="de-DE" sz="1000" dirty="0" smtClean="0"/>
-              <a:t>  }</a:t>
-            </a:r>
-            <a:endParaRPr lang="de-DE" sz="1000" dirty="0"/>
+              <a:rPr lang="de-DE" sz="1600" dirty="0"/>
+              <a:t> </a:t>
+            </a:r>
+            <a:r>
+              <a:rPr lang="de-DE" sz="1600" dirty="0" smtClean="0"/>
+              <a:t>}</a:t>
+            </a:r>
+            <a:endParaRPr lang="de-DE" sz="1600" dirty="0"/>
           </a:p>
         </p:txBody>
       </p:sp>
@@ -8237,13 +6194,13 @@
         </p:nvSpPr>
         <p:spPr>
           <a:xfrm>
-            <a:off x="838200" y="1825625"/>
-            <a:ext cx="10515600" cy="2297487"/>
+            <a:off x="628650" y="1690689"/>
+            <a:ext cx="7886700" cy="4108070"/>
           </a:xfrm>
         </p:spPr>
         <p:txBody>
           <a:bodyPr>
-            <a:normAutofit fontScale="70000" lnSpcReduction="20000"/>
+            <a:normAutofit/>
           </a:bodyPr>
           <a:lstStyle/>
           <a:p>
@@ -8253,39 +6210,33 @@
             </a:r>
             <a:r>
               <a:rPr lang="en-US" dirty="0"/>
-              <a:t> allow to easily create new </a:t>
-            </a:r>
+              <a:t> </a:t>
+            </a:r>
+            <a:endParaRPr lang="en-US" dirty="0" smtClean="0"/>
+          </a:p>
+          <a:p>
+            <a:pPr lvl="1"/>
             <a:r>
               <a:rPr lang="en-US" dirty="0" smtClean="0"/>
-              <a:t>algorithms</a:t>
+              <a:t>Parameter-less </a:t>
+            </a:r>
+            <a:r>
+              <a:rPr lang="en-US" dirty="0"/>
+              <a:t>Population </a:t>
+            </a:r>
+            <a:r>
+              <a:rPr lang="en-US" dirty="0" smtClean="0"/>
+              <a:t>Pyramid </a:t>
+            </a:r>
+            <a:r>
+              <a:rPr lang="en-US" dirty="0"/>
+              <a:t>was implemented within one week</a:t>
             </a:r>
           </a:p>
           <a:p>
             <a:pPr lvl="1"/>
             <a:r>
-              <a:rPr lang="en-US" dirty="0"/>
-              <a:t>P3 (Parameter-less Population Pyramid) was implemented within one week</a:t>
-            </a:r>
-          </a:p>
-          <a:p>
-            <a:pPr lvl="1"/>
-            <a:r>
-              <a:rPr lang="en-US" dirty="0"/>
-              <a:t>Override </a:t>
-            </a:r>
-            <a:r>
               <a:rPr lang="en-US" dirty="0" smtClean="0"/>
-              <a:t>Initialize(…) </a:t>
-            </a:r>
-            <a:r>
-              <a:rPr lang="en-US" dirty="0"/>
-              <a:t>to initialize the algorithm</a:t>
-            </a:r>
-          </a:p>
-          <a:p>
-            <a:pPr lvl="1"/>
-            <a:r>
-              <a:rPr lang="en-US" dirty="0"/>
               <a:t>Implement </a:t>
             </a:r>
             <a:r>
@@ -8296,33 +6247,31 @@
           </a:p>
           <a:p>
             <a:r>
-              <a:rPr lang="en-US" dirty="0" smtClean="0"/>
-              <a:t>Up to now, </a:t>
-            </a:r>
-            <a:r>
-              <a:rPr lang="en-US" dirty="0" err="1" smtClean="0"/>
-              <a:t>BasicAlgorithms</a:t>
-            </a:r>
-            <a:r>
-              <a:rPr lang="en-US" dirty="0" smtClean="0"/>
-              <a:t> could not be paused</a:t>
-            </a:r>
-          </a:p>
-          <a:p>
-            <a:r>
               <a:rPr lang="en-US" dirty="0" err="1" smtClean="0"/>
               <a:t>BasicAlgorithms.Pausable</a:t>
             </a:r>
             <a:r>
               <a:rPr lang="en-US" dirty="0" smtClean="0"/>
-              <a:t> has been added</a:t>
+              <a:t> </a:t>
+            </a:r>
+            <a:r>
+              <a:rPr lang="en-US" dirty="0" smtClean="0"/>
+              <a:t>has been added</a:t>
             </a:r>
           </a:p>
           <a:p>
             <a:pPr lvl="1"/>
             <a:r>
               <a:rPr lang="en-US" dirty="0" smtClean="0"/>
-              <a:t>If true, cancelling the </a:t>
+              <a:t>Specific </a:t>
+            </a:r>
+            <a:r>
+              <a:rPr lang="en-US" dirty="0" smtClean="0"/>
+              <a:t>algorithm is responsible for supporting </a:t>
+            </a:r>
+            <a:r>
+              <a:rPr lang="en-US" dirty="0" smtClean="0"/>
+              <a:t>pause/resume (</a:t>
             </a:r>
             <a:r>
               <a:rPr lang="en-US" dirty="0" err="1" smtClean="0"/>
@@ -8330,15 +6279,9 @@
             </a:r>
             <a:r>
               <a:rPr lang="en-US" dirty="0" smtClean="0"/>
-              <a:t> can pause the algorithm</a:t>
-            </a:r>
-          </a:p>
-          <a:p>
-            <a:pPr lvl="1"/>
-            <a:r>
-              <a:rPr lang="en-US" dirty="0" smtClean="0"/>
-              <a:t>Specific algorithm is responsible for supporting pause/resume</a:t>
-            </a:r>
+              <a:t>)</a:t>
+            </a:r>
+            <a:endParaRPr lang="en-US" dirty="0" smtClean="0"/>
           </a:p>
         </p:txBody>
       </p:sp>
@@ -8352,8 +6295,8 @@
         </p:nvSpPr>
         <p:spPr>
           <a:xfrm>
-            <a:off x="2122454" y="4139739"/>
-            <a:ext cx="7947093" cy="2369129"/>
+            <a:off x="1035250" y="4776353"/>
+            <a:ext cx="7909967" cy="1776847"/>
           </a:xfrm>
           <a:prstGeom prst="rect">
             <a:avLst/>
@@ -8535,7 +6478,7 @@
               <a:buNone/>
             </a:pPr>
             <a:r>
-              <a:rPr lang="de-AT" sz="1000" dirty="0">
+              <a:rPr lang="de-AT" sz="1600" dirty="0" err="1" smtClean="0">
                 <a:solidFill>
                   <a:srgbClr val="0000FF"/>
                 </a:solidFill>
@@ -8543,11 +6486,11 @@
               <a:t>protected</a:t>
             </a:r>
             <a:r>
-              <a:rPr lang="de-AT" sz="1000" dirty="0"/>
-              <a:t> </a:t>
-            </a:r>
-            <a:r>
-              <a:rPr lang="de-AT" sz="1000" dirty="0">
+              <a:rPr lang="de-AT" sz="1600" dirty="0" smtClean="0"/>
+              <a:t> </a:t>
+            </a:r>
+            <a:r>
+              <a:rPr lang="de-AT" sz="1600" dirty="0">
                 <a:solidFill>
                   <a:srgbClr val="A52A2A"/>
                 </a:solidFill>
@@ -8555,11 +6498,11 @@
               <a:t>override</a:t>
             </a:r>
             <a:r>
-              <a:rPr lang="de-AT" sz="1000" dirty="0"/>
-              <a:t> </a:t>
-            </a:r>
-            <a:r>
-              <a:rPr lang="de-AT" sz="1000" dirty="0">
+              <a:rPr lang="de-AT" sz="1600" dirty="0"/>
+              <a:t> </a:t>
+            </a:r>
+            <a:r>
+              <a:rPr lang="de-AT" sz="1600" dirty="0">
                 <a:solidFill>
                   <a:srgbClr val="FF0000"/>
                 </a:solidFill>
@@ -8567,253 +6510,11 @@
               <a:t>void</a:t>
             </a:r>
             <a:r>
-              <a:rPr lang="de-AT" sz="1000" dirty="0"/>
-              <a:t> </a:t>
-            </a:r>
-            <a:r>
-              <a:rPr lang="de-AT" sz="1000" dirty="0">
-                <a:solidFill>
-                  <a:srgbClr val="191970"/>
-                </a:solidFill>
-              </a:rPr>
-              <a:t>Initialize</a:t>
-            </a:r>
-            <a:r>
-              <a:rPr lang="de-AT" sz="1000" dirty="0"/>
-              <a:t>(CancellationToken cancellationToken) {</a:t>
-            </a:r>
-            <a:br>
-              <a:rPr lang="de-AT" sz="1000" dirty="0"/>
-            </a:br>
-            <a:r>
-              <a:rPr lang="de-AT" sz="1000" dirty="0"/>
-              <a:t>  Results.</a:t>
-            </a:r>
-            <a:r>
-              <a:rPr lang="de-AT" sz="1000" dirty="0">
-                <a:solidFill>
-                  <a:srgbClr val="191970"/>
-                </a:solidFill>
-              </a:rPr>
-              <a:t>Add</a:t>
-            </a:r>
-            <a:r>
-              <a:rPr lang="de-AT" sz="1000" dirty="0"/>
-              <a:t>(</a:t>
-            </a:r>
-            <a:r>
-              <a:rPr lang="de-AT" sz="1000" dirty="0">
-                <a:solidFill>
-                  <a:srgbClr val="008B8B"/>
-                </a:solidFill>
-              </a:rPr>
-              <a:t>new</a:t>
-            </a:r>
-            <a:r>
-              <a:rPr lang="de-AT" sz="1000" dirty="0"/>
-              <a:t> </a:t>
-            </a:r>
-            <a:r>
-              <a:rPr lang="de-AT" sz="1000" dirty="0">
-                <a:solidFill>
-                  <a:srgbClr val="191970"/>
-                </a:solidFill>
-              </a:rPr>
-              <a:t>Result</a:t>
-            </a:r>
-            <a:r>
-              <a:rPr lang="de-AT" sz="1000" dirty="0"/>
-              <a:t>(BestQualityResultName, </a:t>
-            </a:r>
-            <a:r>
-              <a:rPr lang="de-AT" sz="1000" dirty="0">
-                <a:solidFill>
-                  <a:srgbClr val="008B8B"/>
-                </a:solidFill>
-              </a:rPr>
-              <a:t>new</a:t>
-            </a:r>
-            <a:r>
-              <a:rPr lang="de-AT" sz="1000" dirty="0"/>
-              <a:t> </a:t>
-            </a:r>
-            <a:r>
-              <a:rPr lang="de-AT" sz="1000" dirty="0">
-                <a:solidFill>
-                  <a:srgbClr val="191970"/>
-                </a:solidFill>
-              </a:rPr>
-              <a:t>DoubleValue</a:t>
-            </a:r>
-            <a:r>
-              <a:rPr lang="de-AT" sz="1000" dirty="0"/>
-              <a:t>(</a:t>
-            </a:r>
-            <a:r>
-              <a:rPr lang="de-AT" sz="1000" dirty="0">
-                <a:solidFill>
-                  <a:srgbClr val="FF0000"/>
-                </a:solidFill>
-              </a:rPr>
-              <a:t>double</a:t>
-            </a:r>
-            <a:r>
-              <a:rPr lang="de-AT" sz="1000" dirty="0"/>
-              <a:t>.NaN)));</a:t>
-            </a:r>
-            <a:br>
-              <a:rPr lang="de-AT" sz="1000" dirty="0"/>
-            </a:br>
-            <a:r>
-              <a:rPr lang="de-AT" sz="1000" dirty="0"/>
-              <a:t>  Results.</a:t>
-            </a:r>
-            <a:r>
-              <a:rPr lang="de-AT" sz="1000" dirty="0">
-                <a:solidFill>
-                  <a:srgbClr val="191970"/>
-                </a:solidFill>
-              </a:rPr>
-              <a:t>Add</a:t>
-            </a:r>
-            <a:r>
-              <a:rPr lang="de-AT" sz="1000" dirty="0"/>
-              <a:t>(</a:t>
-            </a:r>
-            <a:r>
-              <a:rPr lang="de-AT" sz="1000" dirty="0">
-                <a:solidFill>
-                  <a:srgbClr val="008B8B"/>
-                </a:solidFill>
-              </a:rPr>
-              <a:t>new</a:t>
-            </a:r>
-            <a:r>
-              <a:rPr lang="de-AT" sz="1000" dirty="0"/>
-              <a:t> </a:t>
-            </a:r>
-            <a:r>
-              <a:rPr lang="de-AT" sz="1000" dirty="0">
-                <a:solidFill>
-                  <a:srgbClr val="191970"/>
-                </a:solidFill>
-              </a:rPr>
-              <a:t>Result</a:t>
-            </a:r>
-            <a:r>
-              <a:rPr lang="de-AT" sz="1000" dirty="0"/>
-              <a:t>(IterationsResultName, </a:t>
-            </a:r>
-            <a:r>
-              <a:rPr lang="de-AT" sz="1000" dirty="0">
-                <a:solidFill>
-                  <a:srgbClr val="008B8B"/>
-                </a:solidFill>
-              </a:rPr>
-              <a:t>new</a:t>
-            </a:r>
-            <a:r>
-              <a:rPr lang="de-AT" sz="1000" dirty="0"/>
-              <a:t> </a:t>
-            </a:r>
-            <a:r>
-              <a:rPr lang="de-AT" sz="1000" dirty="0">
-                <a:solidFill>
-                  <a:srgbClr val="191970"/>
-                </a:solidFill>
-              </a:rPr>
-              <a:t>IntValue</a:t>
-            </a:r>
-            <a:r>
-              <a:rPr lang="de-AT" sz="1000" dirty="0"/>
-              <a:t>(</a:t>
-            </a:r>
-            <a:r>
-              <a:rPr lang="de-AT" sz="1000" dirty="0">
-                <a:solidFill>
-                  <a:srgbClr val="00008B"/>
-                </a:solidFill>
-              </a:rPr>
-              <a:t>0</a:t>
-            </a:r>
-            <a:r>
-              <a:rPr lang="de-AT" sz="1000" dirty="0"/>
-              <a:t>)));</a:t>
-            </a:r>
-            <a:br>
-              <a:rPr lang="de-AT" sz="1000" dirty="0"/>
-            </a:br>
-            <a:r>
-              <a:rPr lang="de-AT" sz="1000" dirty="0"/>
-              <a:t>  base.</a:t>
-            </a:r>
-            <a:r>
-              <a:rPr lang="de-AT" sz="1000" dirty="0">
-                <a:solidFill>
-                  <a:srgbClr val="191970"/>
-                </a:solidFill>
-              </a:rPr>
-              <a:t>Initialize</a:t>
-            </a:r>
-            <a:r>
-              <a:rPr lang="de-AT" sz="1000" dirty="0"/>
-              <a:t>(cancellationToken);</a:t>
-            </a:r>
-            <a:br>
-              <a:rPr lang="de-AT" sz="1000" dirty="0"/>
-            </a:br>
-            <a:r>
-              <a:rPr lang="de-AT" sz="1000" dirty="0"/>
-              <a:t>}</a:t>
-            </a:r>
-            <a:br>
-              <a:rPr lang="de-AT" sz="1000" dirty="0"/>
-            </a:br>
-            <a:r>
-              <a:rPr lang="de-AT" sz="1000" dirty="0"/>
-              <a:t/>
-            </a:r>
-            <a:br>
-              <a:rPr lang="de-AT" sz="1000" dirty="0"/>
-            </a:br>
-            <a:r>
-              <a:rPr lang="de-AT" sz="1000" dirty="0">
-                <a:solidFill>
-                  <a:srgbClr val="0000FF"/>
-                </a:solidFill>
-              </a:rPr>
-              <a:t>protected</a:t>
-            </a:r>
-            <a:r>
-              <a:rPr lang="de-AT" sz="1000" dirty="0"/>
-              <a:t> </a:t>
-            </a:r>
-            <a:r>
-              <a:rPr lang="de-AT" sz="1000" dirty="0">
-                <a:solidFill>
-                  <a:srgbClr val="A52A2A"/>
-                </a:solidFill>
-              </a:rPr>
-              <a:t>override</a:t>
-            </a:r>
-            <a:r>
-              <a:rPr lang="de-AT" sz="1000" dirty="0"/>
-              <a:t> </a:t>
-            </a:r>
-            <a:r>
-              <a:rPr lang="de-AT" sz="1000" dirty="0">
-                <a:solidFill>
-                  <a:srgbClr val="FF0000"/>
-                </a:solidFill>
-              </a:rPr>
-              <a:t>void</a:t>
-            </a:r>
-            <a:r>
-              <a:rPr lang="de-AT" sz="1000" dirty="0"/>
-              <a:t> </a:t>
-            </a:r>
-            <a:r>
-              <a:rPr lang="de-AT" sz="1000" dirty="0">
+              <a:rPr lang="de-AT" sz="1600" dirty="0"/>
+              <a:t> </a:t>
+            </a:r>
+            <a:r>
+              <a:rPr lang="de-AT" sz="1600" dirty="0">
                 <a:solidFill>
                   <a:srgbClr val="191970"/>
                 </a:solidFill>
@@ -8821,18 +6522,18 @@
               <a:t>Run</a:t>
             </a:r>
             <a:r>
-              <a:rPr lang="de-AT" sz="1000" dirty="0"/>
+              <a:rPr lang="de-AT" sz="1600" dirty="0"/>
               <a:t>(CancellationToken cancellationToken) {</a:t>
             </a:r>
             <a:br>
-              <a:rPr lang="de-AT" sz="1000" dirty="0"/>
+              <a:rPr lang="de-AT" sz="1600" dirty="0"/>
             </a:br>
             <a:r>
-              <a:rPr lang="de-AT" sz="1000" dirty="0"/>
+              <a:rPr lang="de-AT" sz="1600" dirty="0"/>
               <a:t>  </a:t>
             </a:r>
             <a:r>
-              <a:rPr lang="de-AT" sz="1000" dirty="0">
+              <a:rPr lang="de-AT" sz="1600" dirty="0">
                 <a:solidFill>
                   <a:srgbClr val="0000FF"/>
                 </a:solidFill>
@@ -8840,18 +6541,34 @@
               <a:t>while</a:t>
             </a:r>
             <a:r>
-              <a:rPr lang="de-AT" sz="1000" dirty="0"/>
-              <a:t> (ResultsIterations &lt; Iterations) {</a:t>
+              <a:rPr lang="de-AT" sz="1600" dirty="0"/>
+              <a:t> (ResultsIterations &lt; </a:t>
+            </a:r>
+            <a:r>
+              <a:rPr lang="de-AT" sz="1600" dirty="0" err="1"/>
+              <a:t>Iterations</a:t>
+            </a:r>
+            <a:r>
+              <a:rPr lang="de-AT" sz="1600" dirty="0" smtClean="0"/>
+              <a:t>) {</a:t>
+            </a:r>
+            <a:r>
+              <a:rPr lang="de-AT" sz="1600" dirty="0"/>
+              <a:t/>
             </a:r>
             <a:br>
-              <a:rPr lang="de-AT" sz="1000" dirty="0"/>
+              <a:rPr lang="de-AT" sz="1600" dirty="0"/>
             </a:br>
             <a:r>
-              <a:rPr lang="de-AT" sz="1000" dirty="0"/>
-              <a:t>    cancellationToken.</a:t>
-            </a:r>
-            <a:r>
-              <a:rPr lang="de-AT" sz="1000" dirty="0">
+              <a:rPr lang="de-AT" sz="1600" dirty="0"/>
+              <a:t>    </a:t>
+            </a:r>
+            <a:r>
+              <a:rPr lang="de-AT" sz="1600" dirty="0" err="1"/>
+              <a:t>cancellationToken.</a:t>
+            </a:r>
+            <a:r>
+              <a:rPr lang="de-AT" sz="1600" dirty="0" err="1">
                 <a:solidFill>
                   <a:srgbClr val="191970"/>
                 </a:solidFill>
@@ -8859,64 +6576,82 @@
               <a:t>ThrowIfCancellationRequested</a:t>
             </a:r>
             <a:r>
-              <a:rPr lang="de-AT" sz="1000" dirty="0"/>
+              <a:rPr lang="de-AT" sz="1600" dirty="0" smtClean="0"/>
               <a:t>();</a:t>
             </a:r>
+            <a:r>
+              <a:rPr lang="de-AT" sz="1600" dirty="0"/>
+              <a:t/>
+            </a:r>
             <a:br>
-              <a:rPr lang="de-AT" sz="1000" dirty="0"/>
+              <a:rPr lang="de-AT" sz="1600" dirty="0"/>
             </a:br>
             <a:r>
-              <a:rPr lang="de-AT" sz="1000" dirty="0"/>
+              <a:rPr lang="de-AT" sz="1600" dirty="0"/>
+              <a:t>    </a:t>
+            </a:r>
+            <a:r>
+              <a:rPr lang="de-AT" sz="1600" dirty="0">
+                <a:solidFill>
+                  <a:srgbClr val="008000"/>
+                </a:solidFill>
+              </a:rPr>
+              <a:t>// execute </a:t>
+            </a:r>
+            <a:r>
+              <a:rPr lang="de-AT" sz="1600" dirty="0" err="1">
+                <a:solidFill>
+                  <a:srgbClr val="008000"/>
+                </a:solidFill>
+              </a:rPr>
+              <a:t>one</a:t>
+            </a:r>
+            <a:r>
+              <a:rPr lang="de-AT" sz="1600" dirty="0">
+                <a:solidFill>
+                  <a:srgbClr val="008000"/>
+                </a:solidFill>
+              </a:rPr>
+              <a:t> </a:t>
+            </a:r>
+            <a:r>
+              <a:rPr lang="de-AT" sz="1600" dirty="0" err="1" smtClean="0">
+                <a:solidFill>
+                  <a:srgbClr val="008000"/>
+                </a:solidFill>
+              </a:rPr>
+              <a:t>iteration</a:t>
+            </a:r>
+            <a:r>
+              <a:rPr lang="de-AT" sz="1600" dirty="0"/>
               <a:t/>
             </a:r>
             <a:br>
-              <a:rPr lang="de-AT" sz="1000" dirty="0"/>
+              <a:rPr lang="de-AT" sz="1600" dirty="0"/>
             </a:br>
             <a:r>
-              <a:rPr lang="de-AT" sz="1000" dirty="0"/>
-              <a:t>    </a:t>
-            </a:r>
-            <a:r>
-              <a:rPr lang="de-AT" sz="1000" dirty="0">
-                <a:solidFill>
-                  <a:srgbClr val="008000"/>
-                </a:solidFill>
-              </a:rPr>
-              <a:t>// execute one iteration</a:t>
-            </a:r>
-            <a:r>
-              <a:rPr lang="de-AT" sz="1000" dirty="0"/>
-              <a:t/>
+              <a:rPr lang="de-AT" sz="1600" dirty="0"/>
+              <a:t>    ResultsIterations++;</a:t>
             </a:r>
             <a:br>
-              <a:rPr lang="de-AT" sz="1000" dirty="0"/>
+              <a:rPr lang="de-AT" sz="1600" dirty="0"/>
             </a:br>
             <a:r>
-              <a:rPr lang="de-AT" sz="1000" dirty="0"/>
-              <a:t/>
+              <a:rPr lang="de-AT" sz="1600" dirty="0"/>
+              <a:t>  </a:t>
+            </a:r>
+            <a:r>
+              <a:rPr lang="de-AT" sz="1600" dirty="0" smtClean="0"/>
+              <a:t>}</a:t>
             </a:r>
             <a:br>
-              <a:rPr lang="de-AT" sz="1000" dirty="0"/>
+              <a:rPr lang="de-AT" sz="1600" dirty="0" smtClean="0"/>
             </a:br>
             <a:r>
-              <a:rPr lang="de-AT" sz="1000" dirty="0"/>
-              <a:t>    ResultsIterations++;</a:t>
-            </a:r>
-            <a:br>
-              <a:rPr lang="de-AT" sz="1000" dirty="0"/>
-            </a:br>
-            <a:r>
-              <a:rPr lang="de-AT" sz="1000" dirty="0"/>
-              <a:t>  }</a:t>
-            </a:r>
-            <a:br>
-              <a:rPr lang="de-AT" sz="1000" dirty="0"/>
-            </a:br>
-            <a:r>
-              <a:rPr lang="de-AT" sz="1000" dirty="0"/>
+              <a:rPr lang="de-AT" sz="1600" dirty="0" smtClean="0"/>
               <a:t>}</a:t>
             </a:r>
-            <a:endParaRPr lang="de-DE" sz="1000" dirty="0"/>
+            <a:endParaRPr lang="de-DE" sz="1600" dirty="0"/>
           </a:p>
         </p:txBody>
       </p:sp>
@@ -9006,46 +6741,150 @@
           <a:lstStyle/>
           <a:p>
             <a:r>
+              <a:rPr lang="de-DE" dirty="0" err="1" smtClean="0"/>
+              <a:t>Algorithm.Start</a:t>
+            </a:r>
+            <a:r>
               <a:rPr lang="de-DE" dirty="0" smtClean="0"/>
-              <a:t>We </a:t>
-            </a:r>
+              <a:t> </a:t>
+            </a:r>
+            <a:r>
+              <a:rPr lang="de-DE" dirty="0" err="1" smtClean="0"/>
+              <a:t>is</a:t>
+            </a:r>
+            <a:r>
+              <a:rPr lang="de-DE" dirty="0" smtClean="0"/>
+              <a:t> an </a:t>
+            </a:r>
+            <a:r>
+              <a:rPr lang="de-DE" dirty="0" err="1" smtClean="0"/>
+              <a:t>async</a:t>
+            </a:r>
+            <a:r>
+              <a:rPr lang="de-DE" dirty="0" smtClean="0"/>
+              <a:t> </a:t>
+            </a:r>
+            <a:r>
+              <a:rPr lang="de-DE" dirty="0" err="1" smtClean="0"/>
+              <a:t>operation</a:t>
+            </a:r>
+            <a:endParaRPr lang="de-DE" dirty="0" smtClean="0"/>
+          </a:p>
+          <a:p>
             <a:r>
               <a:rPr lang="de-DE" dirty="0"/>
-              <a:t>should better reflect the style of async/wait programming in C#</a:t>
-            </a:r>
+              <a:t>Sample </a:t>
+            </a:r>
+            <a:r>
+              <a:rPr lang="de-DE" dirty="0" err="1"/>
+              <a:t>tests</a:t>
+            </a:r>
+            <a:r>
+              <a:rPr lang="de-DE" dirty="0"/>
+              <a:t> </a:t>
+            </a:r>
+            <a:r>
+              <a:rPr lang="de-DE" dirty="0" err="1" smtClean="0"/>
+              <a:t>and</a:t>
+            </a:r>
+            <a:r>
+              <a:rPr lang="de-DE" dirty="0" smtClean="0"/>
+              <a:t> </a:t>
+            </a:r>
+            <a:r>
+              <a:rPr lang="de-DE" dirty="0" err="1" smtClean="0"/>
+              <a:t>scripts</a:t>
+            </a:r>
+            <a:r>
+              <a:rPr lang="de-DE" dirty="0" smtClean="0"/>
+              <a:t> must </a:t>
+            </a:r>
+            <a:r>
+              <a:rPr lang="de-DE" dirty="0" err="1"/>
+              <a:t>use</a:t>
+            </a:r>
+            <a:r>
+              <a:rPr lang="de-DE" dirty="0"/>
+              <a:t> </a:t>
+            </a:r>
+            <a:r>
+              <a:rPr lang="de-DE" dirty="0" err="1"/>
+              <a:t>helper</a:t>
+            </a:r>
+            <a:r>
+              <a:rPr lang="de-DE" dirty="0"/>
+              <a:t> </a:t>
+            </a:r>
+            <a:r>
+              <a:rPr lang="de-DE" dirty="0" err="1"/>
+              <a:t>functions</a:t>
+            </a:r>
+            <a:r>
+              <a:rPr lang="de-DE" dirty="0"/>
+              <a:t> </a:t>
+            </a:r>
+            <a:r>
+              <a:rPr lang="de-DE" dirty="0" err="1"/>
+              <a:t>to</a:t>
+            </a:r>
+            <a:r>
+              <a:rPr lang="de-DE" dirty="0"/>
+              <a:t> </a:t>
+            </a:r>
+            <a:r>
+              <a:rPr lang="de-DE" dirty="0" err="1"/>
+              <a:t>wait</a:t>
+            </a:r>
+            <a:r>
+              <a:rPr lang="de-DE" dirty="0"/>
+              <a:t> </a:t>
+            </a:r>
+            <a:r>
+              <a:rPr lang="de-DE" dirty="0" err="1"/>
+              <a:t>for</a:t>
+            </a:r>
+            <a:r>
+              <a:rPr lang="de-DE" dirty="0"/>
+              <a:t> </a:t>
+            </a:r>
+            <a:r>
+              <a:rPr lang="de-DE" dirty="0" err="1"/>
+              <a:t>algorithm</a:t>
+            </a:r>
+            <a:r>
+              <a:rPr lang="de-DE" dirty="0"/>
+              <a:t> </a:t>
+            </a:r>
+            <a:r>
+              <a:rPr lang="de-DE" dirty="0" err="1"/>
+              <a:t>results</a:t>
+            </a:r>
+            <a:endParaRPr lang="de-DE" dirty="0"/>
           </a:p>
           <a:p>
             <a:pPr lvl="1"/>
             <a:r>
+              <a:rPr lang="de-DE" dirty="0" smtClean="0"/>
+              <a:t>Call Start </a:t>
+            </a:r>
+            <a:r>
+              <a:rPr lang="de-DE" dirty="0" err="1" smtClean="0"/>
+              <a:t>synchronously</a:t>
+            </a:r>
+            <a:endParaRPr lang="de-DE" dirty="0"/>
+          </a:p>
+          <a:p>
+            <a:r>
+              <a:rPr lang="de-DE" dirty="0" err="1" smtClean="0"/>
+              <a:t>IExecutable.Start</a:t>
+            </a:r>
+            <a:r>
+              <a:rPr lang="de-DE" dirty="0" smtClean="0"/>
+              <a:t> </a:t>
+            </a:r>
+            <a:r>
               <a:rPr lang="de-DE" dirty="0"/>
-              <a:t>IExecutable.Start is actually an asynchronous operation and should be named StartAsync</a:t>
-            </a:r>
-          </a:p>
-          <a:p>
-            <a:r>
-              <a:rPr lang="de-DE" dirty="0"/>
-              <a:t>Sample tests (and e.g. scripts) must use helper functions to wait for algorithm results</a:t>
-            </a:r>
-          </a:p>
-          <a:p>
-            <a:pPr lvl="1"/>
-            <a:r>
-              <a:rPr lang="de-DE" dirty="0"/>
-              <a:t>We could just call Start synchronously</a:t>
-            </a:r>
-          </a:p>
-          <a:p>
-            <a:r>
-              <a:rPr lang="de-DE" dirty="0"/>
-              <a:t>We </a:t>
-            </a:r>
-            <a:r>
-              <a:rPr lang="de-DE" dirty="0" smtClean="0"/>
-              <a:t>added/implemented </a:t>
-            </a:r>
-            <a:r>
-              <a:rPr lang="de-DE" dirty="0"/>
-              <a:t>IExecutable.Start and IExecutable.StartAsync</a:t>
+              <a:t>and IExecutable.StartAsync</a:t>
             </a:r>
             <a:endParaRPr lang="en-US" dirty="0"/>
           </a:p>
@@ -9061,8 +6900,8 @@
         </p:nvSpPr>
         <p:spPr>
           <a:xfrm>
-            <a:off x="1831571" y="4563687"/>
-            <a:ext cx="4535978" cy="1396538"/>
+            <a:off x="1373678" y="4280015"/>
+            <a:ext cx="3401984" cy="1047404"/>
           </a:xfrm>
           <a:prstGeom prst="rect">
             <a:avLst/>
@@ -9241,10 +7080,9 @@
               <a:lnSpc>
                 <a:spcPct val="100000"/>
               </a:lnSpc>
-              <a:buFont typeface="Arial" panose="020B0604020202020204" pitchFamily="34" charset="0"/>
               <a:buNone/>
             </a:pPr>
-            <a:endParaRPr lang="de-DE" sz="1200" dirty="0" smtClean="0"/>
+            <a:endParaRPr lang="de-DE" sz="900" dirty="0"/>
           </a:p>
         </p:txBody>
       </p:sp>
@@ -9258,8 +7096,8 @@
         </p:nvSpPr>
         <p:spPr>
           <a:xfrm>
-            <a:off x="3944358" y="4912822"/>
-            <a:ext cx="4303285" cy="1047403"/>
+            <a:off x="1197575" y="4432874"/>
+            <a:ext cx="6520069" cy="1789089"/>
           </a:xfrm>
           <a:prstGeom prst="rect">
             <a:avLst/>
@@ -9441,7 +7279,7 @@
               <a:buNone/>
             </a:pPr>
             <a:r>
-              <a:rPr lang="de-AT" sz="1200" dirty="0">
+              <a:rPr lang="de-AT" sz="1800" dirty="0">
                 <a:solidFill>
                   <a:srgbClr val="000080"/>
                 </a:solidFill>
@@ -9449,11 +7287,11 @@
               <a:t>var</a:t>
             </a:r>
             <a:r>
-              <a:rPr lang="de-AT" sz="1200" dirty="0"/>
+              <a:rPr lang="de-AT" sz="1800" dirty="0"/>
               <a:t> ga = </a:t>
             </a:r>
             <a:r>
-              <a:rPr lang="de-AT" sz="1200" dirty="0">
+              <a:rPr lang="de-AT" sz="1800" dirty="0">
                 <a:solidFill>
                   <a:srgbClr val="008B8B"/>
                 </a:solidFill>
@@ -9461,11 +7299,11 @@
               <a:t>new</a:t>
             </a:r>
             <a:r>
-              <a:rPr lang="de-AT" sz="1200" dirty="0"/>
-              <a:t> </a:t>
-            </a:r>
-            <a:r>
-              <a:rPr lang="de-AT" sz="1200" dirty="0">
+              <a:rPr lang="de-AT" sz="1800" dirty="0"/>
+              <a:t> </a:t>
+            </a:r>
+            <a:r>
+              <a:rPr lang="de-AT" sz="1800" dirty="0">
                 <a:solidFill>
                   <a:srgbClr val="191970"/>
                 </a:solidFill>
@@ -9473,40 +7311,25 @@
               <a:t>GeneticAlgorithm</a:t>
             </a:r>
             <a:r>
-              <a:rPr lang="de-AT" sz="1200" dirty="0"/>
+              <a:rPr lang="de-AT" sz="1800" dirty="0"/>
               <a:t>()</a:t>
             </a:r>
             <a:br>
-              <a:rPr lang="de-AT" sz="1200" dirty="0"/>
+              <a:rPr lang="de-AT" sz="1800" dirty="0"/>
             </a:br>
             <a:r>
-              <a:rPr lang="de-AT" sz="1200" dirty="0">
-                <a:solidFill>
-                  <a:srgbClr val="008000"/>
-                </a:solidFill>
-              </a:rPr>
-              <a:t>// configure algorithm ...</a:t>
-            </a:r>
-            <a:r>
-              <a:rPr lang="de-AT" sz="1200" dirty="0"/>
+              <a:rPr lang="de-AT" sz="1800" dirty="0"/>
               <a:t/>
             </a:r>
             <a:br>
-              <a:rPr lang="de-AT" sz="1200" dirty="0"/>
+              <a:rPr lang="de-AT" sz="1800" dirty="0"/>
             </a:br>
             <a:r>
-              <a:rPr lang="de-AT" sz="1200" dirty="0"/>
-              <a:t/>
-            </a:r>
-            <a:br>
-              <a:rPr lang="de-AT" sz="1200" dirty="0"/>
-            </a:br>
-            <a:r>
-              <a:rPr lang="de-AT" sz="1200" dirty="0"/>
+              <a:rPr lang="de-AT" sz="1800" dirty="0"/>
               <a:t>ga.</a:t>
             </a:r>
             <a:r>
-              <a:rPr lang="de-AT" sz="1200" dirty="0">
+              <a:rPr lang="de-AT" sz="1800" dirty="0">
                 <a:solidFill>
                   <a:srgbClr val="191970"/>
                 </a:solidFill>
@@ -9514,11 +7337,11 @@
               <a:t>Start</a:t>
             </a:r>
             <a:r>
-              <a:rPr lang="de-AT" sz="1200" dirty="0"/>
+              <a:rPr lang="de-AT" sz="1800" dirty="0"/>
               <a:t>() </a:t>
             </a:r>
             <a:r>
-              <a:rPr lang="de-AT" sz="1200" dirty="0">
+              <a:rPr lang="de-AT" sz="1800" dirty="0">
                 <a:solidFill>
                   <a:srgbClr val="008000"/>
                 </a:solidFill>
@@ -9526,18 +7349,18 @@
               <a:t>// start "synchronously" (calls StartAsync().Wait())</a:t>
             </a:r>
             <a:r>
-              <a:rPr lang="de-AT" sz="1200" dirty="0"/>
+              <a:rPr lang="de-AT" sz="1800" dirty="0"/>
               <a:t/>
             </a:r>
             <a:br>
-              <a:rPr lang="de-AT" sz="1200" dirty="0"/>
+              <a:rPr lang="de-AT" sz="1800" dirty="0"/>
             </a:br>
             <a:r>
-              <a:rPr lang="de-AT" sz="1200" dirty="0"/>
+              <a:rPr lang="de-AT" sz="1800" dirty="0"/>
               <a:t>ga.</a:t>
             </a:r>
             <a:r>
-              <a:rPr lang="de-AT" sz="1200" dirty="0">
+              <a:rPr lang="de-AT" sz="1800" dirty="0">
                 <a:solidFill>
                   <a:srgbClr val="191970"/>
                 </a:solidFill>
@@ -9545,11 +7368,11 @@
               <a:t>StartAsync</a:t>
             </a:r>
             <a:r>
-              <a:rPr lang="de-AT" sz="1200" dirty="0"/>
+              <a:rPr lang="de-AT" sz="1800" dirty="0"/>
               <a:t>() </a:t>
             </a:r>
             <a:r>
-              <a:rPr lang="de-AT" sz="1200" dirty="0">
+              <a:rPr lang="de-AT" sz="1800" dirty="0">
                 <a:solidFill>
                   <a:srgbClr val="008000"/>
                 </a:solidFill>
@@ -9557,18 +7380,18 @@
               <a:t>// start asynchronously</a:t>
             </a:r>
             <a:r>
-              <a:rPr lang="de-AT" sz="1200" dirty="0"/>
+              <a:rPr lang="de-AT" sz="1800" dirty="0"/>
               <a:t/>
             </a:r>
             <a:br>
-              <a:rPr lang="de-AT" sz="1200" dirty="0"/>
+              <a:rPr lang="de-AT" sz="1800" dirty="0"/>
             </a:br>
             <a:r>
-              <a:rPr lang="de-AT" sz="1200" dirty="0"/>
+              <a:rPr lang="de-AT" sz="1800" dirty="0"/>
               <a:t>ga.</a:t>
             </a:r>
             <a:r>
-              <a:rPr lang="de-AT" sz="1200" dirty="0">
+              <a:rPr lang="de-AT" sz="1800" dirty="0">
                 <a:solidFill>
                   <a:srgbClr val="191970"/>
                 </a:solidFill>
@@ -9576,11 +7399,11 @@
               <a:t>StartAsync</a:t>
             </a:r>
             <a:r>
-              <a:rPr lang="de-AT" sz="1200" dirty="0"/>
+              <a:rPr lang="de-AT" sz="1800" dirty="0"/>
               <a:t>().</a:t>
             </a:r>
             <a:r>
-              <a:rPr lang="de-AT" sz="1200" dirty="0">
+              <a:rPr lang="de-AT" sz="1800" dirty="0">
                 <a:solidFill>
                   <a:srgbClr val="191970"/>
                 </a:solidFill>
@@ -9588,18 +7411,18 @@
               <a:t>Wait</a:t>
             </a:r>
             <a:r>
-              <a:rPr lang="de-AT" sz="1200" dirty="0"/>
+              <a:rPr lang="de-AT" sz="1800" dirty="0"/>
               <a:t>() </a:t>
             </a:r>
             <a:r>
-              <a:rPr lang="de-AT" sz="1200" dirty="0">
+              <a:rPr lang="de-AT" sz="1800" dirty="0">
                 <a:solidFill>
                   <a:srgbClr val="008000"/>
                 </a:solidFill>
               </a:rPr>
               <a:t>// start asynchronously and wait</a:t>
             </a:r>
-            <a:endParaRPr lang="de-DE" sz="1200" dirty="0"/>
+            <a:endParaRPr lang="de-DE" sz="1800" dirty="0"/>
           </a:p>
         </p:txBody>
       </p:sp>
@@ -9689,8 +7512,8 @@
               <a:t>Allows consistent termination in all </a:t>
             </a:r>
             <a:r>
-              <a:rPr lang="en-US" dirty="0" err="1" smtClean="0"/>
-              <a:t>EngineAlgorithms</a:t>
+              <a:rPr lang="en-US" dirty="0" smtClean="0"/>
+              <a:t>algorithms</a:t>
             </a:r>
             <a:endParaRPr lang="en-US" dirty="0" smtClean="0"/>
           </a:p>
@@ -9698,7 +7521,11 @@
             <a:pPr lvl="1"/>
             <a:r>
               <a:rPr lang="en-US" dirty="0" smtClean="0"/>
-              <a:t>Additional concept to better compare algorithm performances</a:t>
+              <a:t>Concept </a:t>
+            </a:r>
+            <a:r>
+              <a:rPr lang="en-US" dirty="0" smtClean="0"/>
+              <a:t>to better compare algorithm performances</a:t>
             </a:r>
           </a:p>
           <a:p>
@@ -9736,134 +7563,157 @@
             </a:r>
             <a:r>
               <a:rPr lang="en-US" dirty="0" smtClean="0"/>
-              <a:t> and cancels the algorithm if any of the active termination criteria is not met</a:t>
+              <a:t> and cancels the algorithm if any </a:t>
+            </a:r>
+            <a:r>
+              <a:rPr lang="en-US" dirty="0" smtClean="0"/>
+              <a:t>termination </a:t>
+            </a:r>
+            <a:r>
+              <a:rPr lang="en-US" dirty="0" smtClean="0"/>
+              <a:t>criteria is not met</a:t>
             </a:r>
             <a:endParaRPr lang="en-US" dirty="0"/>
           </a:p>
         </p:txBody>
       </p:sp>
-      <p:pic>
-        <p:nvPicPr>
-          <p:cNvPr id="11" name="Picture 10"/>
-          <p:cNvPicPr>
-            <a:picLocks noChangeAspect="1"/>
-          </p:cNvPicPr>
+      <p:grpSp>
+        <p:nvGrpSpPr>
+          <p:cNvPr id="4" name="Group 3"/>
+          <p:cNvGrpSpPr/>
           <p:nvPr/>
-        </p:nvPicPr>
-        <p:blipFill>
-          <a:blip r:embed="rId2"/>
-          <a:stretch>
-            <a:fillRect/>
-          </a:stretch>
-        </p:blipFill>
-        <p:spPr>
+        </p:nvGrpSpPr>
+        <p:grpSpPr>
           <a:xfrm>
-            <a:off x="2196291" y="4071017"/>
-            <a:ext cx="8048625" cy="2009775"/>
+            <a:off x="1351723" y="4479235"/>
+            <a:ext cx="6467060" cy="2078296"/>
+            <a:chOff x="1647219" y="3910513"/>
+            <a:chExt cx="6036469" cy="1507331"/>
           </a:xfrm>
-          <a:prstGeom prst="rect">
-            <a:avLst/>
-          </a:prstGeom>
-          <a:ln>
+        </p:grpSpPr>
+        <p:pic>
+          <p:nvPicPr>
+            <p:cNvPr id="11" name="Picture 10"/>
+            <p:cNvPicPr>
+              <a:picLocks noChangeAspect="1"/>
+            </p:cNvPicPr>
+            <p:nvPr/>
+          </p:nvPicPr>
+          <p:blipFill>
+            <a:blip r:embed="rId2"/>
+            <a:stretch>
+              <a:fillRect/>
+            </a:stretch>
+          </p:blipFill>
+          <p:spPr>
+            <a:xfrm>
+              <a:off x="1647219" y="3910513"/>
+              <a:ext cx="6036469" cy="1507331"/>
+            </a:xfrm>
+            <a:prstGeom prst="rect">
+              <a:avLst/>
+            </a:prstGeom>
+            <a:ln>
+              <a:noFill/>
+            </a:ln>
+            <a:effectLst>
+              <a:outerShdw blurRad="190500" algn="tl" rotWithShape="0">
+                <a:srgbClr val="000000">
+                  <a:alpha val="70000"/>
+                </a:srgbClr>
+              </a:outerShdw>
+            </a:effectLst>
+          </p:spPr>
+        </p:pic>
+        <p:sp>
+          <p:nvSpPr>
+            <p:cNvPr id="7" name="Rectangle 6"/>
+            <p:cNvSpPr/>
+            <p:nvPr/>
+          </p:nvSpPr>
+          <p:spPr>
+            <a:xfrm>
+              <a:off x="1665923" y="4149096"/>
+              <a:ext cx="1064807" cy="155863"/>
+            </a:xfrm>
+            <a:prstGeom prst="rect">
+              <a:avLst/>
+            </a:prstGeom>
             <a:noFill/>
-          </a:ln>
-          <a:effectLst>
-            <a:outerShdw blurRad="190500" algn="tl" rotWithShape="0">
-              <a:srgbClr val="000000">
-                <a:alpha val="70000"/>
-              </a:srgbClr>
-            </a:outerShdw>
-          </a:effectLst>
-        </p:spPr>
-      </p:pic>
-      <p:sp>
-        <p:nvSpPr>
-          <p:cNvPr id="7" name="Rectangle 6"/>
-          <p:cNvSpPr/>
-          <p:nvPr/>
-        </p:nvSpPr>
-        <p:spPr>
-          <a:xfrm>
-            <a:off x="2221230" y="4389127"/>
-            <a:ext cx="1419743" cy="207817"/>
-          </a:xfrm>
-          <a:prstGeom prst="rect">
-            <a:avLst/>
-          </a:prstGeom>
-          <a:noFill/>
-          <a:ln>
-            <a:solidFill>
-              <a:srgbClr val="FF0000"/>
-            </a:solidFill>
-          </a:ln>
-        </p:spPr>
-        <p:style>
-          <a:lnRef idx="2">
-            <a:schemeClr val="accent2"/>
-          </a:lnRef>
-          <a:fillRef idx="1">
-            <a:schemeClr val="lt1"/>
-          </a:fillRef>
-          <a:effectRef idx="0">
-            <a:schemeClr val="accent2"/>
-          </a:effectRef>
-          <a:fontRef idx="minor">
-            <a:schemeClr val="dk1"/>
-          </a:fontRef>
-        </p:style>
-        <p:txBody>
-          <a:bodyPr rtlCol="0" anchor="ctr"/>
-          <a:lstStyle/>
-          <a:p>
-            <a:pPr algn="ctr"/>
-            <a:endParaRPr lang="de-AT"/>
-          </a:p>
-        </p:txBody>
-      </p:sp>
-      <p:sp>
-        <p:nvSpPr>
-          <p:cNvPr id="9" name="Rectangle 8"/>
-          <p:cNvSpPr/>
-          <p:nvPr/>
-        </p:nvSpPr>
-        <p:spPr>
-          <a:xfrm>
-            <a:off x="4867449" y="4374435"/>
-            <a:ext cx="1275656" cy="207817"/>
-          </a:xfrm>
-          <a:prstGeom prst="rect">
-            <a:avLst/>
-          </a:prstGeom>
-          <a:noFill/>
-          <a:ln>
-            <a:solidFill>
-              <a:srgbClr val="FF0000"/>
-            </a:solidFill>
-          </a:ln>
-        </p:spPr>
-        <p:style>
-          <a:lnRef idx="2">
-            <a:schemeClr val="accent2"/>
-          </a:lnRef>
-          <a:fillRef idx="1">
-            <a:schemeClr val="lt1"/>
-          </a:fillRef>
-          <a:effectRef idx="0">
-            <a:schemeClr val="accent2"/>
-          </a:effectRef>
-          <a:fontRef idx="minor">
-            <a:schemeClr val="dk1"/>
-          </a:fontRef>
-        </p:style>
-        <p:txBody>
-          <a:bodyPr rtlCol="0" anchor="ctr"/>
-          <a:lstStyle/>
-          <a:p>
-            <a:pPr algn="ctr"/>
-            <a:endParaRPr lang="de-AT"/>
-          </a:p>
-        </p:txBody>
-      </p:sp>
+            <a:ln>
+              <a:solidFill>
+                <a:srgbClr val="FF0000"/>
+              </a:solidFill>
+            </a:ln>
+          </p:spPr>
+          <p:style>
+            <a:lnRef idx="2">
+              <a:schemeClr val="accent2"/>
+            </a:lnRef>
+            <a:fillRef idx="1">
+              <a:schemeClr val="lt1"/>
+            </a:fillRef>
+            <a:effectRef idx="0">
+              <a:schemeClr val="accent2"/>
+            </a:effectRef>
+            <a:fontRef idx="minor">
+              <a:schemeClr val="dk1"/>
+            </a:fontRef>
+          </p:style>
+          <p:txBody>
+            <a:bodyPr rtlCol="0" anchor="ctr"/>
+            <a:lstStyle/>
+            <a:p>
+              <a:pPr algn="ctr"/>
+              <a:endParaRPr lang="de-AT" sz="1350"/>
+            </a:p>
+          </p:txBody>
+        </p:sp>
+        <p:sp>
+          <p:nvSpPr>
+            <p:cNvPr id="9" name="Rectangle 8"/>
+            <p:cNvSpPr/>
+            <p:nvPr/>
+          </p:nvSpPr>
+          <p:spPr>
+            <a:xfrm>
+              <a:off x="3650587" y="4138077"/>
+              <a:ext cx="956742" cy="155863"/>
+            </a:xfrm>
+            <a:prstGeom prst="rect">
+              <a:avLst/>
+            </a:prstGeom>
+            <a:noFill/>
+            <a:ln>
+              <a:solidFill>
+                <a:srgbClr val="FF0000"/>
+              </a:solidFill>
+            </a:ln>
+          </p:spPr>
+          <p:style>
+            <a:lnRef idx="2">
+              <a:schemeClr val="accent2"/>
+            </a:lnRef>
+            <a:fillRef idx="1">
+              <a:schemeClr val="lt1"/>
+            </a:fillRef>
+            <a:effectRef idx="0">
+              <a:schemeClr val="accent2"/>
+            </a:effectRef>
+            <a:fontRef idx="minor">
+              <a:schemeClr val="dk1"/>
+            </a:fontRef>
+          </p:style>
+          <p:txBody>
+            <a:bodyPr rtlCol="0" anchor="ctr"/>
+            <a:lstStyle/>
+            <a:p>
+              <a:pPr algn="ctr"/>
+              <a:endParaRPr lang="de-AT" sz="1350"/>
+            </a:p>
+          </p:txBody>
+        </p:sp>
+      </p:grpSp>
     </p:spTree>
     <p:extLst>
       <p:ext uri="{BB962C8B-B14F-4D97-AF65-F5344CB8AC3E}">
@@ -9887,7 +7737,7 @@
 <file path=ppt/theme/theme1.xml><?xml version="1.0" encoding="utf-8"?>
 <a:theme xmlns:a="http://schemas.openxmlformats.org/drawingml/2006/main" name="Office Theme">
   <a:themeElements>
-    <a:clrScheme name="Office">
+    <a:clrScheme name="Office Theme">
       <a:dk1>
         <a:sysClr val="windowText" lastClr="000000"/>
       </a:dk1>
@@ -9925,7 +7775,7 @@
         <a:srgbClr val="954F72"/>
       </a:folHlink>
     </a:clrScheme>
-    <a:fontScheme name="Office">
+    <a:fontScheme name="Office Theme">
       <a:majorFont>
         <a:latin typeface="Calibri Light" panose="020F0302020204030204"/>
         <a:ea typeface=""/>
@@ -9997,7 +7847,7 @@
         <a:font script="Geor" typeface="Sylfaen"/>
       </a:minorFont>
     </a:fontScheme>
-    <a:fmtScheme name="Office">
+    <a:fmtScheme name="Office Theme">
       <a:fillStyleLst>
         <a:solidFill>
           <a:schemeClr val="phClr"/>
